--- a/Samsung/Lesson6/Циклы в Java.pptx
+++ b/Samsung/Lesson6/Циклы в Java.pptx
@@ -5,12 +5,19 @@
     <p:sldMasterId id="2147483840" r:id="rId1"/>
   </p:sldMasterIdLst>
   <p:sldIdLst>
-    <p:sldId id="256" r:id="rId2"/>
-    <p:sldId id="257" r:id="rId3"/>
-    <p:sldId id="258" r:id="rId4"/>
-    <p:sldId id="260" r:id="rId5"/>
-    <p:sldId id="261" r:id="rId6"/>
-    <p:sldId id="262" r:id="rId7"/>
+    <p:sldId id="257" r:id="rId2"/>
+    <p:sldId id="258" r:id="rId3"/>
+    <p:sldId id="260" r:id="rId4"/>
+    <p:sldId id="261" r:id="rId5"/>
+    <p:sldId id="262" r:id="rId6"/>
+    <p:sldId id="265" r:id="rId7"/>
+    <p:sldId id="264" r:id="rId8"/>
+    <p:sldId id="263" r:id="rId9"/>
+    <p:sldId id="268" r:id="rId10"/>
+    <p:sldId id="266" r:id="rId11"/>
+    <p:sldId id="267" r:id="rId12"/>
+    <p:sldId id="269" r:id="rId13"/>
+    <p:sldId id="270" r:id="rId14"/>
   </p:sldIdLst>
   <p:sldSz cx="12192000" cy="6858000"/>
   <p:notesSz cx="6858000" cy="9144000"/>
@@ -109,6 +116,11 @@
       </a:defRPr>
     </a:lvl9pPr>
   </p:defaultTextStyle>
+  <p:extLst>
+    <p:ext uri="{EFAFB233-063F-42B5-8137-9DF3F51BA10A}">
+      <p15:sldGuideLst xmlns:p15="http://schemas.microsoft.com/office/powerpoint/2012/main"/>
+    </p:ext>
+  </p:extLst>
 </p:presentation>
 </file>
 
@@ -337,7 +349,7 @@
             <a:fld id="{5586B75A-687E-405C-8A0B-8D00578BA2C3}" type="datetimeFigureOut">
               <a:rPr lang="en-US" dirty="0"/>
               <a:pPr/>
-              <a:t>10/2/2020</a:t>
+              <a:t>10/6/2020</a:t>
             </a:fld>
             <a:endParaRPr lang="en-US" dirty="0"/>
           </a:p>
@@ -504,7 +516,7 @@
             <a:fld id="{5586B75A-687E-405C-8A0B-8D00578BA2C3}" type="datetimeFigureOut">
               <a:rPr lang="en-US" dirty="0"/>
               <a:pPr/>
-              <a:t>10/2/2020</a:t>
+              <a:t>10/6/2020</a:t>
             </a:fld>
             <a:endParaRPr lang="en-US" dirty="0"/>
           </a:p>
@@ -681,7 +693,7 @@
             <a:fld id="{5586B75A-687E-405C-8A0B-8D00578BA2C3}" type="datetimeFigureOut">
               <a:rPr lang="en-US" dirty="0"/>
               <a:pPr/>
-              <a:t>10/2/2020</a:t>
+              <a:t>10/6/2020</a:t>
             </a:fld>
             <a:endParaRPr lang="en-US" dirty="0"/>
           </a:p>
@@ -848,7 +860,7 @@
             <a:fld id="{5586B75A-687E-405C-8A0B-8D00578BA2C3}" type="datetimeFigureOut">
               <a:rPr lang="en-US" dirty="0"/>
               <a:pPr/>
-              <a:t>10/2/2020</a:t>
+              <a:t>10/6/2020</a:t>
             </a:fld>
             <a:endParaRPr lang="en-US" dirty="0"/>
           </a:p>
@@ -1103,7 +1115,7 @@
             <a:fld id="{5586B75A-687E-405C-8A0B-8D00578BA2C3}" type="datetimeFigureOut">
               <a:rPr lang="en-US" dirty="0"/>
               <a:pPr/>
-              <a:t>10/2/2020</a:t>
+              <a:t>10/6/2020</a:t>
             </a:fld>
             <a:endParaRPr lang="en-US" dirty="0"/>
           </a:p>
@@ -1388,7 +1400,7 @@
             <a:fld id="{5586B75A-687E-405C-8A0B-8D00578BA2C3}" type="datetimeFigureOut">
               <a:rPr lang="en-US" dirty="0"/>
               <a:pPr/>
-              <a:t>10/2/2020</a:t>
+              <a:t>10/6/2020</a:t>
             </a:fld>
             <a:endParaRPr lang="en-US" dirty="0"/>
           </a:p>
@@ -1827,7 +1839,7 @@
             <a:fld id="{5586B75A-687E-405C-8A0B-8D00578BA2C3}" type="datetimeFigureOut">
               <a:rPr lang="en-US" dirty="0"/>
               <a:pPr/>
-              <a:t>10/2/2020</a:t>
+              <a:t>10/6/2020</a:t>
             </a:fld>
             <a:endParaRPr lang="en-US" dirty="0"/>
           </a:p>
@@ -1942,7 +1954,7 @@
             <a:fld id="{5586B75A-687E-405C-8A0B-8D00578BA2C3}" type="datetimeFigureOut">
               <a:rPr lang="en-US" dirty="0"/>
               <a:pPr/>
-              <a:t>10/2/2020</a:t>
+              <a:t>10/6/2020</a:t>
             </a:fld>
             <a:endParaRPr lang="en-US" dirty="0"/>
           </a:p>
@@ -2034,7 +2046,7 @@
             <a:fld id="{5586B75A-687E-405C-8A0B-8D00578BA2C3}" type="datetimeFigureOut">
               <a:rPr lang="en-US" dirty="0"/>
               <a:pPr/>
-              <a:t>10/2/2020</a:t>
+              <a:t>10/6/2020</a:t>
             </a:fld>
             <a:endParaRPr lang="en-US" dirty="0"/>
           </a:p>
@@ -2319,7 +2331,7 @@
             <a:fld id="{5586B75A-687E-405C-8A0B-8D00578BA2C3}" type="datetimeFigureOut">
               <a:rPr lang="en-US" dirty="0"/>
               <a:pPr/>
-              <a:t>10/2/2020</a:t>
+              <a:t>10/6/2020</a:t>
             </a:fld>
             <a:endParaRPr lang="en-US" dirty="0"/>
           </a:p>
@@ -2589,7 +2601,7 @@
             <a:fld id="{5586B75A-687E-405C-8A0B-8D00578BA2C3}" type="datetimeFigureOut">
               <a:rPr lang="en-US" dirty="0"/>
               <a:pPr/>
-              <a:t>10/2/2020</a:t>
+              <a:t>10/6/2020</a:t>
             </a:fld>
             <a:endParaRPr lang="en-US" dirty="0"/>
           </a:p>
@@ -2883,7 +2895,7 @@
             <a:fld id="{5586B75A-687E-405C-8A0B-8D00578BA2C3}" type="datetimeFigureOut">
               <a:rPr lang="en-US" dirty="0"/>
               <a:pPr/>
-              <a:t>10/2/2020</a:t>
+              <a:t>10/6/2020</a:t>
             </a:fld>
             <a:endParaRPr lang="en-US" dirty="0"/>
           </a:p>
@@ -3351,385 +3363,6 @@
     <p:bg>
       <p:bgPr>
         <a:solidFill>
-          <a:schemeClr val="bg1">
-            <a:tint val="95000"/>
-            <a:satMod val="170000"/>
-          </a:schemeClr>
-        </a:solidFill>
-        <a:effectLst/>
-      </p:bgPr>
-    </p:bg>
-    <p:spTree>
-      <p:nvGrpSpPr>
-        <p:cNvPr id="1" name=""/>
-        <p:cNvGrpSpPr/>
-        <p:nvPr/>
-      </p:nvGrpSpPr>
-      <p:grpSpPr>
-        <a:xfrm>
-          <a:off x="0" y="0"/>
-          <a:ext cx="0" cy="0"/>
-          <a:chOff x="0" y="0"/>
-          <a:chExt cx="0" cy="0"/>
-        </a:xfrm>
-      </p:grpSpPr>
-      <p:sp>
-        <p:nvSpPr>
-          <p:cNvPr id="16" name="Rectangle 7">
-            <a:extLst>
-              <a:ext uri="{FF2B5EF4-FFF2-40B4-BE49-F238E27FC236}">
-                <a16:creationId xmlns:a16="http://schemas.microsoft.com/office/drawing/2014/main" id="{2F4AD318-2FB6-4C6E-931E-58E404FA18CD}"/>
-              </a:ext>
-              <a:ext uri="{C183D7F6-B498-43B3-948B-1728B52AA6E4}">
-                <adec:decorative xmlns:adec="http://schemas.microsoft.com/office/drawing/2017/decorative" val="1"/>
-              </a:ext>
-            </a:extLst>
-          </p:cNvPr>
-          <p:cNvSpPr>
-            <a:spLocks noGrp="1" noRot="1" noChangeAspect="1" noMove="1" noResize="1" noEditPoints="1" noAdjustHandles="1" noChangeArrowheads="1" noChangeShapeType="1" noTextEdit="1"/>
-          </p:cNvSpPr>
-          <p:nvPr>
-            <p:extLst>
-              <p:ext uri="{386F3935-93C4-4BCD-93E2-E3B085C9AB24}">
-                <p16:designElem xmlns:p16="http://schemas.microsoft.com/office/powerpoint/2015/main" val="1"/>
-              </p:ext>
-            </p:extLst>
-          </p:nvPr>
-        </p:nvSpPr>
-        <p:spPr>
-          <a:xfrm>
-            <a:off x="0" y="0"/>
-            <a:ext cx="12192000" cy="6858000"/>
-          </a:xfrm>
-          <a:prstGeom prst="rect">
-            <a:avLst/>
-          </a:prstGeom>
-          <a:solidFill>
-            <a:schemeClr val="accent1"/>
-          </a:solidFill>
-          <a:ln>
-            <a:noFill/>
-          </a:ln>
-        </p:spPr>
-        <p:style>
-          <a:lnRef idx="2">
-            <a:schemeClr val="accent1">
-              <a:shade val="50000"/>
-            </a:schemeClr>
-          </a:lnRef>
-          <a:fillRef idx="1">
-            <a:schemeClr val="accent1"/>
-          </a:fillRef>
-          <a:effectRef idx="0">
-            <a:schemeClr val="accent1"/>
-          </a:effectRef>
-          <a:fontRef idx="minor">
-            <a:schemeClr val="lt1"/>
-          </a:fontRef>
-        </p:style>
-        <p:txBody>
-          <a:bodyPr rtlCol="0" anchor="ctr"/>
-          <a:lstStyle/>
-          <a:p>
-            <a:pPr algn="ctr"/>
-            <a:endParaRPr lang="en-US" dirty="0"/>
-          </a:p>
-        </p:txBody>
-      </p:sp>
-      <p:sp>
-        <p:nvSpPr>
-          <p:cNvPr id="17" name="Freeform: Shape 9">
-            <a:extLst>
-              <a:ext uri="{FF2B5EF4-FFF2-40B4-BE49-F238E27FC236}">
-                <a16:creationId xmlns:a16="http://schemas.microsoft.com/office/drawing/2014/main" id="{1A118E35-1CBF-4863-8497-F4DF1A166D2D}"/>
-              </a:ext>
-              <a:ext uri="{C183D7F6-B498-43B3-948B-1728B52AA6E4}">
-                <adec:decorative xmlns:adec="http://schemas.microsoft.com/office/drawing/2017/decorative" val="1"/>
-              </a:ext>
-            </a:extLst>
-          </p:cNvPr>
-          <p:cNvSpPr>
-            <a:spLocks noGrp="1" noRot="1" noChangeAspect="1" noMove="1" noResize="1" noEditPoints="1" noAdjustHandles="1" noChangeArrowheads="1" noChangeShapeType="1" noTextEdit="1"/>
-          </p:cNvSpPr>
-          <p:nvPr>
-            <p:extLst>
-              <p:ext uri="{386F3935-93C4-4BCD-93E2-E3B085C9AB24}">
-                <p16:designElem xmlns:p16="http://schemas.microsoft.com/office/powerpoint/2015/main" val="1"/>
-              </p:ext>
-            </p:extLst>
-          </p:nvPr>
-        </p:nvSpPr>
-        <p:spPr>
-          <a:xfrm>
-            <a:off x="-3582" y="752748"/>
-            <a:ext cx="1001483" cy="4744251"/>
-          </a:xfrm>
-          <a:custGeom>
-            <a:avLst/>
-            <a:gdLst>
-              <a:gd name="connsiteX0" fmla="*/ 0 w 1001483"/>
-              <a:gd name="connsiteY0" fmla="*/ 0 h 4744251"/>
-              <a:gd name="connsiteX1" fmla="*/ 1001483 w 1001483"/>
-              <a:gd name="connsiteY1" fmla="*/ 0 h 4744251"/>
-              <a:gd name="connsiteX2" fmla="*/ 0 w 1001483"/>
-              <a:gd name="connsiteY2" fmla="*/ 4744251 h 4744251"/>
-            </a:gdLst>
-            <a:ahLst/>
-            <a:cxnLst>
-              <a:cxn ang="0">
-                <a:pos x="connsiteX0" y="connsiteY0"/>
-              </a:cxn>
-              <a:cxn ang="0">
-                <a:pos x="connsiteX1" y="connsiteY1"/>
-              </a:cxn>
-              <a:cxn ang="0">
-                <a:pos x="connsiteX2" y="connsiteY2"/>
-              </a:cxn>
-            </a:cxnLst>
-            <a:rect l="l" t="t" r="r" b="b"/>
-            <a:pathLst>
-              <a:path w="1001483" h="4744251">
-                <a:moveTo>
-                  <a:pt x="0" y="0"/>
-                </a:moveTo>
-                <a:lnTo>
-                  <a:pt x="1001483" y="0"/>
-                </a:lnTo>
-                <a:lnTo>
-                  <a:pt x="0" y="4744251"/>
-                </a:lnTo>
-                <a:close/>
-              </a:path>
-            </a:pathLst>
-          </a:custGeom>
-          <a:solidFill>
-            <a:schemeClr val="bg2"/>
-          </a:solidFill>
-          <a:ln>
-            <a:noFill/>
-          </a:ln>
-        </p:spPr>
-        <p:style>
-          <a:lnRef idx="2">
-            <a:schemeClr val="accent1">
-              <a:shade val="50000"/>
-            </a:schemeClr>
-          </a:lnRef>
-          <a:fillRef idx="1">
-            <a:schemeClr val="accent1"/>
-          </a:fillRef>
-          <a:effectRef idx="0">
-            <a:schemeClr val="accent1"/>
-          </a:effectRef>
-          <a:fontRef idx="minor">
-            <a:schemeClr val="lt1"/>
-          </a:fontRef>
-        </p:style>
-      </p:sp>
-      <p:sp>
-        <p:nvSpPr>
-          <p:cNvPr id="18" name="Freeform: Shape 11">
-            <a:extLst>
-              <a:ext uri="{FF2B5EF4-FFF2-40B4-BE49-F238E27FC236}">
-                <a16:creationId xmlns:a16="http://schemas.microsoft.com/office/drawing/2014/main" id="{6E187274-5DC2-4BE0-AF99-925D6D973550}"/>
-              </a:ext>
-              <a:ext uri="{C183D7F6-B498-43B3-948B-1728B52AA6E4}">
-                <adec:decorative xmlns:adec="http://schemas.microsoft.com/office/drawing/2017/decorative" val="1"/>
-              </a:ext>
-            </a:extLst>
-          </p:cNvPr>
-          <p:cNvSpPr>
-            <a:spLocks noGrp="1" noRot="1" noChangeAspect="1" noMove="1" noResize="1" noEditPoints="1" noAdjustHandles="1" noChangeArrowheads="1" noChangeShapeType="1" noTextEdit="1"/>
-          </p:cNvSpPr>
-          <p:nvPr>
-            <p:extLst>
-              <p:ext uri="{386F3935-93C4-4BCD-93E2-E3B085C9AB24}">
-                <p16:designElem xmlns:p16="http://schemas.microsoft.com/office/powerpoint/2015/main" val="1"/>
-              </p:ext>
-            </p:extLst>
-          </p:nvPr>
-        </p:nvSpPr>
-        <p:spPr>
-          <a:xfrm>
-            <a:off x="7987094" y="761999"/>
-            <a:ext cx="4208489" cy="5334001"/>
-          </a:xfrm>
-          <a:custGeom>
-            <a:avLst/>
-            <a:gdLst>
-              <a:gd name="connsiteX0" fmla="*/ 1015642 w 4208489"/>
-              <a:gd name="connsiteY0" fmla="*/ 0 h 5334001"/>
-              <a:gd name="connsiteX1" fmla="*/ 4208489 w 4208489"/>
-              <a:gd name="connsiteY1" fmla="*/ 0 h 5334001"/>
-              <a:gd name="connsiteX2" fmla="*/ 4208489 w 4208489"/>
-              <a:gd name="connsiteY2" fmla="*/ 5334001 h 5334001"/>
-              <a:gd name="connsiteX3" fmla="*/ 0 w 4208489"/>
-              <a:gd name="connsiteY3" fmla="*/ 5334001 h 5334001"/>
-            </a:gdLst>
-            <a:ahLst/>
-            <a:cxnLst>
-              <a:cxn ang="0">
-                <a:pos x="connsiteX0" y="connsiteY0"/>
-              </a:cxn>
-              <a:cxn ang="0">
-                <a:pos x="connsiteX1" y="connsiteY1"/>
-              </a:cxn>
-              <a:cxn ang="0">
-                <a:pos x="connsiteX2" y="connsiteY2"/>
-              </a:cxn>
-              <a:cxn ang="0">
-                <a:pos x="connsiteX3" y="connsiteY3"/>
-              </a:cxn>
-            </a:cxnLst>
-            <a:rect l="l" t="t" r="r" b="b"/>
-            <a:pathLst>
-              <a:path w="4208489" h="5334001">
-                <a:moveTo>
-                  <a:pt x="1015642" y="0"/>
-                </a:moveTo>
-                <a:lnTo>
-                  <a:pt x="4208489" y="0"/>
-                </a:lnTo>
-                <a:lnTo>
-                  <a:pt x="4208489" y="5334001"/>
-                </a:lnTo>
-                <a:lnTo>
-                  <a:pt x="0" y="5334001"/>
-                </a:lnTo>
-                <a:close/>
-              </a:path>
-            </a:pathLst>
-          </a:custGeom>
-          <a:solidFill>
-            <a:schemeClr val="bg2"/>
-          </a:solidFill>
-          <a:ln>
-            <a:noFill/>
-          </a:ln>
-        </p:spPr>
-        <p:style>
-          <a:lnRef idx="2">
-            <a:schemeClr val="accent1">
-              <a:shade val="50000"/>
-            </a:schemeClr>
-          </a:lnRef>
-          <a:fillRef idx="1">
-            <a:schemeClr val="accent1"/>
-          </a:fillRef>
-          <a:effectRef idx="0">
-            <a:schemeClr val="accent1"/>
-          </a:effectRef>
-          <a:fontRef idx="minor">
-            <a:schemeClr val="lt1"/>
-          </a:fontRef>
-        </p:style>
-      </p:sp>
-      <p:sp>
-        <p:nvSpPr>
-          <p:cNvPr id="2" name="Заголовок 1">
-            <a:extLst>
-              <a:ext uri="{FF2B5EF4-FFF2-40B4-BE49-F238E27FC236}">
-                <a16:creationId xmlns:a16="http://schemas.microsoft.com/office/drawing/2014/main" id="{5C728E64-DAC7-4FAB-B73F-E6C7BFA53C9C}"/>
-              </a:ext>
-            </a:extLst>
-          </p:cNvPr>
-          <p:cNvSpPr>
-            <a:spLocks noGrp="1"/>
-          </p:cNvSpPr>
-          <p:nvPr>
-            <p:ph type="ctrTitle"/>
-          </p:nvPr>
-        </p:nvSpPr>
-        <p:spPr>
-          <a:xfrm>
-            <a:off x="1069849" y="1298448"/>
-            <a:ext cx="6917245" cy="3255264"/>
-          </a:xfrm>
-        </p:spPr>
-        <p:txBody>
-          <a:bodyPr anchor="ctr">
-            <a:normAutofit/>
-          </a:bodyPr>
-          <a:lstStyle/>
-          <a:p>
-            <a:r>
-              <a:rPr lang="ru-RU" sz="6000"/>
-              <a:t>Циклы в</a:t>
-            </a:r>
-            <a:r>
-              <a:rPr lang="en-US" sz="6000"/>
-              <a:t> Java</a:t>
-            </a:r>
-            <a:endParaRPr lang="ru-RU" sz="6000" dirty="0"/>
-          </a:p>
-        </p:txBody>
-      </p:sp>
-      <p:pic>
-        <p:nvPicPr>
-          <p:cNvPr id="1026" name="Picture 2" descr="Samsung открывает летнюю школу для выпускников «IT школы Samsung»">
-            <a:extLst>
-              <a:ext uri="{FF2B5EF4-FFF2-40B4-BE49-F238E27FC236}">
-                <a16:creationId xmlns:a16="http://schemas.microsoft.com/office/drawing/2014/main" id="{582D7631-810E-4EE6-8E86-F6B8E2911FFF}"/>
-              </a:ext>
-            </a:extLst>
-          </p:cNvPr>
-          <p:cNvPicPr>
-            <a:picLocks noChangeAspect="1" noChangeArrowheads="1"/>
-          </p:cNvPicPr>
-          <p:nvPr/>
-        </p:nvPicPr>
-        <p:blipFill>
-          <a:blip r:embed="rId2">
-            <a:extLst>
-              <a:ext uri="{28A0092B-C50C-407E-A947-70E740481C1C}">
-                <a14:useLocalDpi xmlns:a14="http://schemas.microsoft.com/office/drawing/2010/main" val="0"/>
-              </a:ext>
-            </a:extLst>
-          </a:blip>
-          <a:srcRect/>
-          <a:stretch>
-            <a:fillRect/>
-          </a:stretch>
-        </p:blipFill>
-        <p:spPr bwMode="auto">
-          <a:xfrm>
-            <a:off x="8984995" y="2820162"/>
-            <a:ext cx="2857500" cy="2828925"/>
-          </a:xfrm>
-          <a:prstGeom prst="rect">
-            <a:avLst/>
-          </a:prstGeom>
-          <a:noFill/>
-          <a:extLst>
-            <a:ext uri="{909E8E84-426E-40DD-AFC4-6F175D3DCCD1}">
-              <a14:hiddenFill xmlns:a14="http://schemas.microsoft.com/office/drawing/2010/main">
-                <a:solidFill>
-                  <a:srgbClr val="FFFFFF"/>
-                </a:solidFill>
-              </a14:hiddenFill>
-            </a:ext>
-          </a:extLst>
-        </p:spPr>
-      </p:pic>
-    </p:spTree>
-    <p:extLst>
-      <p:ext uri="{BB962C8B-B14F-4D97-AF65-F5344CB8AC3E}">
-        <p14:creationId xmlns:p14="http://schemas.microsoft.com/office/powerpoint/2010/main" val="85815695"/>
-      </p:ext>
-    </p:extLst>
-  </p:cSld>
-  <p:clrMapOvr>
-    <a:overrideClrMapping bg1="dk1" tx1="lt1" bg2="dk2" tx2="lt2" accent1="accent1" accent2="accent2" accent3="accent3" accent4="accent4" accent5="accent5" accent6="accent6" hlink="hlink" folHlink="folHlink"/>
-  </p:clrMapOvr>
-</p:sld>
-</file>
-
-<file path=ppt/slides/slide2.xml><?xml version="1.0" encoding="utf-8"?>
-<p:sld xmlns:a="http://schemas.openxmlformats.org/drawingml/2006/main" xmlns:r="http://schemas.openxmlformats.org/officeDocument/2006/relationships" xmlns:p="http://schemas.openxmlformats.org/presentationml/2006/main">
-  <p:cSld>
-    <p:bg>
-      <p:bgPr>
-        <a:solidFill>
           <a:schemeClr val="bg1"/>
         </a:solidFill>
         <a:effectLst/>
@@ -4199,7 +3832,7 @@
 </p:sld>
 </file>
 
-<file path=ppt/slides/slide3.xml><?xml version="1.0" encoding="utf-8"?>
+<file path=ppt/slides/slide10.xml><?xml version="1.0" encoding="utf-8"?>
 <p:sld xmlns:a="http://schemas.openxmlformats.org/drawingml/2006/main" xmlns:r="http://schemas.openxmlformats.org/officeDocument/2006/relationships" xmlns:p="http://schemas.openxmlformats.org/presentationml/2006/main">
   <p:cSld>
     <p:bg>
@@ -4226,10 +3859,10 @@
       </p:grpSpPr>
       <p:sp useBgFill="1">
         <p:nvSpPr>
-          <p:cNvPr id="78" name="Rectangle 77">
+          <p:cNvPr id="135" name="Rectangle 134">
             <a:extLst>
               <a:ext uri="{FF2B5EF4-FFF2-40B4-BE49-F238E27FC236}">
-                <a16:creationId xmlns:a16="http://schemas.microsoft.com/office/drawing/2014/main" id="{AA7850C8-8932-45FB-824D-8AB7D84691E5}"/>
+                <a16:creationId xmlns:a16="http://schemas.microsoft.com/office/drawing/2014/main" id="{9203ABB4-7E2A-4248-9FE7-4A419AFF2F17}"/>
               </a:ext>
               <a:ext uri="{C183D7F6-B498-43B3-948B-1728B52AA6E4}">
                 <adec:decorative xmlns:adec="http://schemas.microsoft.com/office/drawing/2017/decorative" val="1"/>
@@ -4286,6 +3919,2663 @@
       </p:sp>
       <p:sp>
         <p:nvSpPr>
+          <p:cNvPr id="137" name="Rectangle 136">
+            <a:extLst>
+              <a:ext uri="{FF2B5EF4-FFF2-40B4-BE49-F238E27FC236}">
+                <a16:creationId xmlns:a16="http://schemas.microsoft.com/office/drawing/2014/main" id="{3126970D-C1E5-4FB1-84E8-86CB9CED1C80}"/>
+              </a:ext>
+              <a:ext uri="{C183D7F6-B498-43B3-948B-1728B52AA6E4}">
+                <adec:decorative xmlns:adec="http://schemas.microsoft.com/office/drawing/2017/decorative" val="1"/>
+              </a:ext>
+            </a:extLst>
+          </p:cNvPr>
+          <p:cNvSpPr>
+            <a:spLocks noGrp="1" noRot="1" noChangeAspect="1" noMove="1" noResize="1" noEditPoints="1" noAdjustHandles="1" noChangeArrowheads="1" noChangeShapeType="1" noTextEdit="1"/>
+          </p:cNvSpPr>
+          <p:nvPr>
+            <p:extLst>
+              <p:ext uri="{386F3935-93C4-4BCD-93E2-E3B085C9AB24}">
+                <p16:designElem xmlns:p16="http://schemas.microsoft.com/office/powerpoint/2015/main" val="1"/>
+              </p:ext>
+            </p:extLst>
+          </p:nvPr>
+        </p:nvSpPr>
+        <p:spPr>
+          <a:xfrm>
+            <a:off x="0" y="4367639"/>
+            <a:ext cx="11707367" cy="1852186"/>
+          </a:xfrm>
+          <a:prstGeom prst="rect">
+            <a:avLst/>
+          </a:prstGeom>
+          <a:solidFill>
+            <a:schemeClr val="accent1"/>
+          </a:solidFill>
+          <a:ln>
+            <a:noFill/>
+          </a:ln>
+        </p:spPr>
+        <p:style>
+          <a:lnRef idx="2">
+            <a:schemeClr val="accent1">
+              <a:shade val="50000"/>
+            </a:schemeClr>
+          </a:lnRef>
+          <a:fillRef idx="1">
+            <a:schemeClr val="accent1"/>
+          </a:fillRef>
+          <a:effectRef idx="0">
+            <a:schemeClr val="accent1"/>
+          </a:effectRef>
+          <a:fontRef idx="minor">
+            <a:schemeClr val="lt1"/>
+          </a:fontRef>
+        </p:style>
+      </p:sp>
+      <p:sp>
+        <p:nvSpPr>
+          <p:cNvPr id="28" name="Заголовок 1">
+            <a:extLst>
+              <a:ext uri="{FF2B5EF4-FFF2-40B4-BE49-F238E27FC236}">
+                <a16:creationId xmlns:a16="http://schemas.microsoft.com/office/drawing/2014/main" id="{A1800B60-BA5D-4BD9-AAE0-43620F882506}"/>
+              </a:ext>
+            </a:extLst>
+          </p:cNvPr>
+          <p:cNvSpPr txBox="1">
+            <a:spLocks/>
+          </p:cNvSpPr>
+          <p:nvPr/>
+        </p:nvSpPr>
+        <p:spPr>
+          <a:xfrm>
+            <a:off x="304536" y="4550905"/>
+            <a:ext cx="10210862" cy="1521904"/>
+          </a:xfrm>
+          <a:prstGeom prst="rect">
+            <a:avLst/>
+          </a:prstGeom>
+        </p:spPr>
+        <p:txBody>
+          <a:bodyPr vert="horz" lIns="91440" tIns="45720" rIns="91440" bIns="45720" rtlCol="0" anchor="b">
+            <a:normAutofit lnSpcReduction="10000"/>
+          </a:bodyPr>
+          <a:lstStyle>
+            <a:lvl1pPr algn="l" defTabSz="914400" rtl="0" eaLnBrk="1" latinLnBrk="0" hangingPunct="1">
+              <a:lnSpc>
+                <a:spcPct val="90000"/>
+              </a:lnSpc>
+              <a:spcBef>
+                <a:spcPct val="0"/>
+              </a:spcBef>
+              <a:buNone/>
+              <a:defRPr sz="5900" kern="1200" spc="-100" baseline="0">
+                <a:solidFill>
+                  <a:srgbClr val="FFFFFF"/>
+                </a:solidFill>
+                <a:latin typeface="+mj-lt"/>
+                <a:ea typeface="+mj-ea"/>
+                <a:cs typeface="+mj-cs"/>
+              </a:defRPr>
+            </a:lvl1pPr>
+          </a:lstStyle>
+          <a:p>
+            <a:pPr>
+              <a:spcAft>
+                <a:spcPts val="600"/>
+              </a:spcAft>
+              <a:buClr>
+                <a:schemeClr val="accent1"/>
+              </a:buClr>
+            </a:pPr>
+            <a:r>
+              <a:rPr lang="ru-RU" sz="3200" b="1" dirty="0"/>
+              <a:t>Компонент </a:t>
+            </a:r>
+            <a:r>
+              <a:rPr lang="en-US" sz="3200" b="1" dirty="0"/>
+              <a:t> View</a:t>
+            </a:r>
+            <a:endParaRPr lang="ru-RU" sz="3200" b="1" dirty="0"/>
+          </a:p>
+          <a:p>
+            <a:pPr>
+              <a:spcAft>
+                <a:spcPts val="600"/>
+              </a:spcAft>
+              <a:buClr>
+                <a:schemeClr val="accent1"/>
+              </a:buClr>
+            </a:pPr>
+            <a:endParaRPr lang="en-US" sz="3200" b="1" dirty="0"/>
+          </a:p>
+          <a:p>
+            <a:pPr>
+              <a:spcAft>
+                <a:spcPts val="600"/>
+              </a:spcAft>
+              <a:buClr>
+                <a:schemeClr val="accent1"/>
+              </a:buClr>
+            </a:pPr>
+            <a:r>
+              <a:rPr lang="ru-RU" sz="3200" b="1" dirty="0"/>
+              <a:t>Принцип отрисовки</a:t>
+            </a:r>
+            <a:endParaRPr lang="en-US" sz="3200" b="1" dirty="0"/>
+          </a:p>
+        </p:txBody>
+      </p:sp>
+      <p:sp>
+        <p:nvSpPr>
+          <p:cNvPr id="2" name="Прямоугольник 1">
+            <a:extLst>
+              <a:ext uri="{FF2B5EF4-FFF2-40B4-BE49-F238E27FC236}">
+                <a16:creationId xmlns:a16="http://schemas.microsoft.com/office/drawing/2014/main" id="{280F9A65-2CB6-4188-AD8C-E59FE23BA827}"/>
+              </a:ext>
+            </a:extLst>
+          </p:cNvPr>
+          <p:cNvSpPr/>
+          <p:nvPr/>
+        </p:nvSpPr>
+        <p:spPr>
+          <a:xfrm>
+            <a:off x="473765" y="526474"/>
+            <a:ext cx="2458277" cy="1182756"/>
+          </a:xfrm>
+          <a:prstGeom prst="rect">
+            <a:avLst/>
+          </a:prstGeom>
+        </p:spPr>
+        <p:style>
+          <a:lnRef idx="1">
+            <a:schemeClr val="accent1"/>
+          </a:lnRef>
+          <a:fillRef idx="2">
+            <a:schemeClr val="accent1"/>
+          </a:fillRef>
+          <a:effectRef idx="1">
+            <a:schemeClr val="accent1"/>
+          </a:effectRef>
+          <a:fontRef idx="minor">
+            <a:schemeClr val="dk1"/>
+          </a:fontRef>
+        </p:style>
+        <p:txBody>
+          <a:bodyPr rtlCol="0" anchor="ctr"/>
+          <a:lstStyle/>
+          <a:p>
+            <a:pPr algn="ctr"/>
+            <a:r>
+              <a:rPr lang="ru-RU" sz="3200" b="1" dirty="0">
+                <a:solidFill>
+                  <a:schemeClr val="tx1">
+                    <a:lumMod val="65000"/>
+                    <a:lumOff val="35000"/>
+                  </a:schemeClr>
+                </a:solidFill>
+              </a:rPr>
+              <a:t>Компонент</a:t>
+            </a:r>
+            <a:r>
+              <a:rPr lang="en-US" sz="3200" b="1" dirty="0">
+                <a:solidFill>
+                  <a:schemeClr val="tx1">
+                    <a:lumMod val="65000"/>
+                    <a:lumOff val="35000"/>
+                  </a:schemeClr>
+                </a:solidFill>
+              </a:rPr>
+              <a:t>View</a:t>
+            </a:r>
+            <a:endParaRPr lang="ru-RU" sz="3200" b="1" dirty="0">
+              <a:solidFill>
+                <a:schemeClr val="tx1">
+                  <a:lumMod val="65000"/>
+                  <a:lumOff val="35000"/>
+                </a:schemeClr>
+              </a:solidFill>
+            </a:endParaRPr>
+          </a:p>
+        </p:txBody>
+      </p:sp>
+      <p:sp>
+        <p:nvSpPr>
+          <p:cNvPr id="19" name="Прямоугольник 18">
+            <a:extLst>
+              <a:ext uri="{FF2B5EF4-FFF2-40B4-BE49-F238E27FC236}">
+                <a16:creationId xmlns:a16="http://schemas.microsoft.com/office/drawing/2014/main" id="{0B14D1CB-BBBC-4B99-B4A5-6712E9D47669}"/>
+              </a:ext>
+            </a:extLst>
+          </p:cNvPr>
+          <p:cNvSpPr/>
+          <p:nvPr/>
+        </p:nvSpPr>
+        <p:spPr>
+          <a:xfrm>
+            <a:off x="8984495" y="526474"/>
+            <a:ext cx="2769705" cy="1193242"/>
+          </a:xfrm>
+          <a:prstGeom prst="rect">
+            <a:avLst/>
+          </a:prstGeom>
+        </p:spPr>
+        <p:style>
+          <a:lnRef idx="1">
+            <a:schemeClr val="accent5"/>
+          </a:lnRef>
+          <a:fillRef idx="2">
+            <a:schemeClr val="accent5"/>
+          </a:fillRef>
+          <a:effectRef idx="1">
+            <a:schemeClr val="accent5"/>
+          </a:effectRef>
+          <a:fontRef idx="minor">
+            <a:schemeClr val="dk1"/>
+          </a:fontRef>
+        </p:style>
+        <p:txBody>
+          <a:bodyPr rtlCol="0" anchor="ctr"/>
+          <a:lstStyle/>
+          <a:p>
+            <a:pPr algn="ctr"/>
+            <a:r>
+              <a:rPr lang="ru-RU" sz="3200" b="1" dirty="0">
+                <a:solidFill>
+                  <a:schemeClr val="tx1">
+                    <a:lumMod val="65000"/>
+                    <a:lumOff val="35000"/>
+                  </a:schemeClr>
+                </a:solidFill>
+              </a:rPr>
+              <a:t>Метод </a:t>
+            </a:r>
+            <a:endParaRPr lang="en-US" sz="3200" b="1" dirty="0">
+              <a:solidFill>
+                <a:schemeClr val="tx1">
+                  <a:lumMod val="65000"/>
+                  <a:lumOff val="35000"/>
+                </a:schemeClr>
+              </a:solidFill>
+            </a:endParaRPr>
+          </a:p>
+          <a:p>
+            <a:pPr algn="ctr"/>
+            <a:r>
+              <a:rPr lang="en-US" sz="3200" b="1" dirty="0">
+                <a:solidFill>
+                  <a:schemeClr val="tx1">
+                    <a:lumMod val="65000"/>
+                    <a:lumOff val="35000"/>
+                  </a:schemeClr>
+                </a:solidFill>
+              </a:rPr>
+              <a:t>invalidate()</a:t>
+            </a:r>
+            <a:endParaRPr lang="ru-RU" sz="3200" b="1" dirty="0">
+              <a:solidFill>
+                <a:schemeClr val="tx1">
+                  <a:lumMod val="65000"/>
+                  <a:lumOff val="35000"/>
+                </a:schemeClr>
+              </a:solidFill>
+            </a:endParaRPr>
+          </a:p>
+        </p:txBody>
+      </p:sp>
+      <p:sp>
+        <p:nvSpPr>
+          <p:cNvPr id="20" name="Прямоугольник 19">
+            <a:extLst>
+              <a:ext uri="{FF2B5EF4-FFF2-40B4-BE49-F238E27FC236}">
+                <a16:creationId xmlns:a16="http://schemas.microsoft.com/office/drawing/2014/main" id="{F5157889-47EA-4920-9DB3-75FDE7D7125F}"/>
+              </a:ext>
+            </a:extLst>
+          </p:cNvPr>
+          <p:cNvSpPr/>
+          <p:nvPr/>
+        </p:nvSpPr>
+        <p:spPr>
+          <a:xfrm>
+            <a:off x="4238342" y="526474"/>
+            <a:ext cx="3230681" cy="1182757"/>
+          </a:xfrm>
+          <a:prstGeom prst="rect">
+            <a:avLst/>
+          </a:prstGeom>
+        </p:spPr>
+        <p:style>
+          <a:lnRef idx="1">
+            <a:schemeClr val="accent1"/>
+          </a:lnRef>
+          <a:fillRef idx="2">
+            <a:schemeClr val="accent1"/>
+          </a:fillRef>
+          <a:effectRef idx="1">
+            <a:schemeClr val="accent1"/>
+          </a:effectRef>
+          <a:fontRef idx="minor">
+            <a:schemeClr val="dk1"/>
+          </a:fontRef>
+        </p:style>
+        <p:txBody>
+          <a:bodyPr rtlCol="0" anchor="ctr"/>
+          <a:lstStyle/>
+          <a:p>
+            <a:pPr algn="ctr"/>
+            <a:r>
+              <a:rPr lang="ru-RU" sz="3200" b="1" dirty="0">
+                <a:solidFill>
+                  <a:schemeClr val="tx1">
+                    <a:lumMod val="65000"/>
+                    <a:lumOff val="35000"/>
+                  </a:schemeClr>
+                </a:solidFill>
+              </a:rPr>
+              <a:t>Изменяется вид компонента</a:t>
+            </a:r>
+          </a:p>
+        </p:txBody>
+      </p:sp>
+      <p:cxnSp>
+        <p:nvCxnSpPr>
+          <p:cNvPr id="6" name="Прямая со стрелкой 5">
+            <a:extLst>
+              <a:ext uri="{FF2B5EF4-FFF2-40B4-BE49-F238E27FC236}">
+                <a16:creationId xmlns:a16="http://schemas.microsoft.com/office/drawing/2014/main" id="{6197A98B-6D99-4A3E-BDD7-D1E253ACDF7E}"/>
+              </a:ext>
+            </a:extLst>
+          </p:cNvPr>
+          <p:cNvCxnSpPr/>
+          <p:nvPr/>
+        </p:nvCxnSpPr>
+        <p:spPr>
+          <a:xfrm>
+            <a:off x="3170583" y="1117851"/>
+            <a:ext cx="934278" cy="0"/>
+          </a:xfrm>
+          <a:prstGeom prst="straightConnector1">
+            <a:avLst/>
+          </a:prstGeom>
+          <a:ln>
+            <a:tailEnd type="triangle"/>
+          </a:ln>
+        </p:spPr>
+        <p:style>
+          <a:lnRef idx="3">
+            <a:schemeClr val="dk1"/>
+          </a:lnRef>
+          <a:fillRef idx="0">
+            <a:schemeClr val="dk1"/>
+          </a:fillRef>
+          <a:effectRef idx="2">
+            <a:schemeClr val="dk1"/>
+          </a:effectRef>
+          <a:fontRef idx="minor">
+            <a:schemeClr val="tx1"/>
+          </a:fontRef>
+        </p:style>
+      </p:cxnSp>
+      <p:cxnSp>
+        <p:nvCxnSpPr>
+          <p:cNvPr id="23" name="Прямая со стрелкой 22">
+            <a:extLst>
+              <a:ext uri="{FF2B5EF4-FFF2-40B4-BE49-F238E27FC236}">
+                <a16:creationId xmlns:a16="http://schemas.microsoft.com/office/drawing/2014/main" id="{50A6A5E5-72E2-48AC-9B04-6763B41ECD35}"/>
+              </a:ext>
+            </a:extLst>
+          </p:cNvPr>
+          <p:cNvCxnSpPr/>
+          <p:nvPr/>
+        </p:nvCxnSpPr>
+        <p:spPr>
+          <a:xfrm>
+            <a:off x="7775713" y="1117851"/>
+            <a:ext cx="934278" cy="0"/>
+          </a:xfrm>
+          <a:prstGeom prst="straightConnector1">
+            <a:avLst/>
+          </a:prstGeom>
+          <a:ln>
+            <a:tailEnd type="triangle"/>
+          </a:ln>
+        </p:spPr>
+        <p:style>
+          <a:lnRef idx="3">
+            <a:schemeClr val="dk1"/>
+          </a:lnRef>
+          <a:fillRef idx="0">
+            <a:schemeClr val="dk1"/>
+          </a:fillRef>
+          <a:effectRef idx="2">
+            <a:schemeClr val="dk1"/>
+          </a:effectRef>
+          <a:fontRef idx="minor">
+            <a:schemeClr val="tx1"/>
+          </a:fontRef>
+        </p:style>
+      </p:cxnSp>
+      <p:cxnSp>
+        <p:nvCxnSpPr>
+          <p:cNvPr id="25" name="Прямая со стрелкой 24">
+            <a:extLst>
+              <a:ext uri="{FF2B5EF4-FFF2-40B4-BE49-F238E27FC236}">
+                <a16:creationId xmlns:a16="http://schemas.microsoft.com/office/drawing/2014/main" id="{E1C4304C-6B28-4442-BA8F-6AEA90E069AF}"/>
+              </a:ext>
+            </a:extLst>
+          </p:cNvPr>
+          <p:cNvCxnSpPr>
+            <a:cxnSpLocks/>
+          </p:cNvCxnSpPr>
+          <p:nvPr/>
+        </p:nvCxnSpPr>
+        <p:spPr>
+          <a:xfrm>
+            <a:off x="10260496" y="1826843"/>
+            <a:ext cx="0" cy="787148"/>
+          </a:xfrm>
+          <a:prstGeom prst="straightConnector1">
+            <a:avLst/>
+          </a:prstGeom>
+          <a:ln>
+            <a:tailEnd type="triangle"/>
+          </a:ln>
+        </p:spPr>
+        <p:style>
+          <a:lnRef idx="3">
+            <a:schemeClr val="dk1"/>
+          </a:lnRef>
+          <a:fillRef idx="0">
+            <a:schemeClr val="dk1"/>
+          </a:fillRef>
+          <a:effectRef idx="2">
+            <a:schemeClr val="dk1"/>
+          </a:effectRef>
+          <a:fontRef idx="minor">
+            <a:schemeClr val="tx1"/>
+          </a:fontRef>
+        </p:style>
+      </p:cxnSp>
+      <p:sp>
+        <p:nvSpPr>
+          <p:cNvPr id="32" name="Прямоугольник 31">
+            <a:extLst>
+              <a:ext uri="{FF2B5EF4-FFF2-40B4-BE49-F238E27FC236}">
+                <a16:creationId xmlns:a16="http://schemas.microsoft.com/office/drawing/2014/main" id="{17424E5F-4C09-4282-947F-A69E763FEF8B}"/>
+              </a:ext>
+            </a:extLst>
+          </p:cNvPr>
+          <p:cNvSpPr/>
+          <p:nvPr/>
+        </p:nvSpPr>
+        <p:spPr>
+          <a:xfrm>
+            <a:off x="7116915" y="2797257"/>
+            <a:ext cx="4590452" cy="1225753"/>
+          </a:xfrm>
+          <a:prstGeom prst="rect">
+            <a:avLst/>
+          </a:prstGeom>
+        </p:spPr>
+        <p:style>
+          <a:lnRef idx="1">
+            <a:schemeClr val="accent5"/>
+          </a:lnRef>
+          <a:fillRef idx="2">
+            <a:schemeClr val="accent5"/>
+          </a:fillRef>
+          <a:effectRef idx="1">
+            <a:schemeClr val="accent5"/>
+          </a:effectRef>
+          <a:fontRef idx="minor">
+            <a:schemeClr val="dk1"/>
+          </a:fontRef>
+        </p:style>
+        <p:txBody>
+          <a:bodyPr rtlCol="0" anchor="ctr"/>
+          <a:lstStyle/>
+          <a:p>
+            <a:pPr algn="ctr"/>
+            <a:r>
+              <a:rPr lang="ru-RU" sz="3200" b="1" dirty="0">
+                <a:solidFill>
+                  <a:schemeClr val="tx1">
+                    <a:lumMod val="65000"/>
+                    <a:lumOff val="35000"/>
+                  </a:schemeClr>
+                </a:solidFill>
+              </a:rPr>
+              <a:t>Метод </a:t>
+            </a:r>
+            <a:endParaRPr lang="en-US" sz="3200" b="1" dirty="0">
+              <a:solidFill>
+                <a:schemeClr val="tx1">
+                  <a:lumMod val="65000"/>
+                  <a:lumOff val="35000"/>
+                </a:schemeClr>
+              </a:solidFill>
+            </a:endParaRPr>
+          </a:p>
+          <a:p>
+            <a:pPr algn="ctr"/>
+            <a:r>
+              <a:rPr lang="en-US" sz="3200" b="1" dirty="0" err="1">
+                <a:solidFill>
+                  <a:schemeClr val="tx1">
+                    <a:lumMod val="65000"/>
+                    <a:lumOff val="35000"/>
+                  </a:schemeClr>
+                </a:solidFill>
+              </a:rPr>
+              <a:t>onDraw</a:t>
+            </a:r>
+            <a:r>
+              <a:rPr lang="en-US" sz="3200" b="1" dirty="0">
+                <a:solidFill>
+                  <a:schemeClr val="tx1">
+                    <a:lumMod val="65000"/>
+                    <a:lumOff val="35000"/>
+                  </a:schemeClr>
+                </a:solidFill>
+              </a:rPr>
+              <a:t>(Canvas canvas)</a:t>
+            </a:r>
+            <a:endParaRPr lang="ru-RU" sz="3200" b="1" dirty="0">
+              <a:solidFill>
+                <a:schemeClr val="tx1">
+                  <a:lumMod val="65000"/>
+                  <a:lumOff val="35000"/>
+                </a:schemeClr>
+              </a:solidFill>
+            </a:endParaRPr>
+          </a:p>
+        </p:txBody>
+      </p:sp>
+    </p:spTree>
+    <p:extLst>
+      <p:ext uri="{BB962C8B-B14F-4D97-AF65-F5344CB8AC3E}">
+        <p14:creationId xmlns:p14="http://schemas.microsoft.com/office/powerpoint/2010/main" val="1840277941"/>
+      </p:ext>
+    </p:extLst>
+  </p:cSld>
+  <p:clrMapOvr>
+    <a:masterClrMapping/>
+  </p:clrMapOvr>
+</p:sld>
+</file>
+
+<file path=ppt/slides/slide11.xml><?xml version="1.0" encoding="utf-8"?>
+<p:sld xmlns:a="http://schemas.openxmlformats.org/drawingml/2006/main" xmlns:r="http://schemas.openxmlformats.org/officeDocument/2006/relationships" xmlns:p="http://schemas.openxmlformats.org/presentationml/2006/main">
+  <p:cSld>
+    <p:bg>
+      <p:bgPr>
+        <a:solidFill>
+          <a:schemeClr val="bg1"/>
+        </a:solidFill>
+        <a:effectLst/>
+      </p:bgPr>
+    </p:bg>
+    <p:spTree>
+      <p:nvGrpSpPr>
+        <p:cNvPr id="1" name=""/>
+        <p:cNvGrpSpPr/>
+        <p:nvPr/>
+      </p:nvGrpSpPr>
+      <p:grpSpPr>
+        <a:xfrm>
+          <a:off x="0" y="0"/>
+          <a:ext cx="0" cy="0"/>
+          <a:chOff x="0" y="0"/>
+          <a:chExt cx="0" cy="0"/>
+        </a:xfrm>
+      </p:grpSpPr>
+      <p:sp useBgFill="1">
+        <p:nvSpPr>
+          <p:cNvPr id="135" name="Rectangle 134">
+            <a:extLst>
+              <a:ext uri="{FF2B5EF4-FFF2-40B4-BE49-F238E27FC236}">
+                <a16:creationId xmlns:a16="http://schemas.microsoft.com/office/drawing/2014/main" id="{9203ABB4-7E2A-4248-9FE7-4A419AFF2F17}"/>
+              </a:ext>
+              <a:ext uri="{C183D7F6-B498-43B3-948B-1728B52AA6E4}">
+                <adec:decorative xmlns:adec="http://schemas.microsoft.com/office/drawing/2017/decorative" val="1"/>
+              </a:ext>
+            </a:extLst>
+          </p:cNvPr>
+          <p:cNvSpPr>
+            <a:spLocks noGrp="1" noRot="1" noChangeAspect="1" noMove="1" noResize="1" noEditPoints="1" noAdjustHandles="1" noChangeArrowheads="1" noChangeShapeType="1" noTextEdit="1"/>
+          </p:cNvSpPr>
+          <p:nvPr>
+            <p:extLst>
+              <p:ext uri="{386F3935-93C4-4BCD-93E2-E3B085C9AB24}">
+                <p16:designElem xmlns:p16="http://schemas.microsoft.com/office/powerpoint/2015/main" val="1"/>
+              </p:ext>
+            </p:extLst>
+          </p:nvPr>
+        </p:nvSpPr>
+        <p:spPr>
+          <a:xfrm>
+            <a:off x="0" y="0"/>
+            <a:ext cx="12191999" cy="6858000"/>
+          </a:xfrm>
+          <a:prstGeom prst="rect">
+            <a:avLst/>
+          </a:prstGeom>
+          <a:ln>
+            <a:noFill/>
+          </a:ln>
+        </p:spPr>
+        <p:style>
+          <a:lnRef idx="2">
+            <a:schemeClr val="accent1">
+              <a:shade val="50000"/>
+            </a:schemeClr>
+          </a:lnRef>
+          <a:fillRef idx="1">
+            <a:schemeClr val="accent1"/>
+          </a:fillRef>
+          <a:effectRef idx="0">
+            <a:schemeClr val="accent1"/>
+          </a:effectRef>
+          <a:fontRef idx="minor">
+            <a:schemeClr val="lt1"/>
+          </a:fontRef>
+        </p:style>
+        <p:txBody>
+          <a:bodyPr rtlCol="0" anchor="ctr"/>
+          <a:lstStyle/>
+          <a:p>
+            <a:pPr algn="ctr"/>
+            <a:endParaRPr lang="en-US"/>
+          </a:p>
+        </p:txBody>
+      </p:sp>
+      <p:sp>
+        <p:nvSpPr>
+          <p:cNvPr id="137" name="Rectangle 136">
+            <a:extLst>
+              <a:ext uri="{FF2B5EF4-FFF2-40B4-BE49-F238E27FC236}">
+                <a16:creationId xmlns:a16="http://schemas.microsoft.com/office/drawing/2014/main" id="{3126970D-C1E5-4FB1-84E8-86CB9CED1C80}"/>
+              </a:ext>
+              <a:ext uri="{C183D7F6-B498-43B3-948B-1728B52AA6E4}">
+                <adec:decorative xmlns:adec="http://schemas.microsoft.com/office/drawing/2017/decorative" val="1"/>
+              </a:ext>
+            </a:extLst>
+          </p:cNvPr>
+          <p:cNvSpPr>
+            <a:spLocks noGrp="1" noRot="1" noChangeAspect="1" noMove="1" noResize="1" noEditPoints="1" noAdjustHandles="1" noChangeArrowheads="1" noChangeShapeType="1" noTextEdit="1"/>
+          </p:cNvSpPr>
+          <p:nvPr>
+            <p:extLst>
+              <p:ext uri="{386F3935-93C4-4BCD-93E2-E3B085C9AB24}">
+                <p16:designElem xmlns:p16="http://schemas.microsoft.com/office/powerpoint/2015/main" val="1"/>
+              </p:ext>
+            </p:extLst>
+          </p:nvPr>
+        </p:nvSpPr>
+        <p:spPr>
+          <a:xfrm>
+            <a:off x="0" y="4367639"/>
+            <a:ext cx="11707367" cy="1852186"/>
+          </a:xfrm>
+          <a:prstGeom prst="rect">
+            <a:avLst/>
+          </a:prstGeom>
+          <a:solidFill>
+            <a:schemeClr val="accent1"/>
+          </a:solidFill>
+          <a:ln>
+            <a:noFill/>
+          </a:ln>
+        </p:spPr>
+        <p:style>
+          <a:lnRef idx="2">
+            <a:schemeClr val="accent1">
+              <a:shade val="50000"/>
+            </a:schemeClr>
+          </a:lnRef>
+          <a:fillRef idx="1">
+            <a:schemeClr val="accent1"/>
+          </a:fillRef>
+          <a:effectRef idx="0">
+            <a:schemeClr val="accent1"/>
+          </a:effectRef>
+          <a:fontRef idx="minor">
+            <a:schemeClr val="lt1"/>
+          </a:fontRef>
+        </p:style>
+      </p:sp>
+      <p:sp>
+        <p:nvSpPr>
+          <p:cNvPr id="28" name="Заголовок 1">
+            <a:extLst>
+              <a:ext uri="{FF2B5EF4-FFF2-40B4-BE49-F238E27FC236}">
+                <a16:creationId xmlns:a16="http://schemas.microsoft.com/office/drawing/2014/main" id="{A1800B60-BA5D-4BD9-AAE0-43620F882506}"/>
+              </a:ext>
+            </a:extLst>
+          </p:cNvPr>
+          <p:cNvSpPr txBox="1">
+            <a:spLocks/>
+          </p:cNvSpPr>
+          <p:nvPr/>
+        </p:nvSpPr>
+        <p:spPr>
+          <a:xfrm>
+            <a:off x="274718" y="4690051"/>
+            <a:ext cx="10210862" cy="1293305"/>
+          </a:xfrm>
+          <a:prstGeom prst="rect">
+            <a:avLst/>
+          </a:prstGeom>
+        </p:spPr>
+        <p:txBody>
+          <a:bodyPr vert="horz" lIns="91440" tIns="45720" rIns="91440" bIns="45720" rtlCol="0" anchor="b">
+            <a:normAutofit fontScale="92500" lnSpcReduction="10000"/>
+          </a:bodyPr>
+          <a:lstStyle>
+            <a:lvl1pPr algn="l" defTabSz="914400" rtl="0" eaLnBrk="1" latinLnBrk="0" hangingPunct="1">
+              <a:lnSpc>
+                <a:spcPct val="90000"/>
+              </a:lnSpc>
+              <a:spcBef>
+                <a:spcPct val="0"/>
+              </a:spcBef>
+              <a:buNone/>
+              <a:defRPr sz="5900" kern="1200" spc="-100" baseline="0">
+                <a:solidFill>
+                  <a:srgbClr val="FFFFFF"/>
+                </a:solidFill>
+                <a:latin typeface="+mj-lt"/>
+                <a:ea typeface="+mj-ea"/>
+                <a:cs typeface="+mj-cs"/>
+              </a:defRPr>
+            </a:lvl1pPr>
+          </a:lstStyle>
+          <a:p>
+            <a:pPr>
+              <a:spcAft>
+                <a:spcPts val="600"/>
+              </a:spcAft>
+              <a:buClr>
+                <a:schemeClr val="accent1"/>
+              </a:buClr>
+            </a:pPr>
+            <a:r>
+              <a:rPr lang="en-US" sz="3200" b="1" dirty="0"/>
+              <a:t>Android </a:t>
+            </a:r>
+            <a:r>
+              <a:rPr lang="en-US" sz="3200" b="1" dirty="0" err="1"/>
+              <a:t>практикум</a:t>
+            </a:r>
+            <a:br>
+              <a:rPr lang="en-US" sz="3200" b="1" dirty="0"/>
+            </a:br>
+            <a:br>
+              <a:rPr lang="en-US" sz="3200" b="1" dirty="0"/>
+            </a:br>
+            <a:r>
+              <a:rPr lang="en-US" sz="3200" b="1" dirty="0" err="1"/>
+              <a:t>Анимация</a:t>
+            </a:r>
+            <a:endParaRPr lang="en-US" sz="3200" b="1" dirty="0"/>
+          </a:p>
+        </p:txBody>
+      </p:sp>
+      <p:sp>
+        <p:nvSpPr>
+          <p:cNvPr id="2" name="Прямоугольник 1">
+            <a:extLst>
+              <a:ext uri="{FF2B5EF4-FFF2-40B4-BE49-F238E27FC236}">
+                <a16:creationId xmlns:a16="http://schemas.microsoft.com/office/drawing/2014/main" id="{3B398E50-B389-4600-9630-2827F87B8FC9}"/>
+              </a:ext>
+            </a:extLst>
+          </p:cNvPr>
+          <p:cNvSpPr/>
+          <p:nvPr/>
+        </p:nvSpPr>
+        <p:spPr>
+          <a:xfrm>
+            <a:off x="423805" y="638175"/>
+            <a:ext cx="6096000" cy="3046988"/>
+          </a:xfrm>
+          <a:prstGeom prst="rect">
+            <a:avLst/>
+          </a:prstGeom>
+        </p:spPr>
+        <p:txBody>
+          <a:bodyPr>
+            <a:spAutoFit/>
+          </a:bodyPr>
+          <a:lstStyle/>
+          <a:p>
+            <a:r>
+              <a:rPr lang="en-US" sz="2400" dirty="0">
+                <a:solidFill>
+                  <a:schemeClr val="accent2">
+                    <a:lumMod val="60000"/>
+                    <a:lumOff val="40000"/>
+                  </a:schemeClr>
+                </a:solidFill>
+                <a:latin typeface="SFMono-Regular"/>
+              </a:rPr>
+              <a:t>@Override</a:t>
+            </a:r>
+          </a:p>
+          <a:p>
+            <a:r>
+              <a:rPr lang="en-US" sz="2400" dirty="0">
+                <a:solidFill>
+                  <a:srgbClr val="A626A4"/>
+                </a:solidFill>
+                <a:latin typeface="SFMono-Regular"/>
+              </a:rPr>
+              <a:t>protected</a:t>
+            </a:r>
+            <a:r>
+              <a:rPr lang="en-US" sz="2400" dirty="0">
+                <a:solidFill>
+                  <a:srgbClr val="383A42"/>
+                </a:solidFill>
+                <a:latin typeface="SFMono-Regular"/>
+              </a:rPr>
+              <a:t> </a:t>
+            </a:r>
+            <a:r>
+              <a:rPr lang="en-US" sz="2400" dirty="0">
+                <a:solidFill>
+                  <a:srgbClr val="A626A4"/>
+                </a:solidFill>
+                <a:latin typeface="SFMono-Regular"/>
+              </a:rPr>
+              <a:t>void</a:t>
+            </a:r>
+            <a:r>
+              <a:rPr lang="en-US" sz="2400" dirty="0">
+                <a:solidFill>
+                  <a:srgbClr val="383A42"/>
+                </a:solidFill>
+                <a:latin typeface="SFMono-Regular"/>
+              </a:rPr>
+              <a:t> </a:t>
+            </a:r>
+            <a:r>
+              <a:rPr lang="en-US" sz="2400" dirty="0" err="1">
+                <a:solidFill>
+                  <a:srgbClr val="4078F2"/>
+                </a:solidFill>
+                <a:latin typeface="SFMono-Regular"/>
+              </a:rPr>
+              <a:t>onDraw</a:t>
+            </a:r>
+            <a:r>
+              <a:rPr lang="en-US" sz="2400" dirty="0">
+                <a:solidFill>
+                  <a:srgbClr val="383A42"/>
+                </a:solidFill>
+                <a:latin typeface="SFMono-Regular"/>
+              </a:rPr>
+              <a:t>(Canvas canvas) {</a:t>
+            </a:r>
+          </a:p>
+          <a:p>
+            <a:r>
+              <a:rPr lang="en-US" sz="2400" dirty="0">
+                <a:solidFill>
+                  <a:srgbClr val="383A42"/>
+                </a:solidFill>
+                <a:latin typeface="SFMono-Regular"/>
+              </a:rPr>
+              <a:t>   </a:t>
+            </a:r>
+            <a:r>
+              <a:rPr lang="en-US" sz="2400" i="1" dirty="0">
+                <a:solidFill>
+                  <a:srgbClr val="A0A1A7"/>
+                </a:solidFill>
+                <a:latin typeface="SFMono-Regular"/>
+              </a:rPr>
+              <a:t>// </a:t>
+            </a:r>
+            <a:r>
+              <a:rPr lang="ru-RU" sz="2400" i="1" dirty="0">
+                <a:solidFill>
+                  <a:srgbClr val="A0A1A7"/>
+                </a:solidFill>
+                <a:latin typeface="SFMono-Regular"/>
+              </a:rPr>
+              <a:t>здесь располагаются команды рисования</a:t>
+            </a:r>
+            <a:endParaRPr lang="en-US" sz="2400" i="1" dirty="0">
+              <a:solidFill>
+                <a:srgbClr val="A0A1A7"/>
+              </a:solidFill>
+              <a:latin typeface="SFMono-Regular"/>
+            </a:endParaRPr>
+          </a:p>
+          <a:p>
+            <a:r>
+              <a:rPr lang="ru-RU" sz="2400" dirty="0">
+                <a:solidFill>
+                  <a:srgbClr val="383A42"/>
+                </a:solidFill>
+                <a:latin typeface="SFMono-Regular"/>
+              </a:rPr>
+              <a:t> </a:t>
+            </a:r>
+            <a:r>
+              <a:rPr lang="en-US" sz="2400" dirty="0">
+                <a:solidFill>
+                  <a:srgbClr val="383A42"/>
+                </a:solidFill>
+                <a:latin typeface="SFMono-Regular"/>
+              </a:rPr>
+              <a:t>  </a:t>
+            </a:r>
+            <a:r>
+              <a:rPr lang="ru-RU" sz="2400" i="1" dirty="0">
+                <a:solidFill>
+                  <a:srgbClr val="A0A1A7"/>
+                </a:solidFill>
+                <a:latin typeface="SFMono-Regular"/>
+              </a:rPr>
+              <a:t>//...</a:t>
+            </a:r>
+            <a:r>
+              <a:rPr lang="ru-RU" sz="2400" dirty="0">
+                <a:solidFill>
+                  <a:srgbClr val="383A42"/>
+                </a:solidFill>
+                <a:latin typeface="SFMono-Regular"/>
+              </a:rPr>
+              <a:t>   </a:t>
+            </a:r>
+            <a:endParaRPr lang="en-US" sz="2400" dirty="0">
+              <a:solidFill>
+                <a:srgbClr val="383A42"/>
+              </a:solidFill>
+              <a:latin typeface="SFMono-Regular"/>
+            </a:endParaRPr>
+          </a:p>
+          <a:p>
+            <a:r>
+              <a:rPr lang="en-US" sz="2400" i="1" dirty="0">
+                <a:solidFill>
+                  <a:srgbClr val="A0A1A7"/>
+                </a:solidFill>
+                <a:latin typeface="SFMono-Regular"/>
+              </a:rPr>
+              <a:t>   </a:t>
+            </a:r>
+            <a:r>
+              <a:rPr lang="ru-RU" sz="2400" i="1" dirty="0">
+                <a:solidFill>
+                  <a:srgbClr val="A0A1A7"/>
+                </a:solidFill>
+                <a:latin typeface="SFMono-Regular"/>
+              </a:rPr>
+              <a:t>// заказ на перерисовку</a:t>
+            </a:r>
+            <a:endParaRPr lang="en-US" sz="2400" i="1" dirty="0">
+              <a:solidFill>
+                <a:srgbClr val="A0A1A7"/>
+              </a:solidFill>
+              <a:latin typeface="SFMono-Regular"/>
+            </a:endParaRPr>
+          </a:p>
+          <a:p>
+            <a:r>
+              <a:rPr lang="ru-RU" sz="2400" i="1" dirty="0">
+                <a:solidFill>
+                  <a:srgbClr val="A0A1A7"/>
+                </a:solidFill>
+                <a:latin typeface="SFMono-Regular"/>
+              </a:rPr>
+              <a:t> </a:t>
+            </a:r>
+            <a:r>
+              <a:rPr lang="en-US" sz="2400" i="1" dirty="0">
+                <a:solidFill>
+                  <a:srgbClr val="A0A1A7"/>
+                </a:solidFill>
+                <a:latin typeface="SFMono-Regular"/>
+              </a:rPr>
+              <a:t>  </a:t>
+            </a:r>
+            <a:r>
+              <a:rPr lang="en-US" sz="2400" dirty="0">
+                <a:solidFill>
+                  <a:srgbClr val="383A42"/>
+                </a:solidFill>
+                <a:latin typeface="SFMono-Regular"/>
+              </a:rPr>
+              <a:t>invalidate();</a:t>
+            </a:r>
+          </a:p>
+          <a:p>
+            <a:r>
+              <a:rPr lang="en-US" sz="2400" dirty="0">
+                <a:solidFill>
+                  <a:srgbClr val="383A42"/>
+                </a:solidFill>
+                <a:latin typeface="SFMono-Regular"/>
+              </a:rPr>
+              <a:t>}</a:t>
+            </a:r>
+            <a:endParaRPr lang="ru-RU" sz="2400" dirty="0"/>
+          </a:p>
+        </p:txBody>
+      </p:sp>
+      <p:sp>
+        <p:nvSpPr>
+          <p:cNvPr id="4" name="Прямоугольник 3">
+            <a:extLst>
+              <a:ext uri="{FF2B5EF4-FFF2-40B4-BE49-F238E27FC236}">
+                <a16:creationId xmlns:a16="http://schemas.microsoft.com/office/drawing/2014/main" id="{8FD1D270-FF04-4363-BEE2-EA5E4BA06ECA}"/>
+              </a:ext>
+            </a:extLst>
+          </p:cNvPr>
+          <p:cNvSpPr/>
+          <p:nvPr/>
+        </p:nvSpPr>
+        <p:spPr>
+          <a:xfrm>
+            <a:off x="4800865" y="4690051"/>
+            <a:ext cx="7116417" cy="1200329"/>
+          </a:xfrm>
+          <a:prstGeom prst="rect">
+            <a:avLst/>
+          </a:prstGeom>
+        </p:spPr>
+        <p:txBody>
+          <a:bodyPr wrap="square">
+            <a:spAutoFit/>
+          </a:bodyPr>
+          <a:lstStyle/>
+          <a:p>
+            <a:r>
+              <a:rPr lang="ru-RU" sz="2400" dirty="0"/>
+              <a:t>Аннотация </a:t>
+            </a:r>
+            <a:r>
+              <a:rPr lang="ru-RU" sz="2400" dirty="0">
+                <a:solidFill>
+                  <a:schemeClr val="accent2">
+                    <a:lumMod val="60000"/>
+                    <a:lumOff val="40000"/>
+                  </a:schemeClr>
+                </a:solidFill>
+              </a:rPr>
+              <a:t>@</a:t>
+            </a:r>
+            <a:r>
+              <a:rPr lang="ru-RU" sz="2400" dirty="0" err="1">
+                <a:solidFill>
+                  <a:schemeClr val="accent2">
+                    <a:lumMod val="60000"/>
+                    <a:lumOff val="40000"/>
+                  </a:schemeClr>
+                </a:solidFill>
+              </a:rPr>
+              <a:t>Override</a:t>
+            </a:r>
+            <a:r>
+              <a:rPr lang="ru-RU" sz="2400" dirty="0">
+                <a:solidFill>
+                  <a:schemeClr val="accent2">
+                    <a:lumMod val="60000"/>
+                    <a:lumOff val="40000"/>
+                  </a:schemeClr>
+                </a:solidFill>
+              </a:rPr>
+              <a:t> </a:t>
+            </a:r>
+            <a:r>
+              <a:rPr lang="ru-RU" sz="2400" dirty="0"/>
+              <a:t>перед объявлением метода означает, что мы хотим изменить стандартный базовый метод, который написан разработчиками</a:t>
+            </a:r>
+          </a:p>
+        </p:txBody>
+      </p:sp>
+    </p:spTree>
+    <p:extLst>
+      <p:ext uri="{BB962C8B-B14F-4D97-AF65-F5344CB8AC3E}">
+        <p14:creationId xmlns:p14="http://schemas.microsoft.com/office/powerpoint/2010/main" val="1964814708"/>
+      </p:ext>
+    </p:extLst>
+  </p:cSld>
+  <p:clrMapOvr>
+    <a:masterClrMapping/>
+  </p:clrMapOvr>
+</p:sld>
+</file>
+
+<file path=ppt/slides/slide12.xml><?xml version="1.0" encoding="utf-8"?>
+<p:sld xmlns:a="http://schemas.openxmlformats.org/drawingml/2006/main" xmlns:r="http://schemas.openxmlformats.org/officeDocument/2006/relationships" xmlns:p="http://schemas.openxmlformats.org/presentationml/2006/main">
+  <p:cSld>
+    <p:bg>
+      <p:bgPr>
+        <a:solidFill>
+          <a:schemeClr val="bg1"/>
+        </a:solidFill>
+        <a:effectLst/>
+      </p:bgPr>
+    </p:bg>
+    <p:spTree>
+      <p:nvGrpSpPr>
+        <p:cNvPr id="1" name=""/>
+        <p:cNvGrpSpPr/>
+        <p:nvPr/>
+      </p:nvGrpSpPr>
+      <p:grpSpPr>
+        <a:xfrm>
+          <a:off x="0" y="0"/>
+          <a:ext cx="0" cy="0"/>
+          <a:chOff x="0" y="0"/>
+          <a:chExt cx="0" cy="0"/>
+        </a:xfrm>
+      </p:grpSpPr>
+      <p:sp useBgFill="1">
+        <p:nvSpPr>
+          <p:cNvPr id="135" name="Rectangle 134">
+            <a:extLst>
+              <a:ext uri="{FF2B5EF4-FFF2-40B4-BE49-F238E27FC236}">
+                <a16:creationId xmlns:a16="http://schemas.microsoft.com/office/drawing/2014/main" id="{9203ABB4-7E2A-4248-9FE7-4A419AFF2F17}"/>
+              </a:ext>
+              <a:ext uri="{C183D7F6-B498-43B3-948B-1728B52AA6E4}">
+                <adec:decorative xmlns:adec="http://schemas.microsoft.com/office/drawing/2017/decorative" val="1"/>
+              </a:ext>
+            </a:extLst>
+          </p:cNvPr>
+          <p:cNvSpPr>
+            <a:spLocks noGrp="1" noRot="1" noChangeAspect="1" noMove="1" noResize="1" noEditPoints="1" noAdjustHandles="1" noChangeArrowheads="1" noChangeShapeType="1" noTextEdit="1"/>
+          </p:cNvSpPr>
+          <p:nvPr>
+            <p:extLst>
+              <p:ext uri="{386F3935-93C4-4BCD-93E2-E3B085C9AB24}">
+                <p16:designElem xmlns:p16="http://schemas.microsoft.com/office/powerpoint/2015/main" val="1"/>
+              </p:ext>
+            </p:extLst>
+          </p:nvPr>
+        </p:nvSpPr>
+        <p:spPr>
+          <a:xfrm>
+            <a:off x="0" y="0"/>
+            <a:ext cx="12191999" cy="6858000"/>
+          </a:xfrm>
+          <a:prstGeom prst="rect">
+            <a:avLst/>
+          </a:prstGeom>
+          <a:ln>
+            <a:noFill/>
+          </a:ln>
+        </p:spPr>
+        <p:style>
+          <a:lnRef idx="2">
+            <a:schemeClr val="accent1">
+              <a:shade val="50000"/>
+            </a:schemeClr>
+          </a:lnRef>
+          <a:fillRef idx="1">
+            <a:schemeClr val="accent1"/>
+          </a:fillRef>
+          <a:effectRef idx="0">
+            <a:schemeClr val="accent1"/>
+          </a:effectRef>
+          <a:fontRef idx="minor">
+            <a:schemeClr val="lt1"/>
+          </a:fontRef>
+        </p:style>
+        <p:txBody>
+          <a:bodyPr rtlCol="0" anchor="ctr"/>
+          <a:lstStyle/>
+          <a:p>
+            <a:pPr algn="ctr"/>
+            <a:endParaRPr lang="en-US"/>
+          </a:p>
+        </p:txBody>
+      </p:sp>
+      <p:sp>
+        <p:nvSpPr>
+          <p:cNvPr id="137" name="Rectangle 136">
+            <a:extLst>
+              <a:ext uri="{FF2B5EF4-FFF2-40B4-BE49-F238E27FC236}">
+                <a16:creationId xmlns:a16="http://schemas.microsoft.com/office/drawing/2014/main" id="{3126970D-C1E5-4FB1-84E8-86CB9CED1C80}"/>
+              </a:ext>
+              <a:ext uri="{C183D7F6-B498-43B3-948B-1728B52AA6E4}">
+                <adec:decorative xmlns:adec="http://schemas.microsoft.com/office/drawing/2017/decorative" val="1"/>
+              </a:ext>
+            </a:extLst>
+          </p:cNvPr>
+          <p:cNvSpPr>
+            <a:spLocks noGrp="1" noRot="1" noChangeAspect="1" noMove="1" noResize="1" noEditPoints="1" noAdjustHandles="1" noChangeArrowheads="1" noChangeShapeType="1" noTextEdit="1"/>
+          </p:cNvSpPr>
+          <p:nvPr>
+            <p:extLst>
+              <p:ext uri="{386F3935-93C4-4BCD-93E2-E3B085C9AB24}">
+                <p16:designElem xmlns:p16="http://schemas.microsoft.com/office/powerpoint/2015/main" val="1"/>
+              </p:ext>
+            </p:extLst>
+          </p:nvPr>
+        </p:nvSpPr>
+        <p:spPr>
+          <a:xfrm>
+            <a:off x="0" y="4367639"/>
+            <a:ext cx="11707367" cy="1852186"/>
+          </a:xfrm>
+          <a:prstGeom prst="rect">
+            <a:avLst/>
+          </a:prstGeom>
+          <a:solidFill>
+            <a:schemeClr val="accent1"/>
+          </a:solidFill>
+          <a:ln>
+            <a:noFill/>
+          </a:ln>
+        </p:spPr>
+        <p:style>
+          <a:lnRef idx="2">
+            <a:schemeClr val="accent1">
+              <a:shade val="50000"/>
+            </a:schemeClr>
+          </a:lnRef>
+          <a:fillRef idx="1">
+            <a:schemeClr val="accent1"/>
+          </a:fillRef>
+          <a:effectRef idx="0">
+            <a:schemeClr val="accent1"/>
+          </a:effectRef>
+          <a:fontRef idx="minor">
+            <a:schemeClr val="lt1"/>
+          </a:fontRef>
+        </p:style>
+      </p:sp>
+      <p:sp>
+        <p:nvSpPr>
+          <p:cNvPr id="28" name="Заголовок 1">
+            <a:extLst>
+              <a:ext uri="{FF2B5EF4-FFF2-40B4-BE49-F238E27FC236}">
+                <a16:creationId xmlns:a16="http://schemas.microsoft.com/office/drawing/2014/main" id="{A1800B60-BA5D-4BD9-AAE0-43620F882506}"/>
+              </a:ext>
+            </a:extLst>
+          </p:cNvPr>
+          <p:cNvSpPr txBox="1">
+            <a:spLocks/>
+          </p:cNvSpPr>
+          <p:nvPr/>
+        </p:nvSpPr>
+        <p:spPr>
+          <a:xfrm>
+            <a:off x="274718" y="4690051"/>
+            <a:ext cx="10210862" cy="1293305"/>
+          </a:xfrm>
+          <a:prstGeom prst="rect">
+            <a:avLst/>
+          </a:prstGeom>
+        </p:spPr>
+        <p:txBody>
+          <a:bodyPr vert="horz" lIns="91440" tIns="45720" rIns="91440" bIns="45720" rtlCol="0" anchor="b">
+            <a:normAutofit fontScale="92500" lnSpcReduction="10000"/>
+          </a:bodyPr>
+          <a:lstStyle>
+            <a:lvl1pPr algn="l" defTabSz="914400" rtl="0" eaLnBrk="1" latinLnBrk="0" hangingPunct="1">
+              <a:lnSpc>
+                <a:spcPct val="90000"/>
+              </a:lnSpc>
+              <a:spcBef>
+                <a:spcPct val="0"/>
+              </a:spcBef>
+              <a:buNone/>
+              <a:defRPr sz="5900" kern="1200" spc="-100" baseline="0">
+                <a:solidFill>
+                  <a:srgbClr val="FFFFFF"/>
+                </a:solidFill>
+                <a:latin typeface="+mj-lt"/>
+                <a:ea typeface="+mj-ea"/>
+                <a:cs typeface="+mj-cs"/>
+              </a:defRPr>
+            </a:lvl1pPr>
+          </a:lstStyle>
+          <a:p>
+            <a:pPr>
+              <a:spcAft>
+                <a:spcPts val="600"/>
+              </a:spcAft>
+              <a:buClr>
+                <a:schemeClr val="accent1"/>
+              </a:buClr>
+            </a:pPr>
+            <a:r>
+              <a:rPr lang="en-US" sz="3200" b="1" dirty="0"/>
+              <a:t>Android </a:t>
+            </a:r>
+            <a:r>
+              <a:rPr lang="en-US" sz="3200" b="1" dirty="0" err="1"/>
+              <a:t>практикум</a:t>
+            </a:r>
+            <a:br>
+              <a:rPr lang="en-US" sz="3200" b="1" dirty="0"/>
+            </a:br>
+            <a:br>
+              <a:rPr lang="en-US" sz="3200" b="1" dirty="0"/>
+            </a:br>
+            <a:r>
+              <a:rPr lang="en-US" sz="3200" b="1" dirty="0" err="1"/>
+              <a:t>Анимация</a:t>
+            </a:r>
+            <a:endParaRPr lang="en-US" sz="3200" b="1" dirty="0"/>
+          </a:p>
+        </p:txBody>
+      </p:sp>
+      <p:sp>
+        <p:nvSpPr>
+          <p:cNvPr id="2" name="Прямоугольник 1">
+            <a:extLst>
+              <a:ext uri="{FF2B5EF4-FFF2-40B4-BE49-F238E27FC236}">
+                <a16:creationId xmlns:a16="http://schemas.microsoft.com/office/drawing/2014/main" id="{3B398E50-B389-4600-9630-2827F87B8FC9}"/>
+              </a:ext>
+            </a:extLst>
+          </p:cNvPr>
+          <p:cNvSpPr/>
+          <p:nvPr/>
+        </p:nvSpPr>
+        <p:spPr>
+          <a:xfrm>
+            <a:off x="423805" y="638175"/>
+            <a:ext cx="6096000" cy="3046988"/>
+          </a:xfrm>
+          <a:prstGeom prst="rect">
+            <a:avLst/>
+          </a:prstGeom>
+        </p:spPr>
+        <p:txBody>
+          <a:bodyPr>
+            <a:spAutoFit/>
+          </a:bodyPr>
+          <a:lstStyle/>
+          <a:p>
+            <a:r>
+              <a:rPr lang="en-US" sz="2400" dirty="0">
+                <a:solidFill>
+                  <a:schemeClr val="accent2">
+                    <a:lumMod val="60000"/>
+                    <a:lumOff val="40000"/>
+                  </a:schemeClr>
+                </a:solidFill>
+                <a:latin typeface="SFMono-Regular"/>
+              </a:rPr>
+              <a:t>@Override</a:t>
+            </a:r>
+          </a:p>
+          <a:p>
+            <a:r>
+              <a:rPr lang="en-US" sz="2400" dirty="0">
+                <a:solidFill>
+                  <a:srgbClr val="A626A4"/>
+                </a:solidFill>
+                <a:latin typeface="SFMono-Regular"/>
+              </a:rPr>
+              <a:t>protected</a:t>
+            </a:r>
+            <a:r>
+              <a:rPr lang="en-US" sz="2400" dirty="0">
+                <a:solidFill>
+                  <a:srgbClr val="383A42"/>
+                </a:solidFill>
+                <a:latin typeface="SFMono-Regular"/>
+              </a:rPr>
+              <a:t> </a:t>
+            </a:r>
+            <a:r>
+              <a:rPr lang="en-US" sz="2400" dirty="0">
+                <a:solidFill>
+                  <a:srgbClr val="A626A4"/>
+                </a:solidFill>
+                <a:latin typeface="SFMono-Regular"/>
+              </a:rPr>
+              <a:t>void</a:t>
+            </a:r>
+            <a:r>
+              <a:rPr lang="en-US" sz="2400" dirty="0">
+                <a:solidFill>
+                  <a:srgbClr val="383A42"/>
+                </a:solidFill>
+                <a:latin typeface="SFMono-Regular"/>
+              </a:rPr>
+              <a:t> </a:t>
+            </a:r>
+            <a:r>
+              <a:rPr lang="en-US" sz="2400" dirty="0" err="1">
+                <a:solidFill>
+                  <a:srgbClr val="4078F2"/>
+                </a:solidFill>
+                <a:latin typeface="SFMono-Regular"/>
+              </a:rPr>
+              <a:t>onDraw</a:t>
+            </a:r>
+            <a:r>
+              <a:rPr lang="en-US" sz="2400" dirty="0">
+                <a:solidFill>
+                  <a:srgbClr val="383A42"/>
+                </a:solidFill>
+                <a:latin typeface="SFMono-Regular"/>
+              </a:rPr>
+              <a:t>(Canvas canvas) {</a:t>
+            </a:r>
+          </a:p>
+          <a:p>
+            <a:r>
+              <a:rPr lang="en-US" sz="2400" dirty="0">
+                <a:solidFill>
+                  <a:srgbClr val="383A42"/>
+                </a:solidFill>
+                <a:latin typeface="SFMono-Regular"/>
+              </a:rPr>
+              <a:t>   </a:t>
+            </a:r>
+            <a:r>
+              <a:rPr lang="en-US" sz="2400" i="1" dirty="0">
+                <a:solidFill>
+                  <a:srgbClr val="A0A1A7"/>
+                </a:solidFill>
+                <a:latin typeface="SFMono-Regular"/>
+              </a:rPr>
+              <a:t>// </a:t>
+            </a:r>
+            <a:r>
+              <a:rPr lang="ru-RU" sz="2400" i="1" dirty="0">
+                <a:solidFill>
+                  <a:srgbClr val="A0A1A7"/>
+                </a:solidFill>
+                <a:latin typeface="SFMono-Regular"/>
+              </a:rPr>
+              <a:t>здесь располагаются команды рисования</a:t>
+            </a:r>
+            <a:endParaRPr lang="en-US" sz="2400" i="1" dirty="0">
+              <a:solidFill>
+                <a:srgbClr val="A0A1A7"/>
+              </a:solidFill>
+              <a:latin typeface="SFMono-Regular"/>
+            </a:endParaRPr>
+          </a:p>
+          <a:p>
+            <a:r>
+              <a:rPr lang="ru-RU" sz="2400" dirty="0">
+                <a:solidFill>
+                  <a:srgbClr val="383A42"/>
+                </a:solidFill>
+                <a:latin typeface="SFMono-Regular"/>
+              </a:rPr>
+              <a:t> </a:t>
+            </a:r>
+            <a:r>
+              <a:rPr lang="en-US" sz="2400" dirty="0">
+                <a:solidFill>
+                  <a:srgbClr val="383A42"/>
+                </a:solidFill>
+                <a:latin typeface="SFMono-Regular"/>
+              </a:rPr>
+              <a:t>  </a:t>
+            </a:r>
+            <a:r>
+              <a:rPr lang="ru-RU" sz="2400" i="1" dirty="0">
+                <a:solidFill>
+                  <a:srgbClr val="A0A1A7"/>
+                </a:solidFill>
+                <a:latin typeface="SFMono-Regular"/>
+              </a:rPr>
+              <a:t>//...</a:t>
+            </a:r>
+            <a:r>
+              <a:rPr lang="ru-RU" sz="2400" dirty="0">
+                <a:solidFill>
+                  <a:srgbClr val="383A42"/>
+                </a:solidFill>
+                <a:latin typeface="SFMono-Regular"/>
+              </a:rPr>
+              <a:t>   </a:t>
+            </a:r>
+            <a:endParaRPr lang="en-US" sz="2400" dirty="0">
+              <a:solidFill>
+                <a:srgbClr val="383A42"/>
+              </a:solidFill>
+              <a:latin typeface="SFMono-Regular"/>
+            </a:endParaRPr>
+          </a:p>
+          <a:p>
+            <a:r>
+              <a:rPr lang="en-US" sz="2400" i="1" dirty="0">
+                <a:solidFill>
+                  <a:srgbClr val="A0A1A7"/>
+                </a:solidFill>
+                <a:latin typeface="SFMono-Regular"/>
+              </a:rPr>
+              <a:t>   </a:t>
+            </a:r>
+            <a:r>
+              <a:rPr lang="ru-RU" sz="2400" i="1" dirty="0">
+                <a:solidFill>
+                  <a:srgbClr val="A0A1A7"/>
+                </a:solidFill>
+                <a:latin typeface="SFMono-Regular"/>
+              </a:rPr>
+              <a:t>// заказ на перерисовку</a:t>
+            </a:r>
+            <a:endParaRPr lang="en-US" sz="2400" i="1" dirty="0">
+              <a:solidFill>
+                <a:srgbClr val="A0A1A7"/>
+              </a:solidFill>
+              <a:latin typeface="SFMono-Regular"/>
+            </a:endParaRPr>
+          </a:p>
+          <a:p>
+            <a:r>
+              <a:rPr lang="ru-RU" sz="2400" i="1" dirty="0">
+                <a:solidFill>
+                  <a:srgbClr val="A0A1A7"/>
+                </a:solidFill>
+                <a:latin typeface="SFMono-Regular"/>
+              </a:rPr>
+              <a:t> </a:t>
+            </a:r>
+            <a:r>
+              <a:rPr lang="en-US" sz="2400" i="1" dirty="0">
+                <a:solidFill>
+                  <a:srgbClr val="A0A1A7"/>
+                </a:solidFill>
+                <a:latin typeface="SFMono-Regular"/>
+              </a:rPr>
+              <a:t>  </a:t>
+            </a:r>
+            <a:r>
+              <a:rPr lang="en-US" sz="2400" dirty="0">
+                <a:solidFill>
+                  <a:srgbClr val="383A42"/>
+                </a:solidFill>
+                <a:latin typeface="SFMono-Regular"/>
+              </a:rPr>
+              <a:t>invalidate();</a:t>
+            </a:r>
+          </a:p>
+          <a:p>
+            <a:r>
+              <a:rPr lang="en-US" sz="2400" dirty="0">
+                <a:solidFill>
+                  <a:srgbClr val="383A42"/>
+                </a:solidFill>
+                <a:latin typeface="SFMono-Regular"/>
+              </a:rPr>
+              <a:t>}</a:t>
+            </a:r>
+            <a:endParaRPr lang="ru-RU" sz="2400" dirty="0"/>
+          </a:p>
+        </p:txBody>
+      </p:sp>
+      <p:sp>
+        <p:nvSpPr>
+          <p:cNvPr id="4" name="Прямоугольник 3">
+            <a:extLst>
+              <a:ext uri="{FF2B5EF4-FFF2-40B4-BE49-F238E27FC236}">
+                <a16:creationId xmlns:a16="http://schemas.microsoft.com/office/drawing/2014/main" id="{8FD1D270-FF04-4363-BEE2-EA5E4BA06ECA}"/>
+              </a:ext>
+            </a:extLst>
+          </p:cNvPr>
+          <p:cNvSpPr/>
+          <p:nvPr/>
+        </p:nvSpPr>
+        <p:spPr>
+          <a:xfrm>
+            <a:off x="4800865" y="4690051"/>
+            <a:ext cx="7116417" cy="1200329"/>
+          </a:xfrm>
+          <a:prstGeom prst="rect">
+            <a:avLst/>
+          </a:prstGeom>
+        </p:spPr>
+        <p:txBody>
+          <a:bodyPr wrap="square">
+            <a:spAutoFit/>
+          </a:bodyPr>
+          <a:lstStyle/>
+          <a:p>
+            <a:r>
+              <a:rPr lang="ru-RU" sz="2400" dirty="0"/>
+              <a:t>Аннотация </a:t>
+            </a:r>
+            <a:r>
+              <a:rPr lang="ru-RU" sz="2400" dirty="0">
+                <a:solidFill>
+                  <a:schemeClr val="accent2">
+                    <a:lumMod val="60000"/>
+                    <a:lumOff val="40000"/>
+                  </a:schemeClr>
+                </a:solidFill>
+              </a:rPr>
+              <a:t>@</a:t>
+            </a:r>
+            <a:r>
+              <a:rPr lang="ru-RU" sz="2400" dirty="0" err="1">
+                <a:solidFill>
+                  <a:schemeClr val="accent2">
+                    <a:lumMod val="60000"/>
+                    <a:lumOff val="40000"/>
+                  </a:schemeClr>
+                </a:solidFill>
+              </a:rPr>
+              <a:t>Override</a:t>
+            </a:r>
+            <a:r>
+              <a:rPr lang="ru-RU" sz="2400" dirty="0">
+                <a:solidFill>
+                  <a:schemeClr val="accent2">
+                    <a:lumMod val="60000"/>
+                    <a:lumOff val="40000"/>
+                  </a:schemeClr>
+                </a:solidFill>
+              </a:rPr>
+              <a:t> </a:t>
+            </a:r>
+            <a:r>
+              <a:rPr lang="ru-RU" sz="2400" dirty="0"/>
+              <a:t>перед объявлением метода означает, что мы хотим изменить стандартный базовый метод, который написан разработчиками</a:t>
+            </a:r>
+          </a:p>
+        </p:txBody>
+      </p:sp>
+      <p:pic>
+        <p:nvPicPr>
+          <p:cNvPr id="7170" name="Picture 2" descr="Google Chrome Canvas – простое приложение для рисования в браузере - ITC.ua">
+            <a:extLst>
+              <a:ext uri="{FF2B5EF4-FFF2-40B4-BE49-F238E27FC236}">
+                <a16:creationId xmlns:a16="http://schemas.microsoft.com/office/drawing/2014/main" id="{5C26BDF5-46E8-4C00-A5D4-C86E9B40D3FA}"/>
+              </a:ext>
+            </a:extLst>
+          </p:cNvPr>
+          <p:cNvPicPr>
+            <a:picLocks noChangeAspect="1" noChangeArrowheads="1"/>
+          </p:cNvPicPr>
+          <p:nvPr/>
+        </p:nvPicPr>
+        <p:blipFill>
+          <a:blip r:embed="rId2">
+            <a:extLst>
+              <a:ext uri="{28A0092B-C50C-407E-A947-70E740481C1C}">
+                <a14:useLocalDpi xmlns:a14="http://schemas.microsoft.com/office/drawing/2010/main" val="0"/>
+              </a:ext>
+            </a:extLst>
+          </a:blip>
+          <a:srcRect/>
+          <a:stretch>
+            <a:fillRect/>
+          </a:stretch>
+        </p:blipFill>
+        <p:spPr bwMode="auto">
+          <a:xfrm>
+            <a:off x="6428403" y="1064943"/>
+            <a:ext cx="5004960" cy="3046988"/>
+          </a:xfrm>
+          <a:prstGeom prst="rect">
+            <a:avLst/>
+          </a:prstGeom>
+          <a:noFill/>
+          <a:extLst>
+            <a:ext uri="{909E8E84-426E-40DD-AFC4-6F175D3DCCD1}">
+              <a14:hiddenFill xmlns:a14="http://schemas.microsoft.com/office/drawing/2010/main">
+                <a:solidFill>
+                  <a:srgbClr val="FFFFFF"/>
+                </a:solidFill>
+              </a14:hiddenFill>
+            </a:ext>
+          </a:extLst>
+        </p:spPr>
+      </p:pic>
+      <p:sp>
+        <p:nvSpPr>
+          <p:cNvPr id="3" name="Прямоугольник 2">
+            <a:extLst>
+              <a:ext uri="{FF2B5EF4-FFF2-40B4-BE49-F238E27FC236}">
+                <a16:creationId xmlns:a16="http://schemas.microsoft.com/office/drawing/2014/main" id="{E006FFF7-8E28-44FC-9947-F833411D717D}"/>
+              </a:ext>
+            </a:extLst>
+          </p:cNvPr>
+          <p:cNvSpPr/>
+          <p:nvPr/>
+        </p:nvSpPr>
+        <p:spPr>
+          <a:xfrm>
+            <a:off x="6519805" y="529885"/>
+            <a:ext cx="1199367" cy="523220"/>
+          </a:xfrm>
+          <a:prstGeom prst="rect">
+            <a:avLst/>
+          </a:prstGeom>
+        </p:spPr>
+        <p:txBody>
+          <a:bodyPr wrap="none">
+            <a:spAutoFit/>
+          </a:bodyPr>
+          <a:lstStyle/>
+          <a:p>
+            <a:r>
+              <a:rPr lang="en-US" sz="2800" dirty="0">
+                <a:solidFill>
+                  <a:srgbClr val="C00000"/>
+                </a:solidFill>
+                <a:latin typeface="SFMono-Regular"/>
+              </a:rPr>
+              <a:t>Canvas</a:t>
+            </a:r>
+            <a:endParaRPr lang="ru-RU" sz="2800" dirty="0">
+              <a:solidFill>
+                <a:srgbClr val="C00000"/>
+              </a:solidFill>
+            </a:endParaRPr>
+          </a:p>
+        </p:txBody>
+      </p:sp>
+      <p:sp>
+        <p:nvSpPr>
+          <p:cNvPr id="11" name="Прямоугольник 10">
+            <a:extLst>
+              <a:ext uri="{FF2B5EF4-FFF2-40B4-BE49-F238E27FC236}">
+                <a16:creationId xmlns:a16="http://schemas.microsoft.com/office/drawing/2014/main" id="{24195733-D2DC-4C95-A596-942B0689A47D}"/>
+              </a:ext>
+            </a:extLst>
+          </p:cNvPr>
+          <p:cNvSpPr/>
+          <p:nvPr/>
+        </p:nvSpPr>
+        <p:spPr>
+          <a:xfrm>
+            <a:off x="274718" y="323271"/>
+            <a:ext cx="5529338" cy="3703130"/>
+          </a:xfrm>
+          <a:prstGeom prst="rect">
+            <a:avLst/>
+          </a:prstGeom>
+          <a:noFill/>
+          <a:ln w="38100">
+            <a:solidFill>
+              <a:schemeClr val="tx1">
+                <a:lumMod val="50000"/>
+                <a:lumOff val="50000"/>
+              </a:schemeClr>
+            </a:solidFill>
+          </a:ln>
+        </p:spPr>
+        <p:style>
+          <a:lnRef idx="2">
+            <a:schemeClr val="accent1">
+              <a:shade val="50000"/>
+            </a:schemeClr>
+          </a:lnRef>
+          <a:fillRef idx="1">
+            <a:schemeClr val="accent1"/>
+          </a:fillRef>
+          <a:effectRef idx="0">
+            <a:schemeClr val="accent1"/>
+          </a:effectRef>
+          <a:fontRef idx="minor">
+            <a:schemeClr val="lt1"/>
+          </a:fontRef>
+        </p:style>
+        <p:txBody>
+          <a:bodyPr rtlCol="0" anchor="ctr"/>
+          <a:lstStyle/>
+          <a:p>
+            <a:pPr algn="ctr"/>
+            <a:endParaRPr lang="ru-RU">
+              <a:noFill/>
+            </a:endParaRPr>
+          </a:p>
+        </p:txBody>
+      </p:sp>
+      <p:sp>
+        <p:nvSpPr>
+          <p:cNvPr id="12" name="Прямоугольник 11">
+            <a:extLst>
+              <a:ext uri="{FF2B5EF4-FFF2-40B4-BE49-F238E27FC236}">
+                <a16:creationId xmlns:a16="http://schemas.microsoft.com/office/drawing/2014/main" id="{E2F4BA74-0B05-47E4-A0E6-20878B68F29F}"/>
+              </a:ext>
+            </a:extLst>
+          </p:cNvPr>
+          <p:cNvSpPr/>
+          <p:nvPr/>
+        </p:nvSpPr>
+        <p:spPr>
+          <a:xfrm>
+            <a:off x="6166214" y="546896"/>
+            <a:ext cx="5529338" cy="3703130"/>
+          </a:xfrm>
+          <a:prstGeom prst="rect">
+            <a:avLst/>
+          </a:prstGeom>
+          <a:noFill/>
+          <a:ln w="38100">
+            <a:solidFill>
+              <a:schemeClr val="tx1">
+                <a:lumMod val="50000"/>
+                <a:lumOff val="50000"/>
+              </a:schemeClr>
+            </a:solidFill>
+          </a:ln>
+        </p:spPr>
+        <p:style>
+          <a:lnRef idx="2">
+            <a:schemeClr val="accent1">
+              <a:shade val="50000"/>
+            </a:schemeClr>
+          </a:lnRef>
+          <a:fillRef idx="1">
+            <a:schemeClr val="accent1"/>
+          </a:fillRef>
+          <a:effectRef idx="0">
+            <a:schemeClr val="accent1"/>
+          </a:effectRef>
+          <a:fontRef idx="minor">
+            <a:schemeClr val="lt1"/>
+          </a:fontRef>
+        </p:style>
+        <p:txBody>
+          <a:bodyPr rtlCol="0" anchor="ctr"/>
+          <a:lstStyle/>
+          <a:p>
+            <a:pPr algn="ctr"/>
+            <a:endParaRPr lang="ru-RU">
+              <a:noFill/>
+            </a:endParaRPr>
+          </a:p>
+        </p:txBody>
+      </p:sp>
+    </p:spTree>
+    <p:extLst>
+      <p:ext uri="{BB962C8B-B14F-4D97-AF65-F5344CB8AC3E}">
+        <p14:creationId xmlns:p14="http://schemas.microsoft.com/office/powerpoint/2010/main" val="296008797"/>
+      </p:ext>
+    </p:extLst>
+  </p:cSld>
+  <p:clrMapOvr>
+    <a:masterClrMapping/>
+  </p:clrMapOvr>
+</p:sld>
+</file>
+
+<file path=ppt/slides/slide13.xml><?xml version="1.0" encoding="utf-8"?>
+<p:sld xmlns:a="http://schemas.openxmlformats.org/drawingml/2006/main" xmlns:r="http://schemas.openxmlformats.org/officeDocument/2006/relationships" xmlns:p="http://schemas.openxmlformats.org/presentationml/2006/main">
+  <p:cSld>
+    <p:bg>
+      <p:bgPr>
+        <a:solidFill>
+          <a:schemeClr val="bg1"/>
+        </a:solidFill>
+        <a:effectLst/>
+      </p:bgPr>
+    </p:bg>
+    <p:spTree>
+      <p:nvGrpSpPr>
+        <p:cNvPr id="1" name=""/>
+        <p:cNvGrpSpPr/>
+        <p:nvPr/>
+      </p:nvGrpSpPr>
+      <p:grpSpPr>
+        <a:xfrm>
+          <a:off x="0" y="0"/>
+          <a:ext cx="0" cy="0"/>
+          <a:chOff x="0" y="0"/>
+          <a:chExt cx="0" cy="0"/>
+        </a:xfrm>
+      </p:grpSpPr>
+      <p:sp>
+        <p:nvSpPr>
+          <p:cNvPr id="78" name="Rectangle 77">
+            <a:extLst>
+              <a:ext uri="{FF2B5EF4-FFF2-40B4-BE49-F238E27FC236}">
+                <a16:creationId xmlns:a16="http://schemas.microsoft.com/office/drawing/2014/main" id="{4F645BF8-7885-4398-80BC-4C0DF24F5CEE}"/>
+              </a:ext>
+              <a:ext uri="{C183D7F6-B498-43B3-948B-1728B52AA6E4}">
+                <adec:decorative xmlns:adec="http://schemas.microsoft.com/office/drawing/2017/decorative" val="1"/>
+              </a:ext>
+            </a:extLst>
+          </p:cNvPr>
+          <p:cNvSpPr>
+            <a:spLocks noGrp="1" noRot="1" noChangeAspect="1" noMove="1" noResize="1" noEditPoints="1" noAdjustHandles="1" noChangeArrowheads="1" noChangeShapeType="1" noTextEdit="1"/>
+          </p:cNvSpPr>
+          <p:nvPr>
+            <p:extLst>
+              <p:ext uri="{386F3935-93C4-4BCD-93E2-E3B085C9AB24}">
+                <p16:designElem xmlns:p16="http://schemas.microsoft.com/office/powerpoint/2015/main" val="1"/>
+              </p:ext>
+            </p:extLst>
+          </p:nvPr>
+        </p:nvSpPr>
+        <p:spPr>
+          <a:xfrm>
+            <a:off x="1" y="758952"/>
+            <a:ext cx="3443590" cy="5330952"/>
+          </a:xfrm>
+          <a:prstGeom prst="rect">
+            <a:avLst/>
+          </a:prstGeom>
+          <a:solidFill>
+            <a:schemeClr val="accent1"/>
+          </a:solidFill>
+          <a:ln>
+            <a:noFill/>
+          </a:ln>
+        </p:spPr>
+        <p:style>
+          <a:lnRef idx="2">
+            <a:schemeClr val="accent1">
+              <a:shade val="50000"/>
+            </a:schemeClr>
+          </a:lnRef>
+          <a:fillRef idx="1">
+            <a:schemeClr val="accent1"/>
+          </a:fillRef>
+          <a:effectRef idx="0">
+            <a:schemeClr val="accent1"/>
+          </a:effectRef>
+          <a:fontRef idx="minor">
+            <a:schemeClr val="lt1"/>
+          </a:fontRef>
+        </p:style>
+      </p:sp>
+      <p:sp>
+        <p:nvSpPr>
+          <p:cNvPr id="80" name="Rectangle 79">
+            <a:extLst>
+              <a:ext uri="{FF2B5EF4-FFF2-40B4-BE49-F238E27FC236}">
+                <a16:creationId xmlns:a16="http://schemas.microsoft.com/office/drawing/2014/main" id="{3212FB65-CD2B-4005-B910-132DCE19FCC7}"/>
+              </a:ext>
+              <a:ext uri="{C183D7F6-B498-43B3-948B-1728B52AA6E4}">
+                <adec:decorative xmlns:adec="http://schemas.microsoft.com/office/drawing/2017/decorative" val="1"/>
+              </a:ext>
+            </a:extLst>
+          </p:cNvPr>
+          <p:cNvSpPr>
+            <a:spLocks noGrp="1" noRot="1" noChangeAspect="1" noMove="1" noResize="1" noEditPoints="1" noAdjustHandles="1" noChangeArrowheads="1" noChangeShapeType="1" noTextEdit="1"/>
+          </p:cNvSpPr>
+          <p:nvPr>
+            <p:extLst>
+              <p:ext uri="{386F3935-93C4-4BCD-93E2-E3B085C9AB24}">
+                <p16:designElem xmlns:p16="http://schemas.microsoft.com/office/powerpoint/2015/main" val="1"/>
+              </p:ext>
+            </p:extLst>
+          </p:nvPr>
+        </p:nvSpPr>
+        <p:spPr>
+          <a:xfrm>
+            <a:off x="11815864" y="758952"/>
+            <a:ext cx="384048" cy="5330952"/>
+          </a:xfrm>
+          <a:prstGeom prst="rect">
+            <a:avLst/>
+          </a:prstGeom>
+          <a:solidFill>
+            <a:srgbClr val="C8C8C8">
+              <a:alpha val="49804"/>
+            </a:srgbClr>
+          </a:solidFill>
+          <a:ln>
+            <a:noFill/>
+          </a:ln>
+        </p:spPr>
+        <p:style>
+          <a:lnRef idx="2">
+            <a:schemeClr val="accent1">
+              <a:shade val="50000"/>
+            </a:schemeClr>
+          </a:lnRef>
+          <a:fillRef idx="1">
+            <a:schemeClr val="accent1"/>
+          </a:fillRef>
+          <a:effectRef idx="0">
+            <a:schemeClr val="accent1"/>
+          </a:effectRef>
+          <a:fontRef idx="minor">
+            <a:schemeClr val="lt1"/>
+          </a:fontRef>
+        </p:style>
+      </p:sp>
+      <p:sp useBgFill="1">
+        <p:nvSpPr>
+          <p:cNvPr id="82" name="Rectangle 81">
+            <a:extLst>
+              <a:ext uri="{FF2B5EF4-FFF2-40B4-BE49-F238E27FC236}">
+                <a16:creationId xmlns:a16="http://schemas.microsoft.com/office/drawing/2014/main" id="{EE9F5D7F-1BBC-4096-ADA7-AA9C9E4D2868}"/>
+              </a:ext>
+              <a:ext uri="{C183D7F6-B498-43B3-948B-1728B52AA6E4}">
+                <adec:decorative xmlns:adec="http://schemas.microsoft.com/office/drawing/2017/decorative" val="1"/>
+              </a:ext>
+            </a:extLst>
+          </p:cNvPr>
+          <p:cNvSpPr>
+            <a:spLocks noGrp="1" noRot="1" noChangeAspect="1" noMove="1" noResize="1" noEditPoints="1" noAdjustHandles="1" noChangeArrowheads="1" noChangeShapeType="1" noTextEdit="1"/>
+          </p:cNvSpPr>
+          <p:nvPr>
+            <p:extLst>
+              <p:ext uri="{386F3935-93C4-4BCD-93E2-E3B085C9AB24}">
+                <p16:designElem xmlns:p16="http://schemas.microsoft.com/office/powerpoint/2015/main" val="1"/>
+              </p:ext>
+            </p:extLst>
+          </p:nvPr>
+        </p:nvSpPr>
+        <p:spPr>
+          <a:xfrm>
+            <a:off x="0" y="0"/>
+            <a:ext cx="12192000" cy="6858000"/>
+          </a:xfrm>
+          <a:prstGeom prst="rect">
+            <a:avLst/>
+          </a:prstGeom>
+          <a:ln>
+            <a:noFill/>
+          </a:ln>
+        </p:spPr>
+        <p:style>
+          <a:lnRef idx="2">
+            <a:schemeClr val="accent1">
+              <a:shade val="50000"/>
+            </a:schemeClr>
+          </a:lnRef>
+          <a:fillRef idx="1">
+            <a:schemeClr val="accent1"/>
+          </a:fillRef>
+          <a:effectRef idx="0">
+            <a:schemeClr val="accent1"/>
+          </a:effectRef>
+          <a:fontRef idx="minor">
+            <a:schemeClr val="lt1"/>
+          </a:fontRef>
+        </p:style>
+        <p:txBody>
+          <a:bodyPr rtlCol="0" anchor="ctr"/>
+          <a:lstStyle/>
+          <a:p>
+            <a:pPr algn="ctr"/>
+            <a:endParaRPr lang="en-US"/>
+          </a:p>
+        </p:txBody>
+      </p:sp>
+      <p:sp>
+        <p:nvSpPr>
+          <p:cNvPr id="84" name="Rectangle 83">
+            <a:extLst>
+              <a:ext uri="{FF2B5EF4-FFF2-40B4-BE49-F238E27FC236}">
+                <a16:creationId xmlns:a16="http://schemas.microsoft.com/office/drawing/2014/main" id="{06D370DD-716B-4528-B475-331F84CEA5A1}"/>
+              </a:ext>
+              <a:ext uri="{C183D7F6-B498-43B3-948B-1728B52AA6E4}">
+                <adec:decorative xmlns:adec="http://schemas.microsoft.com/office/drawing/2017/decorative" val="1"/>
+              </a:ext>
+            </a:extLst>
+          </p:cNvPr>
+          <p:cNvSpPr>
+            <a:spLocks noGrp="1" noRot="1" noChangeAspect="1" noMove="1" noResize="1" noEditPoints="1" noAdjustHandles="1" noChangeArrowheads="1" noChangeShapeType="1" noTextEdit="1"/>
+          </p:cNvSpPr>
+          <p:nvPr>
+            <p:extLst>
+              <p:ext uri="{386F3935-93C4-4BCD-93E2-E3B085C9AB24}">
+                <p16:designElem xmlns:p16="http://schemas.microsoft.com/office/powerpoint/2015/main" val="1"/>
+              </p:ext>
+            </p:extLst>
+          </p:nvPr>
+        </p:nvSpPr>
+        <p:spPr>
+          <a:xfrm>
+            <a:off x="0" y="758953"/>
+            <a:ext cx="7052486" cy="5330952"/>
+          </a:xfrm>
+          <a:prstGeom prst="rect">
+            <a:avLst/>
+          </a:prstGeom>
+          <a:solidFill>
+            <a:schemeClr val="accent1"/>
+          </a:solidFill>
+          <a:ln>
+            <a:noFill/>
+          </a:ln>
+        </p:spPr>
+        <p:style>
+          <a:lnRef idx="2">
+            <a:schemeClr val="accent1">
+              <a:shade val="50000"/>
+            </a:schemeClr>
+          </a:lnRef>
+          <a:fillRef idx="1">
+            <a:schemeClr val="accent1"/>
+          </a:fillRef>
+          <a:effectRef idx="0">
+            <a:schemeClr val="accent1"/>
+          </a:effectRef>
+          <a:fontRef idx="minor">
+            <a:schemeClr val="lt1"/>
+          </a:fontRef>
+        </p:style>
+      </p:sp>
+      <p:sp>
+        <p:nvSpPr>
+          <p:cNvPr id="2" name="Прямоугольник 1">
+            <a:extLst>
+              <a:ext uri="{FF2B5EF4-FFF2-40B4-BE49-F238E27FC236}">
+                <a16:creationId xmlns:a16="http://schemas.microsoft.com/office/drawing/2014/main" id="{3B398E50-B389-4600-9630-2827F87B8FC9}"/>
+              </a:ext>
+            </a:extLst>
+          </p:cNvPr>
+          <p:cNvSpPr/>
+          <p:nvPr/>
+        </p:nvSpPr>
+        <p:spPr>
+          <a:xfrm>
+            <a:off x="382476" y="1786985"/>
+            <a:ext cx="6451109" cy="3274586"/>
+          </a:xfrm>
+          <a:prstGeom prst="rect">
+            <a:avLst/>
+          </a:prstGeom>
+        </p:spPr>
+        <p:txBody>
+          <a:bodyPr vert="horz" lIns="91440" tIns="45720" rIns="91440" bIns="45720" rtlCol="0" anchor="t">
+            <a:normAutofit fontScale="92500" lnSpcReduction="20000"/>
+          </a:bodyPr>
+          <a:lstStyle/>
+          <a:p>
+            <a:pPr indent="-182880" defTabSz="914400">
+              <a:lnSpc>
+                <a:spcPct val="130000"/>
+              </a:lnSpc>
+              <a:spcAft>
+                <a:spcPts val="600"/>
+              </a:spcAft>
+              <a:buClr>
+                <a:schemeClr val="accent1"/>
+              </a:buClr>
+              <a:buFont typeface="Wingdings 2" pitchFamily="18" charset="2"/>
+              <a:buChar char=""/>
+            </a:pPr>
+            <a:r>
+              <a:rPr lang="en-US" sz="2400" dirty="0">
+                <a:solidFill>
+                  <a:srgbClr val="FFFFFF"/>
+                </a:solidFill>
+              </a:rPr>
+              <a:t>@Override</a:t>
+            </a:r>
+          </a:p>
+          <a:p>
+            <a:pPr indent="-182880" defTabSz="914400">
+              <a:lnSpc>
+                <a:spcPct val="130000"/>
+              </a:lnSpc>
+              <a:spcAft>
+                <a:spcPts val="600"/>
+              </a:spcAft>
+              <a:buClr>
+                <a:schemeClr val="accent1"/>
+              </a:buClr>
+              <a:buFont typeface="Wingdings 2" pitchFamily="18" charset="2"/>
+              <a:buChar char=""/>
+            </a:pPr>
+            <a:r>
+              <a:rPr lang="en-US" sz="2400" dirty="0">
+                <a:solidFill>
+                  <a:srgbClr val="FFFFFF"/>
+                </a:solidFill>
+              </a:rPr>
+              <a:t>protected void </a:t>
+            </a:r>
+            <a:r>
+              <a:rPr lang="en-US" sz="2400" dirty="0" err="1">
+                <a:solidFill>
+                  <a:srgbClr val="FFFFFF"/>
+                </a:solidFill>
+              </a:rPr>
+              <a:t>onDraw</a:t>
+            </a:r>
+            <a:r>
+              <a:rPr lang="en-US" sz="2400" dirty="0">
+                <a:solidFill>
+                  <a:srgbClr val="FFFFFF"/>
+                </a:solidFill>
+              </a:rPr>
+              <a:t>(Canvas canvas) {</a:t>
+            </a:r>
+          </a:p>
+          <a:p>
+            <a:pPr indent="-182880" defTabSz="914400">
+              <a:lnSpc>
+                <a:spcPct val="130000"/>
+              </a:lnSpc>
+              <a:spcAft>
+                <a:spcPts val="600"/>
+              </a:spcAft>
+              <a:buClr>
+                <a:schemeClr val="accent1"/>
+              </a:buClr>
+              <a:buFont typeface="Wingdings 2" pitchFamily="18" charset="2"/>
+              <a:buChar char=""/>
+            </a:pPr>
+            <a:r>
+              <a:rPr lang="en-US" sz="2400" dirty="0">
+                <a:solidFill>
+                  <a:srgbClr val="FFFFFF"/>
+                </a:solidFill>
+              </a:rPr>
+              <a:t>	</a:t>
+            </a:r>
+            <a:r>
+              <a:rPr lang="en-US" sz="2400" dirty="0" err="1">
+                <a:solidFill>
+                  <a:srgbClr val="FFFFFF"/>
+                </a:solidFill>
+              </a:rPr>
+              <a:t>canvas.drawCircle</a:t>
+            </a:r>
+            <a:r>
+              <a:rPr lang="en-US" sz="2400" dirty="0">
+                <a:solidFill>
+                  <a:srgbClr val="FFFFFF"/>
+                </a:solidFill>
+              </a:rPr>
+              <a:t>(x, 300, 20, paint);</a:t>
+            </a:r>
+          </a:p>
+          <a:p>
+            <a:pPr indent="-182880" defTabSz="914400">
+              <a:lnSpc>
+                <a:spcPct val="130000"/>
+              </a:lnSpc>
+              <a:spcAft>
+                <a:spcPts val="600"/>
+              </a:spcAft>
+              <a:buClr>
+                <a:schemeClr val="accent1"/>
+              </a:buClr>
+              <a:buFont typeface="Wingdings 2" pitchFamily="18" charset="2"/>
+              <a:buChar char=""/>
+            </a:pPr>
+            <a:r>
+              <a:rPr lang="en-US" sz="2400" dirty="0">
+                <a:solidFill>
+                  <a:srgbClr val="FFFFFF"/>
+                </a:solidFill>
+              </a:rPr>
+              <a:t>	// </a:t>
+            </a:r>
+            <a:r>
+              <a:rPr lang="en-US" sz="2400" dirty="0" err="1">
+                <a:solidFill>
+                  <a:srgbClr val="FFFFFF"/>
+                </a:solidFill>
+              </a:rPr>
+              <a:t>готовим</a:t>
+            </a:r>
+            <a:r>
+              <a:rPr lang="en-US" sz="2400" dirty="0">
+                <a:solidFill>
+                  <a:srgbClr val="FFFFFF"/>
+                </a:solidFill>
+              </a:rPr>
+              <a:t> x </a:t>
+            </a:r>
+            <a:r>
+              <a:rPr lang="en-US" sz="2400" dirty="0" err="1">
+                <a:solidFill>
+                  <a:srgbClr val="FFFFFF"/>
+                </a:solidFill>
+              </a:rPr>
+              <a:t>для</a:t>
+            </a:r>
+            <a:r>
+              <a:rPr lang="en-US" sz="2400" dirty="0">
+                <a:solidFill>
+                  <a:srgbClr val="FFFFFF"/>
+                </a:solidFill>
+              </a:rPr>
+              <a:t> </a:t>
+            </a:r>
+            <a:r>
+              <a:rPr lang="en-US" sz="2400" dirty="0" err="1">
+                <a:solidFill>
+                  <a:srgbClr val="FFFFFF"/>
+                </a:solidFill>
+              </a:rPr>
+              <a:t>следующего</a:t>
+            </a:r>
+            <a:r>
+              <a:rPr lang="en-US" sz="2400" dirty="0">
+                <a:solidFill>
+                  <a:srgbClr val="FFFFFF"/>
+                </a:solidFill>
+              </a:rPr>
+              <a:t> </a:t>
+            </a:r>
+            <a:r>
+              <a:rPr lang="en-US" sz="2400" dirty="0" err="1">
+                <a:solidFill>
+                  <a:srgbClr val="FFFFFF"/>
+                </a:solidFill>
+              </a:rPr>
+              <a:t>кадра</a:t>
+            </a:r>
+            <a:endParaRPr lang="en-US" sz="2400" dirty="0">
+              <a:solidFill>
+                <a:srgbClr val="FFFFFF"/>
+              </a:solidFill>
+            </a:endParaRPr>
+          </a:p>
+          <a:p>
+            <a:pPr indent="-182880" defTabSz="914400">
+              <a:lnSpc>
+                <a:spcPct val="130000"/>
+              </a:lnSpc>
+              <a:spcAft>
+                <a:spcPts val="600"/>
+              </a:spcAft>
+              <a:buClr>
+                <a:schemeClr val="accent1"/>
+              </a:buClr>
+              <a:buFont typeface="Wingdings 2" pitchFamily="18" charset="2"/>
+              <a:buChar char=""/>
+            </a:pPr>
+            <a:r>
+              <a:rPr lang="en-US" sz="2400" dirty="0">
+                <a:solidFill>
+                  <a:srgbClr val="FFFFFF"/>
+                </a:solidFill>
+              </a:rPr>
+              <a:t> 	x += 0.5f;</a:t>
+            </a:r>
+          </a:p>
+          <a:p>
+            <a:pPr indent="-182880" defTabSz="914400">
+              <a:lnSpc>
+                <a:spcPct val="130000"/>
+              </a:lnSpc>
+              <a:spcAft>
+                <a:spcPts val="600"/>
+              </a:spcAft>
+              <a:buClr>
+                <a:schemeClr val="accent1"/>
+              </a:buClr>
+              <a:buFont typeface="Wingdings 2" pitchFamily="18" charset="2"/>
+              <a:buChar char=""/>
+            </a:pPr>
+            <a:r>
+              <a:rPr lang="en-US" sz="2400" dirty="0">
+                <a:solidFill>
+                  <a:srgbClr val="FFFFFF"/>
+                </a:solidFill>
+              </a:rPr>
+              <a:t>	invalidate();</a:t>
+            </a:r>
+          </a:p>
+          <a:p>
+            <a:pPr indent="-182880" defTabSz="914400">
+              <a:lnSpc>
+                <a:spcPct val="130000"/>
+              </a:lnSpc>
+              <a:spcAft>
+                <a:spcPts val="600"/>
+              </a:spcAft>
+              <a:buClr>
+                <a:schemeClr val="accent1"/>
+              </a:buClr>
+              <a:buFont typeface="Wingdings 2" pitchFamily="18" charset="2"/>
+              <a:buChar char=""/>
+            </a:pPr>
+            <a:r>
+              <a:rPr lang="en-US" sz="2400" dirty="0">
+                <a:solidFill>
+                  <a:srgbClr val="FFFFFF"/>
+                </a:solidFill>
+              </a:rPr>
+              <a:t>}</a:t>
+            </a:r>
+          </a:p>
+        </p:txBody>
+      </p:sp>
+      <p:pic>
+        <p:nvPicPr>
+          <p:cNvPr id="9" name="Рисунок 8">
+            <a:extLst>
+              <a:ext uri="{FF2B5EF4-FFF2-40B4-BE49-F238E27FC236}">
+                <a16:creationId xmlns:a16="http://schemas.microsoft.com/office/drawing/2014/main" id="{76CC0251-0268-44CE-9511-B00D6B5683B6}"/>
+              </a:ext>
+            </a:extLst>
+          </p:cNvPr>
+          <p:cNvPicPr>
+            <a:picLocks noChangeAspect="1"/>
+          </p:cNvPicPr>
+          <p:nvPr/>
+        </p:nvPicPr>
+        <p:blipFill>
+          <a:blip r:embed="rId2"/>
+          <a:stretch>
+            <a:fillRect/>
+          </a:stretch>
+        </p:blipFill>
+        <p:spPr>
+          <a:xfrm>
+            <a:off x="7942842" y="758953"/>
+            <a:ext cx="2998490" cy="5330650"/>
+          </a:xfrm>
+          <a:prstGeom prst="rect">
+            <a:avLst/>
+          </a:prstGeom>
+        </p:spPr>
+      </p:pic>
+      <p:sp>
+        <p:nvSpPr>
+          <p:cNvPr id="86" name="Rectangle 85">
+            <a:extLst>
+              <a:ext uri="{FF2B5EF4-FFF2-40B4-BE49-F238E27FC236}">
+                <a16:creationId xmlns:a16="http://schemas.microsoft.com/office/drawing/2014/main" id="{E79D076F-656A-4CD9-83AD-AF8F4B28CA49}"/>
+              </a:ext>
+              <a:ext uri="{C183D7F6-B498-43B3-948B-1728B52AA6E4}">
+                <adec:decorative xmlns:adec="http://schemas.microsoft.com/office/drawing/2017/decorative" val="1"/>
+              </a:ext>
+            </a:extLst>
+          </p:cNvPr>
+          <p:cNvSpPr>
+            <a:spLocks noGrp="1" noRot="1" noChangeAspect="1" noMove="1" noResize="1" noEditPoints="1" noAdjustHandles="1" noChangeArrowheads="1" noChangeShapeType="1" noTextEdit="1"/>
+          </p:cNvSpPr>
+          <p:nvPr>
+            <p:extLst>
+              <p:ext uri="{386F3935-93C4-4BCD-93E2-E3B085C9AB24}">
+                <p16:designElem xmlns:p16="http://schemas.microsoft.com/office/powerpoint/2015/main" val="1"/>
+              </p:ext>
+            </p:extLst>
+          </p:nvPr>
+        </p:nvSpPr>
+        <p:spPr>
+          <a:xfrm>
+            <a:off x="11815864" y="758952"/>
+            <a:ext cx="384048" cy="5330952"/>
+          </a:xfrm>
+          <a:prstGeom prst="rect">
+            <a:avLst/>
+          </a:prstGeom>
+          <a:solidFill>
+            <a:srgbClr val="C8C8C8">
+              <a:alpha val="49804"/>
+            </a:srgbClr>
+          </a:solidFill>
+          <a:ln>
+            <a:noFill/>
+          </a:ln>
+        </p:spPr>
+        <p:style>
+          <a:lnRef idx="2">
+            <a:schemeClr val="accent1">
+              <a:shade val="50000"/>
+            </a:schemeClr>
+          </a:lnRef>
+          <a:fillRef idx="1">
+            <a:schemeClr val="accent1"/>
+          </a:fillRef>
+          <a:effectRef idx="0">
+            <a:schemeClr val="accent1"/>
+          </a:effectRef>
+          <a:fontRef idx="minor">
+            <a:schemeClr val="lt1"/>
+          </a:fontRef>
+        </p:style>
+      </p:sp>
+      <p:sp>
+        <p:nvSpPr>
+          <p:cNvPr id="11" name="Прямоугольник 10">
+            <a:extLst>
+              <a:ext uri="{FF2B5EF4-FFF2-40B4-BE49-F238E27FC236}">
+                <a16:creationId xmlns:a16="http://schemas.microsoft.com/office/drawing/2014/main" id="{24195733-D2DC-4C95-A596-942B0689A47D}"/>
+              </a:ext>
+            </a:extLst>
+          </p:cNvPr>
+          <p:cNvSpPr/>
+          <p:nvPr/>
+        </p:nvSpPr>
+        <p:spPr>
+          <a:xfrm>
+            <a:off x="379947" y="1472116"/>
+            <a:ext cx="6127288" cy="3913768"/>
+          </a:xfrm>
+          <a:prstGeom prst="rect">
+            <a:avLst/>
+          </a:prstGeom>
+          <a:noFill/>
+          <a:ln w="38100">
+            <a:solidFill>
+              <a:schemeClr val="tx1">
+                <a:lumMod val="50000"/>
+                <a:lumOff val="50000"/>
+              </a:schemeClr>
+            </a:solidFill>
+          </a:ln>
+        </p:spPr>
+        <p:style>
+          <a:lnRef idx="2">
+            <a:schemeClr val="accent1">
+              <a:shade val="50000"/>
+            </a:schemeClr>
+          </a:lnRef>
+          <a:fillRef idx="1">
+            <a:schemeClr val="accent1"/>
+          </a:fillRef>
+          <a:effectRef idx="0">
+            <a:schemeClr val="accent1"/>
+          </a:effectRef>
+          <a:fontRef idx="minor">
+            <a:schemeClr val="lt1"/>
+          </a:fontRef>
+        </p:style>
+        <p:txBody>
+          <a:bodyPr rtlCol="0" anchor="ctr"/>
+          <a:lstStyle/>
+          <a:p>
+            <a:pPr algn="ctr"/>
+            <a:endParaRPr lang="ru-RU">
+              <a:noFill/>
+            </a:endParaRPr>
+          </a:p>
+        </p:txBody>
+      </p:sp>
+    </p:spTree>
+    <p:extLst>
+      <p:ext uri="{BB962C8B-B14F-4D97-AF65-F5344CB8AC3E}">
+        <p14:creationId xmlns:p14="http://schemas.microsoft.com/office/powerpoint/2010/main" val="1810026418"/>
+      </p:ext>
+    </p:extLst>
+  </p:cSld>
+  <p:clrMapOvr>
+    <a:masterClrMapping/>
+  </p:clrMapOvr>
+</p:sld>
+</file>
+
+<file path=ppt/slides/slide2.xml><?xml version="1.0" encoding="utf-8"?>
+<p:sld xmlns:a="http://schemas.openxmlformats.org/drawingml/2006/main" xmlns:r="http://schemas.openxmlformats.org/officeDocument/2006/relationships" xmlns:p="http://schemas.openxmlformats.org/presentationml/2006/main">
+  <p:cSld>
+    <p:bg>
+      <p:bgPr>
+        <a:solidFill>
+          <a:schemeClr val="bg1"/>
+        </a:solidFill>
+        <a:effectLst/>
+      </p:bgPr>
+    </p:bg>
+    <p:spTree>
+      <p:nvGrpSpPr>
+        <p:cNvPr id="1" name=""/>
+        <p:cNvGrpSpPr/>
+        <p:nvPr/>
+      </p:nvGrpSpPr>
+      <p:grpSpPr>
+        <a:xfrm>
+          <a:off x="0" y="0"/>
+          <a:ext cx="0" cy="0"/>
+          <a:chOff x="0" y="0"/>
+          <a:chExt cx="0" cy="0"/>
+        </a:xfrm>
+      </p:grpSpPr>
+      <p:sp useBgFill="1">
+        <p:nvSpPr>
+          <p:cNvPr id="78" name="Rectangle 77">
+            <a:extLst>
+              <a:ext uri="{FF2B5EF4-FFF2-40B4-BE49-F238E27FC236}">
+                <a16:creationId xmlns:a16="http://schemas.microsoft.com/office/drawing/2014/main" id="{AA7850C8-8932-45FB-824D-8AB7D84691E5}"/>
+              </a:ext>
+              <a:ext uri="{C183D7F6-B498-43B3-948B-1728B52AA6E4}">
+                <adec:decorative xmlns:adec="http://schemas.microsoft.com/office/drawing/2017/decorative" val="1"/>
+              </a:ext>
+            </a:extLst>
+          </p:cNvPr>
+          <p:cNvSpPr>
+            <a:spLocks noGrp="1" noRot="1" noChangeAspect="1" noMove="1" noResize="1" noEditPoints="1" noAdjustHandles="1" noChangeArrowheads="1" noChangeShapeType="1" noTextEdit="1"/>
+          </p:cNvSpPr>
+          <p:nvPr>
+            <p:extLst>
+              <p:ext uri="{386F3935-93C4-4BCD-93E2-E3B085C9AB24}">
+                <p16:designElem xmlns:p16="http://schemas.microsoft.com/office/powerpoint/2015/main" val="1"/>
+              </p:ext>
+            </p:extLst>
+          </p:nvPr>
+        </p:nvSpPr>
+        <p:spPr>
+          <a:xfrm>
+            <a:off x="0" y="0"/>
+            <a:ext cx="12191999" cy="6858000"/>
+          </a:xfrm>
+          <a:prstGeom prst="rect">
+            <a:avLst/>
+          </a:prstGeom>
+          <a:ln>
+            <a:noFill/>
+          </a:ln>
+        </p:spPr>
+        <p:style>
+          <a:lnRef idx="2">
+            <a:schemeClr val="accent1">
+              <a:shade val="50000"/>
+            </a:schemeClr>
+          </a:lnRef>
+          <a:fillRef idx="1">
+            <a:schemeClr val="accent1"/>
+          </a:fillRef>
+          <a:effectRef idx="0">
+            <a:schemeClr val="accent1"/>
+          </a:effectRef>
+          <a:fontRef idx="minor">
+            <a:schemeClr val="lt1"/>
+          </a:fontRef>
+        </p:style>
+        <p:txBody>
+          <a:bodyPr rtlCol="0" anchor="ctr"/>
+          <a:lstStyle/>
+          <a:p>
+            <a:pPr algn="ctr"/>
+            <a:endParaRPr lang="en-US"/>
+          </a:p>
+        </p:txBody>
+      </p:sp>
+      <p:sp>
+        <p:nvSpPr>
           <p:cNvPr id="80" name="Rectangle 79">
             <a:extLst>
               <a:ext uri="{FF2B5EF4-FFF2-40B4-BE49-F238E27FC236}">
@@ -4368,8 +6658,12 @@
           <a:lstStyle/>
           <a:p>
             <a:r>
-              <a:rPr lang="en-US"/>
-              <a:t>Циклы в Java</a:t>
+              <a:rPr lang="en-US" dirty="0" err="1"/>
+              <a:t>Циклы</a:t>
+            </a:r>
+            <a:r>
+              <a:rPr lang="en-US" dirty="0"/>
+              <a:t> в Java</a:t>
             </a:r>
           </a:p>
         </p:txBody>
@@ -5130,7 +7424,7 @@
 </p:sld>
 </file>
 
-<file path=ppt/slides/slide4.xml><?xml version="1.0" encoding="utf-8"?>
+<file path=ppt/slides/slide3.xml><?xml version="1.0" encoding="utf-8"?>
 <p:sld xmlns:a="http://schemas.openxmlformats.org/drawingml/2006/main" xmlns:r="http://schemas.openxmlformats.org/officeDocument/2006/relationships" xmlns:p="http://schemas.openxmlformats.org/presentationml/2006/main">
   <p:cSld>
     <p:bg>
@@ -6301,7 +8595,7 @@
 </p:sld>
 </file>
 
-<file path=ppt/slides/slide5.xml><?xml version="1.0" encoding="utf-8"?>
+<file path=ppt/slides/slide4.xml><?xml version="1.0" encoding="utf-8"?>
 <p:sld xmlns:a="http://schemas.openxmlformats.org/drawingml/2006/main" xmlns:r="http://schemas.openxmlformats.org/officeDocument/2006/relationships" xmlns:p="http://schemas.openxmlformats.org/presentationml/2006/main">
   <p:cSld>
     <p:bg>
@@ -7115,7 +9409,7 @@
 </p:sld>
 </file>
 
-<file path=ppt/slides/slide6.xml><?xml version="1.0" encoding="utf-8"?>
+<file path=ppt/slides/slide5.xml><?xml version="1.0" encoding="utf-8"?>
 <p:sld xmlns:a="http://schemas.openxmlformats.org/drawingml/2006/main" xmlns:r="http://schemas.openxmlformats.org/officeDocument/2006/relationships" xmlns:p="http://schemas.openxmlformats.org/presentationml/2006/main">
   <p:cSld>
     <p:bg>
@@ -7613,12 +9907,374 @@
           </a:p>
         </p:txBody>
       </p:sp>
-      <p:sp>
-        <p:nvSpPr>
-          <p:cNvPr id="5" name="Прямоугольник 4">
+      <p:grpSp>
+        <p:nvGrpSpPr>
+          <p:cNvPr id="2" name="Группа 1">
             <a:extLst>
               <a:ext uri="{FF2B5EF4-FFF2-40B4-BE49-F238E27FC236}">
-                <a16:creationId xmlns:a16="http://schemas.microsoft.com/office/drawing/2014/main" id="{FFA61A49-C62C-43ED-BB3E-D0916A8B98C2}"/>
+                <a16:creationId xmlns:a16="http://schemas.microsoft.com/office/drawing/2014/main" id="{3E79BCE1-4CA9-4CF5-9949-D8E087EDA3FC}"/>
+              </a:ext>
+            </a:extLst>
+          </p:cNvPr>
+          <p:cNvGrpSpPr/>
+          <p:nvPr/>
+        </p:nvGrpSpPr>
+        <p:grpSpPr>
+          <a:xfrm>
+            <a:off x="6370661" y="1815796"/>
+            <a:ext cx="6302045" cy="1569661"/>
+            <a:chOff x="10232947" y="-449847"/>
+            <a:chExt cx="6302045" cy="1569661"/>
+          </a:xfrm>
+        </p:grpSpPr>
+        <p:sp>
+          <p:nvSpPr>
+            <p:cNvPr id="5" name="Прямоугольник 4">
+              <a:extLst>
+                <a:ext uri="{FF2B5EF4-FFF2-40B4-BE49-F238E27FC236}">
+                  <a16:creationId xmlns:a16="http://schemas.microsoft.com/office/drawing/2014/main" id="{FFA61A49-C62C-43ED-BB3E-D0916A8B98C2}"/>
+                </a:ext>
+              </a:extLst>
+            </p:cNvPr>
+            <p:cNvSpPr/>
+            <p:nvPr/>
+          </p:nvSpPr>
+          <p:spPr>
+            <a:xfrm>
+              <a:off x="10438992" y="-449847"/>
+              <a:ext cx="6096000" cy="1569660"/>
+            </a:xfrm>
+            <a:prstGeom prst="rect">
+              <a:avLst/>
+            </a:prstGeom>
+          </p:spPr>
+          <p:txBody>
+            <a:bodyPr>
+              <a:spAutoFit/>
+            </a:bodyPr>
+            <a:lstStyle/>
+            <a:p>
+              <a:r>
+                <a:rPr lang="en-US" sz="2400" dirty="0">
+                  <a:solidFill>
+                    <a:srgbClr val="A626A4"/>
+                  </a:solidFill>
+                </a:rPr>
+                <a:t>for</a:t>
+              </a:r>
+              <a:r>
+                <a:rPr lang="en-US" sz="2400" dirty="0">
+                  <a:solidFill>
+                    <a:srgbClr val="383A42"/>
+                  </a:solidFill>
+                </a:rPr>
+                <a:t> (</a:t>
+              </a:r>
+              <a:r>
+                <a:rPr lang="en-US" sz="2400" dirty="0">
+                  <a:solidFill>
+                    <a:srgbClr val="A626A4"/>
+                  </a:solidFill>
+                </a:rPr>
+                <a:t>int</a:t>
+              </a:r>
+              <a:r>
+                <a:rPr lang="en-US" sz="2400" dirty="0">
+                  <a:solidFill>
+                    <a:srgbClr val="383A42"/>
+                  </a:solidFill>
+                </a:rPr>
+                <a:t> </a:t>
+              </a:r>
+              <a:r>
+                <a:rPr lang="en-US" sz="2400" dirty="0" err="1">
+                  <a:solidFill>
+                    <a:srgbClr val="383A42"/>
+                  </a:solidFill>
+                </a:rPr>
+                <a:t>i</a:t>
+              </a:r>
+              <a:r>
+                <a:rPr lang="en-US" sz="2400" dirty="0">
+                  <a:solidFill>
+                    <a:srgbClr val="383A42"/>
+                  </a:solidFill>
+                </a:rPr>
+                <a:t> = </a:t>
+              </a:r>
+              <a:r>
+                <a:rPr lang="en-US" sz="2400" dirty="0">
+                  <a:solidFill>
+                    <a:srgbClr val="986801"/>
+                  </a:solidFill>
+                </a:rPr>
+                <a:t>10</a:t>
+              </a:r>
+              <a:r>
+                <a:rPr lang="en-US" sz="2400" dirty="0">
+                  <a:solidFill>
+                    <a:srgbClr val="383A42"/>
+                  </a:solidFill>
+                </a:rPr>
+                <a:t>; </a:t>
+              </a:r>
+              <a:r>
+                <a:rPr lang="en-US" sz="2400" dirty="0" err="1">
+                  <a:solidFill>
+                    <a:srgbClr val="383A42"/>
+                  </a:solidFill>
+                </a:rPr>
+                <a:t>i</a:t>
+              </a:r>
+              <a:r>
+                <a:rPr lang="en-US" sz="2400" dirty="0">
+                  <a:solidFill>
+                    <a:srgbClr val="383A42"/>
+                  </a:solidFill>
+                </a:rPr>
+                <a:t> &gt; </a:t>
+              </a:r>
+              <a:r>
+                <a:rPr lang="en-US" sz="2400" dirty="0">
+                  <a:solidFill>
+                    <a:srgbClr val="986801"/>
+                  </a:solidFill>
+                </a:rPr>
+                <a:t>0</a:t>
+              </a:r>
+              <a:r>
+                <a:rPr lang="en-US" sz="2400" dirty="0">
+                  <a:solidFill>
+                    <a:srgbClr val="383A42"/>
+                  </a:solidFill>
+                </a:rPr>
+                <a:t>; </a:t>
+              </a:r>
+              <a:r>
+                <a:rPr lang="en-US" sz="2400" dirty="0" err="1">
+                  <a:solidFill>
+                    <a:srgbClr val="383A42"/>
+                  </a:solidFill>
+                </a:rPr>
+                <a:t>i</a:t>
+              </a:r>
+              <a:r>
+                <a:rPr lang="en-US" sz="2400" dirty="0">
+                  <a:solidFill>
+                    <a:srgbClr val="383A42"/>
+                  </a:solidFill>
+                </a:rPr>
+                <a:t>--){</a:t>
+              </a:r>
+              <a:endParaRPr lang="ru-RU" sz="2400" dirty="0">
+                <a:solidFill>
+                  <a:srgbClr val="383A42"/>
+                </a:solidFill>
+              </a:endParaRPr>
+            </a:p>
+            <a:p>
+              <a:r>
+                <a:rPr lang="en-US" sz="2400" dirty="0">
+                  <a:solidFill>
+                    <a:srgbClr val="383A42"/>
+                  </a:solidFill>
+                </a:rPr>
+                <a:t> </a:t>
+              </a:r>
+              <a:r>
+                <a:rPr lang="ru-RU" sz="2400" dirty="0">
+                  <a:solidFill>
+                    <a:srgbClr val="383A42"/>
+                  </a:solidFill>
+                </a:rPr>
+                <a:t>	</a:t>
+              </a:r>
+              <a:r>
+                <a:rPr lang="en-US" sz="2400" dirty="0" err="1">
+                  <a:solidFill>
+                    <a:srgbClr val="383A42"/>
+                  </a:solidFill>
+                </a:rPr>
+                <a:t>System.out.println</a:t>
+              </a:r>
+              <a:r>
+                <a:rPr lang="en-US" sz="2400" dirty="0">
+                  <a:solidFill>
+                    <a:srgbClr val="383A42"/>
+                  </a:solidFill>
+                </a:rPr>
+                <a:t>(</a:t>
+              </a:r>
+              <a:r>
+                <a:rPr lang="en-US" sz="2400" dirty="0" err="1">
+                  <a:solidFill>
+                    <a:srgbClr val="383A42"/>
+                  </a:solidFill>
+                </a:rPr>
+                <a:t>i</a:t>
+              </a:r>
+              <a:r>
+                <a:rPr lang="en-US" sz="2400" dirty="0">
+                  <a:solidFill>
+                    <a:srgbClr val="383A42"/>
+                  </a:solidFill>
+                </a:rPr>
+                <a:t>);</a:t>
+              </a:r>
+              <a:endParaRPr lang="ru-RU" sz="2400" dirty="0">
+                <a:solidFill>
+                  <a:srgbClr val="383A42"/>
+                </a:solidFill>
+              </a:endParaRPr>
+            </a:p>
+            <a:p>
+              <a:r>
+                <a:rPr lang="en-US" sz="2400" dirty="0">
+                  <a:solidFill>
+                    <a:srgbClr val="383A42"/>
+                  </a:solidFill>
+                </a:rPr>
+                <a:t> }</a:t>
+              </a:r>
+              <a:endParaRPr lang="ru-RU" sz="2400" dirty="0">
+                <a:solidFill>
+                  <a:srgbClr val="383A42"/>
+                </a:solidFill>
+              </a:endParaRPr>
+            </a:p>
+            <a:p>
+              <a:r>
+                <a:rPr lang="en-US" sz="2400" dirty="0">
+                  <a:solidFill>
+                    <a:srgbClr val="383A42"/>
+                  </a:solidFill>
+                </a:rPr>
+                <a:t> </a:t>
+              </a:r>
+              <a:r>
+                <a:rPr lang="en-US" sz="2400" dirty="0" err="1">
+                  <a:solidFill>
+                    <a:srgbClr val="A626A4"/>
+                  </a:solidFill>
+                </a:rPr>
+                <a:t>out</a:t>
+              </a:r>
+              <a:r>
+                <a:rPr lang="en-US" sz="2400" dirty="0" err="1">
+                  <a:solidFill>
+                    <a:srgbClr val="383A42"/>
+                  </a:solidFill>
+                </a:rPr>
+                <a:t>.println</a:t>
+              </a:r>
+              <a:r>
+                <a:rPr lang="en-US" sz="2400" dirty="0">
+                  <a:solidFill>
+                    <a:srgbClr val="383A42"/>
+                  </a:solidFill>
+                </a:rPr>
+                <a:t>(</a:t>
+              </a:r>
+              <a:r>
+                <a:rPr lang="en-US" sz="2400" dirty="0" err="1">
+                  <a:solidFill>
+                    <a:srgbClr val="383A42"/>
+                  </a:solidFill>
+                </a:rPr>
+                <a:t>i</a:t>
+              </a:r>
+              <a:r>
+                <a:rPr lang="en-US" sz="2400" dirty="0">
+                  <a:solidFill>
+                    <a:srgbClr val="383A42"/>
+                  </a:solidFill>
+                </a:rPr>
+                <a:t>); </a:t>
+              </a:r>
+              <a:r>
+                <a:rPr lang="en-US" sz="2400" i="1" dirty="0">
+                  <a:solidFill>
+                    <a:srgbClr val="A0A1A7"/>
+                  </a:solidFill>
+                </a:rPr>
+                <a:t>// </a:t>
+              </a:r>
+              <a:r>
+                <a:rPr lang="ru-RU" sz="2400" i="1" dirty="0">
+                  <a:solidFill>
+                    <a:srgbClr val="A0A1A7"/>
+                  </a:solidFill>
+                </a:rPr>
+                <a:t>ОШИБКА! </a:t>
+              </a:r>
+              <a:endParaRPr lang="ru-RU" sz="2400" dirty="0"/>
+            </a:p>
+          </p:txBody>
+        </p:sp>
+        <p:sp>
+          <p:nvSpPr>
+            <p:cNvPr id="14" name="Прямоугольник 13">
+              <a:extLst>
+                <a:ext uri="{FF2B5EF4-FFF2-40B4-BE49-F238E27FC236}">
+                  <a16:creationId xmlns:a16="http://schemas.microsoft.com/office/drawing/2014/main" id="{A7600766-71AF-45C8-86C6-100CB5F692FB}"/>
+                </a:ext>
+              </a:extLst>
+            </p:cNvPr>
+            <p:cNvSpPr/>
+            <p:nvPr/>
+          </p:nvSpPr>
+          <p:spPr>
+            <a:xfrm>
+              <a:off x="10232947" y="-449846"/>
+              <a:ext cx="3942777" cy="1569660"/>
+            </a:xfrm>
+            <a:prstGeom prst="rect">
+              <a:avLst/>
+            </a:prstGeom>
+            <a:noFill/>
+            <a:ln w="38100">
+              <a:solidFill>
+                <a:schemeClr val="tx1">
+                  <a:lumMod val="50000"/>
+                  <a:lumOff val="50000"/>
+                </a:schemeClr>
+              </a:solidFill>
+            </a:ln>
+          </p:spPr>
+          <p:style>
+            <a:lnRef idx="2">
+              <a:schemeClr val="accent1">
+                <a:shade val="50000"/>
+              </a:schemeClr>
+            </a:lnRef>
+            <a:fillRef idx="1">
+              <a:schemeClr val="accent1"/>
+            </a:fillRef>
+            <a:effectRef idx="0">
+              <a:schemeClr val="accent1"/>
+            </a:effectRef>
+            <a:fontRef idx="minor">
+              <a:schemeClr val="lt1"/>
+            </a:fontRef>
+          </p:style>
+          <p:txBody>
+            <a:bodyPr rtlCol="0" anchor="ctr"/>
+            <a:lstStyle/>
+            <a:p>
+              <a:pPr algn="ctr"/>
+              <a:endParaRPr lang="ru-RU">
+                <a:noFill/>
+              </a:endParaRPr>
+            </a:p>
+          </p:txBody>
+        </p:sp>
+      </p:grpSp>
+      <p:sp>
+        <p:nvSpPr>
+          <p:cNvPr id="16" name="Прямоугольник 15">
+            <a:extLst>
+              <a:ext uri="{FF2B5EF4-FFF2-40B4-BE49-F238E27FC236}">
+                <a16:creationId xmlns:a16="http://schemas.microsoft.com/office/drawing/2014/main" id="{269E7786-4315-4164-B100-F9B17F2B8719}"/>
               </a:ext>
             </a:extLst>
           </p:cNvPr>
@@ -7627,348 +10283,7 @@
         </p:nvSpPr>
         <p:spPr>
           <a:xfrm>
-            <a:off x="5223028" y="517371"/>
-            <a:ext cx="6096000" cy="1569660"/>
-          </a:xfrm>
-          <a:prstGeom prst="rect">
-            <a:avLst/>
-          </a:prstGeom>
-        </p:spPr>
-        <p:txBody>
-          <a:bodyPr>
-            <a:spAutoFit/>
-          </a:bodyPr>
-          <a:lstStyle/>
-          <a:p>
-            <a:r>
-              <a:rPr lang="en-US" sz="2400" dirty="0">
-                <a:solidFill>
-                  <a:srgbClr val="A626A4"/>
-                </a:solidFill>
-              </a:rPr>
-              <a:t>for</a:t>
-            </a:r>
-            <a:r>
-              <a:rPr lang="en-US" sz="2400" dirty="0">
-                <a:solidFill>
-                  <a:srgbClr val="383A42"/>
-                </a:solidFill>
-              </a:rPr>
-              <a:t> (</a:t>
-            </a:r>
-            <a:r>
-              <a:rPr lang="en-US" sz="2400" dirty="0">
-                <a:solidFill>
-                  <a:srgbClr val="A626A4"/>
-                </a:solidFill>
-              </a:rPr>
-              <a:t>int</a:t>
-            </a:r>
-            <a:r>
-              <a:rPr lang="en-US" sz="2400" dirty="0">
-                <a:solidFill>
-                  <a:srgbClr val="383A42"/>
-                </a:solidFill>
-              </a:rPr>
-              <a:t> </a:t>
-            </a:r>
-            <a:r>
-              <a:rPr lang="en-US" sz="2400" dirty="0" err="1">
-                <a:solidFill>
-                  <a:srgbClr val="383A42"/>
-                </a:solidFill>
-              </a:rPr>
-              <a:t>i</a:t>
-            </a:r>
-            <a:r>
-              <a:rPr lang="en-US" sz="2400" dirty="0">
-                <a:solidFill>
-                  <a:srgbClr val="383A42"/>
-                </a:solidFill>
-              </a:rPr>
-              <a:t> = </a:t>
-            </a:r>
-            <a:r>
-              <a:rPr lang="en-US" sz="2400" dirty="0">
-                <a:solidFill>
-                  <a:srgbClr val="986801"/>
-                </a:solidFill>
-              </a:rPr>
-              <a:t>10</a:t>
-            </a:r>
-            <a:r>
-              <a:rPr lang="en-US" sz="2400" dirty="0">
-                <a:solidFill>
-                  <a:srgbClr val="383A42"/>
-                </a:solidFill>
-              </a:rPr>
-              <a:t>; </a:t>
-            </a:r>
-            <a:r>
-              <a:rPr lang="en-US" sz="2400" dirty="0" err="1">
-                <a:solidFill>
-                  <a:srgbClr val="383A42"/>
-                </a:solidFill>
-              </a:rPr>
-              <a:t>i</a:t>
-            </a:r>
-            <a:r>
-              <a:rPr lang="en-US" sz="2400" dirty="0">
-                <a:solidFill>
-                  <a:srgbClr val="383A42"/>
-                </a:solidFill>
-              </a:rPr>
-              <a:t> &gt; </a:t>
-            </a:r>
-            <a:r>
-              <a:rPr lang="en-US" sz="2400" dirty="0">
-                <a:solidFill>
-                  <a:srgbClr val="986801"/>
-                </a:solidFill>
-              </a:rPr>
-              <a:t>0</a:t>
-            </a:r>
-            <a:r>
-              <a:rPr lang="en-US" sz="2400" dirty="0">
-                <a:solidFill>
-                  <a:srgbClr val="383A42"/>
-                </a:solidFill>
-              </a:rPr>
-              <a:t>; </a:t>
-            </a:r>
-            <a:r>
-              <a:rPr lang="en-US" sz="2400" dirty="0" err="1">
-                <a:solidFill>
-                  <a:srgbClr val="383A42"/>
-                </a:solidFill>
-              </a:rPr>
-              <a:t>i</a:t>
-            </a:r>
-            <a:r>
-              <a:rPr lang="en-US" sz="2400" dirty="0">
-                <a:solidFill>
-                  <a:srgbClr val="383A42"/>
-                </a:solidFill>
-              </a:rPr>
-              <a:t>--){</a:t>
-            </a:r>
-            <a:endParaRPr lang="ru-RU" sz="2400" dirty="0">
-              <a:solidFill>
-                <a:srgbClr val="383A42"/>
-              </a:solidFill>
-            </a:endParaRPr>
-          </a:p>
-          <a:p>
-            <a:r>
-              <a:rPr lang="en-US" sz="2400" dirty="0">
-                <a:solidFill>
-                  <a:srgbClr val="383A42"/>
-                </a:solidFill>
-              </a:rPr>
-              <a:t> </a:t>
-            </a:r>
-            <a:r>
-              <a:rPr lang="ru-RU" sz="2400" dirty="0">
-                <a:solidFill>
-                  <a:srgbClr val="383A42"/>
-                </a:solidFill>
-              </a:rPr>
-              <a:t>	</a:t>
-            </a:r>
-            <a:r>
-              <a:rPr lang="en-US" sz="2400" dirty="0" err="1">
-                <a:solidFill>
-                  <a:srgbClr val="383A42"/>
-                </a:solidFill>
-              </a:rPr>
-              <a:t>System.out.println</a:t>
-            </a:r>
-            <a:r>
-              <a:rPr lang="en-US" sz="2400" dirty="0">
-                <a:solidFill>
-                  <a:srgbClr val="383A42"/>
-                </a:solidFill>
-              </a:rPr>
-              <a:t>(</a:t>
-            </a:r>
-            <a:r>
-              <a:rPr lang="en-US" sz="2400" dirty="0" err="1">
-                <a:solidFill>
-                  <a:srgbClr val="383A42"/>
-                </a:solidFill>
-              </a:rPr>
-              <a:t>i</a:t>
-            </a:r>
-            <a:r>
-              <a:rPr lang="en-US" sz="2400" dirty="0">
-                <a:solidFill>
-                  <a:srgbClr val="383A42"/>
-                </a:solidFill>
-              </a:rPr>
-              <a:t>);</a:t>
-            </a:r>
-            <a:endParaRPr lang="ru-RU" sz="2400" dirty="0">
-              <a:solidFill>
-                <a:srgbClr val="383A42"/>
-              </a:solidFill>
-            </a:endParaRPr>
-          </a:p>
-          <a:p>
-            <a:r>
-              <a:rPr lang="en-US" sz="2400" dirty="0">
-                <a:solidFill>
-                  <a:srgbClr val="383A42"/>
-                </a:solidFill>
-              </a:rPr>
-              <a:t> }</a:t>
-            </a:r>
-            <a:endParaRPr lang="ru-RU" sz="2400" dirty="0">
-              <a:solidFill>
-                <a:srgbClr val="383A42"/>
-              </a:solidFill>
-            </a:endParaRPr>
-          </a:p>
-          <a:p>
-            <a:r>
-              <a:rPr lang="en-US" sz="2400" dirty="0">
-                <a:solidFill>
-                  <a:srgbClr val="383A42"/>
-                </a:solidFill>
-              </a:rPr>
-              <a:t> </a:t>
-            </a:r>
-            <a:r>
-              <a:rPr lang="en-US" sz="2400" dirty="0" err="1">
-                <a:solidFill>
-                  <a:srgbClr val="A626A4"/>
-                </a:solidFill>
-              </a:rPr>
-              <a:t>out</a:t>
-            </a:r>
-            <a:r>
-              <a:rPr lang="en-US" sz="2400" dirty="0" err="1">
-                <a:solidFill>
-                  <a:srgbClr val="383A42"/>
-                </a:solidFill>
-              </a:rPr>
-              <a:t>.println</a:t>
-            </a:r>
-            <a:r>
-              <a:rPr lang="en-US" sz="2400" dirty="0">
-                <a:solidFill>
-                  <a:srgbClr val="383A42"/>
-                </a:solidFill>
-              </a:rPr>
-              <a:t>(</a:t>
-            </a:r>
-            <a:r>
-              <a:rPr lang="en-US" sz="2400" dirty="0" err="1">
-                <a:solidFill>
-                  <a:srgbClr val="383A42"/>
-                </a:solidFill>
-              </a:rPr>
-              <a:t>i</a:t>
-            </a:r>
-            <a:r>
-              <a:rPr lang="en-US" sz="2400" dirty="0">
-                <a:solidFill>
-                  <a:srgbClr val="383A42"/>
-                </a:solidFill>
-              </a:rPr>
-              <a:t>); </a:t>
-            </a:r>
-            <a:r>
-              <a:rPr lang="en-US" sz="2400" i="1" dirty="0">
-                <a:solidFill>
-                  <a:srgbClr val="A0A1A7"/>
-                </a:solidFill>
-              </a:rPr>
-              <a:t>// </a:t>
-            </a:r>
-            <a:r>
-              <a:rPr lang="ru-RU" sz="2400" i="1" dirty="0">
-                <a:solidFill>
-                  <a:srgbClr val="A0A1A7"/>
-                </a:solidFill>
-              </a:rPr>
-              <a:t>ОШИБКА! </a:t>
-            </a:r>
-            <a:endParaRPr lang="ru-RU" sz="2400" dirty="0"/>
-          </a:p>
-        </p:txBody>
-      </p:sp>
-      <p:sp>
-        <p:nvSpPr>
-          <p:cNvPr id="14" name="Прямоугольник 13">
-            <a:extLst>
-              <a:ext uri="{FF2B5EF4-FFF2-40B4-BE49-F238E27FC236}">
-                <a16:creationId xmlns:a16="http://schemas.microsoft.com/office/drawing/2014/main" id="{A7600766-71AF-45C8-86C6-100CB5F692FB}"/>
-              </a:ext>
-            </a:extLst>
-          </p:cNvPr>
-          <p:cNvSpPr/>
-          <p:nvPr/>
-        </p:nvSpPr>
-        <p:spPr>
-          <a:xfrm>
-            <a:off x="5032546" y="517370"/>
-            <a:ext cx="3942777" cy="1569660"/>
-          </a:xfrm>
-          <a:prstGeom prst="rect">
-            <a:avLst/>
-          </a:prstGeom>
-          <a:noFill/>
-          <a:ln w="38100">
-            <a:solidFill>
-              <a:schemeClr val="tx1">
-                <a:lumMod val="50000"/>
-                <a:lumOff val="50000"/>
-              </a:schemeClr>
-            </a:solidFill>
-          </a:ln>
-        </p:spPr>
-        <p:style>
-          <a:lnRef idx="2">
-            <a:schemeClr val="accent1">
-              <a:shade val="50000"/>
-            </a:schemeClr>
-          </a:lnRef>
-          <a:fillRef idx="1">
-            <a:schemeClr val="accent1"/>
-          </a:fillRef>
-          <a:effectRef idx="0">
-            <a:schemeClr val="accent1"/>
-          </a:effectRef>
-          <a:fontRef idx="minor">
-            <a:schemeClr val="lt1"/>
-          </a:fontRef>
-        </p:style>
-        <p:txBody>
-          <a:bodyPr rtlCol="0" anchor="ctr"/>
-          <a:lstStyle/>
-          <a:p>
-            <a:pPr algn="ctr"/>
-            <a:endParaRPr lang="ru-RU">
-              <a:noFill/>
-            </a:endParaRPr>
-          </a:p>
-        </p:txBody>
-      </p:sp>
-      <p:sp>
-        <p:nvSpPr>
-          <p:cNvPr id="16" name="Прямоугольник 15">
-            <a:extLst>
-              <a:ext uri="{FF2B5EF4-FFF2-40B4-BE49-F238E27FC236}">
-                <a16:creationId xmlns:a16="http://schemas.microsoft.com/office/drawing/2014/main" id="{269E7786-4315-4164-B100-F9B17F2B8719}"/>
-              </a:ext>
-            </a:extLst>
-          </p:cNvPr>
-          <p:cNvSpPr/>
-          <p:nvPr/>
-        </p:nvSpPr>
-        <p:spPr>
-          <a:xfrm>
-            <a:off x="5105972" y="2547064"/>
+            <a:off x="480707" y="2508381"/>
             <a:ext cx="3869351" cy="1586637"/>
           </a:xfrm>
           <a:prstGeom prst="rect">
@@ -8025,7 +10340,7 @@
         </p:nvSpPr>
         <p:spPr>
           <a:xfrm>
-            <a:off x="5295992" y="2763677"/>
+            <a:off x="670726" y="2649125"/>
             <a:ext cx="3379451" cy="1200329"/>
           </a:xfrm>
           <a:prstGeom prst="rect">
@@ -8139,10 +10454,2731 @@
           </a:p>
         </p:txBody>
       </p:sp>
+      <p:sp>
+        <p:nvSpPr>
+          <p:cNvPr id="3" name="TextBox 2">
+            <a:extLst>
+              <a:ext uri="{FF2B5EF4-FFF2-40B4-BE49-F238E27FC236}">
+                <a16:creationId xmlns:a16="http://schemas.microsoft.com/office/drawing/2014/main" id="{6305B9A4-6589-47E1-A3D2-0EFF82A4D965}"/>
+              </a:ext>
+            </a:extLst>
+          </p:cNvPr>
+          <p:cNvSpPr txBox="1"/>
+          <p:nvPr/>
+        </p:nvSpPr>
+        <p:spPr>
+          <a:xfrm>
+            <a:off x="6095999" y="1239878"/>
+            <a:ext cx="4518225" cy="461665"/>
+          </a:xfrm>
+          <a:prstGeom prst="rect">
+            <a:avLst/>
+          </a:prstGeom>
+          <a:noFill/>
+        </p:spPr>
+        <p:txBody>
+          <a:bodyPr wrap="none" rtlCol="0">
+            <a:spAutoFit/>
+          </a:bodyPr>
+          <a:lstStyle/>
+          <a:p>
+            <a:r>
+              <a:rPr lang="ru-RU" sz="2400" dirty="0">
+                <a:solidFill>
+                  <a:srgbClr val="C00000"/>
+                </a:solidFill>
+              </a:rPr>
+              <a:t>Область видимости переменной</a:t>
+            </a:r>
+          </a:p>
+        </p:txBody>
+      </p:sp>
     </p:spTree>
     <p:extLst>
       <p:ext uri="{BB962C8B-B14F-4D97-AF65-F5344CB8AC3E}">
         <p14:creationId xmlns:p14="http://schemas.microsoft.com/office/powerpoint/2010/main" val="2354291583"/>
+      </p:ext>
+    </p:extLst>
+  </p:cSld>
+  <p:clrMapOvr>
+    <a:masterClrMapping/>
+  </p:clrMapOvr>
+</p:sld>
+</file>
+
+<file path=ppt/slides/slide6.xml><?xml version="1.0" encoding="utf-8"?>
+<p:sld xmlns:a="http://schemas.openxmlformats.org/drawingml/2006/main" xmlns:r="http://schemas.openxmlformats.org/officeDocument/2006/relationships" xmlns:p="http://schemas.openxmlformats.org/presentationml/2006/main">
+  <p:cSld>
+    <p:bg>
+      <p:bgPr>
+        <a:solidFill>
+          <a:schemeClr val="bg1"/>
+        </a:solidFill>
+        <a:effectLst/>
+      </p:bgPr>
+    </p:bg>
+    <p:spTree>
+      <p:nvGrpSpPr>
+        <p:cNvPr id="1" name=""/>
+        <p:cNvGrpSpPr/>
+        <p:nvPr/>
+      </p:nvGrpSpPr>
+      <p:grpSpPr>
+        <a:xfrm>
+          <a:off x="0" y="0"/>
+          <a:ext cx="0" cy="0"/>
+          <a:chOff x="0" y="0"/>
+          <a:chExt cx="0" cy="0"/>
+        </a:xfrm>
+      </p:grpSpPr>
+      <p:sp useBgFill="1">
+        <p:nvSpPr>
+          <p:cNvPr id="2064" name="Rectangle 191">
+            <a:extLst>
+              <a:ext uri="{FF2B5EF4-FFF2-40B4-BE49-F238E27FC236}">
+                <a16:creationId xmlns:a16="http://schemas.microsoft.com/office/drawing/2014/main" id="{67AAFBA3-2C10-40B4-9AB7-A51F6E8EBFC2}"/>
+              </a:ext>
+              <a:ext uri="{C183D7F6-B498-43B3-948B-1728B52AA6E4}">
+                <adec:decorative xmlns:adec="http://schemas.microsoft.com/office/drawing/2017/decorative" val="1"/>
+              </a:ext>
+            </a:extLst>
+          </p:cNvPr>
+          <p:cNvSpPr>
+            <a:spLocks noGrp="1" noRot="1" noChangeAspect="1" noMove="1" noResize="1" noEditPoints="1" noAdjustHandles="1" noChangeArrowheads="1" noChangeShapeType="1" noTextEdit="1"/>
+          </p:cNvSpPr>
+          <p:nvPr>
+            <p:extLst>
+              <p:ext uri="{386F3935-93C4-4BCD-93E2-E3B085C9AB24}">
+                <p16:designElem xmlns:p16="http://schemas.microsoft.com/office/powerpoint/2015/main" val="1"/>
+              </p:ext>
+            </p:extLst>
+          </p:nvPr>
+        </p:nvSpPr>
+        <p:spPr>
+          <a:xfrm>
+            <a:off x="0" y="0"/>
+            <a:ext cx="12191999" cy="6858000"/>
+          </a:xfrm>
+          <a:prstGeom prst="rect">
+            <a:avLst/>
+          </a:prstGeom>
+          <a:ln>
+            <a:noFill/>
+          </a:ln>
+        </p:spPr>
+        <p:style>
+          <a:lnRef idx="2">
+            <a:schemeClr val="accent1">
+              <a:shade val="50000"/>
+            </a:schemeClr>
+          </a:lnRef>
+          <a:fillRef idx="1">
+            <a:schemeClr val="accent1"/>
+          </a:fillRef>
+          <a:effectRef idx="0">
+            <a:schemeClr val="accent1"/>
+          </a:effectRef>
+          <a:fontRef idx="minor">
+            <a:schemeClr val="lt1"/>
+          </a:fontRef>
+        </p:style>
+        <p:txBody>
+          <a:bodyPr rtlCol="0" anchor="ctr"/>
+          <a:lstStyle/>
+          <a:p>
+            <a:pPr algn="ctr"/>
+            <a:endParaRPr lang="en-US"/>
+          </a:p>
+        </p:txBody>
+      </p:sp>
+      <p:sp>
+        <p:nvSpPr>
+          <p:cNvPr id="2065" name="Rectangle 192">
+            <a:extLst>
+              <a:ext uri="{FF2B5EF4-FFF2-40B4-BE49-F238E27FC236}">
+                <a16:creationId xmlns:a16="http://schemas.microsoft.com/office/drawing/2014/main" id="{93C50455-CACE-4D73-B570-5BB90232F2B6}"/>
+              </a:ext>
+              <a:ext uri="{C183D7F6-B498-43B3-948B-1728B52AA6E4}">
+                <adec:decorative xmlns:adec="http://schemas.microsoft.com/office/drawing/2017/decorative" val="1"/>
+              </a:ext>
+            </a:extLst>
+          </p:cNvPr>
+          <p:cNvSpPr>
+            <a:spLocks noGrp="1" noRot="1" noChangeAspect="1" noMove="1" noResize="1" noEditPoints="1" noAdjustHandles="1" noChangeArrowheads="1" noChangeShapeType="1" noTextEdit="1"/>
+          </p:cNvSpPr>
+          <p:nvPr>
+            <p:extLst>
+              <p:ext uri="{386F3935-93C4-4BCD-93E2-E3B085C9AB24}">
+                <p16:designElem xmlns:p16="http://schemas.microsoft.com/office/powerpoint/2015/main" val="1"/>
+              </p:ext>
+            </p:extLst>
+          </p:nvPr>
+        </p:nvSpPr>
+        <p:spPr>
+          <a:xfrm>
+            <a:off x="0" y="4323523"/>
+            <a:ext cx="12199910" cy="2534478"/>
+          </a:xfrm>
+          <a:prstGeom prst="rect">
+            <a:avLst/>
+          </a:prstGeom>
+          <a:solidFill>
+            <a:srgbClr val="3D4955"/>
+          </a:solidFill>
+          <a:ln>
+            <a:noFill/>
+          </a:ln>
+        </p:spPr>
+        <p:style>
+          <a:lnRef idx="2">
+            <a:schemeClr val="accent1">
+              <a:shade val="50000"/>
+            </a:schemeClr>
+          </a:lnRef>
+          <a:fillRef idx="1">
+            <a:schemeClr val="accent1"/>
+          </a:fillRef>
+          <a:effectRef idx="0">
+            <a:schemeClr val="accent1"/>
+          </a:effectRef>
+          <a:fontRef idx="minor">
+            <a:schemeClr val="lt1"/>
+          </a:fontRef>
+        </p:style>
+      </p:sp>
+      <p:sp>
+        <p:nvSpPr>
+          <p:cNvPr id="28" name="Заголовок 1">
+            <a:extLst>
+              <a:ext uri="{FF2B5EF4-FFF2-40B4-BE49-F238E27FC236}">
+                <a16:creationId xmlns:a16="http://schemas.microsoft.com/office/drawing/2014/main" id="{A1800B60-BA5D-4BD9-AAE0-43620F882506}"/>
+              </a:ext>
+            </a:extLst>
+          </p:cNvPr>
+          <p:cNvSpPr txBox="1">
+            <a:spLocks/>
+          </p:cNvSpPr>
+          <p:nvPr/>
+        </p:nvSpPr>
+        <p:spPr>
+          <a:xfrm>
+            <a:off x="361655" y="4575714"/>
+            <a:ext cx="4485553" cy="2034853"/>
+          </a:xfrm>
+          <a:prstGeom prst="rect">
+            <a:avLst/>
+          </a:prstGeom>
+        </p:spPr>
+        <p:txBody>
+          <a:bodyPr vert="horz" lIns="91440" tIns="45720" rIns="91440" bIns="45720" rtlCol="0" anchor="b">
+            <a:normAutofit fontScale="85000" lnSpcReduction="10000"/>
+          </a:bodyPr>
+          <a:lstStyle>
+            <a:lvl1pPr algn="l" defTabSz="914400" rtl="0" eaLnBrk="1" latinLnBrk="0" hangingPunct="1">
+              <a:lnSpc>
+                <a:spcPct val="90000"/>
+              </a:lnSpc>
+              <a:spcBef>
+                <a:spcPct val="0"/>
+              </a:spcBef>
+              <a:buNone/>
+              <a:defRPr sz="5900" kern="1200" spc="-100" baseline="0">
+                <a:solidFill>
+                  <a:srgbClr val="FFFFFF"/>
+                </a:solidFill>
+                <a:latin typeface="+mj-lt"/>
+                <a:ea typeface="+mj-ea"/>
+                <a:cs typeface="+mj-cs"/>
+              </a:defRPr>
+            </a:lvl1pPr>
+          </a:lstStyle>
+          <a:p>
+            <a:pPr>
+              <a:spcBef>
+                <a:spcPts val="1200"/>
+              </a:spcBef>
+              <a:buClr>
+                <a:schemeClr val="accent1"/>
+              </a:buClr>
+            </a:pPr>
+            <a:r>
+              <a:rPr lang="ru-RU" sz="5300" b="1" dirty="0" err="1">
+                <a:solidFill>
+                  <a:schemeClr val="bg1"/>
+                </a:solidFill>
+              </a:rPr>
+              <a:t>Вложеные</a:t>
+            </a:r>
+            <a:r>
+              <a:rPr lang="ru-RU" sz="5300" b="1" dirty="0">
+                <a:solidFill>
+                  <a:schemeClr val="bg1"/>
+                </a:solidFill>
+              </a:rPr>
+              <a:t> циклы</a:t>
+            </a:r>
+            <a:br>
+              <a:rPr lang="en-US" sz="6000" b="1" dirty="0">
+                <a:solidFill>
+                  <a:schemeClr val="accent1">
+                    <a:lumMod val="75000"/>
+                  </a:schemeClr>
+                </a:solidFill>
+              </a:rPr>
+            </a:br>
+            <a:br>
+              <a:rPr lang="ru-RU" sz="6000" b="1" dirty="0">
+                <a:solidFill>
+                  <a:schemeClr val="accent1">
+                    <a:lumMod val="75000"/>
+                  </a:schemeClr>
+                </a:solidFill>
+              </a:rPr>
+            </a:br>
+            <a:r>
+              <a:rPr lang="en-US" sz="4000" b="1" dirty="0">
+                <a:solidFill>
+                  <a:schemeClr val="accent4">
+                    <a:lumMod val="60000"/>
+                    <a:lumOff val="40000"/>
+                  </a:schemeClr>
+                </a:solidFill>
+              </a:rPr>
+              <a:t>for … for</a:t>
+            </a:r>
+          </a:p>
+        </p:txBody>
+      </p:sp>
+      <p:sp>
+        <p:nvSpPr>
+          <p:cNvPr id="29" name="Прямоугольник 28">
+            <a:extLst>
+              <a:ext uri="{FF2B5EF4-FFF2-40B4-BE49-F238E27FC236}">
+                <a16:creationId xmlns:a16="http://schemas.microsoft.com/office/drawing/2014/main" id="{9E809088-A7E1-41DF-B518-3E5DBF92A649}"/>
+              </a:ext>
+            </a:extLst>
+          </p:cNvPr>
+          <p:cNvSpPr/>
+          <p:nvPr/>
+        </p:nvSpPr>
+        <p:spPr>
+          <a:xfrm>
+            <a:off x="5931245" y="5043863"/>
+            <a:ext cx="6172124" cy="830997"/>
+          </a:xfrm>
+          <a:prstGeom prst="rect">
+            <a:avLst/>
+          </a:prstGeom>
+        </p:spPr>
+        <p:txBody>
+          <a:bodyPr wrap="square">
+            <a:spAutoFit/>
+          </a:bodyPr>
+          <a:lstStyle/>
+          <a:p>
+            <a:r>
+              <a:rPr lang="ru-RU" sz="2400" dirty="0">
+                <a:solidFill>
+                  <a:srgbClr val="FFC000"/>
+                </a:solidFill>
+              </a:rPr>
+              <a:t>Вложенные циклы позволяют решать самые разнообразные задачи</a:t>
+            </a:r>
+          </a:p>
+        </p:txBody>
+      </p:sp>
+      <p:pic>
+        <p:nvPicPr>
+          <p:cNvPr id="2051" name="Picture 3" descr="Вывод фигуры из звездочек • Vertex Academy">
+            <a:extLst>
+              <a:ext uri="{FF2B5EF4-FFF2-40B4-BE49-F238E27FC236}">
+                <a16:creationId xmlns:a16="http://schemas.microsoft.com/office/drawing/2014/main" id="{8B1822C2-A501-46E8-BF7F-E4A2857DC1EB}"/>
+              </a:ext>
+            </a:extLst>
+          </p:cNvPr>
+          <p:cNvPicPr>
+            <a:picLocks noChangeAspect="1" noChangeArrowheads="1"/>
+          </p:cNvPicPr>
+          <p:nvPr/>
+        </p:nvPicPr>
+        <p:blipFill rotWithShape="1">
+          <a:blip r:embed="rId2">
+            <a:extLst>
+              <a:ext uri="{28A0092B-C50C-407E-A947-70E740481C1C}">
+                <a14:useLocalDpi xmlns:a14="http://schemas.microsoft.com/office/drawing/2010/main" val="0"/>
+              </a:ext>
+            </a:extLst>
+          </a:blip>
+          <a:srcRect t="7295" b="17114"/>
+          <a:stretch/>
+        </p:blipFill>
+        <p:spPr bwMode="auto">
+          <a:xfrm>
+            <a:off x="-7911" y="182407"/>
+            <a:ext cx="7917471" cy="3657600"/>
+          </a:xfrm>
+          <a:prstGeom prst="rect">
+            <a:avLst/>
+          </a:prstGeom>
+          <a:noFill/>
+          <a:extLst>
+            <a:ext uri="{909E8E84-426E-40DD-AFC4-6F175D3DCCD1}">
+              <a14:hiddenFill xmlns:a14="http://schemas.microsoft.com/office/drawing/2010/main">
+                <a:solidFill>
+                  <a:srgbClr val="FFFFFF"/>
+                </a:solidFill>
+              </a14:hiddenFill>
+            </a:ext>
+          </a:extLst>
+        </p:spPr>
+      </p:pic>
+      <p:sp>
+        <p:nvSpPr>
+          <p:cNvPr id="11" name="Прямоугольник 10">
+            <a:extLst>
+              <a:ext uri="{FF2B5EF4-FFF2-40B4-BE49-F238E27FC236}">
+                <a16:creationId xmlns:a16="http://schemas.microsoft.com/office/drawing/2014/main" id="{872B5B11-AA4D-43C0-A0C9-F6F59D726CFB}"/>
+              </a:ext>
+            </a:extLst>
+          </p:cNvPr>
+          <p:cNvSpPr/>
+          <p:nvPr/>
+        </p:nvSpPr>
+        <p:spPr>
+          <a:xfrm>
+            <a:off x="8341293" y="983140"/>
+            <a:ext cx="3619059" cy="1938992"/>
+          </a:xfrm>
+          <a:prstGeom prst="rect">
+            <a:avLst/>
+          </a:prstGeom>
+        </p:spPr>
+        <p:txBody>
+          <a:bodyPr wrap="square">
+            <a:spAutoFit/>
+          </a:bodyPr>
+          <a:lstStyle/>
+          <a:p>
+            <a:r>
+              <a:rPr lang="ru-RU" dirty="0"/>
+              <a:t> </a:t>
+            </a:r>
+            <a:r>
+              <a:rPr lang="ru-RU" sz="2000" dirty="0" err="1">
+                <a:solidFill>
+                  <a:srgbClr val="A626A4"/>
+                </a:solidFill>
+              </a:rPr>
+              <a:t>for</a:t>
+            </a:r>
+            <a:r>
+              <a:rPr lang="ru-RU" sz="2000" dirty="0">
+                <a:solidFill>
+                  <a:srgbClr val="383A42"/>
+                </a:solidFill>
+              </a:rPr>
+              <a:t> (</a:t>
+            </a:r>
+            <a:r>
+              <a:rPr lang="ru-RU" sz="2000" dirty="0" err="1">
+                <a:solidFill>
+                  <a:srgbClr val="A626A4"/>
+                </a:solidFill>
+              </a:rPr>
+              <a:t>int</a:t>
+            </a:r>
+            <a:r>
+              <a:rPr lang="ru-RU" sz="2000" dirty="0">
+                <a:solidFill>
+                  <a:srgbClr val="383A42"/>
+                </a:solidFill>
+              </a:rPr>
+              <a:t> i = </a:t>
+            </a:r>
+            <a:r>
+              <a:rPr lang="ru-RU" sz="2000" dirty="0">
+                <a:solidFill>
+                  <a:srgbClr val="986801"/>
+                </a:solidFill>
+              </a:rPr>
+              <a:t>0</a:t>
+            </a:r>
+            <a:r>
+              <a:rPr lang="ru-RU" sz="2000" dirty="0">
+                <a:solidFill>
+                  <a:srgbClr val="383A42"/>
+                </a:solidFill>
+              </a:rPr>
+              <a:t>; i &lt; 3; i++) {</a:t>
+            </a:r>
+          </a:p>
+          <a:p>
+            <a:r>
+              <a:rPr lang="ru-RU" sz="2000" dirty="0">
+                <a:solidFill>
+                  <a:srgbClr val="383A42"/>
+                </a:solidFill>
+              </a:rPr>
+              <a:t>         </a:t>
+            </a:r>
+            <a:r>
+              <a:rPr lang="ru-RU" sz="2000" dirty="0" err="1">
+                <a:solidFill>
+                  <a:srgbClr val="A626A4"/>
+                </a:solidFill>
+              </a:rPr>
+              <a:t>for</a:t>
+            </a:r>
+            <a:r>
+              <a:rPr lang="ru-RU" sz="2000" dirty="0">
+                <a:solidFill>
+                  <a:srgbClr val="383A42"/>
+                </a:solidFill>
+              </a:rPr>
+              <a:t> (</a:t>
+            </a:r>
+            <a:r>
+              <a:rPr lang="ru-RU" sz="2000" dirty="0" err="1">
+                <a:solidFill>
+                  <a:srgbClr val="A626A4"/>
+                </a:solidFill>
+              </a:rPr>
+              <a:t>int</a:t>
+            </a:r>
+            <a:r>
+              <a:rPr lang="ru-RU" sz="2000" dirty="0">
+                <a:solidFill>
+                  <a:srgbClr val="383A42"/>
+                </a:solidFill>
+              </a:rPr>
+              <a:t> j = </a:t>
+            </a:r>
+            <a:r>
+              <a:rPr lang="ru-RU" sz="2000" dirty="0">
+                <a:solidFill>
+                  <a:srgbClr val="986801"/>
+                </a:solidFill>
+              </a:rPr>
+              <a:t>0</a:t>
+            </a:r>
+            <a:r>
+              <a:rPr lang="ru-RU" sz="2000" dirty="0">
+                <a:solidFill>
+                  <a:srgbClr val="383A42"/>
+                </a:solidFill>
+              </a:rPr>
+              <a:t>; j &lt; </a:t>
+            </a:r>
+            <a:r>
+              <a:rPr lang="ru-RU" sz="2000" dirty="0">
+                <a:solidFill>
+                  <a:srgbClr val="986801"/>
+                </a:solidFill>
+              </a:rPr>
+              <a:t>5</a:t>
+            </a:r>
+            <a:r>
+              <a:rPr lang="ru-RU" sz="2000" dirty="0">
+                <a:solidFill>
+                  <a:srgbClr val="383A42"/>
+                </a:solidFill>
+              </a:rPr>
+              <a:t>; j++) {</a:t>
+            </a:r>
+          </a:p>
+          <a:p>
+            <a:r>
+              <a:rPr lang="ru-RU" sz="2000" dirty="0">
+                <a:solidFill>
+                  <a:srgbClr val="383A42"/>
+                </a:solidFill>
+              </a:rPr>
+              <a:t>                  </a:t>
+            </a:r>
+            <a:r>
+              <a:rPr lang="ru-RU" sz="2000" dirty="0" err="1">
+                <a:solidFill>
+                  <a:srgbClr val="383A42"/>
+                </a:solidFill>
+              </a:rPr>
+              <a:t>System.out.printf</a:t>
+            </a:r>
+            <a:r>
+              <a:rPr lang="ru-RU" sz="2000" dirty="0">
+                <a:solidFill>
+                  <a:srgbClr val="383A42"/>
+                </a:solidFill>
+              </a:rPr>
+              <a:t>("</a:t>
+            </a:r>
+            <a:r>
+              <a:rPr lang="ru-RU" sz="2000" dirty="0">
+                <a:solidFill>
+                  <a:srgbClr val="C00000"/>
+                </a:solidFill>
+              </a:rPr>
+              <a:t>*</a:t>
+            </a:r>
+            <a:r>
+              <a:rPr lang="ru-RU" sz="2000" dirty="0">
+                <a:solidFill>
+                  <a:srgbClr val="383A42"/>
+                </a:solidFill>
+              </a:rPr>
+              <a:t>");</a:t>
+            </a:r>
+          </a:p>
+          <a:p>
+            <a:r>
+              <a:rPr lang="ru-RU" sz="2000" dirty="0">
+                <a:solidFill>
+                  <a:srgbClr val="383A42"/>
+                </a:solidFill>
+              </a:rPr>
+              <a:t>         }</a:t>
+            </a:r>
+          </a:p>
+          <a:p>
+            <a:r>
+              <a:rPr lang="ru-RU" sz="2000" dirty="0">
+                <a:solidFill>
+                  <a:srgbClr val="383A42"/>
+                </a:solidFill>
+              </a:rPr>
+              <a:t>         </a:t>
+            </a:r>
+            <a:r>
+              <a:rPr lang="ru-RU" sz="2000" dirty="0" err="1">
+                <a:solidFill>
+                  <a:srgbClr val="383A42"/>
+                </a:solidFill>
+              </a:rPr>
+              <a:t>System.out.println</a:t>
+            </a:r>
+            <a:r>
+              <a:rPr lang="ru-RU" sz="2000" dirty="0">
+                <a:solidFill>
+                  <a:srgbClr val="383A42"/>
+                </a:solidFill>
+              </a:rPr>
+              <a:t>();</a:t>
+            </a:r>
+          </a:p>
+          <a:p>
+            <a:r>
+              <a:rPr lang="ru-RU" sz="2000" dirty="0">
+                <a:solidFill>
+                  <a:srgbClr val="383A42"/>
+                </a:solidFill>
+              </a:rPr>
+              <a:t> }</a:t>
+            </a:r>
+          </a:p>
+        </p:txBody>
+      </p:sp>
+      <p:sp>
+        <p:nvSpPr>
+          <p:cNvPr id="20" name="Прямоугольник 19">
+            <a:extLst>
+              <a:ext uri="{FF2B5EF4-FFF2-40B4-BE49-F238E27FC236}">
+                <a16:creationId xmlns:a16="http://schemas.microsoft.com/office/drawing/2014/main" id="{387A0791-70B4-4510-A0AC-51F9AF5494AC}"/>
+              </a:ext>
+            </a:extLst>
+          </p:cNvPr>
+          <p:cNvSpPr/>
+          <p:nvPr/>
+        </p:nvSpPr>
+        <p:spPr>
+          <a:xfrm>
+            <a:off x="8277285" y="584269"/>
+            <a:ext cx="3683067" cy="2853876"/>
+          </a:xfrm>
+          <a:prstGeom prst="rect">
+            <a:avLst/>
+          </a:prstGeom>
+          <a:noFill/>
+          <a:ln w="38100">
+            <a:solidFill>
+              <a:schemeClr val="tx1">
+                <a:lumMod val="50000"/>
+                <a:lumOff val="50000"/>
+              </a:schemeClr>
+            </a:solidFill>
+          </a:ln>
+        </p:spPr>
+        <p:style>
+          <a:lnRef idx="2">
+            <a:schemeClr val="accent1">
+              <a:shade val="50000"/>
+            </a:schemeClr>
+          </a:lnRef>
+          <a:fillRef idx="1">
+            <a:schemeClr val="accent1"/>
+          </a:fillRef>
+          <a:effectRef idx="0">
+            <a:schemeClr val="accent1"/>
+          </a:effectRef>
+          <a:fontRef idx="minor">
+            <a:schemeClr val="lt1"/>
+          </a:fontRef>
+        </p:style>
+        <p:txBody>
+          <a:bodyPr rtlCol="0" anchor="ctr"/>
+          <a:lstStyle/>
+          <a:p>
+            <a:pPr algn="ctr"/>
+            <a:endParaRPr lang="ru-RU">
+              <a:noFill/>
+            </a:endParaRPr>
+          </a:p>
+        </p:txBody>
+      </p:sp>
+    </p:spTree>
+    <p:extLst>
+      <p:ext uri="{BB962C8B-B14F-4D97-AF65-F5344CB8AC3E}">
+        <p14:creationId xmlns:p14="http://schemas.microsoft.com/office/powerpoint/2010/main" val="689644134"/>
+      </p:ext>
+    </p:extLst>
+  </p:cSld>
+  <p:clrMapOvr>
+    <a:masterClrMapping/>
+  </p:clrMapOvr>
+</p:sld>
+</file>
+
+<file path=ppt/slides/slide7.xml><?xml version="1.0" encoding="utf-8"?>
+<p:sld xmlns:a="http://schemas.openxmlformats.org/drawingml/2006/main" xmlns:r="http://schemas.openxmlformats.org/officeDocument/2006/relationships" xmlns:p="http://schemas.openxmlformats.org/presentationml/2006/main">
+  <p:cSld>
+    <p:bg>
+      <p:bgPr>
+        <a:solidFill>
+          <a:schemeClr val="bg1"/>
+        </a:solidFill>
+        <a:effectLst/>
+      </p:bgPr>
+    </p:bg>
+    <p:spTree>
+      <p:nvGrpSpPr>
+        <p:cNvPr id="1" name=""/>
+        <p:cNvGrpSpPr/>
+        <p:nvPr/>
+      </p:nvGrpSpPr>
+      <p:grpSpPr>
+        <a:xfrm>
+          <a:off x="0" y="0"/>
+          <a:ext cx="0" cy="0"/>
+          <a:chOff x="0" y="0"/>
+          <a:chExt cx="0" cy="0"/>
+        </a:xfrm>
+      </p:grpSpPr>
+      <p:sp useBgFill="1">
+        <p:nvSpPr>
+          <p:cNvPr id="2064" name="Rectangle 191">
+            <a:extLst>
+              <a:ext uri="{FF2B5EF4-FFF2-40B4-BE49-F238E27FC236}">
+                <a16:creationId xmlns:a16="http://schemas.microsoft.com/office/drawing/2014/main" id="{67AAFBA3-2C10-40B4-9AB7-A51F6E8EBFC2}"/>
+              </a:ext>
+              <a:ext uri="{C183D7F6-B498-43B3-948B-1728B52AA6E4}">
+                <adec:decorative xmlns:adec="http://schemas.microsoft.com/office/drawing/2017/decorative" val="1"/>
+              </a:ext>
+            </a:extLst>
+          </p:cNvPr>
+          <p:cNvSpPr>
+            <a:spLocks noGrp="1" noRot="1" noChangeAspect="1" noMove="1" noResize="1" noEditPoints="1" noAdjustHandles="1" noChangeArrowheads="1" noChangeShapeType="1" noTextEdit="1"/>
+          </p:cNvSpPr>
+          <p:nvPr>
+            <p:extLst>
+              <p:ext uri="{386F3935-93C4-4BCD-93E2-E3B085C9AB24}">
+                <p16:designElem xmlns:p16="http://schemas.microsoft.com/office/powerpoint/2015/main" val="1"/>
+              </p:ext>
+            </p:extLst>
+          </p:nvPr>
+        </p:nvSpPr>
+        <p:spPr>
+          <a:xfrm>
+            <a:off x="0" y="0"/>
+            <a:ext cx="12191999" cy="6858000"/>
+          </a:xfrm>
+          <a:prstGeom prst="rect">
+            <a:avLst/>
+          </a:prstGeom>
+          <a:ln>
+            <a:noFill/>
+          </a:ln>
+        </p:spPr>
+        <p:style>
+          <a:lnRef idx="2">
+            <a:schemeClr val="accent1">
+              <a:shade val="50000"/>
+            </a:schemeClr>
+          </a:lnRef>
+          <a:fillRef idx="1">
+            <a:schemeClr val="accent1"/>
+          </a:fillRef>
+          <a:effectRef idx="0">
+            <a:schemeClr val="accent1"/>
+          </a:effectRef>
+          <a:fontRef idx="minor">
+            <a:schemeClr val="lt1"/>
+          </a:fontRef>
+        </p:style>
+        <p:txBody>
+          <a:bodyPr rtlCol="0" anchor="ctr"/>
+          <a:lstStyle/>
+          <a:p>
+            <a:pPr algn="ctr"/>
+            <a:endParaRPr lang="en-US"/>
+          </a:p>
+        </p:txBody>
+      </p:sp>
+      <p:sp>
+        <p:nvSpPr>
+          <p:cNvPr id="2065" name="Rectangle 192">
+            <a:extLst>
+              <a:ext uri="{FF2B5EF4-FFF2-40B4-BE49-F238E27FC236}">
+                <a16:creationId xmlns:a16="http://schemas.microsoft.com/office/drawing/2014/main" id="{93C50455-CACE-4D73-B570-5BB90232F2B6}"/>
+              </a:ext>
+              <a:ext uri="{C183D7F6-B498-43B3-948B-1728B52AA6E4}">
+                <adec:decorative xmlns:adec="http://schemas.microsoft.com/office/drawing/2017/decorative" val="1"/>
+              </a:ext>
+            </a:extLst>
+          </p:cNvPr>
+          <p:cNvSpPr>
+            <a:spLocks noGrp="1" noRot="1" noChangeAspect="1" noMove="1" noResize="1" noEditPoints="1" noAdjustHandles="1" noChangeArrowheads="1" noChangeShapeType="1" noTextEdit="1"/>
+          </p:cNvSpPr>
+          <p:nvPr>
+            <p:extLst>
+              <p:ext uri="{386F3935-93C4-4BCD-93E2-E3B085C9AB24}">
+                <p16:designElem xmlns:p16="http://schemas.microsoft.com/office/powerpoint/2015/main" val="1"/>
+              </p:ext>
+            </p:extLst>
+          </p:nvPr>
+        </p:nvSpPr>
+        <p:spPr>
+          <a:xfrm>
+            <a:off x="0" y="4323523"/>
+            <a:ext cx="12199910" cy="2534478"/>
+          </a:xfrm>
+          <a:prstGeom prst="rect">
+            <a:avLst/>
+          </a:prstGeom>
+          <a:solidFill>
+            <a:srgbClr val="3D4955"/>
+          </a:solidFill>
+          <a:ln>
+            <a:noFill/>
+          </a:ln>
+        </p:spPr>
+        <p:style>
+          <a:lnRef idx="2">
+            <a:schemeClr val="accent1">
+              <a:shade val="50000"/>
+            </a:schemeClr>
+          </a:lnRef>
+          <a:fillRef idx="1">
+            <a:schemeClr val="accent1"/>
+          </a:fillRef>
+          <a:effectRef idx="0">
+            <a:schemeClr val="accent1"/>
+          </a:effectRef>
+          <a:fontRef idx="minor">
+            <a:schemeClr val="lt1"/>
+          </a:fontRef>
+        </p:style>
+      </p:sp>
+      <p:sp>
+        <p:nvSpPr>
+          <p:cNvPr id="28" name="Заголовок 1">
+            <a:extLst>
+              <a:ext uri="{FF2B5EF4-FFF2-40B4-BE49-F238E27FC236}">
+                <a16:creationId xmlns:a16="http://schemas.microsoft.com/office/drawing/2014/main" id="{A1800B60-BA5D-4BD9-AAE0-43620F882506}"/>
+              </a:ext>
+            </a:extLst>
+          </p:cNvPr>
+          <p:cNvSpPr txBox="1">
+            <a:spLocks/>
+          </p:cNvSpPr>
+          <p:nvPr/>
+        </p:nvSpPr>
+        <p:spPr>
+          <a:xfrm>
+            <a:off x="361655" y="4575714"/>
+            <a:ext cx="4485553" cy="2034853"/>
+          </a:xfrm>
+          <a:prstGeom prst="rect">
+            <a:avLst/>
+          </a:prstGeom>
+        </p:spPr>
+        <p:txBody>
+          <a:bodyPr vert="horz" lIns="91440" tIns="45720" rIns="91440" bIns="45720" rtlCol="0" anchor="b">
+            <a:normAutofit fontScale="85000" lnSpcReduction="10000"/>
+          </a:bodyPr>
+          <a:lstStyle>
+            <a:lvl1pPr algn="l" defTabSz="914400" rtl="0" eaLnBrk="1" latinLnBrk="0" hangingPunct="1">
+              <a:lnSpc>
+                <a:spcPct val="90000"/>
+              </a:lnSpc>
+              <a:spcBef>
+                <a:spcPct val="0"/>
+              </a:spcBef>
+              <a:buNone/>
+              <a:defRPr sz="5900" kern="1200" spc="-100" baseline="0">
+                <a:solidFill>
+                  <a:srgbClr val="FFFFFF"/>
+                </a:solidFill>
+                <a:latin typeface="+mj-lt"/>
+                <a:ea typeface="+mj-ea"/>
+                <a:cs typeface="+mj-cs"/>
+              </a:defRPr>
+            </a:lvl1pPr>
+          </a:lstStyle>
+          <a:p>
+            <a:pPr>
+              <a:spcBef>
+                <a:spcPts val="1200"/>
+              </a:spcBef>
+              <a:buClr>
+                <a:schemeClr val="accent1"/>
+              </a:buClr>
+            </a:pPr>
+            <a:r>
+              <a:rPr lang="ru-RU" sz="5300" b="1" dirty="0" err="1">
+                <a:solidFill>
+                  <a:schemeClr val="bg1"/>
+                </a:solidFill>
+              </a:rPr>
+              <a:t>Вложеные</a:t>
+            </a:r>
+            <a:r>
+              <a:rPr lang="ru-RU" sz="5300" b="1" dirty="0">
+                <a:solidFill>
+                  <a:schemeClr val="bg1"/>
+                </a:solidFill>
+              </a:rPr>
+              <a:t> циклы</a:t>
+            </a:r>
+            <a:br>
+              <a:rPr lang="en-US" sz="6000" b="1" dirty="0">
+                <a:solidFill>
+                  <a:schemeClr val="accent1">
+                    <a:lumMod val="75000"/>
+                  </a:schemeClr>
+                </a:solidFill>
+              </a:rPr>
+            </a:br>
+            <a:br>
+              <a:rPr lang="ru-RU" sz="6000" b="1" dirty="0">
+                <a:solidFill>
+                  <a:schemeClr val="accent1">
+                    <a:lumMod val="75000"/>
+                  </a:schemeClr>
+                </a:solidFill>
+              </a:rPr>
+            </a:br>
+            <a:r>
+              <a:rPr lang="en-US" sz="4000" b="1" dirty="0">
+                <a:solidFill>
+                  <a:schemeClr val="accent4">
+                    <a:lumMod val="60000"/>
+                    <a:lumOff val="40000"/>
+                  </a:schemeClr>
+                </a:solidFill>
+              </a:rPr>
+              <a:t>for … for</a:t>
+            </a:r>
+          </a:p>
+        </p:txBody>
+      </p:sp>
+      <p:sp>
+        <p:nvSpPr>
+          <p:cNvPr id="29" name="Прямоугольник 28">
+            <a:extLst>
+              <a:ext uri="{FF2B5EF4-FFF2-40B4-BE49-F238E27FC236}">
+                <a16:creationId xmlns:a16="http://schemas.microsoft.com/office/drawing/2014/main" id="{9E809088-A7E1-41DF-B518-3E5DBF92A649}"/>
+              </a:ext>
+            </a:extLst>
+          </p:cNvPr>
+          <p:cNvSpPr/>
+          <p:nvPr/>
+        </p:nvSpPr>
+        <p:spPr>
+          <a:xfrm>
+            <a:off x="5931245" y="5043863"/>
+            <a:ext cx="6172124" cy="830997"/>
+          </a:xfrm>
+          <a:prstGeom prst="rect">
+            <a:avLst/>
+          </a:prstGeom>
+        </p:spPr>
+        <p:txBody>
+          <a:bodyPr wrap="square">
+            <a:spAutoFit/>
+          </a:bodyPr>
+          <a:lstStyle/>
+          <a:p>
+            <a:r>
+              <a:rPr lang="ru-RU" sz="2400" dirty="0">
+                <a:solidFill>
+                  <a:srgbClr val="FFC000"/>
+                </a:solidFill>
+              </a:rPr>
+              <a:t>Вложенные циклы позволяют решать самые разнообразные задачи</a:t>
+            </a:r>
+          </a:p>
+        </p:txBody>
+      </p:sp>
+      <p:grpSp>
+        <p:nvGrpSpPr>
+          <p:cNvPr id="8" name="Группа 7">
+            <a:extLst>
+              <a:ext uri="{FF2B5EF4-FFF2-40B4-BE49-F238E27FC236}">
+                <a16:creationId xmlns:a16="http://schemas.microsoft.com/office/drawing/2014/main" id="{6D34CF44-36E0-49A7-A88A-9E45E86F554E}"/>
+              </a:ext>
+            </a:extLst>
+          </p:cNvPr>
+          <p:cNvGrpSpPr/>
+          <p:nvPr/>
+        </p:nvGrpSpPr>
+        <p:grpSpPr>
+          <a:xfrm>
+            <a:off x="586923" y="1313526"/>
+            <a:ext cx="6193654" cy="2441902"/>
+            <a:chOff x="6002301" y="789570"/>
+            <a:chExt cx="6193654" cy="2441902"/>
+          </a:xfrm>
+        </p:grpSpPr>
+        <p:sp>
+          <p:nvSpPr>
+            <p:cNvPr id="14" name="Прямоугольник 13">
+              <a:extLst>
+                <a:ext uri="{FF2B5EF4-FFF2-40B4-BE49-F238E27FC236}">
+                  <a16:creationId xmlns:a16="http://schemas.microsoft.com/office/drawing/2014/main" id="{A7600766-71AF-45C8-86C6-100CB5F692FB}"/>
+                </a:ext>
+              </a:extLst>
+            </p:cNvPr>
+            <p:cNvSpPr/>
+            <p:nvPr/>
+          </p:nvSpPr>
+          <p:spPr>
+            <a:xfrm>
+              <a:off x="6002301" y="789570"/>
+              <a:ext cx="5518972" cy="2441902"/>
+            </a:xfrm>
+            <a:prstGeom prst="rect">
+              <a:avLst/>
+            </a:prstGeom>
+            <a:noFill/>
+            <a:ln w="38100">
+              <a:solidFill>
+                <a:schemeClr val="tx1">
+                  <a:lumMod val="50000"/>
+                  <a:lumOff val="50000"/>
+                </a:schemeClr>
+              </a:solidFill>
+            </a:ln>
+          </p:spPr>
+          <p:style>
+            <a:lnRef idx="2">
+              <a:schemeClr val="accent1">
+                <a:shade val="50000"/>
+              </a:schemeClr>
+            </a:lnRef>
+            <a:fillRef idx="1">
+              <a:schemeClr val="accent1"/>
+            </a:fillRef>
+            <a:effectRef idx="0">
+              <a:schemeClr val="accent1"/>
+            </a:effectRef>
+            <a:fontRef idx="minor">
+              <a:schemeClr val="lt1"/>
+            </a:fontRef>
+          </p:style>
+          <p:txBody>
+            <a:bodyPr rtlCol="0" anchor="ctr"/>
+            <a:lstStyle/>
+            <a:p>
+              <a:pPr algn="ctr"/>
+              <a:endParaRPr lang="ru-RU">
+                <a:noFill/>
+              </a:endParaRPr>
+            </a:p>
+          </p:txBody>
+        </p:sp>
+        <p:sp>
+          <p:nvSpPr>
+            <p:cNvPr id="7" name="Прямоугольник 6">
+              <a:extLst>
+                <a:ext uri="{FF2B5EF4-FFF2-40B4-BE49-F238E27FC236}">
+                  <a16:creationId xmlns:a16="http://schemas.microsoft.com/office/drawing/2014/main" id="{FBF5C438-1363-4F7B-AE10-5183D6D35D4D}"/>
+                </a:ext>
+              </a:extLst>
+            </p:cNvPr>
+            <p:cNvSpPr/>
+            <p:nvPr/>
+          </p:nvSpPr>
+          <p:spPr>
+            <a:xfrm>
+              <a:off x="6099955" y="837586"/>
+              <a:ext cx="6096000" cy="2308324"/>
+            </a:xfrm>
+            <a:prstGeom prst="rect">
+              <a:avLst/>
+            </a:prstGeom>
+          </p:spPr>
+          <p:txBody>
+            <a:bodyPr>
+              <a:spAutoFit/>
+            </a:bodyPr>
+            <a:lstStyle/>
+            <a:p>
+              <a:r>
+                <a:rPr lang="ru-RU" dirty="0"/>
+                <a:t> </a:t>
+              </a:r>
+              <a:r>
+                <a:rPr lang="ru-RU" sz="2400" dirty="0" err="1">
+                  <a:solidFill>
+                    <a:srgbClr val="A626A4"/>
+                  </a:solidFill>
+                </a:rPr>
+                <a:t>for</a:t>
+              </a:r>
+              <a:r>
+                <a:rPr lang="ru-RU" sz="2400" dirty="0">
+                  <a:solidFill>
+                    <a:srgbClr val="383A42"/>
+                  </a:solidFill>
+                </a:rPr>
+                <a:t> (</a:t>
+              </a:r>
+              <a:r>
+                <a:rPr lang="ru-RU" sz="2400" dirty="0" err="1">
+                  <a:solidFill>
+                    <a:srgbClr val="A626A4"/>
+                  </a:solidFill>
+                </a:rPr>
+                <a:t>int</a:t>
+              </a:r>
+              <a:r>
+                <a:rPr lang="ru-RU" sz="2400" dirty="0">
+                  <a:solidFill>
+                    <a:srgbClr val="383A42"/>
+                  </a:solidFill>
+                </a:rPr>
+                <a:t> i = </a:t>
+              </a:r>
+              <a:r>
+                <a:rPr lang="ru-RU" sz="2400" dirty="0">
+                  <a:solidFill>
+                    <a:srgbClr val="986801"/>
+                  </a:solidFill>
+                </a:rPr>
+                <a:t>1</a:t>
+              </a:r>
+              <a:r>
+                <a:rPr lang="ru-RU" sz="2400" dirty="0">
+                  <a:solidFill>
+                    <a:srgbClr val="383A42"/>
+                  </a:solidFill>
+                </a:rPr>
+                <a:t>; i &lt; </a:t>
+              </a:r>
+              <a:r>
+                <a:rPr lang="ru-RU" sz="2400" dirty="0">
+                  <a:solidFill>
+                    <a:srgbClr val="986801"/>
+                  </a:solidFill>
+                </a:rPr>
+                <a:t>10</a:t>
+              </a:r>
+              <a:r>
+                <a:rPr lang="ru-RU" sz="2400" dirty="0">
+                  <a:solidFill>
+                    <a:srgbClr val="383A42"/>
+                  </a:solidFill>
+                </a:rPr>
+                <a:t>; i++) {</a:t>
+              </a:r>
+            </a:p>
+            <a:p>
+              <a:r>
+                <a:rPr lang="ru-RU" sz="2400" dirty="0">
+                  <a:solidFill>
+                    <a:srgbClr val="383A42"/>
+                  </a:solidFill>
+                </a:rPr>
+                <a:t>                </a:t>
+              </a:r>
+              <a:r>
+                <a:rPr lang="ru-RU" sz="2400" dirty="0" err="1">
+                  <a:solidFill>
+                    <a:srgbClr val="A626A4"/>
+                  </a:solidFill>
+                </a:rPr>
+                <a:t>for</a:t>
+              </a:r>
+              <a:r>
+                <a:rPr lang="ru-RU" sz="2400" dirty="0">
+                  <a:solidFill>
+                    <a:srgbClr val="383A42"/>
+                  </a:solidFill>
+                </a:rPr>
+                <a:t> (</a:t>
+              </a:r>
+              <a:r>
+                <a:rPr lang="ru-RU" sz="2400" dirty="0" err="1">
+                  <a:solidFill>
+                    <a:srgbClr val="A626A4"/>
+                  </a:solidFill>
+                </a:rPr>
+                <a:t>int</a:t>
+              </a:r>
+              <a:r>
+                <a:rPr lang="ru-RU" sz="2400" dirty="0">
+                  <a:solidFill>
+                    <a:srgbClr val="383A42"/>
+                  </a:solidFill>
+                </a:rPr>
+                <a:t> j = </a:t>
+              </a:r>
+              <a:r>
+                <a:rPr lang="ru-RU" sz="2400" dirty="0">
+                  <a:solidFill>
+                    <a:srgbClr val="986801"/>
+                  </a:solidFill>
+                </a:rPr>
+                <a:t>1</a:t>
+              </a:r>
+              <a:r>
+                <a:rPr lang="ru-RU" sz="2400" dirty="0">
+                  <a:solidFill>
+                    <a:srgbClr val="383A42"/>
+                  </a:solidFill>
+                </a:rPr>
+                <a:t>; j &lt; </a:t>
+              </a:r>
+              <a:r>
+                <a:rPr lang="ru-RU" sz="2400" dirty="0">
+                  <a:solidFill>
+                    <a:srgbClr val="986801"/>
+                  </a:solidFill>
+                </a:rPr>
+                <a:t>10</a:t>
+              </a:r>
+              <a:r>
+                <a:rPr lang="ru-RU" sz="2400" dirty="0">
+                  <a:solidFill>
+                    <a:srgbClr val="383A42"/>
+                  </a:solidFill>
+                </a:rPr>
+                <a:t>; j++) {</a:t>
+              </a:r>
+            </a:p>
+            <a:p>
+              <a:r>
+                <a:rPr lang="ru-RU" sz="2400" dirty="0">
+                  <a:solidFill>
+                    <a:srgbClr val="383A42"/>
+                  </a:solidFill>
+                </a:rPr>
+                <a:t>                    </a:t>
+              </a:r>
+              <a:r>
+                <a:rPr lang="ru-RU" sz="2400" dirty="0" err="1">
+                  <a:solidFill>
+                    <a:srgbClr val="383A42"/>
+                  </a:solidFill>
+                </a:rPr>
+                <a:t>System.out.printf</a:t>
+              </a:r>
+              <a:r>
+                <a:rPr lang="ru-RU" sz="2400" dirty="0">
+                  <a:solidFill>
+                    <a:srgbClr val="C00000"/>
+                  </a:solidFill>
+                </a:rPr>
+                <a:t>("%2d </a:t>
+              </a:r>
+              <a:r>
+                <a:rPr lang="ru-RU" sz="2400" dirty="0">
+                  <a:solidFill>
+                    <a:srgbClr val="383A42"/>
+                  </a:solidFill>
+                </a:rPr>
+                <a:t>", i * j);</a:t>
+              </a:r>
+            </a:p>
+            <a:p>
+              <a:r>
+                <a:rPr lang="ru-RU" sz="2400" dirty="0">
+                  <a:solidFill>
+                    <a:srgbClr val="383A42"/>
+                  </a:solidFill>
+                </a:rPr>
+                <a:t>                }</a:t>
+              </a:r>
+            </a:p>
+            <a:p>
+              <a:r>
+                <a:rPr lang="ru-RU" sz="2400" dirty="0">
+                  <a:solidFill>
+                    <a:srgbClr val="383A42"/>
+                  </a:solidFill>
+                </a:rPr>
+                <a:t>                </a:t>
+              </a:r>
+              <a:r>
+                <a:rPr lang="ru-RU" sz="2400" dirty="0" err="1">
+                  <a:solidFill>
+                    <a:srgbClr val="383A42"/>
+                  </a:solidFill>
+                </a:rPr>
+                <a:t>System.out.println</a:t>
+              </a:r>
+              <a:r>
+                <a:rPr lang="ru-RU" sz="2400" dirty="0">
+                  <a:solidFill>
+                    <a:srgbClr val="383A42"/>
+                  </a:solidFill>
+                </a:rPr>
+                <a:t>();</a:t>
+              </a:r>
+            </a:p>
+            <a:p>
+              <a:r>
+                <a:rPr lang="ru-RU" sz="2400" dirty="0">
+                  <a:solidFill>
+                    <a:srgbClr val="383A42"/>
+                  </a:solidFill>
+                </a:rPr>
+                <a:t> }</a:t>
+              </a:r>
+            </a:p>
+          </p:txBody>
+        </p:sp>
+      </p:grpSp>
+      <p:sp>
+        <p:nvSpPr>
+          <p:cNvPr id="18" name="TextBox 17">
+            <a:extLst>
+              <a:ext uri="{FF2B5EF4-FFF2-40B4-BE49-F238E27FC236}">
+                <a16:creationId xmlns:a16="http://schemas.microsoft.com/office/drawing/2014/main" id="{E3BDA314-D2B2-473F-94C2-65B7E79865CC}"/>
+              </a:ext>
+            </a:extLst>
+          </p:cNvPr>
+          <p:cNvSpPr txBox="1"/>
+          <p:nvPr/>
+        </p:nvSpPr>
+        <p:spPr>
+          <a:xfrm>
+            <a:off x="586923" y="542949"/>
+            <a:ext cx="3832972" cy="461665"/>
+          </a:xfrm>
+          <a:prstGeom prst="rect">
+            <a:avLst/>
+          </a:prstGeom>
+          <a:noFill/>
+        </p:spPr>
+        <p:txBody>
+          <a:bodyPr wrap="none" rtlCol="0">
+            <a:spAutoFit/>
+          </a:bodyPr>
+          <a:lstStyle/>
+          <a:p>
+            <a:r>
+              <a:rPr lang="ru-RU" sz="2400" dirty="0">
+                <a:solidFill>
+                  <a:srgbClr val="C00000"/>
+                </a:solidFill>
+              </a:rPr>
+              <a:t>Вывод таблицы умножения</a:t>
+            </a:r>
+          </a:p>
+        </p:txBody>
+      </p:sp>
+    </p:spTree>
+    <p:extLst>
+      <p:ext uri="{BB962C8B-B14F-4D97-AF65-F5344CB8AC3E}">
+        <p14:creationId xmlns:p14="http://schemas.microsoft.com/office/powerpoint/2010/main" val="3984481716"/>
+      </p:ext>
+    </p:extLst>
+  </p:cSld>
+  <p:clrMapOvr>
+    <a:masterClrMapping/>
+  </p:clrMapOvr>
+</p:sld>
+</file>
+
+<file path=ppt/slides/slide8.xml><?xml version="1.0" encoding="utf-8"?>
+<p:sld xmlns:a="http://schemas.openxmlformats.org/drawingml/2006/main" xmlns:r="http://schemas.openxmlformats.org/officeDocument/2006/relationships" xmlns:p="http://schemas.openxmlformats.org/presentationml/2006/main">
+  <p:cSld>
+    <p:bg>
+      <p:bgPr>
+        <a:solidFill>
+          <a:schemeClr val="bg1"/>
+        </a:solidFill>
+        <a:effectLst/>
+      </p:bgPr>
+    </p:bg>
+    <p:spTree>
+      <p:nvGrpSpPr>
+        <p:cNvPr id="1" name=""/>
+        <p:cNvGrpSpPr/>
+        <p:nvPr/>
+      </p:nvGrpSpPr>
+      <p:grpSpPr>
+        <a:xfrm>
+          <a:off x="0" y="0"/>
+          <a:ext cx="0" cy="0"/>
+          <a:chOff x="0" y="0"/>
+          <a:chExt cx="0" cy="0"/>
+        </a:xfrm>
+      </p:grpSpPr>
+      <p:sp useBgFill="1">
+        <p:nvSpPr>
+          <p:cNvPr id="2064" name="Rectangle 191">
+            <a:extLst>
+              <a:ext uri="{FF2B5EF4-FFF2-40B4-BE49-F238E27FC236}">
+                <a16:creationId xmlns:a16="http://schemas.microsoft.com/office/drawing/2014/main" id="{67AAFBA3-2C10-40B4-9AB7-A51F6E8EBFC2}"/>
+              </a:ext>
+              <a:ext uri="{C183D7F6-B498-43B3-948B-1728B52AA6E4}">
+                <adec:decorative xmlns:adec="http://schemas.microsoft.com/office/drawing/2017/decorative" val="1"/>
+              </a:ext>
+            </a:extLst>
+          </p:cNvPr>
+          <p:cNvSpPr>
+            <a:spLocks noGrp="1" noRot="1" noChangeAspect="1" noMove="1" noResize="1" noEditPoints="1" noAdjustHandles="1" noChangeArrowheads="1" noChangeShapeType="1" noTextEdit="1"/>
+          </p:cNvSpPr>
+          <p:nvPr>
+            <p:extLst>
+              <p:ext uri="{386F3935-93C4-4BCD-93E2-E3B085C9AB24}">
+                <p16:designElem xmlns:p16="http://schemas.microsoft.com/office/powerpoint/2015/main" val="1"/>
+              </p:ext>
+            </p:extLst>
+          </p:nvPr>
+        </p:nvSpPr>
+        <p:spPr>
+          <a:xfrm>
+            <a:off x="0" y="0"/>
+            <a:ext cx="12191999" cy="6858000"/>
+          </a:xfrm>
+          <a:prstGeom prst="rect">
+            <a:avLst/>
+          </a:prstGeom>
+          <a:ln>
+            <a:noFill/>
+          </a:ln>
+        </p:spPr>
+        <p:style>
+          <a:lnRef idx="2">
+            <a:schemeClr val="accent1">
+              <a:shade val="50000"/>
+            </a:schemeClr>
+          </a:lnRef>
+          <a:fillRef idx="1">
+            <a:schemeClr val="accent1"/>
+          </a:fillRef>
+          <a:effectRef idx="0">
+            <a:schemeClr val="accent1"/>
+          </a:effectRef>
+          <a:fontRef idx="minor">
+            <a:schemeClr val="lt1"/>
+          </a:fontRef>
+        </p:style>
+        <p:txBody>
+          <a:bodyPr rtlCol="0" anchor="ctr"/>
+          <a:lstStyle/>
+          <a:p>
+            <a:pPr algn="ctr"/>
+            <a:endParaRPr lang="en-US"/>
+          </a:p>
+        </p:txBody>
+      </p:sp>
+      <p:sp>
+        <p:nvSpPr>
+          <p:cNvPr id="2065" name="Rectangle 192">
+            <a:extLst>
+              <a:ext uri="{FF2B5EF4-FFF2-40B4-BE49-F238E27FC236}">
+                <a16:creationId xmlns:a16="http://schemas.microsoft.com/office/drawing/2014/main" id="{93C50455-CACE-4D73-B570-5BB90232F2B6}"/>
+              </a:ext>
+              <a:ext uri="{C183D7F6-B498-43B3-948B-1728B52AA6E4}">
+                <adec:decorative xmlns:adec="http://schemas.microsoft.com/office/drawing/2017/decorative" val="1"/>
+              </a:ext>
+            </a:extLst>
+          </p:cNvPr>
+          <p:cNvSpPr>
+            <a:spLocks noGrp="1" noRot="1" noChangeAspect="1" noMove="1" noResize="1" noEditPoints="1" noAdjustHandles="1" noChangeArrowheads="1" noChangeShapeType="1" noTextEdit="1"/>
+          </p:cNvSpPr>
+          <p:nvPr>
+            <p:extLst>
+              <p:ext uri="{386F3935-93C4-4BCD-93E2-E3B085C9AB24}">
+                <p16:designElem xmlns:p16="http://schemas.microsoft.com/office/powerpoint/2015/main" val="1"/>
+              </p:ext>
+            </p:extLst>
+          </p:nvPr>
+        </p:nvSpPr>
+        <p:spPr>
+          <a:xfrm>
+            <a:off x="0" y="4323523"/>
+            <a:ext cx="12199910" cy="2534478"/>
+          </a:xfrm>
+          <a:prstGeom prst="rect">
+            <a:avLst/>
+          </a:prstGeom>
+          <a:solidFill>
+            <a:srgbClr val="3D4955"/>
+          </a:solidFill>
+          <a:ln>
+            <a:noFill/>
+          </a:ln>
+        </p:spPr>
+        <p:style>
+          <a:lnRef idx="2">
+            <a:schemeClr val="accent1">
+              <a:shade val="50000"/>
+            </a:schemeClr>
+          </a:lnRef>
+          <a:fillRef idx="1">
+            <a:schemeClr val="accent1"/>
+          </a:fillRef>
+          <a:effectRef idx="0">
+            <a:schemeClr val="accent1"/>
+          </a:effectRef>
+          <a:fontRef idx="minor">
+            <a:schemeClr val="lt1"/>
+          </a:fontRef>
+        </p:style>
+      </p:sp>
+      <p:sp>
+        <p:nvSpPr>
+          <p:cNvPr id="28" name="Заголовок 1">
+            <a:extLst>
+              <a:ext uri="{FF2B5EF4-FFF2-40B4-BE49-F238E27FC236}">
+                <a16:creationId xmlns:a16="http://schemas.microsoft.com/office/drawing/2014/main" id="{A1800B60-BA5D-4BD9-AAE0-43620F882506}"/>
+              </a:ext>
+            </a:extLst>
+          </p:cNvPr>
+          <p:cNvSpPr txBox="1">
+            <a:spLocks/>
+          </p:cNvSpPr>
+          <p:nvPr/>
+        </p:nvSpPr>
+        <p:spPr>
+          <a:xfrm>
+            <a:off x="361655" y="4575714"/>
+            <a:ext cx="4485553" cy="2034853"/>
+          </a:xfrm>
+          <a:prstGeom prst="rect">
+            <a:avLst/>
+          </a:prstGeom>
+        </p:spPr>
+        <p:txBody>
+          <a:bodyPr vert="horz" lIns="91440" tIns="45720" rIns="91440" bIns="45720" rtlCol="0" anchor="b">
+            <a:normAutofit fontScale="77500" lnSpcReduction="20000"/>
+          </a:bodyPr>
+          <a:lstStyle>
+            <a:lvl1pPr algn="l" defTabSz="914400" rtl="0" eaLnBrk="1" latinLnBrk="0" hangingPunct="1">
+              <a:lnSpc>
+                <a:spcPct val="90000"/>
+              </a:lnSpc>
+              <a:spcBef>
+                <a:spcPct val="0"/>
+              </a:spcBef>
+              <a:buNone/>
+              <a:defRPr sz="5900" kern="1200" spc="-100" baseline="0">
+                <a:solidFill>
+                  <a:srgbClr val="FFFFFF"/>
+                </a:solidFill>
+                <a:latin typeface="+mj-lt"/>
+                <a:ea typeface="+mj-ea"/>
+                <a:cs typeface="+mj-cs"/>
+              </a:defRPr>
+            </a:lvl1pPr>
+          </a:lstStyle>
+          <a:p>
+            <a:pPr>
+              <a:spcBef>
+                <a:spcPts val="1200"/>
+              </a:spcBef>
+              <a:buClr>
+                <a:schemeClr val="accent1"/>
+              </a:buClr>
+            </a:pPr>
+            <a:r>
+              <a:rPr lang="ru-RU" sz="6000" b="1" dirty="0">
+                <a:solidFill>
+                  <a:schemeClr val="bg1"/>
+                </a:solidFill>
+              </a:rPr>
+              <a:t>Операторы выхода </a:t>
+            </a:r>
+            <a:r>
+              <a:rPr lang="en-US" sz="6000" b="1" dirty="0">
+                <a:solidFill>
+                  <a:schemeClr val="bg1"/>
+                </a:solidFill>
+              </a:rPr>
+              <a:t>и</a:t>
+            </a:r>
+            <a:r>
+              <a:rPr lang="ru-RU" sz="6000" b="1" dirty="0">
+                <a:solidFill>
+                  <a:schemeClr val="bg1"/>
+                </a:solidFill>
+              </a:rPr>
+              <a:t>з цикла</a:t>
+            </a:r>
+            <a:br>
+              <a:rPr lang="en-US" sz="6000" b="1" dirty="0">
+                <a:solidFill>
+                  <a:schemeClr val="accent1">
+                    <a:lumMod val="75000"/>
+                  </a:schemeClr>
+                </a:solidFill>
+              </a:rPr>
+            </a:br>
+            <a:br>
+              <a:rPr lang="ru-RU" sz="6000" b="1" dirty="0">
+                <a:solidFill>
+                  <a:schemeClr val="accent1">
+                    <a:lumMod val="75000"/>
+                  </a:schemeClr>
+                </a:solidFill>
+              </a:rPr>
+            </a:br>
+            <a:r>
+              <a:rPr lang="en-US" sz="4000" b="1" dirty="0">
+                <a:solidFill>
+                  <a:schemeClr val="accent4">
+                    <a:lumMod val="60000"/>
+                    <a:lumOff val="40000"/>
+                  </a:schemeClr>
+                </a:solidFill>
+              </a:rPr>
+              <a:t>break</a:t>
+            </a:r>
+          </a:p>
+        </p:txBody>
+      </p:sp>
+      <p:sp>
+        <p:nvSpPr>
+          <p:cNvPr id="29" name="Прямоугольник 28">
+            <a:extLst>
+              <a:ext uri="{FF2B5EF4-FFF2-40B4-BE49-F238E27FC236}">
+                <a16:creationId xmlns:a16="http://schemas.microsoft.com/office/drawing/2014/main" id="{9E809088-A7E1-41DF-B518-3E5DBF92A649}"/>
+              </a:ext>
+            </a:extLst>
+          </p:cNvPr>
+          <p:cNvSpPr/>
+          <p:nvPr/>
+        </p:nvSpPr>
+        <p:spPr>
+          <a:xfrm>
+            <a:off x="5931245" y="5043863"/>
+            <a:ext cx="6172124" cy="830997"/>
+          </a:xfrm>
+          <a:prstGeom prst="rect">
+            <a:avLst/>
+          </a:prstGeom>
+        </p:spPr>
+        <p:txBody>
+          <a:bodyPr wrap="square">
+            <a:spAutoFit/>
+          </a:bodyPr>
+          <a:lstStyle/>
+          <a:p>
+            <a:r>
+              <a:rPr lang="ru-RU" sz="2400" dirty="0">
+                <a:solidFill>
+                  <a:srgbClr val="FFC000"/>
+                </a:solidFill>
+              </a:rPr>
+              <a:t>используется для прерывания цикла только в отдельных особенных ситуациях</a:t>
+            </a:r>
+          </a:p>
+        </p:txBody>
+      </p:sp>
+      <p:grpSp>
+        <p:nvGrpSpPr>
+          <p:cNvPr id="9" name="Группа 8">
+            <a:extLst>
+              <a:ext uri="{FF2B5EF4-FFF2-40B4-BE49-F238E27FC236}">
+                <a16:creationId xmlns:a16="http://schemas.microsoft.com/office/drawing/2014/main" id="{8ACB3337-14D3-43DC-AE06-80BFD8296CB3}"/>
+              </a:ext>
+            </a:extLst>
+          </p:cNvPr>
+          <p:cNvGrpSpPr/>
+          <p:nvPr/>
+        </p:nvGrpSpPr>
+        <p:grpSpPr>
+          <a:xfrm>
+            <a:off x="833992" y="1045212"/>
+            <a:ext cx="3540877" cy="2376145"/>
+            <a:chOff x="542851" y="499615"/>
+            <a:chExt cx="3540877" cy="2376145"/>
+          </a:xfrm>
+        </p:grpSpPr>
+        <p:sp>
+          <p:nvSpPr>
+            <p:cNvPr id="24" name="Прямоугольник 23">
+              <a:extLst>
+                <a:ext uri="{FF2B5EF4-FFF2-40B4-BE49-F238E27FC236}">
+                  <a16:creationId xmlns:a16="http://schemas.microsoft.com/office/drawing/2014/main" id="{EED57BAD-0486-42D8-A220-21CFABD73713}"/>
+                </a:ext>
+              </a:extLst>
+            </p:cNvPr>
+            <p:cNvSpPr/>
+            <p:nvPr/>
+          </p:nvSpPr>
+          <p:spPr>
+            <a:xfrm>
+              <a:off x="542851" y="499615"/>
+              <a:ext cx="3540877" cy="2119297"/>
+            </a:xfrm>
+            <a:prstGeom prst="rect">
+              <a:avLst/>
+            </a:prstGeom>
+            <a:noFill/>
+            <a:ln w="38100">
+              <a:solidFill>
+                <a:schemeClr val="tx1">
+                  <a:lumMod val="50000"/>
+                  <a:lumOff val="50000"/>
+                </a:schemeClr>
+              </a:solidFill>
+            </a:ln>
+          </p:spPr>
+          <p:style>
+            <a:lnRef idx="2">
+              <a:schemeClr val="accent1">
+                <a:shade val="50000"/>
+              </a:schemeClr>
+            </a:lnRef>
+            <a:fillRef idx="1">
+              <a:schemeClr val="accent1"/>
+            </a:fillRef>
+            <a:effectRef idx="0">
+              <a:schemeClr val="accent1"/>
+            </a:effectRef>
+            <a:fontRef idx="minor">
+              <a:schemeClr val="lt1"/>
+            </a:fontRef>
+          </p:style>
+          <p:txBody>
+            <a:bodyPr rtlCol="0" anchor="ctr"/>
+            <a:lstStyle/>
+            <a:p>
+              <a:pPr algn="ctr"/>
+              <a:endParaRPr lang="ru-RU">
+                <a:noFill/>
+              </a:endParaRPr>
+            </a:p>
+          </p:txBody>
+        </p:sp>
+        <p:sp>
+          <p:nvSpPr>
+            <p:cNvPr id="4" name="Прямоугольник 3">
+              <a:extLst>
+                <a:ext uri="{FF2B5EF4-FFF2-40B4-BE49-F238E27FC236}">
+                  <a16:creationId xmlns:a16="http://schemas.microsoft.com/office/drawing/2014/main" id="{B9B8C3F2-F857-4A7A-934A-EB734536B667}"/>
+                </a:ext>
+              </a:extLst>
+            </p:cNvPr>
+            <p:cNvSpPr/>
+            <p:nvPr/>
+          </p:nvSpPr>
+          <p:spPr>
+            <a:xfrm>
+              <a:off x="662500" y="567436"/>
+              <a:ext cx="3153940" cy="2308324"/>
+            </a:xfrm>
+            <a:prstGeom prst="rect">
+              <a:avLst/>
+            </a:prstGeom>
+          </p:spPr>
+          <p:txBody>
+            <a:bodyPr wrap="none">
+              <a:spAutoFit/>
+            </a:bodyPr>
+            <a:lstStyle/>
+            <a:p>
+              <a:r>
+                <a:rPr lang="en-US" sz="2400" dirty="0">
+                  <a:solidFill>
+                    <a:srgbClr val="A626A4"/>
+                  </a:solidFill>
+                </a:rPr>
+                <a:t>for</a:t>
+              </a:r>
+              <a:r>
+                <a:rPr lang="en-US" sz="2400" dirty="0">
+                  <a:solidFill>
+                    <a:srgbClr val="383A42"/>
+                  </a:solidFill>
+                </a:rPr>
+                <a:t> (</a:t>
+              </a:r>
+              <a:r>
+                <a:rPr lang="en-US" sz="2400" dirty="0">
+                  <a:solidFill>
+                    <a:srgbClr val="A626A4"/>
+                  </a:solidFill>
+                </a:rPr>
+                <a:t>int</a:t>
+              </a:r>
+              <a:r>
+                <a:rPr lang="en-US" sz="2400" dirty="0">
+                  <a:solidFill>
+                    <a:srgbClr val="383A42"/>
+                  </a:solidFill>
+                </a:rPr>
+                <a:t> </a:t>
+              </a:r>
+              <a:r>
+                <a:rPr lang="en-US" sz="2400" dirty="0" err="1">
+                  <a:solidFill>
+                    <a:srgbClr val="383A42"/>
+                  </a:solidFill>
+                </a:rPr>
+                <a:t>i</a:t>
+              </a:r>
+              <a:r>
+                <a:rPr lang="en-US" sz="2400" dirty="0">
+                  <a:solidFill>
+                    <a:srgbClr val="383A42"/>
+                  </a:solidFill>
+                </a:rPr>
+                <a:t> = </a:t>
+              </a:r>
+              <a:r>
+                <a:rPr lang="en-US" sz="2400" dirty="0">
+                  <a:solidFill>
+                    <a:srgbClr val="986801"/>
+                  </a:solidFill>
+                </a:rPr>
+                <a:t>0</a:t>
+              </a:r>
+              <a:r>
+                <a:rPr lang="en-US" sz="2400" dirty="0">
+                  <a:solidFill>
+                    <a:srgbClr val="383A42"/>
+                  </a:solidFill>
+                </a:rPr>
+                <a:t>; </a:t>
+              </a:r>
+              <a:r>
+                <a:rPr lang="en-US" sz="2400" dirty="0" err="1">
+                  <a:solidFill>
+                    <a:srgbClr val="383A42"/>
+                  </a:solidFill>
+                </a:rPr>
+                <a:t>i</a:t>
+              </a:r>
+              <a:r>
+                <a:rPr lang="en-US" sz="2400" dirty="0">
+                  <a:solidFill>
+                    <a:srgbClr val="383A42"/>
+                  </a:solidFill>
+                </a:rPr>
+                <a:t> &lt; </a:t>
+              </a:r>
+              <a:r>
+                <a:rPr lang="en-US" sz="2400" dirty="0">
+                  <a:solidFill>
+                    <a:srgbClr val="986801"/>
+                  </a:solidFill>
+                </a:rPr>
+                <a:t>10</a:t>
+              </a:r>
+              <a:r>
+                <a:rPr lang="en-US" sz="2400" dirty="0">
+                  <a:solidFill>
+                    <a:srgbClr val="383A42"/>
+                  </a:solidFill>
+                </a:rPr>
+                <a:t>; </a:t>
+              </a:r>
+              <a:r>
+                <a:rPr lang="en-US" sz="2400" dirty="0" err="1">
+                  <a:solidFill>
+                    <a:srgbClr val="383A42"/>
+                  </a:solidFill>
+                </a:rPr>
+                <a:t>i</a:t>
+              </a:r>
+              <a:r>
+                <a:rPr lang="en-US" sz="2400" dirty="0">
+                  <a:solidFill>
+                    <a:srgbClr val="383A42"/>
+                  </a:solidFill>
+                </a:rPr>
+                <a:t>++){</a:t>
+              </a:r>
+              <a:endParaRPr lang="ru-RU" sz="2400" dirty="0">
+                <a:solidFill>
+                  <a:srgbClr val="383A42"/>
+                </a:solidFill>
+              </a:endParaRPr>
+            </a:p>
+            <a:p>
+              <a:r>
+                <a:rPr lang="en-US" sz="2400" dirty="0">
+                  <a:solidFill>
+                    <a:srgbClr val="383A42"/>
+                  </a:solidFill>
+                </a:rPr>
+                <a:t>    </a:t>
+              </a:r>
+              <a:r>
+                <a:rPr lang="en-US" sz="2400" dirty="0">
+                  <a:solidFill>
+                    <a:srgbClr val="A626A4"/>
+                  </a:solidFill>
+                </a:rPr>
+                <a:t>if</a:t>
+              </a:r>
+              <a:r>
+                <a:rPr lang="en-US" sz="2400" dirty="0">
+                  <a:solidFill>
+                    <a:srgbClr val="383A42"/>
+                  </a:solidFill>
+                </a:rPr>
+                <a:t> (</a:t>
+              </a:r>
+              <a:r>
+                <a:rPr lang="en-US" sz="2400" dirty="0" err="1">
+                  <a:solidFill>
+                    <a:srgbClr val="383A42"/>
+                  </a:solidFill>
+                </a:rPr>
+                <a:t>i</a:t>
+              </a:r>
+              <a:r>
+                <a:rPr lang="en-US" sz="2400" dirty="0">
+                  <a:solidFill>
+                    <a:srgbClr val="383A42"/>
+                  </a:solidFill>
+                </a:rPr>
+                <a:t> == 5)</a:t>
+              </a:r>
+              <a:endParaRPr lang="ru-RU" sz="2400" dirty="0">
+                <a:solidFill>
+                  <a:srgbClr val="383A42"/>
+                </a:solidFill>
+              </a:endParaRPr>
+            </a:p>
+            <a:p>
+              <a:r>
+                <a:rPr lang="en-US" sz="2400" dirty="0">
+                  <a:solidFill>
+                    <a:srgbClr val="383A42"/>
+                  </a:solidFill>
+                </a:rPr>
+                <a:t>        </a:t>
+              </a:r>
+              <a:r>
+                <a:rPr lang="en-US" sz="2400" dirty="0">
+                  <a:solidFill>
+                    <a:srgbClr val="A626A4"/>
+                  </a:solidFill>
+                </a:rPr>
+                <a:t>break</a:t>
+              </a:r>
+              <a:r>
+                <a:rPr lang="en-US" sz="2400" dirty="0">
+                  <a:solidFill>
+                    <a:srgbClr val="383A42"/>
+                  </a:solidFill>
+                </a:rPr>
+                <a:t>;</a:t>
+              </a:r>
+              <a:endParaRPr lang="ru-RU" sz="2400" dirty="0">
+                <a:solidFill>
+                  <a:srgbClr val="383A42"/>
+                </a:solidFill>
+              </a:endParaRPr>
+            </a:p>
+            <a:p>
+              <a:r>
+                <a:rPr lang="en-US" sz="2400" dirty="0">
+                  <a:solidFill>
+                    <a:srgbClr val="383A42"/>
+                  </a:solidFill>
+                </a:rPr>
+                <a:t>    </a:t>
+              </a:r>
+              <a:r>
+                <a:rPr lang="en-US" sz="2400" dirty="0" err="1">
+                  <a:solidFill>
+                    <a:srgbClr val="383A42"/>
+                  </a:solidFill>
+                </a:rPr>
+                <a:t>System.out.println</a:t>
+              </a:r>
+              <a:r>
+                <a:rPr lang="en-US" sz="2400" dirty="0">
+                  <a:solidFill>
+                    <a:srgbClr val="383A42"/>
+                  </a:solidFill>
+                </a:rPr>
+                <a:t>(</a:t>
+              </a:r>
+              <a:r>
+                <a:rPr lang="en-US" sz="2400" dirty="0" err="1">
+                  <a:solidFill>
+                    <a:srgbClr val="383A42"/>
+                  </a:solidFill>
+                </a:rPr>
+                <a:t>i</a:t>
+              </a:r>
+              <a:r>
+                <a:rPr lang="en-US" sz="2400" dirty="0">
+                  <a:solidFill>
+                    <a:srgbClr val="383A42"/>
+                  </a:solidFill>
+                </a:rPr>
+                <a:t>);</a:t>
+              </a:r>
+              <a:endParaRPr lang="ru-RU" sz="2400" dirty="0">
+                <a:solidFill>
+                  <a:srgbClr val="383A42"/>
+                </a:solidFill>
+              </a:endParaRPr>
+            </a:p>
+            <a:p>
+              <a:r>
+                <a:rPr lang="ru-RU" sz="2400" dirty="0">
+                  <a:solidFill>
+                    <a:srgbClr val="383A42"/>
+                  </a:solidFill>
+                </a:rPr>
+                <a:t>}</a:t>
+              </a:r>
+            </a:p>
+            <a:p>
+              <a:endParaRPr lang="ru-RU" sz="2400" dirty="0"/>
+            </a:p>
+          </p:txBody>
+        </p:sp>
+      </p:grpSp>
+      <p:grpSp>
+        <p:nvGrpSpPr>
+          <p:cNvPr id="8" name="Группа 7">
+            <a:extLst>
+              <a:ext uri="{FF2B5EF4-FFF2-40B4-BE49-F238E27FC236}">
+                <a16:creationId xmlns:a16="http://schemas.microsoft.com/office/drawing/2014/main" id="{FB85D113-D2E4-4619-AC23-6201630AEA42}"/>
+              </a:ext>
+            </a:extLst>
+          </p:cNvPr>
+          <p:cNvGrpSpPr/>
+          <p:nvPr/>
+        </p:nvGrpSpPr>
+        <p:grpSpPr>
+          <a:xfrm>
+            <a:off x="5576627" y="197413"/>
+            <a:ext cx="6353314" cy="3928698"/>
+            <a:chOff x="4244977" y="132025"/>
+            <a:chExt cx="6353314" cy="3928698"/>
+          </a:xfrm>
+        </p:grpSpPr>
+        <p:sp>
+          <p:nvSpPr>
+            <p:cNvPr id="7" name="Прямоугольник 6">
+              <a:extLst>
+                <a:ext uri="{FF2B5EF4-FFF2-40B4-BE49-F238E27FC236}">
+                  <a16:creationId xmlns:a16="http://schemas.microsoft.com/office/drawing/2014/main" id="{089A2522-618B-447F-AF46-208C2ED24011}"/>
+                </a:ext>
+              </a:extLst>
+            </p:cNvPr>
+            <p:cNvSpPr/>
+            <p:nvPr/>
+          </p:nvSpPr>
+          <p:spPr>
+            <a:xfrm>
+              <a:off x="4502291" y="275071"/>
+              <a:ext cx="6096000" cy="3785652"/>
+            </a:xfrm>
+            <a:prstGeom prst="rect">
+              <a:avLst/>
+            </a:prstGeom>
+          </p:spPr>
+          <p:txBody>
+            <a:bodyPr>
+              <a:spAutoFit/>
+            </a:bodyPr>
+            <a:lstStyle/>
+            <a:p>
+              <a:r>
+                <a:rPr lang="ru-RU" sz="2400" dirty="0" err="1">
+                  <a:solidFill>
+                    <a:srgbClr val="FFC000"/>
+                  </a:solidFill>
+                </a:rPr>
+                <a:t>outer</a:t>
+              </a:r>
+              <a:r>
+                <a:rPr lang="ru-RU" sz="2400" dirty="0">
+                  <a:solidFill>
+                    <a:srgbClr val="383A42"/>
+                  </a:solidFill>
+                </a:rPr>
+                <a:t>:</a:t>
+              </a:r>
+              <a:endParaRPr lang="ru-RU" sz="2400" dirty="0">
+                <a:solidFill>
+                  <a:srgbClr val="A626A4"/>
+                </a:solidFill>
+              </a:endParaRPr>
+            </a:p>
+            <a:p>
+              <a:r>
+                <a:rPr lang="ru-RU" sz="2400" dirty="0" err="1">
+                  <a:solidFill>
+                    <a:srgbClr val="A626A4"/>
+                  </a:solidFill>
+                </a:rPr>
+                <a:t>for</a:t>
+              </a:r>
+              <a:r>
+                <a:rPr lang="ru-RU" sz="2400" dirty="0">
+                  <a:solidFill>
+                    <a:srgbClr val="383A42"/>
+                  </a:solidFill>
+                </a:rPr>
+                <a:t> (</a:t>
+              </a:r>
+              <a:r>
+                <a:rPr lang="ru-RU" sz="2400" dirty="0" err="1">
+                  <a:solidFill>
+                    <a:srgbClr val="A626A4"/>
+                  </a:solidFill>
+                </a:rPr>
+                <a:t>int</a:t>
+              </a:r>
+              <a:r>
+                <a:rPr lang="ru-RU" sz="2400" dirty="0">
+                  <a:solidFill>
+                    <a:srgbClr val="383A42"/>
+                  </a:solidFill>
+                </a:rPr>
+                <a:t> i = 1; i &lt; 10; i++) {</a:t>
+              </a:r>
+            </a:p>
+            <a:p>
+              <a:r>
+                <a:rPr lang="ru-RU" sz="2400" dirty="0">
+                  <a:solidFill>
+                    <a:srgbClr val="383A42"/>
+                  </a:solidFill>
+                </a:rPr>
+                <a:t>        </a:t>
+              </a:r>
+              <a:r>
+                <a:rPr lang="ru-RU" sz="2400" dirty="0" err="1">
+                  <a:solidFill>
+                    <a:srgbClr val="A626A4"/>
+                  </a:solidFill>
+                </a:rPr>
+                <a:t>for</a:t>
+              </a:r>
+              <a:r>
+                <a:rPr lang="ru-RU" sz="2400" dirty="0">
+                  <a:solidFill>
+                    <a:srgbClr val="383A42"/>
+                  </a:solidFill>
+                </a:rPr>
+                <a:t> (</a:t>
+              </a:r>
+              <a:r>
+                <a:rPr lang="ru-RU" sz="2400" dirty="0" err="1">
+                  <a:solidFill>
+                    <a:srgbClr val="383A42"/>
+                  </a:solidFill>
+                </a:rPr>
+                <a:t>int</a:t>
+              </a:r>
+              <a:r>
+                <a:rPr lang="ru-RU" sz="2400" dirty="0">
+                  <a:solidFill>
+                    <a:srgbClr val="383A42"/>
+                  </a:solidFill>
+                </a:rPr>
+                <a:t> j = 1; j &lt; 10; j++) {</a:t>
+              </a:r>
+            </a:p>
+            <a:p>
+              <a:r>
+                <a:rPr lang="ru-RU" sz="2400" dirty="0">
+                  <a:solidFill>
+                    <a:srgbClr val="383A42"/>
+                  </a:solidFill>
+                </a:rPr>
+                <a:t>                </a:t>
+              </a:r>
+              <a:r>
+                <a:rPr lang="ru-RU" sz="2400" dirty="0" err="1">
+                  <a:solidFill>
+                    <a:srgbClr val="A626A4"/>
+                  </a:solidFill>
+                </a:rPr>
+                <a:t>if</a:t>
+              </a:r>
+              <a:r>
+                <a:rPr lang="ru-RU" sz="2400" dirty="0">
+                  <a:solidFill>
+                    <a:srgbClr val="383A42"/>
+                  </a:solidFill>
+                </a:rPr>
+                <a:t> (j &gt;= 5) {</a:t>
+              </a:r>
+            </a:p>
+            <a:p>
+              <a:r>
+                <a:rPr lang="ru-RU" sz="2400" dirty="0">
+                  <a:solidFill>
+                    <a:srgbClr val="383A42"/>
+                  </a:solidFill>
+                </a:rPr>
+                <a:t>                    </a:t>
+              </a:r>
+              <a:r>
+                <a:rPr lang="ru-RU" sz="2400" dirty="0" err="1">
+                  <a:solidFill>
+                    <a:srgbClr val="A626A4"/>
+                  </a:solidFill>
+                </a:rPr>
+                <a:t>break</a:t>
+              </a:r>
+              <a:r>
+                <a:rPr lang="ru-RU" sz="2400" dirty="0">
+                  <a:solidFill>
+                    <a:srgbClr val="383A42"/>
+                  </a:solidFill>
+                </a:rPr>
+                <a:t> </a:t>
+              </a:r>
+              <a:r>
+                <a:rPr lang="ru-RU" sz="2400" dirty="0" err="1">
+                  <a:solidFill>
+                    <a:srgbClr val="FFC000"/>
+                  </a:solidFill>
+                </a:rPr>
+                <a:t>outer</a:t>
+              </a:r>
+              <a:r>
+                <a:rPr lang="ru-RU" sz="2400" dirty="0">
+                  <a:solidFill>
+                    <a:srgbClr val="383A42"/>
+                  </a:solidFill>
+                </a:rPr>
+                <a:t>;</a:t>
+              </a:r>
+            </a:p>
+            <a:p>
+              <a:r>
+                <a:rPr lang="ru-RU" sz="2400" dirty="0">
+                  <a:solidFill>
+                    <a:srgbClr val="383A42"/>
+                  </a:solidFill>
+                </a:rPr>
+                <a:t>                }</a:t>
+              </a:r>
+            </a:p>
+            <a:p>
+              <a:r>
+                <a:rPr lang="ru-RU" sz="2400" dirty="0">
+                  <a:solidFill>
+                    <a:srgbClr val="383A42"/>
+                  </a:solidFill>
+                </a:rPr>
+                <a:t>                </a:t>
+              </a:r>
+              <a:r>
+                <a:rPr lang="ru-RU" sz="2400" dirty="0" err="1">
+                  <a:solidFill>
+                    <a:srgbClr val="383A42"/>
+                  </a:solidFill>
+                </a:rPr>
+                <a:t>System.out.printf</a:t>
+              </a:r>
+              <a:r>
+                <a:rPr lang="ru-RU" sz="2400" dirty="0">
+                  <a:solidFill>
+                    <a:srgbClr val="383A42"/>
+                  </a:solidFill>
+                </a:rPr>
+                <a:t>("%2d ", i * j);</a:t>
+              </a:r>
+            </a:p>
+            <a:p>
+              <a:r>
+                <a:rPr lang="ru-RU" sz="2400" dirty="0">
+                  <a:solidFill>
+                    <a:srgbClr val="383A42"/>
+                  </a:solidFill>
+                </a:rPr>
+                <a:t>            }</a:t>
+              </a:r>
+            </a:p>
+            <a:p>
+              <a:r>
+                <a:rPr lang="ru-RU" sz="2400" dirty="0">
+                  <a:solidFill>
+                    <a:srgbClr val="383A42"/>
+                  </a:solidFill>
+                </a:rPr>
+                <a:t>            </a:t>
+              </a:r>
+              <a:r>
+                <a:rPr lang="ru-RU" sz="2400" dirty="0" err="1">
+                  <a:solidFill>
+                    <a:srgbClr val="383A42"/>
+                  </a:solidFill>
+                </a:rPr>
+                <a:t>System.out.println</a:t>
+              </a:r>
+              <a:r>
+                <a:rPr lang="ru-RU" sz="2400" dirty="0">
+                  <a:solidFill>
+                    <a:srgbClr val="383A42"/>
+                  </a:solidFill>
+                </a:rPr>
+                <a:t>();</a:t>
+              </a:r>
+            </a:p>
+            <a:p>
+              <a:r>
+                <a:rPr lang="ru-RU" sz="2400" dirty="0">
+                  <a:solidFill>
+                    <a:srgbClr val="383A42"/>
+                  </a:solidFill>
+                </a:rPr>
+                <a:t> </a:t>
+              </a:r>
+            </a:p>
+          </p:txBody>
+        </p:sp>
+        <p:sp>
+          <p:nvSpPr>
+            <p:cNvPr id="18" name="Прямоугольник 17">
+              <a:extLst>
+                <a:ext uri="{FF2B5EF4-FFF2-40B4-BE49-F238E27FC236}">
+                  <a16:creationId xmlns:a16="http://schemas.microsoft.com/office/drawing/2014/main" id="{FE1ACE2A-9ECF-4469-9CEA-2D62120B5802}"/>
+                </a:ext>
+              </a:extLst>
+            </p:cNvPr>
+            <p:cNvSpPr/>
+            <p:nvPr/>
+          </p:nvSpPr>
+          <p:spPr>
+            <a:xfrm>
+              <a:off x="4244977" y="132025"/>
+              <a:ext cx="5529338" cy="3703130"/>
+            </a:xfrm>
+            <a:prstGeom prst="rect">
+              <a:avLst/>
+            </a:prstGeom>
+            <a:noFill/>
+            <a:ln w="38100">
+              <a:solidFill>
+                <a:schemeClr val="tx1">
+                  <a:lumMod val="50000"/>
+                  <a:lumOff val="50000"/>
+                </a:schemeClr>
+              </a:solidFill>
+            </a:ln>
+          </p:spPr>
+          <p:style>
+            <a:lnRef idx="2">
+              <a:schemeClr val="accent1">
+                <a:shade val="50000"/>
+              </a:schemeClr>
+            </a:lnRef>
+            <a:fillRef idx="1">
+              <a:schemeClr val="accent1"/>
+            </a:fillRef>
+            <a:effectRef idx="0">
+              <a:schemeClr val="accent1"/>
+            </a:effectRef>
+            <a:fontRef idx="minor">
+              <a:schemeClr val="lt1"/>
+            </a:fontRef>
+          </p:style>
+          <p:txBody>
+            <a:bodyPr rtlCol="0" anchor="ctr"/>
+            <a:lstStyle/>
+            <a:p>
+              <a:pPr algn="ctr"/>
+              <a:endParaRPr lang="ru-RU">
+                <a:noFill/>
+              </a:endParaRPr>
+            </a:p>
+          </p:txBody>
+        </p:sp>
+      </p:grpSp>
+      <mc:AlternateContent xmlns:mc="http://schemas.openxmlformats.org/markup-compatibility/2006" xmlns:pslz="http://schemas.microsoft.com/office/powerpoint/2016/slidezoom">
+        <mc:Choice Requires="pslz">
+          <p:graphicFrame>
+            <p:nvGraphicFramePr>
+              <p:cNvPr id="11" name="Ссылка на слайд 10">
+                <a:extLst>
+                  <a:ext uri="{FF2B5EF4-FFF2-40B4-BE49-F238E27FC236}">
+                    <a16:creationId xmlns:a16="http://schemas.microsoft.com/office/drawing/2014/main" id="{B6CE65B7-5224-4CAC-9AF4-24E6E81C3CBC}"/>
+                  </a:ext>
+                </a:extLst>
+              </p:cNvPr>
+              <p:cNvGraphicFramePr>
+                <a:graphicFrameLocks noChangeAspect="1"/>
+              </p:cNvGraphicFramePr>
+              <p:nvPr>
+                <p:extLst>
+                  <p:ext uri="{D42A27DB-BD31-4B8C-83A1-F6EECF244321}">
+                    <p14:modId xmlns:p14="http://schemas.microsoft.com/office/powerpoint/2010/main" val="1226478259"/>
+                  </p:ext>
+                </p:extLst>
+              </p:nvPr>
+            </p:nvGraphicFramePr>
+            <p:xfrm>
+              <a:off x="2698983" y="2174185"/>
+              <a:ext cx="3048000" cy="1714500"/>
+            </p:xfrm>
+            <a:graphic>
+              <a:graphicData uri="http://schemas.microsoft.com/office/powerpoint/2016/slidezoom">
+                <pslz:sldZm>
+                  <pslz:sldZmObj sldId="267" cId="1964814708">
+                    <pslz:zmPr id="{9DA8F92F-D339-49C3-927A-004D2090DD06}" returnToParent="0" transitionDur="1000">
+                      <p166:blipFill xmlns:p166="http://schemas.microsoft.com/office/powerpoint/2016/6/main">
+                        <a:blip r:embed="rId2"/>
+                        <a:stretch>
+                          <a:fillRect/>
+                        </a:stretch>
+                      </p166:blipFill>
+                      <p166:spPr xmlns:p166="http://schemas.microsoft.com/office/powerpoint/2016/6/main">
+                        <a:xfrm>
+                          <a:off x="0" y="0"/>
+                          <a:ext cx="3048000" cy="1714500"/>
+                        </a:xfrm>
+                        <a:prstGeom prst="rect">
+                          <a:avLst/>
+                        </a:prstGeom>
+                        <a:ln w="3175">
+                          <a:solidFill>
+                            <a:prstClr val="ltGray"/>
+                          </a:solidFill>
+                        </a:ln>
+                      </p166:spPr>
+                    </pslz:zmPr>
+                  </pslz:sldZmObj>
+                </pslz:sldZm>
+              </a:graphicData>
+            </a:graphic>
+          </p:graphicFrame>
+        </mc:Choice>
+        <mc:Fallback xmlns="">
+          <p:pic>
+            <p:nvPicPr>
+              <p:cNvPr id="11" name="Ссылка на слайд 10">
+                <a:hlinkClick r:id="rId3" action="ppaction://hlinksldjump"/>
+                <a:extLst>
+                  <a:ext uri="{FF2B5EF4-FFF2-40B4-BE49-F238E27FC236}">
+                    <a16:creationId xmlns:a16="http://schemas.microsoft.com/office/drawing/2014/main" id="{B6CE65B7-5224-4CAC-9AF4-24E6E81C3CBC}"/>
+                  </a:ext>
+                </a:extLst>
+              </p:cNvPr>
+              <p:cNvPicPr>
+                <a:picLocks noGrp="1" noRot="1" noChangeAspect="1" noMove="1" noResize="1" noEditPoints="1" noAdjustHandles="1" noChangeArrowheads="1" noChangeShapeType="1"/>
+              </p:cNvPicPr>
+              <p:nvPr/>
+            </p:nvPicPr>
+            <p:blipFill>
+              <a:blip r:embed="rId4"/>
+              <a:stretch>
+                <a:fillRect/>
+              </a:stretch>
+            </p:blipFill>
+            <p:spPr>
+              <a:xfrm>
+                <a:off x="2698983" y="2174185"/>
+                <a:ext cx="3048000" cy="1714500"/>
+              </a:xfrm>
+              <a:prstGeom prst="rect">
+                <a:avLst/>
+              </a:prstGeom>
+              <a:ln w="3175">
+                <a:solidFill>
+                  <a:prstClr val="ltGray"/>
+                </a:solidFill>
+              </a:ln>
+            </p:spPr>
+          </p:pic>
+        </mc:Fallback>
+      </mc:AlternateContent>
+    </p:spTree>
+    <p:extLst>
+      <p:ext uri="{BB962C8B-B14F-4D97-AF65-F5344CB8AC3E}">
+        <p14:creationId xmlns:p14="http://schemas.microsoft.com/office/powerpoint/2010/main" val="1988171405"/>
+      </p:ext>
+    </p:extLst>
+  </p:cSld>
+  <p:clrMapOvr>
+    <a:masterClrMapping/>
+  </p:clrMapOvr>
+</p:sld>
+</file>
+
+<file path=ppt/slides/slide9.xml><?xml version="1.0" encoding="utf-8"?>
+<p:sld xmlns:a="http://schemas.openxmlformats.org/drawingml/2006/main" xmlns:r="http://schemas.openxmlformats.org/officeDocument/2006/relationships" xmlns:p="http://schemas.openxmlformats.org/presentationml/2006/main">
+  <p:cSld>
+    <p:bg>
+      <p:bgPr>
+        <a:solidFill>
+          <a:schemeClr val="bg1"/>
+        </a:solidFill>
+        <a:effectLst/>
+      </p:bgPr>
+    </p:bg>
+    <p:spTree>
+      <p:nvGrpSpPr>
+        <p:cNvPr id="1" name=""/>
+        <p:cNvGrpSpPr/>
+        <p:nvPr/>
+      </p:nvGrpSpPr>
+      <p:grpSpPr>
+        <a:xfrm>
+          <a:off x="0" y="0"/>
+          <a:ext cx="0" cy="0"/>
+          <a:chOff x="0" y="0"/>
+          <a:chExt cx="0" cy="0"/>
+        </a:xfrm>
+      </p:grpSpPr>
+      <p:sp>
+        <p:nvSpPr>
+          <p:cNvPr id="71" name="Rectangle 70">
+            <a:extLst>
+              <a:ext uri="{FF2B5EF4-FFF2-40B4-BE49-F238E27FC236}">
+                <a16:creationId xmlns:a16="http://schemas.microsoft.com/office/drawing/2014/main" id="{2ABBB681-F4D2-40F2-ACC3-DE0B4B4880EF}"/>
+              </a:ext>
+              <a:ext uri="{C183D7F6-B498-43B3-948B-1728B52AA6E4}">
+                <adec:decorative xmlns:adec="http://schemas.microsoft.com/office/drawing/2017/decorative" val="1"/>
+              </a:ext>
+            </a:extLst>
+          </p:cNvPr>
+          <p:cNvSpPr>
+            <a:spLocks noGrp="1" noRot="1" noChangeAspect="1" noMove="1" noResize="1" noEditPoints="1" noAdjustHandles="1" noChangeArrowheads="1" noChangeShapeType="1" noTextEdit="1"/>
+          </p:cNvSpPr>
+          <p:nvPr>
+            <p:extLst>
+              <p:ext uri="{386F3935-93C4-4BCD-93E2-E3B085C9AB24}">
+                <p16:designElem xmlns:p16="http://schemas.microsoft.com/office/powerpoint/2015/main" val="1"/>
+              </p:ext>
+            </p:extLst>
+          </p:nvPr>
+        </p:nvSpPr>
+        <p:spPr>
+          <a:xfrm>
+            <a:off x="0" y="0"/>
+            <a:ext cx="12192000" cy="6858000"/>
+          </a:xfrm>
+          <a:prstGeom prst="rect">
+            <a:avLst/>
+          </a:prstGeom>
+          <a:solidFill>
+            <a:srgbClr val="5D5548"/>
+          </a:solidFill>
+          <a:ln>
+            <a:noFill/>
+          </a:ln>
+        </p:spPr>
+        <p:style>
+          <a:lnRef idx="2">
+            <a:schemeClr val="accent1">
+              <a:shade val="50000"/>
+            </a:schemeClr>
+          </a:lnRef>
+          <a:fillRef idx="1">
+            <a:schemeClr val="accent1"/>
+          </a:fillRef>
+          <a:effectRef idx="0">
+            <a:schemeClr val="accent1"/>
+          </a:effectRef>
+          <a:fontRef idx="minor">
+            <a:schemeClr val="lt1"/>
+          </a:fontRef>
+        </p:style>
+        <p:txBody>
+          <a:bodyPr rtlCol="0" anchor="ctr"/>
+          <a:lstStyle/>
+          <a:p>
+            <a:pPr algn="ctr"/>
+            <a:endParaRPr lang="en-US"/>
+          </a:p>
+        </p:txBody>
+      </p:sp>
+      <p:sp>
+        <p:nvSpPr>
+          <p:cNvPr id="73" name="Rectangle 72">
+            <a:extLst>
+              <a:ext uri="{FF2B5EF4-FFF2-40B4-BE49-F238E27FC236}">
+                <a16:creationId xmlns:a16="http://schemas.microsoft.com/office/drawing/2014/main" id="{09388ED0-1FEF-4E11-B488-BD661D1AC1A6}"/>
+              </a:ext>
+              <a:ext uri="{C183D7F6-B498-43B3-948B-1728B52AA6E4}">
+                <adec:decorative xmlns:adec="http://schemas.microsoft.com/office/drawing/2017/decorative" val="1"/>
+              </a:ext>
+            </a:extLst>
+          </p:cNvPr>
+          <p:cNvSpPr>
+            <a:spLocks noGrp="1" noRot="1" noChangeAspect="1" noMove="1" noResize="1" noEditPoints="1" noAdjustHandles="1" noChangeArrowheads="1" noChangeShapeType="1" noTextEdit="1"/>
+          </p:cNvSpPr>
+          <p:nvPr>
+            <p:extLst>
+              <p:ext uri="{386F3935-93C4-4BCD-93E2-E3B085C9AB24}">
+                <p16:designElem xmlns:p16="http://schemas.microsoft.com/office/powerpoint/2015/main" val="1"/>
+              </p:ext>
+            </p:extLst>
+          </p:nvPr>
+        </p:nvSpPr>
+        <p:spPr>
+          <a:xfrm>
+            <a:off x="477012" y="458470"/>
+            <a:ext cx="11237976" cy="5897880"/>
+          </a:xfrm>
+          <a:prstGeom prst="rect">
+            <a:avLst/>
+          </a:prstGeom>
+          <a:solidFill>
+            <a:srgbClr val="FFFFFF"/>
+          </a:solidFill>
+          <a:ln>
+            <a:solidFill>
+              <a:srgbClr val="FFFFFF"/>
+            </a:solidFill>
+          </a:ln>
+        </p:spPr>
+        <p:style>
+          <a:lnRef idx="2">
+            <a:schemeClr val="accent1">
+              <a:shade val="50000"/>
+            </a:schemeClr>
+          </a:lnRef>
+          <a:fillRef idx="1">
+            <a:schemeClr val="accent1"/>
+          </a:fillRef>
+          <a:effectRef idx="0">
+            <a:schemeClr val="accent1"/>
+          </a:effectRef>
+          <a:fontRef idx="minor">
+            <a:schemeClr val="lt1"/>
+          </a:fontRef>
+        </p:style>
+        <p:txBody>
+          <a:bodyPr rtlCol="0" anchor="ctr"/>
+          <a:lstStyle/>
+          <a:p>
+            <a:pPr algn="ctr"/>
+            <a:endParaRPr lang="en-US"/>
+          </a:p>
+        </p:txBody>
+      </p:sp>
+      <p:pic>
+        <p:nvPicPr>
+          <p:cNvPr id="15" name="Picture 4" descr="Руководство Android UI Layouts">
+            <a:extLst>
+              <a:ext uri="{FF2B5EF4-FFF2-40B4-BE49-F238E27FC236}">
+                <a16:creationId xmlns:a16="http://schemas.microsoft.com/office/drawing/2014/main" id="{41B6A995-4C4A-4A3D-82F7-07F48156FE32}"/>
+              </a:ext>
+            </a:extLst>
+          </p:cNvPr>
+          <p:cNvPicPr>
+            <a:picLocks noChangeAspect="1" noChangeArrowheads="1"/>
+          </p:cNvPicPr>
+          <p:nvPr/>
+        </p:nvPicPr>
+        <p:blipFill rotWithShape="1">
+          <a:blip r:embed="rId2">
+            <a:extLst>
+              <a:ext uri="{28A0092B-C50C-407E-A947-70E740481C1C}">
+                <a14:useLocalDpi xmlns:a14="http://schemas.microsoft.com/office/drawing/2010/main" val="0"/>
+              </a:ext>
+            </a:extLst>
+          </a:blip>
+          <a:srcRect t="10380"/>
+          <a:stretch/>
+        </p:blipFill>
+        <p:spPr bwMode="auto">
+          <a:xfrm>
+            <a:off x="2242744" y="1290169"/>
+            <a:ext cx="8113832" cy="4871984"/>
+          </a:xfrm>
+          <a:prstGeom prst="rect">
+            <a:avLst/>
+          </a:prstGeom>
+          <a:noFill/>
+          <a:extLst>
+            <a:ext uri="{909E8E84-426E-40DD-AFC4-6F175D3DCCD1}">
+              <a14:hiddenFill xmlns:a14="http://schemas.microsoft.com/office/drawing/2010/main">
+                <a:solidFill>
+                  <a:srgbClr val="FFFFFF"/>
+                </a:solidFill>
+              </a14:hiddenFill>
+            </a:ext>
+          </a:extLst>
+        </p:spPr>
+      </p:pic>
+      <p:sp>
+        <p:nvSpPr>
+          <p:cNvPr id="18" name="Заголовок 1">
+            <a:extLst>
+              <a:ext uri="{FF2B5EF4-FFF2-40B4-BE49-F238E27FC236}">
+                <a16:creationId xmlns:a16="http://schemas.microsoft.com/office/drawing/2014/main" id="{FD08B607-8650-4E35-930A-FD62D538BA9E}"/>
+              </a:ext>
+            </a:extLst>
+          </p:cNvPr>
+          <p:cNvSpPr>
+            <a:spLocks noGrp="1"/>
+          </p:cNvSpPr>
+          <p:nvPr>
+            <p:ph type="ctrTitle"/>
+          </p:nvPr>
+        </p:nvSpPr>
+        <p:spPr>
+          <a:xfrm>
+            <a:off x="3760520" y="581143"/>
+            <a:ext cx="7848384" cy="514829"/>
+          </a:xfrm>
+        </p:spPr>
+        <p:txBody>
+          <a:bodyPr vert="horz" lIns="91440" tIns="45720" rIns="91440" bIns="45720" rtlCol="0" anchor="b">
+            <a:noAutofit/>
+          </a:bodyPr>
+          <a:lstStyle/>
+          <a:p>
+            <a:r>
+              <a:rPr lang="ru-RU" sz="3200" b="1" dirty="0">
+                <a:solidFill>
+                  <a:schemeClr val="accent5">
+                    <a:lumMod val="75000"/>
+                  </a:schemeClr>
+                </a:solidFill>
+              </a:rPr>
+              <a:t>Иерархия класса </a:t>
+            </a:r>
+            <a:r>
+              <a:rPr lang="en-US" sz="3200" b="1" dirty="0">
+                <a:solidFill>
+                  <a:schemeClr val="accent5">
+                    <a:lumMod val="75000"/>
+                  </a:schemeClr>
+                </a:solidFill>
+              </a:rPr>
+              <a:t>View</a:t>
+            </a:r>
+          </a:p>
+        </p:txBody>
+      </p:sp>
+    </p:spTree>
+    <p:extLst>
+      <p:ext uri="{BB962C8B-B14F-4D97-AF65-F5344CB8AC3E}">
+        <p14:creationId xmlns:p14="http://schemas.microsoft.com/office/powerpoint/2010/main" val="942160310"/>
       </p:ext>
     </p:extLst>
   </p:cSld>

--- a/Samsung/Lesson6/Циклы в Java.pptx
+++ b/Samsung/Lesson6/Циклы в Java.pptx
@@ -15,9 +15,11 @@
     <p:sldId id="263" r:id="rId9"/>
     <p:sldId id="268" r:id="rId10"/>
     <p:sldId id="266" r:id="rId11"/>
-    <p:sldId id="267" r:id="rId12"/>
-    <p:sldId id="269" r:id="rId13"/>
-    <p:sldId id="270" r:id="rId14"/>
+    <p:sldId id="269" r:id="rId12"/>
+    <p:sldId id="274" r:id="rId13"/>
+    <p:sldId id="273" r:id="rId14"/>
+    <p:sldId id="275" r:id="rId15"/>
+    <p:sldId id="272" r:id="rId16"/>
   </p:sldIdLst>
   <p:sldSz cx="12192000" cy="6858000"/>
   <p:notesSz cx="6858000" cy="9144000"/>
@@ -349,7 +351,7 @@
             <a:fld id="{5586B75A-687E-405C-8A0B-8D00578BA2C3}" type="datetimeFigureOut">
               <a:rPr lang="en-US" dirty="0"/>
               <a:pPr/>
-              <a:t>10/6/2020</a:t>
+              <a:t>10/7/2020</a:t>
             </a:fld>
             <a:endParaRPr lang="en-US" dirty="0"/>
           </a:p>
@@ -516,7 +518,7 @@
             <a:fld id="{5586B75A-687E-405C-8A0B-8D00578BA2C3}" type="datetimeFigureOut">
               <a:rPr lang="en-US" dirty="0"/>
               <a:pPr/>
-              <a:t>10/6/2020</a:t>
+              <a:t>10/7/2020</a:t>
             </a:fld>
             <a:endParaRPr lang="en-US" dirty="0"/>
           </a:p>
@@ -693,7 +695,7 @@
             <a:fld id="{5586B75A-687E-405C-8A0B-8D00578BA2C3}" type="datetimeFigureOut">
               <a:rPr lang="en-US" dirty="0"/>
               <a:pPr/>
-              <a:t>10/6/2020</a:t>
+              <a:t>10/7/2020</a:t>
             </a:fld>
             <a:endParaRPr lang="en-US" dirty="0"/>
           </a:p>
@@ -860,7 +862,7 @@
             <a:fld id="{5586B75A-687E-405C-8A0B-8D00578BA2C3}" type="datetimeFigureOut">
               <a:rPr lang="en-US" dirty="0"/>
               <a:pPr/>
-              <a:t>10/6/2020</a:t>
+              <a:t>10/7/2020</a:t>
             </a:fld>
             <a:endParaRPr lang="en-US" dirty="0"/>
           </a:p>
@@ -1115,7 +1117,7 @@
             <a:fld id="{5586B75A-687E-405C-8A0B-8D00578BA2C3}" type="datetimeFigureOut">
               <a:rPr lang="en-US" dirty="0"/>
               <a:pPr/>
-              <a:t>10/6/2020</a:t>
+              <a:t>10/7/2020</a:t>
             </a:fld>
             <a:endParaRPr lang="en-US" dirty="0"/>
           </a:p>
@@ -1400,7 +1402,7 @@
             <a:fld id="{5586B75A-687E-405C-8A0B-8D00578BA2C3}" type="datetimeFigureOut">
               <a:rPr lang="en-US" dirty="0"/>
               <a:pPr/>
-              <a:t>10/6/2020</a:t>
+              <a:t>10/7/2020</a:t>
             </a:fld>
             <a:endParaRPr lang="en-US" dirty="0"/>
           </a:p>
@@ -1839,7 +1841,7 @@
             <a:fld id="{5586B75A-687E-405C-8A0B-8D00578BA2C3}" type="datetimeFigureOut">
               <a:rPr lang="en-US" dirty="0"/>
               <a:pPr/>
-              <a:t>10/6/2020</a:t>
+              <a:t>10/7/2020</a:t>
             </a:fld>
             <a:endParaRPr lang="en-US" dirty="0"/>
           </a:p>
@@ -1954,7 +1956,7 @@
             <a:fld id="{5586B75A-687E-405C-8A0B-8D00578BA2C3}" type="datetimeFigureOut">
               <a:rPr lang="en-US" dirty="0"/>
               <a:pPr/>
-              <a:t>10/6/2020</a:t>
+              <a:t>10/7/2020</a:t>
             </a:fld>
             <a:endParaRPr lang="en-US" dirty="0"/>
           </a:p>
@@ -2046,7 +2048,7 @@
             <a:fld id="{5586B75A-687E-405C-8A0B-8D00578BA2C3}" type="datetimeFigureOut">
               <a:rPr lang="en-US" dirty="0"/>
               <a:pPr/>
-              <a:t>10/6/2020</a:t>
+              <a:t>10/7/2020</a:t>
             </a:fld>
             <a:endParaRPr lang="en-US" dirty="0"/>
           </a:p>
@@ -2331,7 +2333,7 @@
             <a:fld id="{5586B75A-687E-405C-8A0B-8D00578BA2C3}" type="datetimeFigureOut">
               <a:rPr lang="en-US" dirty="0"/>
               <a:pPr/>
-              <a:t>10/6/2020</a:t>
+              <a:t>10/7/2020</a:t>
             </a:fld>
             <a:endParaRPr lang="en-US" dirty="0"/>
           </a:p>
@@ -2601,7 +2603,7 @@
             <a:fld id="{5586B75A-687E-405C-8A0B-8D00578BA2C3}" type="datetimeFigureOut">
               <a:rPr lang="en-US" dirty="0"/>
               <a:pPr/>
-              <a:t>10/6/2020</a:t>
+              <a:t>10/7/2020</a:t>
             </a:fld>
             <a:endParaRPr lang="en-US" dirty="0"/>
           </a:p>
@@ -2895,7 +2897,7 @@
             <a:fld id="{5586B75A-687E-405C-8A0B-8D00578BA2C3}" type="datetimeFigureOut">
               <a:rPr lang="en-US" dirty="0"/>
               <a:pPr/>
-              <a:t>10/6/2020</a:t>
+              <a:t>10/7/2020</a:t>
             </a:fld>
             <a:endParaRPr lang="en-US" dirty="0"/>
           </a:p>
@@ -4140,90 +4142,6 @@
       </p:sp>
       <p:sp>
         <p:nvSpPr>
-          <p:cNvPr id="19" name="Прямоугольник 18">
-            <a:extLst>
-              <a:ext uri="{FF2B5EF4-FFF2-40B4-BE49-F238E27FC236}">
-                <a16:creationId xmlns:a16="http://schemas.microsoft.com/office/drawing/2014/main" id="{0B14D1CB-BBBC-4B99-B4A5-6712E9D47669}"/>
-              </a:ext>
-            </a:extLst>
-          </p:cNvPr>
-          <p:cNvSpPr/>
-          <p:nvPr/>
-        </p:nvSpPr>
-        <p:spPr>
-          <a:xfrm>
-            <a:off x="8984495" y="526474"/>
-            <a:ext cx="2769705" cy="1193242"/>
-          </a:xfrm>
-          <a:prstGeom prst="rect">
-            <a:avLst/>
-          </a:prstGeom>
-        </p:spPr>
-        <p:style>
-          <a:lnRef idx="1">
-            <a:schemeClr val="accent5"/>
-          </a:lnRef>
-          <a:fillRef idx="2">
-            <a:schemeClr val="accent5"/>
-          </a:fillRef>
-          <a:effectRef idx="1">
-            <a:schemeClr val="accent5"/>
-          </a:effectRef>
-          <a:fontRef idx="minor">
-            <a:schemeClr val="dk1"/>
-          </a:fontRef>
-        </p:style>
-        <p:txBody>
-          <a:bodyPr rtlCol="0" anchor="ctr"/>
-          <a:lstStyle/>
-          <a:p>
-            <a:pPr algn="ctr"/>
-            <a:r>
-              <a:rPr lang="ru-RU" sz="3200" b="1" dirty="0">
-                <a:solidFill>
-                  <a:schemeClr val="tx1">
-                    <a:lumMod val="65000"/>
-                    <a:lumOff val="35000"/>
-                  </a:schemeClr>
-                </a:solidFill>
-              </a:rPr>
-              <a:t>Метод </a:t>
-            </a:r>
-            <a:endParaRPr lang="en-US" sz="3200" b="1" dirty="0">
-              <a:solidFill>
-                <a:schemeClr val="tx1">
-                  <a:lumMod val="65000"/>
-                  <a:lumOff val="35000"/>
-                </a:schemeClr>
-              </a:solidFill>
-            </a:endParaRPr>
-          </a:p>
-          <a:p>
-            <a:pPr algn="ctr"/>
-            <a:r>
-              <a:rPr lang="en-US" sz="3200" b="1" dirty="0">
-                <a:solidFill>
-                  <a:schemeClr val="tx1">
-                    <a:lumMod val="65000"/>
-                    <a:lumOff val="35000"/>
-                  </a:schemeClr>
-                </a:solidFill>
-              </a:rPr>
-              <a:t>invalidate()</a:t>
-            </a:r>
-            <a:endParaRPr lang="ru-RU" sz="3200" b="1" dirty="0">
-              <a:solidFill>
-                <a:schemeClr val="tx1">
-                  <a:lumMod val="65000"/>
-                  <a:lumOff val="35000"/>
-                </a:schemeClr>
-              </a:solidFill>
-            </a:endParaRPr>
-          </a:p>
-        </p:txBody>
-      </p:sp>
-      <p:sp>
-        <p:nvSpPr>
           <p:cNvPr id="20" name="Прямоугольник 19">
             <a:extLst>
               <a:ext uri="{FF2B5EF4-FFF2-40B4-BE49-F238E27FC236}">
@@ -4324,45 +4242,6 @@
               </a:ext>
             </a:extLst>
           </p:cNvPr>
-          <p:cNvCxnSpPr/>
-          <p:nvPr/>
-        </p:nvCxnSpPr>
-        <p:spPr>
-          <a:xfrm>
-            <a:off x="7775713" y="1117851"/>
-            <a:ext cx="934278" cy="0"/>
-          </a:xfrm>
-          <a:prstGeom prst="straightConnector1">
-            <a:avLst/>
-          </a:prstGeom>
-          <a:ln>
-            <a:tailEnd type="triangle"/>
-          </a:ln>
-        </p:spPr>
-        <p:style>
-          <a:lnRef idx="3">
-            <a:schemeClr val="dk1"/>
-          </a:lnRef>
-          <a:fillRef idx="0">
-            <a:schemeClr val="dk1"/>
-          </a:fillRef>
-          <a:effectRef idx="2">
-            <a:schemeClr val="dk1"/>
-          </a:effectRef>
-          <a:fontRef idx="minor">
-            <a:schemeClr val="tx1"/>
-          </a:fontRef>
-        </p:style>
-      </p:cxnSp>
-      <p:cxnSp>
-        <p:nvCxnSpPr>
-          <p:cNvPr id="25" name="Прямая со стрелкой 24">
-            <a:extLst>
-              <a:ext uri="{FF2B5EF4-FFF2-40B4-BE49-F238E27FC236}">
-                <a16:creationId xmlns:a16="http://schemas.microsoft.com/office/drawing/2014/main" id="{E1C4304C-6B28-4442-BA8F-6AEA90E069AF}"/>
-              </a:ext>
-            </a:extLst>
-          </p:cNvPr>
           <p:cNvCxnSpPr>
             <a:cxnSpLocks/>
           </p:cNvCxnSpPr>
@@ -4370,8 +4249,8 @@
         </p:nvCxnSpPr>
         <p:spPr>
           <a:xfrm>
-            <a:off x="10260496" y="1826843"/>
-            <a:ext cx="0" cy="787148"/>
+            <a:off x="6069464" y="1847911"/>
+            <a:ext cx="0" cy="735504"/>
           </a:xfrm>
           <a:prstGeom prst="straightConnector1">
             <a:avLst/>
@@ -4409,7 +4288,7 @@
         </p:nvSpPr>
         <p:spPr>
           <a:xfrm>
-            <a:off x="7116915" y="2797257"/>
+            <a:off x="4012471" y="2827082"/>
             <a:ext cx="4590452" cy="1225753"/>
           </a:xfrm>
           <a:prstGeom prst="rect">
@@ -4712,10 +4591,6 @@
             <a:br>
               <a:rPr lang="en-US" sz="3200" b="1" dirty="0"/>
             </a:br>
-            <a:r>
-              <a:rPr lang="en-US" sz="3200" b="1" dirty="0" err="1"/>
-              <a:t>Анимация</a:t>
-            </a:r>
             <a:endParaRPr lang="en-US" sz="3200" b="1" dirty="0"/>
           </a:p>
         </p:txBody>
@@ -4734,8 +4609,8 @@
         </p:nvSpPr>
         <p:spPr>
           <a:xfrm>
-            <a:off x="423805" y="638175"/>
-            <a:ext cx="6096000" cy="3046988"/>
+            <a:off x="423805" y="1428965"/>
+            <a:ext cx="6096000" cy="1938992"/>
           </a:xfrm>
           <a:prstGeom prst="rect">
             <a:avLst/>
@@ -4850,650 +4725,6 @@
               </a:solidFill>
               <a:latin typeface="SFMono-Regular"/>
             </a:endParaRPr>
-          </a:p>
-          <a:p>
-            <a:r>
-              <a:rPr lang="ru-RU" sz="2400" dirty="0">
-                <a:solidFill>
-                  <a:srgbClr val="383A42"/>
-                </a:solidFill>
-                <a:latin typeface="SFMono-Regular"/>
-              </a:rPr>
-              <a:t> </a:t>
-            </a:r>
-            <a:r>
-              <a:rPr lang="en-US" sz="2400" dirty="0">
-                <a:solidFill>
-                  <a:srgbClr val="383A42"/>
-                </a:solidFill>
-                <a:latin typeface="SFMono-Regular"/>
-              </a:rPr>
-              <a:t>  </a:t>
-            </a:r>
-            <a:r>
-              <a:rPr lang="ru-RU" sz="2400" i="1" dirty="0">
-                <a:solidFill>
-                  <a:srgbClr val="A0A1A7"/>
-                </a:solidFill>
-                <a:latin typeface="SFMono-Regular"/>
-              </a:rPr>
-              <a:t>//...</a:t>
-            </a:r>
-            <a:r>
-              <a:rPr lang="ru-RU" sz="2400" dirty="0">
-                <a:solidFill>
-                  <a:srgbClr val="383A42"/>
-                </a:solidFill>
-                <a:latin typeface="SFMono-Regular"/>
-              </a:rPr>
-              <a:t>   </a:t>
-            </a:r>
-            <a:endParaRPr lang="en-US" sz="2400" dirty="0">
-              <a:solidFill>
-                <a:srgbClr val="383A42"/>
-              </a:solidFill>
-              <a:latin typeface="SFMono-Regular"/>
-            </a:endParaRPr>
-          </a:p>
-          <a:p>
-            <a:r>
-              <a:rPr lang="en-US" sz="2400" i="1" dirty="0">
-                <a:solidFill>
-                  <a:srgbClr val="A0A1A7"/>
-                </a:solidFill>
-                <a:latin typeface="SFMono-Regular"/>
-              </a:rPr>
-              <a:t>   </a:t>
-            </a:r>
-            <a:r>
-              <a:rPr lang="ru-RU" sz="2400" i="1" dirty="0">
-                <a:solidFill>
-                  <a:srgbClr val="A0A1A7"/>
-                </a:solidFill>
-                <a:latin typeface="SFMono-Regular"/>
-              </a:rPr>
-              <a:t>// заказ на перерисовку</a:t>
-            </a:r>
-            <a:endParaRPr lang="en-US" sz="2400" i="1" dirty="0">
-              <a:solidFill>
-                <a:srgbClr val="A0A1A7"/>
-              </a:solidFill>
-              <a:latin typeface="SFMono-Regular"/>
-            </a:endParaRPr>
-          </a:p>
-          <a:p>
-            <a:r>
-              <a:rPr lang="ru-RU" sz="2400" i="1" dirty="0">
-                <a:solidFill>
-                  <a:srgbClr val="A0A1A7"/>
-                </a:solidFill>
-                <a:latin typeface="SFMono-Regular"/>
-              </a:rPr>
-              <a:t> </a:t>
-            </a:r>
-            <a:r>
-              <a:rPr lang="en-US" sz="2400" i="1" dirty="0">
-                <a:solidFill>
-                  <a:srgbClr val="A0A1A7"/>
-                </a:solidFill>
-                <a:latin typeface="SFMono-Regular"/>
-              </a:rPr>
-              <a:t>  </a:t>
-            </a:r>
-            <a:r>
-              <a:rPr lang="en-US" sz="2400" dirty="0">
-                <a:solidFill>
-                  <a:srgbClr val="383A42"/>
-                </a:solidFill>
-                <a:latin typeface="SFMono-Regular"/>
-              </a:rPr>
-              <a:t>invalidate();</a:t>
-            </a:r>
-          </a:p>
-          <a:p>
-            <a:r>
-              <a:rPr lang="en-US" sz="2400" dirty="0">
-                <a:solidFill>
-                  <a:srgbClr val="383A42"/>
-                </a:solidFill>
-                <a:latin typeface="SFMono-Regular"/>
-              </a:rPr>
-              <a:t>}</a:t>
-            </a:r>
-            <a:endParaRPr lang="ru-RU" sz="2400" dirty="0"/>
-          </a:p>
-        </p:txBody>
-      </p:sp>
-      <p:sp>
-        <p:nvSpPr>
-          <p:cNvPr id="4" name="Прямоугольник 3">
-            <a:extLst>
-              <a:ext uri="{FF2B5EF4-FFF2-40B4-BE49-F238E27FC236}">
-                <a16:creationId xmlns:a16="http://schemas.microsoft.com/office/drawing/2014/main" id="{8FD1D270-FF04-4363-BEE2-EA5E4BA06ECA}"/>
-              </a:ext>
-            </a:extLst>
-          </p:cNvPr>
-          <p:cNvSpPr/>
-          <p:nvPr/>
-        </p:nvSpPr>
-        <p:spPr>
-          <a:xfrm>
-            <a:off x="4800865" y="4690051"/>
-            <a:ext cx="7116417" cy="1200329"/>
-          </a:xfrm>
-          <a:prstGeom prst="rect">
-            <a:avLst/>
-          </a:prstGeom>
-        </p:spPr>
-        <p:txBody>
-          <a:bodyPr wrap="square">
-            <a:spAutoFit/>
-          </a:bodyPr>
-          <a:lstStyle/>
-          <a:p>
-            <a:r>
-              <a:rPr lang="ru-RU" sz="2400" dirty="0"/>
-              <a:t>Аннотация </a:t>
-            </a:r>
-            <a:r>
-              <a:rPr lang="ru-RU" sz="2400" dirty="0">
-                <a:solidFill>
-                  <a:schemeClr val="accent2">
-                    <a:lumMod val="60000"/>
-                    <a:lumOff val="40000"/>
-                  </a:schemeClr>
-                </a:solidFill>
-              </a:rPr>
-              <a:t>@</a:t>
-            </a:r>
-            <a:r>
-              <a:rPr lang="ru-RU" sz="2400" dirty="0" err="1">
-                <a:solidFill>
-                  <a:schemeClr val="accent2">
-                    <a:lumMod val="60000"/>
-                    <a:lumOff val="40000"/>
-                  </a:schemeClr>
-                </a:solidFill>
-              </a:rPr>
-              <a:t>Override</a:t>
-            </a:r>
-            <a:r>
-              <a:rPr lang="ru-RU" sz="2400" dirty="0">
-                <a:solidFill>
-                  <a:schemeClr val="accent2">
-                    <a:lumMod val="60000"/>
-                    <a:lumOff val="40000"/>
-                  </a:schemeClr>
-                </a:solidFill>
-              </a:rPr>
-              <a:t> </a:t>
-            </a:r>
-            <a:r>
-              <a:rPr lang="ru-RU" sz="2400" dirty="0"/>
-              <a:t>перед объявлением метода означает, что мы хотим изменить стандартный базовый метод, который написан разработчиками</a:t>
-            </a:r>
-          </a:p>
-        </p:txBody>
-      </p:sp>
-    </p:spTree>
-    <p:extLst>
-      <p:ext uri="{BB962C8B-B14F-4D97-AF65-F5344CB8AC3E}">
-        <p14:creationId xmlns:p14="http://schemas.microsoft.com/office/powerpoint/2010/main" val="1964814708"/>
-      </p:ext>
-    </p:extLst>
-  </p:cSld>
-  <p:clrMapOvr>
-    <a:masterClrMapping/>
-  </p:clrMapOvr>
-</p:sld>
-</file>
-
-<file path=ppt/slides/slide12.xml><?xml version="1.0" encoding="utf-8"?>
-<p:sld xmlns:a="http://schemas.openxmlformats.org/drawingml/2006/main" xmlns:r="http://schemas.openxmlformats.org/officeDocument/2006/relationships" xmlns:p="http://schemas.openxmlformats.org/presentationml/2006/main">
-  <p:cSld>
-    <p:bg>
-      <p:bgPr>
-        <a:solidFill>
-          <a:schemeClr val="bg1"/>
-        </a:solidFill>
-        <a:effectLst/>
-      </p:bgPr>
-    </p:bg>
-    <p:spTree>
-      <p:nvGrpSpPr>
-        <p:cNvPr id="1" name=""/>
-        <p:cNvGrpSpPr/>
-        <p:nvPr/>
-      </p:nvGrpSpPr>
-      <p:grpSpPr>
-        <a:xfrm>
-          <a:off x="0" y="0"/>
-          <a:ext cx="0" cy="0"/>
-          <a:chOff x="0" y="0"/>
-          <a:chExt cx="0" cy="0"/>
-        </a:xfrm>
-      </p:grpSpPr>
-      <p:sp useBgFill="1">
-        <p:nvSpPr>
-          <p:cNvPr id="135" name="Rectangle 134">
-            <a:extLst>
-              <a:ext uri="{FF2B5EF4-FFF2-40B4-BE49-F238E27FC236}">
-                <a16:creationId xmlns:a16="http://schemas.microsoft.com/office/drawing/2014/main" id="{9203ABB4-7E2A-4248-9FE7-4A419AFF2F17}"/>
-              </a:ext>
-              <a:ext uri="{C183D7F6-B498-43B3-948B-1728B52AA6E4}">
-                <adec:decorative xmlns:adec="http://schemas.microsoft.com/office/drawing/2017/decorative" val="1"/>
-              </a:ext>
-            </a:extLst>
-          </p:cNvPr>
-          <p:cNvSpPr>
-            <a:spLocks noGrp="1" noRot="1" noChangeAspect="1" noMove="1" noResize="1" noEditPoints="1" noAdjustHandles="1" noChangeArrowheads="1" noChangeShapeType="1" noTextEdit="1"/>
-          </p:cNvSpPr>
-          <p:nvPr>
-            <p:extLst>
-              <p:ext uri="{386F3935-93C4-4BCD-93E2-E3B085C9AB24}">
-                <p16:designElem xmlns:p16="http://schemas.microsoft.com/office/powerpoint/2015/main" val="1"/>
-              </p:ext>
-            </p:extLst>
-          </p:nvPr>
-        </p:nvSpPr>
-        <p:spPr>
-          <a:xfrm>
-            <a:off x="0" y="0"/>
-            <a:ext cx="12191999" cy="6858000"/>
-          </a:xfrm>
-          <a:prstGeom prst="rect">
-            <a:avLst/>
-          </a:prstGeom>
-          <a:ln>
-            <a:noFill/>
-          </a:ln>
-        </p:spPr>
-        <p:style>
-          <a:lnRef idx="2">
-            <a:schemeClr val="accent1">
-              <a:shade val="50000"/>
-            </a:schemeClr>
-          </a:lnRef>
-          <a:fillRef idx="1">
-            <a:schemeClr val="accent1"/>
-          </a:fillRef>
-          <a:effectRef idx="0">
-            <a:schemeClr val="accent1"/>
-          </a:effectRef>
-          <a:fontRef idx="minor">
-            <a:schemeClr val="lt1"/>
-          </a:fontRef>
-        </p:style>
-        <p:txBody>
-          <a:bodyPr rtlCol="0" anchor="ctr"/>
-          <a:lstStyle/>
-          <a:p>
-            <a:pPr algn="ctr"/>
-            <a:endParaRPr lang="en-US"/>
-          </a:p>
-        </p:txBody>
-      </p:sp>
-      <p:sp>
-        <p:nvSpPr>
-          <p:cNvPr id="137" name="Rectangle 136">
-            <a:extLst>
-              <a:ext uri="{FF2B5EF4-FFF2-40B4-BE49-F238E27FC236}">
-                <a16:creationId xmlns:a16="http://schemas.microsoft.com/office/drawing/2014/main" id="{3126970D-C1E5-4FB1-84E8-86CB9CED1C80}"/>
-              </a:ext>
-              <a:ext uri="{C183D7F6-B498-43B3-948B-1728B52AA6E4}">
-                <adec:decorative xmlns:adec="http://schemas.microsoft.com/office/drawing/2017/decorative" val="1"/>
-              </a:ext>
-            </a:extLst>
-          </p:cNvPr>
-          <p:cNvSpPr>
-            <a:spLocks noGrp="1" noRot="1" noChangeAspect="1" noMove="1" noResize="1" noEditPoints="1" noAdjustHandles="1" noChangeArrowheads="1" noChangeShapeType="1" noTextEdit="1"/>
-          </p:cNvSpPr>
-          <p:nvPr>
-            <p:extLst>
-              <p:ext uri="{386F3935-93C4-4BCD-93E2-E3B085C9AB24}">
-                <p16:designElem xmlns:p16="http://schemas.microsoft.com/office/powerpoint/2015/main" val="1"/>
-              </p:ext>
-            </p:extLst>
-          </p:nvPr>
-        </p:nvSpPr>
-        <p:spPr>
-          <a:xfrm>
-            <a:off x="0" y="4367639"/>
-            <a:ext cx="11707367" cy="1852186"/>
-          </a:xfrm>
-          <a:prstGeom prst="rect">
-            <a:avLst/>
-          </a:prstGeom>
-          <a:solidFill>
-            <a:schemeClr val="accent1"/>
-          </a:solidFill>
-          <a:ln>
-            <a:noFill/>
-          </a:ln>
-        </p:spPr>
-        <p:style>
-          <a:lnRef idx="2">
-            <a:schemeClr val="accent1">
-              <a:shade val="50000"/>
-            </a:schemeClr>
-          </a:lnRef>
-          <a:fillRef idx="1">
-            <a:schemeClr val="accent1"/>
-          </a:fillRef>
-          <a:effectRef idx="0">
-            <a:schemeClr val="accent1"/>
-          </a:effectRef>
-          <a:fontRef idx="minor">
-            <a:schemeClr val="lt1"/>
-          </a:fontRef>
-        </p:style>
-      </p:sp>
-      <p:sp>
-        <p:nvSpPr>
-          <p:cNvPr id="28" name="Заголовок 1">
-            <a:extLst>
-              <a:ext uri="{FF2B5EF4-FFF2-40B4-BE49-F238E27FC236}">
-                <a16:creationId xmlns:a16="http://schemas.microsoft.com/office/drawing/2014/main" id="{A1800B60-BA5D-4BD9-AAE0-43620F882506}"/>
-              </a:ext>
-            </a:extLst>
-          </p:cNvPr>
-          <p:cNvSpPr txBox="1">
-            <a:spLocks/>
-          </p:cNvSpPr>
-          <p:nvPr/>
-        </p:nvSpPr>
-        <p:spPr>
-          <a:xfrm>
-            <a:off x="274718" y="4690051"/>
-            <a:ext cx="10210862" cy="1293305"/>
-          </a:xfrm>
-          <a:prstGeom prst="rect">
-            <a:avLst/>
-          </a:prstGeom>
-        </p:spPr>
-        <p:txBody>
-          <a:bodyPr vert="horz" lIns="91440" tIns="45720" rIns="91440" bIns="45720" rtlCol="0" anchor="b">
-            <a:normAutofit fontScale="92500" lnSpcReduction="10000"/>
-          </a:bodyPr>
-          <a:lstStyle>
-            <a:lvl1pPr algn="l" defTabSz="914400" rtl="0" eaLnBrk="1" latinLnBrk="0" hangingPunct="1">
-              <a:lnSpc>
-                <a:spcPct val="90000"/>
-              </a:lnSpc>
-              <a:spcBef>
-                <a:spcPct val="0"/>
-              </a:spcBef>
-              <a:buNone/>
-              <a:defRPr sz="5900" kern="1200" spc="-100" baseline="0">
-                <a:solidFill>
-                  <a:srgbClr val="FFFFFF"/>
-                </a:solidFill>
-                <a:latin typeface="+mj-lt"/>
-                <a:ea typeface="+mj-ea"/>
-                <a:cs typeface="+mj-cs"/>
-              </a:defRPr>
-            </a:lvl1pPr>
-          </a:lstStyle>
-          <a:p>
-            <a:pPr>
-              <a:spcAft>
-                <a:spcPts val="600"/>
-              </a:spcAft>
-              <a:buClr>
-                <a:schemeClr val="accent1"/>
-              </a:buClr>
-            </a:pPr>
-            <a:r>
-              <a:rPr lang="en-US" sz="3200" b="1" dirty="0"/>
-              <a:t>Android </a:t>
-            </a:r>
-            <a:r>
-              <a:rPr lang="en-US" sz="3200" b="1" dirty="0" err="1"/>
-              <a:t>практикум</a:t>
-            </a:r>
-            <a:br>
-              <a:rPr lang="en-US" sz="3200" b="1" dirty="0"/>
-            </a:br>
-            <a:br>
-              <a:rPr lang="en-US" sz="3200" b="1" dirty="0"/>
-            </a:br>
-            <a:r>
-              <a:rPr lang="en-US" sz="3200" b="1" dirty="0" err="1"/>
-              <a:t>Анимация</a:t>
-            </a:r>
-            <a:endParaRPr lang="en-US" sz="3200" b="1" dirty="0"/>
-          </a:p>
-        </p:txBody>
-      </p:sp>
-      <p:sp>
-        <p:nvSpPr>
-          <p:cNvPr id="2" name="Прямоугольник 1">
-            <a:extLst>
-              <a:ext uri="{FF2B5EF4-FFF2-40B4-BE49-F238E27FC236}">
-                <a16:creationId xmlns:a16="http://schemas.microsoft.com/office/drawing/2014/main" id="{3B398E50-B389-4600-9630-2827F87B8FC9}"/>
-              </a:ext>
-            </a:extLst>
-          </p:cNvPr>
-          <p:cNvSpPr/>
-          <p:nvPr/>
-        </p:nvSpPr>
-        <p:spPr>
-          <a:xfrm>
-            <a:off x="423805" y="638175"/>
-            <a:ext cx="6096000" cy="3046988"/>
-          </a:xfrm>
-          <a:prstGeom prst="rect">
-            <a:avLst/>
-          </a:prstGeom>
-        </p:spPr>
-        <p:txBody>
-          <a:bodyPr>
-            <a:spAutoFit/>
-          </a:bodyPr>
-          <a:lstStyle/>
-          <a:p>
-            <a:r>
-              <a:rPr lang="en-US" sz="2400" dirty="0">
-                <a:solidFill>
-                  <a:schemeClr val="accent2">
-                    <a:lumMod val="60000"/>
-                    <a:lumOff val="40000"/>
-                  </a:schemeClr>
-                </a:solidFill>
-                <a:latin typeface="SFMono-Regular"/>
-              </a:rPr>
-              <a:t>@Override</a:t>
-            </a:r>
-          </a:p>
-          <a:p>
-            <a:r>
-              <a:rPr lang="en-US" sz="2400" dirty="0">
-                <a:solidFill>
-                  <a:srgbClr val="A626A4"/>
-                </a:solidFill>
-                <a:latin typeface="SFMono-Regular"/>
-              </a:rPr>
-              <a:t>protected</a:t>
-            </a:r>
-            <a:r>
-              <a:rPr lang="en-US" sz="2400" dirty="0">
-                <a:solidFill>
-                  <a:srgbClr val="383A42"/>
-                </a:solidFill>
-                <a:latin typeface="SFMono-Regular"/>
-              </a:rPr>
-              <a:t> </a:t>
-            </a:r>
-            <a:r>
-              <a:rPr lang="en-US" sz="2400" dirty="0">
-                <a:solidFill>
-                  <a:srgbClr val="A626A4"/>
-                </a:solidFill>
-                <a:latin typeface="SFMono-Regular"/>
-              </a:rPr>
-              <a:t>void</a:t>
-            </a:r>
-            <a:r>
-              <a:rPr lang="en-US" sz="2400" dirty="0">
-                <a:solidFill>
-                  <a:srgbClr val="383A42"/>
-                </a:solidFill>
-                <a:latin typeface="SFMono-Regular"/>
-              </a:rPr>
-              <a:t> </a:t>
-            </a:r>
-            <a:r>
-              <a:rPr lang="en-US" sz="2400" dirty="0" err="1">
-                <a:solidFill>
-                  <a:srgbClr val="4078F2"/>
-                </a:solidFill>
-                <a:latin typeface="SFMono-Regular"/>
-              </a:rPr>
-              <a:t>onDraw</a:t>
-            </a:r>
-            <a:r>
-              <a:rPr lang="en-US" sz="2400" dirty="0">
-                <a:solidFill>
-                  <a:srgbClr val="383A42"/>
-                </a:solidFill>
-                <a:latin typeface="SFMono-Regular"/>
-              </a:rPr>
-              <a:t>(Canvas canvas) {</a:t>
-            </a:r>
-          </a:p>
-          <a:p>
-            <a:r>
-              <a:rPr lang="en-US" sz="2400" dirty="0">
-                <a:solidFill>
-                  <a:srgbClr val="383A42"/>
-                </a:solidFill>
-                <a:latin typeface="SFMono-Regular"/>
-              </a:rPr>
-              <a:t>   </a:t>
-            </a:r>
-            <a:r>
-              <a:rPr lang="en-US" sz="2400" i="1" dirty="0">
-                <a:solidFill>
-                  <a:srgbClr val="A0A1A7"/>
-                </a:solidFill>
-                <a:latin typeface="SFMono-Regular"/>
-              </a:rPr>
-              <a:t>// </a:t>
-            </a:r>
-            <a:r>
-              <a:rPr lang="ru-RU" sz="2400" i="1" dirty="0">
-                <a:solidFill>
-                  <a:srgbClr val="A0A1A7"/>
-                </a:solidFill>
-                <a:latin typeface="SFMono-Regular"/>
-              </a:rPr>
-              <a:t>здесь располагаются команды рисования</a:t>
-            </a:r>
-            <a:endParaRPr lang="en-US" sz="2400" i="1" dirty="0">
-              <a:solidFill>
-                <a:srgbClr val="A0A1A7"/>
-              </a:solidFill>
-              <a:latin typeface="SFMono-Regular"/>
-            </a:endParaRPr>
-          </a:p>
-          <a:p>
-            <a:r>
-              <a:rPr lang="ru-RU" sz="2400" dirty="0">
-                <a:solidFill>
-                  <a:srgbClr val="383A42"/>
-                </a:solidFill>
-                <a:latin typeface="SFMono-Regular"/>
-              </a:rPr>
-              <a:t> </a:t>
-            </a:r>
-            <a:r>
-              <a:rPr lang="en-US" sz="2400" dirty="0">
-                <a:solidFill>
-                  <a:srgbClr val="383A42"/>
-                </a:solidFill>
-                <a:latin typeface="SFMono-Regular"/>
-              </a:rPr>
-              <a:t>  </a:t>
-            </a:r>
-            <a:r>
-              <a:rPr lang="ru-RU" sz="2400" i="1" dirty="0">
-                <a:solidFill>
-                  <a:srgbClr val="A0A1A7"/>
-                </a:solidFill>
-                <a:latin typeface="SFMono-Regular"/>
-              </a:rPr>
-              <a:t>//...</a:t>
-            </a:r>
-            <a:r>
-              <a:rPr lang="ru-RU" sz="2400" dirty="0">
-                <a:solidFill>
-                  <a:srgbClr val="383A42"/>
-                </a:solidFill>
-                <a:latin typeface="SFMono-Regular"/>
-              </a:rPr>
-              <a:t>   </a:t>
-            </a:r>
-            <a:endParaRPr lang="en-US" sz="2400" dirty="0">
-              <a:solidFill>
-                <a:srgbClr val="383A42"/>
-              </a:solidFill>
-              <a:latin typeface="SFMono-Regular"/>
-            </a:endParaRPr>
-          </a:p>
-          <a:p>
-            <a:r>
-              <a:rPr lang="en-US" sz="2400" i="1" dirty="0">
-                <a:solidFill>
-                  <a:srgbClr val="A0A1A7"/>
-                </a:solidFill>
-                <a:latin typeface="SFMono-Regular"/>
-              </a:rPr>
-              <a:t>   </a:t>
-            </a:r>
-            <a:r>
-              <a:rPr lang="ru-RU" sz="2400" i="1" dirty="0">
-                <a:solidFill>
-                  <a:srgbClr val="A0A1A7"/>
-                </a:solidFill>
-                <a:latin typeface="SFMono-Regular"/>
-              </a:rPr>
-              <a:t>// заказ на перерисовку</a:t>
-            </a:r>
-            <a:endParaRPr lang="en-US" sz="2400" i="1" dirty="0">
-              <a:solidFill>
-                <a:srgbClr val="A0A1A7"/>
-              </a:solidFill>
-              <a:latin typeface="SFMono-Regular"/>
-            </a:endParaRPr>
-          </a:p>
-          <a:p>
-            <a:r>
-              <a:rPr lang="ru-RU" sz="2400" i="1" dirty="0">
-                <a:solidFill>
-                  <a:srgbClr val="A0A1A7"/>
-                </a:solidFill>
-                <a:latin typeface="SFMono-Regular"/>
-              </a:rPr>
-              <a:t> </a:t>
-            </a:r>
-            <a:r>
-              <a:rPr lang="en-US" sz="2400" i="1" dirty="0">
-                <a:solidFill>
-                  <a:srgbClr val="A0A1A7"/>
-                </a:solidFill>
-                <a:latin typeface="SFMono-Regular"/>
-              </a:rPr>
-              <a:t>  </a:t>
-            </a:r>
-            <a:r>
-              <a:rPr lang="en-US" sz="2400" dirty="0">
-                <a:solidFill>
-                  <a:srgbClr val="383A42"/>
-                </a:solidFill>
-                <a:latin typeface="SFMono-Regular"/>
-              </a:rPr>
-              <a:t>invalidate();</a:t>
-            </a:r>
           </a:p>
           <a:p>
             <a:r>
@@ -5685,8 +4916,8 @@
         </p:nvSpPr>
         <p:spPr>
           <a:xfrm>
-            <a:off x="274718" y="323271"/>
-            <a:ext cx="5529338" cy="3703130"/>
+            <a:off x="274718" y="1144458"/>
+            <a:ext cx="5529338" cy="2577973"/>
           </a:xfrm>
           <a:prstGeom prst="rect">
             <a:avLst/>
@@ -5798,7 +5029,7 @@
 </p:sld>
 </file>
 
-<file path=ppt/slides/slide13.xml><?xml version="1.0" encoding="utf-8"?>
+<file path=ppt/slides/slide12.xml><?xml version="1.0" encoding="utf-8"?>
 <p:sld xmlns:a="http://schemas.openxmlformats.org/drawingml/2006/main" xmlns:r="http://schemas.openxmlformats.org/officeDocument/2006/relationships" xmlns:p="http://schemas.openxmlformats.org/presentationml/2006/main">
   <p:cSld>
     <p:bg>
@@ -5823,12 +5054,12 @@
           <a:chExt cx="0" cy="0"/>
         </a:xfrm>
       </p:grpSpPr>
-      <p:sp>
-        <p:nvSpPr>
-          <p:cNvPr id="78" name="Rectangle 77">
+      <p:sp useBgFill="1">
+        <p:nvSpPr>
+          <p:cNvPr id="135" name="Rectangle 134">
             <a:extLst>
               <a:ext uri="{FF2B5EF4-FFF2-40B4-BE49-F238E27FC236}">
-                <a16:creationId xmlns:a16="http://schemas.microsoft.com/office/drawing/2014/main" id="{4F645BF8-7885-4398-80BC-4C0DF24F5CEE}"/>
+                <a16:creationId xmlns:a16="http://schemas.microsoft.com/office/drawing/2014/main" id="{9203ABB4-7E2A-4248-9FE7-4A419AFF2F17}"/>
               </a:ext>
               <a:ext uri="{C183D7F6-B498-43B3-948B-1728B52AA6E4}">
                 <adec:decorative xmlns:adec="http://schemas.microsoft.com/office/drawing/2017/decorative" val="1"/>
@@ -5848,8 +5079,68 @@
         </p:nvSpPr>
         <p:spPr>
           <a:xfrm>
-            <a:off x="1" y="758952"/>
-            <a:ext cx="3443590" cy="5330952"/>
+            <a:off x="0" y="0"/>
+            <a:ext cx="12191999" cy="6858000"/>
+          </a:xfrm>
+          <a:prstGeom prst="rect">
+            <a:avLst/>
+          </a:prstGeom>
+          <a:ln>
+            <a:noFill/>
+          </a:ln>
+        </p:spPr>
+        <p:style>
+          <a:lnRef idx="2">
+            <a:schemeClr val="accent1">
+              <a:shade val="50000"/>
+            </a:schemeClr>
+          </a:lnRef>
+          <a:fillRef idx="1">
+            <a:schemeClr val="accent1"/>
+          </a:fillRef>
+          <a:effectRef idx="0">
+            <a:schemeClr val="accent1"/>
+          </a:effectRef>
+          <a:fontRef idx="minor">
+            <a:schemeClr val="lt1"/>
+          </a:fontRef>
+        </p:style>
+        <p:txBody>
+          <a:bodyPr rtlCol="0" anchor="ctr"/>
+          <a:lstStyle/>
+          <a:p>
+            <a:pPr algn="ctr"/>
+            <a:endParaRPr lang="en-US"/>
+          </a:p>
+        </p:txBody>
+      </p:sp>
+      <p:sp>
+        <p:nvSpPr>
+          <p:cNvPr id="137" name="Rectangle 136">
+            <a:extLst>
+              <a:ext uri="{FF2B5EF4-FFF2-40B4-BE49-F238E27FC236}">
+                <a16:creationId xmlns:a16="http://schemas.microsoft.com/office/drawing/2014/main" id="{3126970D-C1E5-4FB1-84E8-86CB9CED1C80}"/>
+              </a:ext>
+              <a:ext uri="{C183D7F6-B498-43B3-948B-1728B52AA6E4}">
+                <adec:decorative xmlns:adec="http://schemas.microsoft.com/office/drawing/2017/decorative" val="1"/>
+              </a:ext>
+            </a:extLst>
+          </p:cNvPr>
+          <p:cNvSpPr>
+            <a:spLocks noGrp="1" noRot="1" noChangeAspect="1" noMove="1" noResize="1" noEditPoints="1" noAdjustHandles="1" noChangeArrowheads="1" noChangeShapeType="1" noTextEdit="1"/>
+          </p:cNvSpPr>
+          <p:nvPr>
+            <p:extLst>
+              <p:ext uri="{386F3935-93C4-4BCD-93E2-E3B085C9AB24}">
+                <p16:designElem xmlns:p16="http://schemas.microsoft.com/office/powerpoint/2015/main" val="1"/>
+              </p:ext>
+            </p:extLst>
+          </p:nvPr>
+        </p:nvSpPr>
+        <p:spPr>
+          <a:xfrm>
+            <a:off x="0" y="4367639"/>
+            <a:ext cx="11707367" cy="1852186"/>
           </a:xfrm>
           <a:prstGeom prst="rect">
             <a:avLst/>
@@ -5880,10 +5171,2048 @@
       </p:sp>
       <p:sp>
         <p:nvSpPr>
-          <p:cNvPr id="80" name="Rectangle 79">
+          <p:cNvPr id="28" name="Заголовок 1">
             <a:extLst>
               <a:ext uri="{FF2B5EF4-FFF2-40B4-BE49-F238E27FC236}">
-                <a16:creationId xmlns:a16="http://schemas.microsoft.com/office/drawing/2014/main" id="{3212FB65-CD2B-4005-B910-132DCE19FCC7}"/>
+                <a16:creationId xmlns:a16="http://schemas.microsoft.com/office/drawing/2014/main" id="{A1800B60-BA5D-4BD9-AAE0-43620F882506}"/>
+              </a:ext>
+            </a:extLst>
+          </p:cNvPr>
+          <p:cNvSpPr txBox="1">
+            <a:spLocks/>
+          </p:cNvSpPr>
+          <p:nvPr/>
+        </p:nvSpPr>
+        <p:spPr>
+          <a:xfrm>
+            <a:off x="274718" y="4690051"/>
+            <a:ext cx="10210862" cy="1293305"/>
+          </a:xfrm>
+          <a:prstGeom prst="rect">
+            <a:avLst/>
+          </a:prstGeom>
+        </p:spPr>
+        <p:txBody>
+          <a:bodyPr vert="horz" lIns="91440" tIns="45720" rIns="91440" bIns="45720" rtlCol="0" anchor="b">
+            <a:normAutofit fontScale="92500" lnSpcReduction="10000"/>
+          </a:bodyPr>
+          <a:lstStyle>
+            <a:lvl1pPr algn="l" defTabSz="914400" rtl="0" eaLnBrk="1" latinLnBrk="0" hangingPunct="1">
+              <a:lnSpc>
+                <a:spcPct val="90000"/>
+              </a:lnSpc>
+              <a:spcBef>
+                <a:spcPct val="0"/>
+              </a:spcBef>
+              <a:buNone/>
+              <a:defRPr sz="5900" kern="1200" spc="-100" baseline="0">
+                <a:solidFill>
+                  <a:srgbClr val="FFFFFF"/>
+                </a:solidFill>
+                <a:latin typeface="+mj-lt"/>
+                <a:ea typeface="+mj-ea"/>
+                <a:cs typeface="+mj-cs"/>
+              </a:defRPr>
+            </a:lvl1pPr>
+          </a:lstStyle>
+          <a:p>
+            <a:pPr>
+              <a:spcAft>
+                <a:spcPts val="600"/>
+              </a:spcAft>
+              <a:buClr>
+                <a:schemeClr val="accent1"/>
+              </a:buClr>
+            </a:pPr>
+            <a:r>
+              <a:rPr lang="ru-RU" sz="3200" b="1" dirty="0"/>
+              <a:t>Возможности класса </a:t>
+            </a:r>
+            <a:r>
+              <a:rPr lang="en-US" sz="3200" b="1" dirty="0"/>
+              <a:t>Canvas</a:t>
+            </a:r>
+            <a:br>
+              <a:rPr lang="en-US" sz="3200" b="1" dirty="0"/>
+            </a:br>
+            <a:br>
+              <a:rPr lang="en-US" sz="3200" b="1" dirty="0"/>
+            </a:br>
+            <a:endParaRPr lang="en-US" sz="3200" b="1" dirty="0"/>
+          </a:p>
+        </p:txBody>
+      </p:sp>
+      <p:sp>
+        <p:nvSpPr>
+          <p:cNvPr id="2" name="Прямоугольник 1">
+            <a:extLst>
+              <a:ext uri="{FF2B5EF4-FFF2-40B4-BE49-F238E27FC236}">
+                <a16:creationId xmlns:a16="http://schemas.microsoft.com/office/drawing/2014/main" id="{3B398E50-B389-4600-9630-2827F87B8FC9}"/>
+              </a:ext>
+            </a:extLst>
+          </p:cNvPr>
+          <p:cNvSpPr/>
+          <p:nvPr/>
+        </p:nvSpPr>
+        <p:spPr>
+          <a:xfrm>
+            <a:off x="423804" y="638175"/>
+            <a:ext cx="11478470" cy="6370975"/>
+          </a:xfrm>
+          <a:prstGeom prst="rect">
+            <a:avLst/>
+          </a:prstGeom>
+        </p:spPr>
+        <p:txBody>
+          <a:bodyPr wrap="square">
+            <a:spAutoFit/>
+          </a:bodyPr>
+          <a:lstStyle/>
+          <a:p>
+            <a:pPr algn="l">
+              <a:buFont typeface="Arial" panose="020B0604020202020204" pitchFamily="34" charset="0"/>
+              <a:buChar char="•"/>
+            </a:pPr>
+            <a:r>
+              <a:rPr lang="ru-RU" sz="2400" b="0" i="0" u="none" strike="noStrike" dirty="0" err="1">
+                <a:solidFill>
+                  <a:srgbClr val="007BFF"/>
+                </a:solidFill>
+                <a:effectLst/>
+                <a:latin typeface="-apple-system"/>
+                <a:hlinkClick r:id="rId2"/>
+              </a:rPr>
+              <a:t>drawArc</a:t>
+            </a:r>
+            <a:r>
+              <a:rPr lang="ru-RU" sz="2400" b="0" i="0" u="none" strike="noStrike" dirty="0">
+                <a:solidFill>
+                  <a:srgbClr val="007BFF"/>
+                </a:solidFill>
+                <a:effectLst/>
+                <a:latin typeface="-apple-system"/>
+                <a:hlinkClick r:id="rId2"/>
+              </a:rPr>
+              <a:t>()</a:t>
+            </a:r>
+            <a:r>
+              <a:rPr lang="ru-RU" sz="2400" b="0" i="0" dirty="0">
+                <a:solidFill>
+                  <a:srgbClr val="212529"/>
+                </a:solidFill>
+                <a:effectLst/>
+                <a:latin typeface="-apple-system"/>
+              </a:rPr>
+              <a:t>. Рисует дугу между двумя углами внутри заданной прямоугольной области.</a:t>
+            </a:r>
+          </a:p>
+          <a:p>
+            <a:pPr algn="l">
+              <a:buFont typeface="Arial" panose="020B0604020202020204" pitchFamily="34" charset="0"/>
+              <a:buChar char="•"/>
+            </a:pPr>
+            <a:r>
+              <a:rPr lang="ru-RU" sz="2400" b="0" i="0" u="none" strike="noStrike" dirty="0" err="1">
+                <a:solidFill>
+                  <a:srgbClr val="007BFF"/>
+                </a:solidFill>
+                <a:effectLst/>
+                <a:latin typeface="-apple-system"/>
+                <a:hlinkClick r:id="rId3"/>
+              </a:rPr>
+              <a:t>drawBitmap</a:t>
+            </a:r>
+            <a:r>
+              <a:rPr lang="ru-RU" sz="2400" b="0" i="0" u="none" strike="noStrike" dirty="0">
+                <a:solidFill>
+                  <a:srgbClr val="007BFF"/>
+                </a:solidFill>
+                <a:effectLst/>
+                <a:latin typeface="-apple-system"/>
+                <a:hlinkClick r:id="rId3"/>
+              </a:rPr>
+              <a:t>()</a:t>
+            </a:r>
+            <a:r>
+              <a:rPr lang="ru-RU" sz="2400" b="0" i="0" dirty="0">
+                <a:solidFill>
+                  <a:srgbClr val="212529"/>
+                </a:solidFill>
+                <a:effectLst/>
+                <a:latin typeface="-apple-system"/>
+              </a:rPr>
+              <a:t>. Рисует растровое изображение на холсте. Вы можете изменять внешний вид целевой картинки, указывая итоговый размер или используя матрицу для преобразования.</a:t>
+            </a:r>
+          </a:p>
+          <a:p>
+            <a:pPr algn="l">
+              <a:buFont typeface="Arial" panose="020B0604020202020204" pitchFamily="34" charset="0"/>
+              <a:buChar char="•"/>
+            </a:pPr>
+            <a:r>
+              <a:rPr lang="ru-RU" sz="2400" b="0" i="0" u="none" strike="noStrike" dirty="0" err="1">
+                <a:solidFill>
+                  <a:srgbClr val="007BFF"/>
+                </a:solidFill>
+                <a:effectLst/>
+                <a:latin typeface="-apple-system"/>
+                <a:hlinkClick r:id="rId4"/>
+              </a:rPr>
+              <a:t>drawCircle</a:t>
+            </a:r>
+            <a:r>
+              <a:rPr lang="ru-RU" sz="2400" b="0" i="0" u="none" strike="noStrike" dirty="0">
+                <a:solidFill>
+                  <a:srgbClr val="007BFF"/>
+                </a:solidFill>
+                <a:effectLst/>
+                <a:latin typeface="-apple-system"/>
+                <a:hlinkClick r:id="rId4"/>
+              </a:rPr>
+              <a:t>()</a:t>
+            </a:r>
+            <a:r>
+              <a:rPr lang="ru-RU" sz="2400" b="0" i="0" dirty="0">
+                <a:solidFill>
+                  <a:srgbClr val="212529"/>
+                </a:solidFill>
+                <a:effectLst/>
+                <a:latin typeface="-apple-system"/>
+              </a:rPr>
+              <a:t>. Рисует окружность с определенным радиусом вокруг заданной точки.</a:t>
+            </a:r>
+          </a:p>
+          <a:p>
+            <a:pPr algn="l">
+              <a:buFont typeface="Arial" panose="020B0604020202020204" pitchFamily="34" charset="0"/>
+              <a:buChar char="•"/>
+            </a:pPr>
+            <a:r>
+              <a:rPr lang="ru-RU" sz="2400" b="0" i="0" u="none" strike="noStrike" dirty="0" err="1">
+                <a:solidFill>
+                  <a:srgbClr val="007BFF"/>
+                </a:solidFill>
+                <a:effectLst/>
+                <a:latin typeface="-apple-system"/>
+                <a:hlinkClick r:id="rId5"/>
+              </a:rPr>
+              <a:t>drawLine</a:t>
+            </a:r>
+            <a:r>
+              <a:rPr lang="ru-RU" sz="2400" b="0" i="0" u="none" strike="noStrike" dirty="0">
+                <a:solidFill>
+                  <a:srgbClr val="007BFF"/>
+                </a:solidFill>
+                <a:effectLst/>
+                <a:latin typeface="-apple-system"/>
+                <a:hlinkClick r:id="rId5"/>
+              </a:rPr>
+              <a:t>(s)()</a:t>
+            </a:r>
+            <a:r>
+              <a:rPr lang="ru-RU" sz="2400" b="0" i="0" dirty="0">
+                <a:solidFill>
+                  <a:srgbClr val="212529"/>
+                </a:solidFill>
+                <a:effectLst/>
+                <a:latin typeface="-apple-system"/>
+              </a:rPr>
+              <a:t>. Рисует линию (или последовательность линий) между двумя точками.</a:t>
+            </a:r>
+          </a:p>
+          <a:p>
+            <a:pPr algn="l">
+              <a:buFont typeface="Arial" panose="020B0604020202020204" pitchFamily="34" charset="0"/>
+              <a:buChar char="•"/>
+            </a:pPr>
+            <a:r>
+              <a:rPr lang="ru-RU" sz="2400" b="0" i="0" u="none" strike="noStrike" dirty="0" err="1">
+                <a:solidFill>
+                  <a:srgbClr val="007BFF"/>
+                </a:solidFill>
+                <a:effectLst/>
+                <a:latin typeface="-apple-system"/>
+                <a:hlinkClick r:id="rId6"/>
+              </a:rPr>
+              <a:t>drawOval</a:t>
+            </a:r>
+            <a:r>
+              <a:rPr lang="ru-RU" sz="2400" b="0" i="0" u="none" strike="noStrike" dirty="0">
+                <a:solidFill>
+                  <a:srgbClr val="007BFF"/>
+                </a:solidFill>
+                <a:effectLst/>
+                <a:latin typeface="-apple-system"/>
+                <a:hlinkClick r:id="rId6"/>
+              </a:rPr>
+              <a:t>()</a:t>
+            </a:r>
+            <a:r>
+              <a:rPr lang="ru-RU" sz="2400" b="0" i="0" dirty="0">
+                <a:solidFill>
+                  <a:srgbClr val="212529"/>
+                </a:solidFill>
+                <a:effectLst/>
+                <a:latin typeface="-apple-system"/>
+              </a:rPr>
+              <a:t>. Рисует овал на основе прямоугольной области.</a:t>
+            </a:r>
+          </a:p>
+          <a:p>
+            <a:pPr algn="l">
+              <a:buFont typeface="Arial" panose="020B0604020202020204" pitchFamily="34" charset="0"/>
+              <a:buChar char="•"/>
+            </a:pPr>
+            <a:r>
+              <a:rPr lang="ru-RU" sz="2400" b="0" i="0" u="none" strike="noStrike" dirty="0" err="1">
+                <a:solidFill>
+                  <a:srgbClr val="007BFF"/>
+                </a:solidFill>
+                <a:effectLst/>
+                <a:latin typeface="-apple-system"/>
+                <a:hlinkClick r:id="rId7"/>
+              </a:rPr>
+              <a:t>drawPath</a:t>
+            </a:r>
+            <a:r>
+              <a:rPr lang="ru-RU" sz="2400" b="0" i="0" u="none" strike="noStrike" dirty="0">
+                <a:solidFill>
+                  <a:srgbClr val="007BFF"/>
+                </a:solidFill>
+                <a:effectLst/>
+                <a:latin typeface="-apple-system"/>
+                <a:hlinkClick r:id="rId7"/>
+              </a:rPr>
+              <a:t>()</a:t>
+            </a:r>
+            <a:r>
+              <a:rPr lang="ru-RU" sz="2400" b="0" i="0" dirty="0">
+                <a:solidFill>
+                  <a:srgbClr val="212529"/>
+                </a:solidFill>
+                <a:effectLst/>
+                <a:latin typeface="-apple-system"/>
+              </a:rPr>
+              <a:t>. Рисует указанный контур, используется для хранения набора графических примитивов в виде единого объекта.</a:t>
+            </a:r>
+          </a:p>
+          <a:p>
+            <a:pPr algn="l">
+              <a:buFont typeface="Arial" panose="020B0604020202020204" pitchFamily="34" charset="0"/>
+              <a:buChar char="•"/>
+            </a:pPr>
+            <a:r>
+              <a:rPr lang="ru-RU" sz="2400" b="0" i="0" u="none" strike="noStrike" dirty="0" err="1">
+                <a:solidFill>
+                  <a:srgbClr val="007BFF"/>
+                </a:solidFill>
+                <a:effectLst/>
+                <a:latin typeface="-apple-system"/>
+                <a:hlinkClick r:id="rId8"/>
+              </a:rPr>
+              <a:t>drawPoint</a:t>
+            </a:r>
+            <a:r>
+              <a:rPr lang="ru-RU" sz="2400" b="0" i="0" u="none" strike="noStrike" dirty="0">
+                <a:solidFill>
+                  <a:srgbClr val="007BFF"/>
+                </a:solidFill>
+                <a:effectLst/>
+                <a:latin typeface="-apple-system"/>
+                <a:hlinkClick r:id="rId8"/>
+              </a:rPr>
+              <a:t>()</a:t>
+            </a:r>
+            <a:r>
+              <a:rPr lang="ru-RU" sz="2400" b="0" i="0" dirty="0">
+                <a:solidFill>
+                  <a:srgbClr val="212529"/>
+                </a:solidFill>
+                <a:effectLst/>
+                <a:latin typeface="-apple-system"/>
+              </a:rPr>
+              <a:t>. Рисует точку в заданном месте.</a:t>
+            </a:r>
+          </a:p>
+          <a:p>
+            <a:pPr algn="l">
+              <a:buFont typeface="Arial" panose="020B0604020202020204" pitchFamily="34" charset="0"/>
+              <a:buChar char="•"/>
+            </a:pPr>
+            <a:r>
+              <a:rPr lang="ru-RU" sz="2400" b="0" i="0" u="none" strike="noStrike" dirty="0" err="1">
+                <a:solidFill>
+                  <a:srgbClr val="007BFF"/>
+                </a:solidFill>
+                <a:effectLst/>
+                <a:latin typeface="-apple-system"/>
+                <a:hlinkClick r:id="rId9"/>
+              </a:rPr>
+              <a:t>drawRect</a:t>
+            </a:r>
+            <a:r>
+              <a:rPr lang="ru-RU" sz="2400" b="0" i="0" u="none" strike="noStrike" dirty="0">
+                <a:solidFill>
+                  <a:srgbClr val="007BFF"/>
+                </a:solidFill>
+                <a:effectLst/>
+                <a:latin typeface="-apple-system"/>
+                <a:hlinkClick r:id="rId9"/>
+              </a:rPr>
+              <a:t>()</a:t>
+            </a:r>
+            <a:r>
+              <a:rPr lang="ru-RU" sz="2400" b="0" i="0" dirty="0">
+                <a:solidFill>
+                  <a:srgbClr val="212529"/>
+                </a:solidFill>
+                <a:effectLst/>
+                <a:latin typeface="-apple-system"/>
+              </a:rPr>
+              <a:t>. Рисует прямоугольник.</a:t>
+            </a:r>
+          </a:p>
+          <a:p>
+            <a:pPr algn="l">
+              <a:buFont typeface="Arial" panose="020B0604020202020204" pitchFamily="34" charset="0"/>
+              <a:buChar char="•"/>
+            </a:pPr>
+            <a:r>
+              <a:rPr lang="ru-RU" sz="2400" b="0" i="0" u="none" strike="noStrike" dirty="0" err="1">
+                <a:solidFill>
+                  <a:srgbClr val="007BFF"/>
+                </a:solidFill>
+                <a:effectLst/>
+                <a:latin typeface="-apple-system"/>
+                <a:hlinkClick r:id="rId10"/>
+              </a:rPr>
+              <a:t>drawRoundRect</a:t>
+            </a:r>
+            <a:r>
+              <a:rPr lang="ru-RU" sz="2400" b="0" i="0" u="none" strike="noStrike" dirty="0">
+                <a:solidFill>
+                  <a:srgbClr val="007BFF"/>
+                </a:solidFill>
+                <a:effectLst/>
+                <a:latin typeface="-apple-system"/>
+                <a:hlinkClick r:id="rId10"/>
+              </a:rPr>
+              <a:t>()</a:t>
+            </a:r>
+            <a:r>
+              <a:rPr lang="ru-RU" sz="2400" b="0" i="0" dirty="0">
+                <a:solidFill>
+                  <a:srgbClr val="212529"/>
+                </a:solidFill>
+                <a:effectLst/>
+                <a:latin typeface="-apple-system"/>
+              </a:rPr>
+              <a:t>. Рисует прямоугольник с закругленными углами.</a:t>
+            </a:r>
+          </a:p>
+          <a:p>
+            <a:pPr algn="l">
+              <a:buFont typeface="Arial" panose="020B0604020202020204" pitchFamily="34" charset="0"/>
+              <a:buChar char="•"/>
+            </a:pPr>
+            <a:r>
+              <a:rPr lang="ru-RU" sz="2400" b="0" i="0" u="none" strike="noStrike" dirty="0" err="1">
+                <a:solidFill>
+                  <a:srgbClr val="007BFF"/>
+                </a:solidFill>
+                <a:effectLst/>
+                <a:latin typeface="-apple-system"/>
+                <a:hlinkClick r:id="rId11"/>
+              </a:rPr>
+              <a:t>drawText</a:t>
+            </a:r>
+            <a:r>
+              <a:rPr lang="ru-RU" sz="2400" b="0" i="0" u="none" strike="noStrike" dirty="0">
+                <a:solidFill>
+                  <a:srgbClr val="007BFF"/>
+                </a:solidFill>
+                <a:effectLst/>
+                <a:latin typeface="-apple-system"/>
+                <a:hlinkClick r:id="rId11"/>
+              </a:rPr>
+              <a:t>()</a:t>
+            </a:r>
+            <a:r>
+              <a:rPr lang="ru-RU" sz="2400" b="0" i="0" dirty="0">
+                <a:solidFill>
+                  <a:srgbClr val="212529"/>
+                </a:solidFill>
+                <a:effectLst/>
+                <a:latin typeface="-apple-system"/>
+              </a:rPr>
+              <a:t>. Рисует текстовую строку на холсте. Шрифт, размер, цвет и свойства отображения текста задаются в соответствующем объекте </a:t>
+            </a:r>
+            <a:r>
+              <a:rPr lang="ru-RU" sz="2400" b="1" i="0" dirty="0" err="1">
+                <a:solidFill>
+                  <a:srgbClr val="212529"/>
+                </a:solidFill>
+                <a:effectLst/>
+                <a:latin typeface="-apple-system"/>
+              </a:rPr>
+              <a:t>Paint</a:t>
+            </a:r>
+            <a:r>
+              <a:rPr lang="ru-RU" sz="2400" b="0" i="0" dirty="0">
+                <a:solidFill>
+                  <a:srgbClr val="212529"/>
+                </a:solidFill>
+                <a:effectLst/>
+                <a:latin typeface="-apple-system"/>
+              </a:rPr>
+              <a:t>.</a:t>
+            </a:r>
+          </a:p>
+          <a:p>
+            <a:pPr algn="l">
+              <a:buFont typeface="Arial" panose="020B0604020202020204" pitchFamily="34" charset="0"/>
+              <a:buChar char="•"/>
+            </a:pPr>
+            <a:r>
+              <a:rPr lang="ru-RU" sz="2400" b="0" i="0" u="none" strike="noStrike" dirty="0" err="1">
+                <a:solidFill>
+                  <a:srgbClr val="007BFF"/>
+                </a:solidFill>
+                <a:effectLst/>
+                <a:latin typeface="-apple-system"/>
+                <a:hlinkClick r:id="rId12"/>
+              </a:rPr>
+              <a:t>rotate</a:t>
+            </a:r>
+            <a:r>
+              <a:rPr lang="ru-RU" sz="2400" b="0" i="0" u="none" strike="noStrike" dirty="0">
+                <a:solidFill>
+                  <a:srgbClr val="007BFF"/>
+                </a:solidFill>
+                <a:effectLst/>
+                <a:latin typeface="-apple-system"/>
+                <a:hlinkClick r:id="rId12"/>
+              </a:rPr>
+              <a:t>() и </a:t>
+            </a:r>
+            <a:r>
+              <a:rPr lang="ru-RU" sz="2400" b="0" i="0" u="none" strike="noStrike" dirty="0" err="1">
+                <a:solidFill>
+                  <a:srgbClr val="007BFF"/>
+                </a:solidFill>
+                <a:effectLst/>
+                <a:latin typeface="-apple-system"/>
+                <a:hlinkClick r:id="rId12"/>
+              </a:rPr>
+              <a:t>restore</a:t>
+            </a:r>
+            <a:r>
+              <a:rPr lang="ru-RU" sz="2400" b="0" i="0" u="none" strike="noStrike" dirty="0">
+                <a:solidFill>
+                  <a:srgbClr val="007BFF"/>
+                </a:solidFill>
+                <a:effectLst/>
+                <a:latin typeface="-apple-system"/>
+                <a:hlinkClick r:id="rId12"/>
+              </a:rPr>
+              <a:t>()</a:t>
+            </a:r>
+            <a:r>
+              <a:rPr lang="ru-RU" sz="2400" b="0" i="0" dirty="0">
+                <a:solidFill>
+                  <a:srgbClr val="212529"/>
+                </a:solidFill>
+                <a:effectLst/>
+                <a:latin typeface="-apple-system"/>
+              </a:rPr>
+              <a:t>. Вращение холста</a:t>
+            </a:r>
+          </a:p>
+          <a:p>
+            <a:pPr algn="l">
+              <a:buFont typeface="Arial" panose="020B0604020202020204" pitchFamily="34" charset="0"/>
+              <a:buChar char="•"/>
+            </a:pPr>
+            <a:r>
+              <a:rPr lang="ru-RU" sz="2400" b="0" i="0" u="none" strike="noStrike" dirty="0">
+                <a:solidFill>
+                  <a:srgbClr val="007BFF"/>
+                </a:solidFill>
+                <a:effectLst/>
+                <a:latin typeface="-apple-system"/>
+                <a:hlinkClick r:id="rId13"/>
+              </a:rPr>
+              <a:t>Методы </a:t>
+            </a:r>
+            <a:r>
+              <a:rPr lang="ru-RU" sz="2400" b="0" i="0" u="none" strike="noStrike" dirty="0" err="1">
+                <a:solidFill>
+                  <a:srgbClr val="007BFF"/>
+                </a:solidFill>
+                <a:effectLst/>
+                <a:latin typeface="-apple-system"/>
+                <a:hlinkClick r:id="rId13"/>
+              </a:rPr>
+              <a:t>scale</a:t>
+            </a:r>
+            <a:r>
+              <a:rPr lang="ru-RU" sz="2400" b="0" i="0" u="none" strike="noStrike" dirty="0">
+                <a:solidFill>
+                  <a:srgbClr val="007BFF"/>
+                </a:solidFill>
+                <a:effectLst/>
+                <a:latin typeface="-apple-system"/>
+                <a:hlinkClick r:id="rId13"/>
+              </a:rPr>
+              <a:t>() и </a:t>
+            </a:r>
+            <a:r>
+              <a:rPr lang="ru-RU" sz="2400" b="0" i="0" u="none" strike="noStrike" dirty="0" err="1">
+                <a:solidFill>
+                  <a:srgbClr val="007BFF"/>
+                </a:solidFill>
+                <a:effectLst/>
+                <a:latin typeface="-apple-system"/>
+                <a:hlinkClick r:id="rId13"/>
+              </a:rPr>
+              <a:t>translate</a:t>
+            </a:r>
+            <a:r>
+              <a:rPr lang="ru-RU" sz="2400" b="0" i="0" u="none" strike="noStrike" dirty="0">
+                <a:solidFill>
+                  <a:srgbClr val="007BFF"/>
+                </a:solidFill>
+                <a:effectLst/>
+                <a:latin typeface="-apple-system"/>
+                <a:hlinkClick r:id="rId13"/>
+              </a:rPr>
+              <a:t>()</a:t>
+            </a:r>
+            <a:r>
+              <a:rPr lang="ru-RU" sz="2400" b="0" i="0" dirty="0">
+                <a:solidFill>
+                  <a:srgbClr val="212529"/>
+                </a:solidFill>
+                <a:effectLst/>
+                <a:latin typeface="-apple-system"/>
+              </a:rPr>
+              <a:t>. Изменение и перемещение координатной системы</a:t>
+            </a:r>
+          </a:p>
+          <a:p>
+            <a:endParaRPr lang="ru-RU" sz="2400" dirty="0"/>
+          </a:p>
+        </p:txBody>
+      </p:sp>
+      <p:sp>
+        <p:nvSpPr>
+          <p:cNvPr id="11" name="Прямоугольник 10">
+            <a:extLst>
+              <a:ext uri="{FF2B5EF4-FFF2-40B4-BE49-F238E27FC236}">
+                <a16:creationId xmlns:a16="http://schemas.microsoft.com/office/drawing/2014/main" id="{24195733-D2DC-4C95-A596-942B0689A47D}"/>
+              </a:ext>
+            </a:extLst>
+          </p:cNvPr>
+          <p:cNvSpPr/>
+          <p:nvPr/>
+        </p:nvSpPr>
+        <p:spPr>
+          <a:xfrm>
+            <a:off x="274718" y="323271"/>
+            <a:ext cx="11352838" cy="3703130"/>
+          </a:xfrm>
+          <a:prstGeom prst="rect">
+            <a:avLst/>
+          </a:prstGeom>
+          <a:noFill/>
+          <a:ln w="38100">
+            <a:solidFill>
+              <a:schemeClr val="tx1">
+                <a:lumMod val="50000"/>
+                <a:lumOff val="50000"/>
+              </a:schemeClr>
+            </a:solidFill>
+          </a:ln>
+        </p:spPr>
+        <p:style>
+          <a:lnRef idx="2">
+            <a:schemeClr val="accent1">
+              <a:shade val="50000"/>
+            </a:schemeClr>
+          </a:lnRef>
+          <a:fillRef idx="1">
+            <a:schemeClr val="accent1"/>
+          </a:fillRef>
+          <a:effectRef idx="0">
+            <a:schemeClr val="accent1"/>
+          </a:effectRef>
+          <a:fontRef idx="minor">
+            <a:schemeClr val="lt1"/>
+          </a:fontRef>
+        </p:style>
+        <p:txBody>
+          <a:bodyPr rtlCol="0" anchor="ctr"/>
+          <a:lstStyle/>
+          <a:p>
+            <a:pPr algn="ctr"/>
+            <a:endParaRPr lang="ru-RU">
+              <a:noFill/>
+            </a:endParaRPr>
+          </a:p>
+        </p:txBody>
+      </p:sp>
+    </p:spTree>
+    <p:extLst>
+      <p:ext uri="{BB962C8B-B14F-4D97-AF65-F5344CB8AC3E}">
+        <p14:creationId xmlns:p14="http://schemas.microsoft.com/office/powerpoint/2010/main" val="1168865725"/>
+      </p:ext>
+    </p:extLst>
+  </p:cSld>
+  <p:clrMapOvr>
+    <a:masterClrMapping/>
+  </p:clrMapOvr>
+</p:sld>
+</file>
+
+<file path=ppt/slides/slide13.xml><?xml version="1.0" encoding="utf-8"?>
+<p:sld xmlns:a="http://schemas.openxmlformats.org/drawingml/2006/main" xmlns:r="http://schemas.openxmlformats.org/officeDocument/2006/relationships" xmlns:p="http://schemas.openxmlformats.org/presentationml/2006/main">
+  <p:cSld>
+    <p:bg>
+      <p:bgPr>
+        <a:solidFill>
+          <a:schemeClr val="bg1"/>
+        </a:solidFill>
+        <a:effectLst/>
+      </p:bgPr>
+    </p:bg>
+    <p:spTree>
+      <p:nvGrpSpPr>
+        <p:cNvPr id="1" name=""/>
+        <p:cNvGrpSpPr/>
+        <p:nvPr/>
+      </p:nvGrpSpPr>
+      <p:grpSpPr>
+        <a:xfrm>
+          <a:off x="0" y="0"/>
+          <a:ext cx="0" cy="0"/>
+          <a:chOff x="0" y="0"/>
+          <a:chExt cx="0" cy="0"/>
+        </a:xfrm>
+      </p:grpSpPr>
+      <p:sp useBgFill="1">
+        <p:nvSpPr>
+          <p:cNvPr id="135" name="Rectangle 134">
+            <a:extLst>
+              <a:ext uri="{FF2B5EF4-FFF2-40B4-BE49-F238E27FC236}">
+                <a16:creationId xmlns:a16="http://schemas.microsoft.com/office/drawing/2014/main" id="{9203ABB4-7E2A-4248-9FE7-4A419AFF2F17}"/>
+              </a:ext>
+              <a:ext uri="{C183D7F6-B498-43B3-948B-1728B52AA6E4}">
+                <adec:decorative xmlns:adec="http://schemas.microsoft.com/office/drawing/2017/decorative" val="1"/>
+              </a:ext>
+            </a:extLst>
+          </p:cNvPr>
+          <p:cNvSpPr>
+            <a:spLocks noGrp="1" noRot="1" noChangeAspect="1" noMove="1" noResize="1" noEditPoints="1" noAdjustHandles="1" noChangeArrowheads="1" noChangeShapeType="1" noTextEdit="1"/>
+          </p:cNvSpPr>
+          <p:nvPr>
+            <p:extLst>
+              <p:ext uri="{386F3935-93C4-4BCD-93E2-E3B085C9AB24}">
+                <p16:designElem xmlns:p16="http://schemas.microsoft.com/office/powerpoint/2015/main" val="1"/>
+              </p:ext>
+            </p:extLst>
+          </p:nvPr>
+        </p:nvSpPr>
+        <p:spPr>
+          <a:xfrm>
+            <a:off x="0" y="0"/>
+            <a:ext cx="12191999" cy="6858000"/>
+          </a:xfrm>
+          <a:prstGeom prst="rect">
+            <a:avLst/>
+          </a:prstGeom>
+          <a:ln>
+            <a:noFill/>
+          </a:ln>
+        </p:spPr>
+        <p:style>
+          <a:lnRef idx="2">
+            <a:schemeClr val="accent1">
+              <a:shade val="50000"/>
+            </a:schemeClr>
+          </a:lnRef>
+          <a:fillRef idx="1">
+            <a:schemeClr val="accent1"/>
+          </a:fillRef>
+          <a:effectRef idx="0">
+            <a:schemeClr val="accent1"/>
+          </a:effectRef>
+          <a:fontRef idx="minor">
+            <a:schemeClr val="lt1"/>
+          </a:fontRef>
+        </p:style>
+        <p:txBody>
+          <a:bodyPr rtlCol="0" anchor="ctr"/>
+          <a:lstStyle/>
+          <a:p>
+            <a:pPr algn="ctr"/>
+            <a:endParaRPr lang="en-US"/>
+          </a:p>
+        </p:txBody>
+      </p:sp>
+      <p:sp>
+        <p:nvSpPr>
+          <p:cNvPr id="137" name="Rectangle 136">
+            <a:extLst>
+              <a:ext uri="{FF2B5EF4-FFF2-40B4-BE49-F238E27FC236}">
+                <a16:creationId xmlns:a16="http://schemas.microsoft.com/office/drawing/2014/main" id="{3126970D-C1E5-4FB1-84E8-86CB9CED1C80}"/>
+              </a:ext>
+              <a:ext uri="{C183D7F6-B498-43B3-948B-1728B52AA6E4}">
+                <adec:decorative xmlns:adec="http://schemas.microsoft.com/office/drawing/2017/decorative" val="1"/>
+              </a:ext>
+            </a:extLst>
+          </p:cNvPr>
+          <p:cNvSpPr>
+            <a:spLocks noGrp="1" noRot="1" noChangeAspect="1" noMove="1" noResize="1" noEditPoints="1" noAdjustHandles="1" noChangeArrowheads="1" noChangeShapeType="1" noTextEdit="1"/>
+          </p:cNvSpPr>
+          <p:nvPr>
+            <p:extLst>
+              <p:ext uri="{386F3935-93C4-4BCD-93E2-E3B085C9AB24}">
+                <p16:designElem xmlns:p16="http://schemas.microsoft.com/office/powerpoint/2015/main" val="1"/>
+              </p:ext>
+            </p:extLst>
+          </p:nvPr>
+        </p:nvSpPr>
+        <p:spPr>
+          <a:xfrm>
+            <a:off x="0" y="4367639"/>
+            <a:ext cx="11707367" cy="1852186"/>
+          </a:xfrm>
+          <a:prstGeom prst="rect">
+            <a:avLst/>
+          </a:prstGeom>
+          <a:solidFill>
+            <a:schemeClr val="accent1"/>
+          </a:solidFill>
+          <a:ln>
+            <a:noFill/>
+          </a:ln>
+        </p:spPr>
+        <p:style>
+          <a:lnRef idx="2">
+            <a:schemeClr val="accent1">
+              <a:shade val="50000"/>
+            </a:schemeClr>
+          </a:lnRef>
+          <a:fillRef idx="1">
+            <a:schemeClr val="accent1"/>
+          </a:fillRef>
+          <a:effectRef idx="0">
+            <a:schemeClr val="accent1"/>
+          </a:effectRef>
+          <a:fontRef idx="minor">
+            <a:schemeClr val="lt1"/>
+          </a:fontRef>
+        </p:style>
+      </p:sp>
+      <p:sp>
+        <p:nvSpPr>
+          <p:cNvPr id="28" name="Заголовок 1">
+            <a:extLst>
+              <a:ext uri="{FF2B5EF4-FFF2-40B4-BE49-F238E27FC236}">
+                <a16:creationId xmlns:a16="http://schemas.microsoft.com/office/drawing/2014/main" id="{A1800B60-BA5D-4BD9-AAE0-43620F882506}"/>
+              </a:ext>
+            </a:extLst>
+          </p:cNvPr>
+          <p:cNvSpPr txBox="1">
+            <a:spLocks/>
+          </p:cNvSpPr>
+          <p:nvPr/>
+        </p:nvSpPr>
+        <p:spPr>
+          <a:xfrm>
+            <a:off x="274718" y="4690051"/>
+            <a:ext cx="10210862" cy="1293305"/>
+          </a:xfrm>
+          <a:prstGeom prst="rect">
+            <a:avLst/>
+          </a:prstGeom>
+        </p:spPr>
+        <p:txBody>
+          <a:bodyPr vert="horz" lIns="91440" tIns="45720" rIns="91440" bIns="45720" rtlCol="0" anchor="b">
+            <a:normAutofit fontScale="92500" lnSpcReduction="10000"/>
+          </a:bodyPr>
+          <a:lstStyle>
+            <a:lvl1pPr algn="l" defTabSz="914400" rtl="0" eaLnBrk="1" latinLnBrk="0" hangingPunct="1">
+              <a:lnSpc>
+                <a:spcPct val="90000"/>
+              </a:lnSpc>
+              <a:spcBef>
+                <a:spcPct val="0"/>
+              </a:spcBef>
+              <a:buNone/>
+              <a:defRPr sz="5900" kern="1200" spc="-100" baseline="0">
+                <a:solidFill>
+                  <a:srgbClr val="FFFFFF"/>
+                </a:solidFill>
+                <a:latin typeface="+mj-lt"/>
+                <a:ea typeface="+mj-ea"/>
+                <a:cs typeface="+mj-cs"/>
+              </a:defRPr>
+            </a:lvl1pPr>
+          </a:lstStyle>
+          <a:p>
+            <a:pPr>
+              <a:spcAft>
+                <a:spcPts val="600"/>
+              </a:spcAft>
+              <a:buClr>
+                <a:schemeClr val="accent1"/>
+              </a:buClr>
+            </a:pPr>
+            <a:r>
+              <a:rPr lang="ru-RU" sz="3200" b="1" dirty="0"/>
+              <a:t>Возможности класса </a:t>
+            </a:r>
+            <a:r>
+              <a:rPr lang="en-US" sz="3200" b="1" dirty="0"/>
+              <a:t>Paint</a:t>
+            </a:r>
+            <a:br>
+              <a:rPr lang="en-US" sz="3200" b="1" dirty="0"/>
+            </a:br>
+            <a:br>
+              <a:rPr lang="en-US" sz="3200" b="1" dirty="0"/>
+            </a:br>
+            <a:endParaRPr lang="en-US" sz="3200" b="1" dirty="0"/>
+          </a:p>
+        </p:txBody>
+      </p:sp>
+      <p:sp>
+        <p:nvSpPr>
+          <p:cNvPr id="2" name="Прямоугольник 1">
+            <a:extLst>
+              <a:ext uri="{FF2B5EF4-FFF2-40B4-BE49-F238E27FC236}">
+                <a16:creationId xmlns:a16="http://schemas.microsoft.com/office/drawing/2014/main" id="{3B398E50-B389-4600-9630-2827F87B8FC9}"/>
+              </a:ext>
+            </a:extLst>
+          </p:cNvPr>
+          <p:cNvSpPr/>
+          <p:nvPr/>
+        </p:nvSpPr>
+        <p:spPr>
+          <a:xfrm>
+            <a:off x="564444" y="1421140"/>
+            <a:ext cx="11478470" cy="2308324"/>
+          </a:xfrm>
+          <a:prstGeom prst="rect">
+            <a:avLst/>
+          </a:prstGeom>
+        </p:spPr>
+        <p:txBody>
+          <a:bodyPr wrap="square">
+            <a:spAutoFit/>
+          </a:bodyPr>
+          <a:lstStyle/>
+          <a:p>
+            <a:pPr algn="l">
+              <a:buFont typeface="Arial" panose="020B0604020202020204" pitchFamily="34" charset="0"/>
+              <a:buChar char="•"/>
+            </a:pPr>
+            <a:r>
+              <a:rPr lang="en-US" sz="2400" dirty="0" err="1">
+                <a:solidFill>
+                  <a:srgbClr val="007BFF"/>
+                </a:solidFill>
+                <a:latin typeface="-apple-system"/>
+              </a:rPr>
+              <a:t>setColor</a:t>
+            </a:r>
+            <a:r>
+              <a:rPr lang="en-US" sz="2400" b="0" i="0" dirty="0">
+                <a:solidFill>
+                  <a:srgbClr val="000000"/>
+                </a:solidFill>
+                <a:effectLst/>
+                <a:latin typeface="Consolas" panose="020B0609020204030204" pitchFamily="49" charset="0"/>
+              </a:rPr>
+              <a:t> – </a:t>
+            </a:r>
+            <a:r>
+              <a:rPr lang="ru-RU" sz="2400" b="0" i="0" dirty="0">
+                <a:solidFill>
+                  <a:srgbClr val="000000"/>
+                </a:solidFill>
+                <a:effectLst/>
+                <a:latin typeface="Consolas" panose="020B0609020204030204" pitchFamily="49" charset="0"/>
+              </a:rPr>
+              <a:t>задать цвет для рисования</a:t>
+            </a:r>
+            <a:endParaRPr lang="ru-RU" sz="2400" b="0" i="0" dirty="0">
+              <a:solidFill>
+                <a:srgbClr val="212529"/>
+              </a:solidFill>
+              <a:effectLst/>
+              <a:latin typeface="-apple-system"/>
+            </a:endParaRPr>
+          </a:p>
+          <a:p>
+            <a:pPr algn="l">
+              <a:buFont typeface="Arial" panose="020B0604020202020204" pitchFamily="34" charset="0"/>
+              <a:buChar char="•"/>
+            </a:pPr>
+            <a:r>
+              <a:rPr lang="en-US" sz="2400" b="0" i="0" u="none" strike="noStrike" dirty="0" err="1">
+                <a:solidFill>
+                  <a:srgbClr val="007BFF"/>
+                </a:solidFill>
+                <a:effectLst/>
+                <a:latin typeface="-apple-system"/>
+              </a:rPr>
+              <a:t>setTextSize</a:t>
+            </a:r>
+            <a:r>
+              <a:rPr lang="ru-RU" sz="2400" b="0" i="0" dirty="0">
+                <a:solidFill>
+                  <a:srgbClr val="212529"/>
+                </a:solidFill>
+                <a:effectLst/>
+                <a:latin typeface="-apple-system"/>
+              </a:rPr>
+              <a:t> </a:t>
+            </a:r>
+            <a:r>
+              <a:rPr lang="en-US" sz="2400" b="0" i="0" dirty="0">
+                <a:solidFill>
+                  <a:srgbClr val="000000"/>
+                </a:solidFill>
+                <a:effectLst/>
+                <a:latin typeface="Consolas" panose="020B0609020204030204" pitchFamily="49" charset="0"/>
+              </a:rPr>
+              <a:t>– </a:t>
+            </a:r>
+            <a:r>
+              <a:rPr lang="ru-RU" sz="2400" b="0" i="0" dirty="0">
+                <a:solidFill>
+                  <a:srgbClr val="000000"/>
+                </a:solidFill>
+                <a:effectLst/>
+                <a:latin typeface="Consolas" panose="020B0609020204030204" pitchFamily="49" charset="0"/>
+              </a:rPr>
+              <a:t>задать размер текста</a:t>
+            </a:r>
+          </a:p>
+          <a:p>
+            <a:pPr>
+              <a:buFont typeface="Arial" panose="020B0604020202020204" pitchFamily="34" charset="0"/>
+              <a:buChar char="•"/>
+            </a:pPr>
+            <a:r>
+              <a:rPr lang="en-US" sz="2400" dirty="0" err="1">
+                <a:solidFill>
+                  <a:srgbClr val="007BFF"/>
+                </a:solidFill>
+                <a:latin typeface="-apple-system"/>
+              </a:rPr>
+              <a:t>setStrokeWidth</a:t>
+            </a:r>
+            <a:r>
+              <a:rPr lang="en-US" sz="1800" dirty="0">
+                <a:solidFill>
+                  <a:srgbClr val="000000"/>
+                </a:solidFill>
+                <a:effectLst/>
+                <a:latin typeface="Times New Roman" panose="02020603050405020304" pitchFamily="18" charset="0"/>
+                <a:ea typeface="Arial Unicode MS"/>
+                <a:cs typeface="Arial Unicode MS"/>
+              </a:rPr>
+              <a:t> </a:t>
+            </a:r>
+            <a:r>
+              <a:rPr lang="ru-RU" sz="2400" b="0" i="0" dirty="0">
+                <a:solidFill>
+                  <a:srgbClr val="212529"/>
+                </a:solidFill>
+                <a:effectLst/>
+                <a:latin typeface="-apple-system"/>
+              </a:rPr>
+              <a:t> </a:t>
+            </a:r>
+            <a:r>
+              <a:rPr lang="en-US" sz="2400" b="0" i="0" dirty="0">
+                <a:solidFill>
+                  <a:srgbClr val="000000"/>
+                </a:solidFill>
+                <a:effectLst/>
+                <a:latin typeface="Consolas" panose="020B0609020204030204" pitchFamily="49" charset="0"/>
+              </a:rPr>
+              <a:t>– </a:t>
+            </a:r>
+            <a:r>
+              <a:rPr lang="ru-RU" sz="2400" b="0" i="0" dirty="0">
+                <a:solidFill>
+                  <a:srgbClr val="000000"/>
+                </a:solidFill>
+                <a:effectLst/>
+                <a:latin typeface="Consolas" panose="020B0609020204030204" pitchFamily="49" charset="0"/>
+              </a:rPr>
+              <a:t>задать толщину контура</a:t>
+            </a:r>
+          </a:p>
+          <a:p>
+            <a:pPr>
+              <a:buFont typeface="Arial" panose="020B0604020202020204" pitchFamily="34" charset="0"/>
+              <a:buChar char="•"/>
+            </a:pPr>
+            <a:r>
+              <a:rPr lang="en-US" sz="2400" dirty="0" err="1">
+                <a:solidFill>
+                  <a:srgbClr val="007BFF"/>
+                </a:solidFill>
+                <a:latin typeface="-apple-system"/>
+              </a:rPr>
+              <a:t>setStyle</a:t>
+            </a:r>
+            <a:r>
+              <a:rPr lang="en-US" sz="1800" dirty="0">
+                <a:solidFill>
+                  <a:srgbClr val="000000"/>
+                </a:solidFill>
+                <a:effectLst/>
+                <a:latin typeface="Times New Roman" panose="02020603050405020304" pitchFamily="18" charset="0"/>
+                <a:ea typeface="Arial Unicode MS"/>
+                <a:cs typeface="Arial Unicode MS"/>
+              </a:rPr>
+              <a:t> </a:t>
+            </a:r>
+            <a:r>
+              <a:rPr lang="ru-RU" sz="2400" b="0" i="0" dirty="0">
+                <a:solidFill>
+                  <a:srgbClr val="212529"/>
+                </a:solidFill>
+                <a:effectLst/>
+                <a:latin typeface="-apple-system"/>
+              </a:rPr>
+              <a:t> </a:t>
+            </a:r>
+            <a:r>
+              <a:rPr lang="en-US" sz="2400" b="0" i="0" dirty="0">
+                <a:solidFill>
+                  <a:srgbClr val="000000"/>
+                </a:solidFill>
+                <a:effectLst/>
+                <a:latin typeface="Consolas" panose="020B0609020204030204" pitchFamily="49" charset="0"/>
+              </a:rPr>
+              <a:t>– </a:t>
+            </a:r>
+            <a:r>
+              <a:rPr lang="ru-RU" sz="2400" b="0" i="0" dirty="0">
+                <a:solidFill>
+                  <a:srgbClr val="000000"/>
+                </a:solidFill>
+                <a:effectLst/>
+                <a:latin typeface="Consolas" panose="020B0609020204030204" pitchFamily="49" charset="0"/>
+              </a:rPr>
+              <a:t>задать стиль заливки фигуры</a:t>
+            </a:r>
+          </a:p>
+          <a:p>
+            <a:pPr algn="l"/>
+            <a:endParaRPr lang="ru-RU" sz="2400" b="0" i="0" dirty="0">
+              <a:solidFill>
+                <a:srgbClr val="000000"/>
+              </a:solidFill>
+              <a:effectLst/>
+              <a:latin typeface="Consolas" panose="020B0609020204030204" pitchFamily="49" charset="0"/>
+            </a:endParaRPr>
+          </a:p>
+          <a:p>
+            <a:pPr algn="l">
+              <a:buFont typeface="Arial" panose="020B0604020202020204" pitchFamily="34" charset="0"/>
+              <a:buChar char="•"/>
+            </a:pPr>
+            <a:endParaRPr lang="ru-RU" sz="2400" dirty="0"/>
+          </a:p>
+        </p:txBody>
+      </p:sp>
+      <p:sp>
+        <p:nvSpPr>
+          <p:cNvPr id="11" name="Прямоугольник 10">
+            <a:extLst>
+              <a:ext uri="{FF2B5EF4-FFF2-40B4-BE49-F238E27FC236}">
+                <a16:creationId xmlns:a16="http://schemas.microsoft.com/office/drawing/2014/main" id="{24195733-D2DC-4C95-A596-942B0689A47D}"/>
+              </a:ext>
+            </a:extLst>
+          </p:cNvPr>
+          <p:cNvSpPr/>
+          <p:nvPr/>
+        </p:nvSpPr>
+        <p:spPr>
+          <a:xfrm>
+            <a:off x="274718" y="323271"/>
+            <a:ext cx="11352838" cy="3703130"/>
+          </a:xfrm>
+          <a:prstGeom prst="rect">
+            <a:avLst/>
+          </a:prstGeom>
+          <a:noFill/>
+          <a:ln w="38100">
+            <a:solidFill>
+              <a:schemeClr val="tx1">
+                <a:lumMod val="50000"/>
+                <a:lumOff val="50000"/>
+              </a:schemeClr>
+            </a:solidFill>
+          </a:ln>
+        </p:spPr>
+        <p:style>
+          <a:lnRef idx="2">
+            <a:schemeClr val="accent1">
+              <a:shade val="50000"/>
+            </a:schemeClr>
+          </a:lnRef>
+          <a:fillRef idx="1">
+            <a:schemeClr val="accent1"/>
+          </a:fillRef>
+          <a:effectRef idx="0">
+            <a:schemeClr val="accent1"/>
+          </a:effectRef>
+          <a:fontRef idx="minor">
+            <a:schemeClr val="lt1"/>
+          </a:fontRef>
+        </p:style>
+        <p:txBody>
+          <a:bodyPr rtlCol="0" anchor="ctr"/>
+          <a:lstStyle/>
+          <a:p>
+            <a:pPr algn="ctr"/>
+            <a:endParaRPr lang="ru-RU">
+              <a:noFill/>
+            </a:endParaRPr>
+          </a:p>
+        </p:txBody>
+      </p:sp>
+    </p:spTree>
+    <p:extLst>
+      <p:ext uri="{BB962C8B-B14F-4D97-AF65-F5344CB8AC3E}">
+        <p14:creationId xmlns:p14="http://schemas.microsoft.com/office/powerpoint/2010/main" val="1888261642"/>
+      </p:ext>
+    </p:extLst>
+  </p:cSld>
+  <p:clrMapOvr>
+    <a:masterClrMapping/>
+  </p:clrMapOvr>
+</p:sld>
+</file>
+
+<file path=ppt/slides/slide14.xml><?xml version="1.0" encoding="utf-8"?>
+<p:sld xmlns:a="http://schemas.openxmlformats.org/drawingml/2006/main" xmlns:r="http://schemas.openxmlformats.org/officeDocument/2006/relationships" xmlns:p="http://schemas.openxmlformats.org/presentationml/2006/main">
+  <p:cSld>
+    <p:bg>
+      <p:bgPr>
+        <a:solidFill>
+          <a:schemeClr val="bg1"/>
+        </a:solidFill>
+        <a:effectLst/>
+      </p:bgPr>
+    </p:bg>
+    <p:spTree>
+      <p:nvGrpSpPr>
+        <p:cNvPr id="1" name=""/>
+        <p:cNvGrpSpPr/>
+        <p:nvPr/>
+      </p:nvGrpSpPr>
+      <p:grpSpPr>
+        <a:xfrm>
+          <a:off x="0" y="0"/>
+          <a:ext cx="0" cy="0"/>
+          <a:chOff x="0" y="0"/>
+          <a:chExt cx="0" cy="0"/>
+        </a:xfrm>
+      </p:grpSpPr>
+      <p:sp useBgFill="1">
+        <p:nvSpPr>
+          <p:cNvPr id="135" name="Rectangle 134">
+            <a:extLst>
+              <a:ext uri="{FF2B5EF4-FFF2-40B4-BE49-F238E27FC236}">
+                <a16:creationId xmlns:a16="http://schemas.microsoft.com/office/drawing/2014/main" id="{9203ABB4-7E2A-4248-9FE7-4A419AFF2F17}"/>
+              </a:ext>
+              <a:ext uri="{C183D7F6-B498-43B3-948B-1728B52AA6E4}">
+                <adec:decorative xmlns:adec="http://schemas.microsoft.com/office/drawing/2017/decorative" val="1"/>
+              </a:ext>
+            </a:extLst>
+          </p:cNvPr>
+          <p:cNvSpPr>
+            <a:spLocks noGrp="1" noRot="1" noChangeAspect="1" noMove="1" noResize="1" noEditPoints="1" noAdjustHandles="1" noChangeArrowheads="1" noChangeShapeType="1" noTextEdit="1"/>
+          </p:cNvSpPr>
+          <p:nvPr>
+            <p:extLst>
+              <p:ext uri="{386F3935-93C4-4BCD-93E2-E3B085C9AB24}">
+                <p16:designElem xmlns:p16="http://schemas.microsoft.com/office/powerpoint/2015/main" val="1"/>
+              </p:ext>
+            </p:extLst>
+          </p:nvPr>
+        </p:nvSpPr>
+        <p:spPr>
+          <a:xfrm>
+            <a:off x="0" y="0"/>
+            <a:ext cx="12191999" cy="6858000"/>
+          </a:xfrm>
+          <a:prstGeom prst="rect">
+            <a:avLst/>
+          </a:prstGeom>
+          <a:ln>
+            <a:noFill/>
+          </a:ln>
+        </p:spPr>
+        <p:style>
+          <a:lnRef idx="2">
+            <a:schemeClr val="accent1">
+              <a:shade val="50000"/>
+            </a:schemeClr>
+          </a:lnRef>
+          <a:fillRef idx="1">
+            <a:schemeClr val="accent1"/>
+          </a:fillRef>
+          <a:effectRef idx="0">
+            <a:schemeClr val="accent1"/>
+          </a:effectRef>
+          <a:fontRef idx="minor">
+            <a:schemeClr val="lt1"/>
+          </a:fontRef>
+        </p:style>
+        <p:txBody>
+          <a:bodyPr rtlCol="0" anchor="ctr"/>
+          <a:lstStyle/>
+          <a:p>
+            <a:pPr algn="ctr"/>
+            <a:endParaRPr lang="en-US"/>
+          </a:p>
+        </p:txBody>
+      </p:sp>
+      <p:sp>
+        <p:nvSpPr>
+          <p:cNvPr id="137" name="Rectangle 136">
+            <a:extLst>
+              <a:ext uri="{FF2B5EF4-FFF2-40B4-BE49-F238E27FC236}">
+                <a16:creationId xmlns:a16="http://schemas.microsoft.com/office/drawing/2014/main" id="{3126970D-C1E5-4FB1-84E8-86CB9CED1C80}"/>
+              </a:ext>
+              <a:ext uri="{C183D7F6-B498-43B3-948B-1728B52AA6E4}">
+                <adec:decorative xmlns:adec="http://schemas.microsoft.com/office/drawing/2017/decorative" val="1"/>
+              </a:ext>
+            </a:extLst>
+          </p:cNvPr>
+          <p:cNvSpPr>
+            <a:spLocks noGrp="1" noRot="1" noChangeAspect="1" noMove="1" noResize="1" noEditPoints="1" noAdjustHandles="1" noChangeArrowheads="1" noChangeShapeType="1" noTextEdit="1"/>
+          </p:cNvSpPr>
+          <p:nvPr>
+            <p:extLst>
+              <p:ext uri="{386F3935-93C4-4BCD-93E2-E3B085C9AB24}">
+                <p16:designElem xmlns:p16="http://schemas.microsoft.com/office/powerpoint/2015/main" val="1"/>
+              </p:ext>
+            </p:extLst>
+          </p:nvPr>
+        </p:nvSpPr>
+        <p:spPr>
+          <a:xfrm>
+            <a:off x="0" y="4367639"/>
+            <a:ext cx="11707367" cy="1852186"/>
+          </a:xfrm>
+          <a:prstGeom prst="rect">
+            <a:avLst/>
+          </a:prstGeom>
+          <a:solidFill>
+            <a:schemeClr val="accent1"/>
+          </a:solidFill>
+          <a:ln>
+            <a:noFill/>
+          </a:ln>
+        </p:spPr>
+        <p:style>
+          <a:lnRef idx="2">
+            <a:schemeClr val="accent1">
+              <a:shade val="50000"/>
+            </a:schemeClr>
+          </a:lnRef>
+          <a:fillRef idx="1">
+            <a:schemeClr val="accent1"/>
+          </a:fillRef>
+          <a:effectRef idx="0">
+            <a:schemeClr val="accent1"/>
+          </a:effectRef>
+          <a:fontRef idx="minor">
+            <a:schemeClr val="lt1"/>
+          </a:fontRef>
+        </p:style>
+      </p:sp>
+      <p:sp>
+        <p:nvSpPr>
+          <p:cNvPr id="28" name="Заголовок 1">
+            <a:extLst>
+              <a:ext uri="{FF2B5EF4-FFF2-40B4-BE49-F238E27FC236}">
+                <a16:creationId xmlns:a16="http://schemas.microsoft.com/office/drawing/2014/main" id="{A1800B60-BA5D-4BD9-AAE0-43620F882506}"/>
+              </a:ext>
+            </a:extLst>
+          </p:cNvPr>
+          <p:cNvSpPr txBox="1">
+            <a:spLocks/>
+          </p:cNvSpPr>
+          <p:nvPr/>
+        </p:nvSpPr>
+        <p:spPr>
+          <a:xfrm>
+            <a:off x="304536" y="4550905"/>
+            <a:ext cx="10210862" cy="1521904"/>
+          </a:xfrm>
+          <a:prstGeom prst="rect">
+            <a:avLst/>
+          </a:prstGeom>
+        </p:spPr>
+        <p:txBody>
+          <a:bodyPr vert="horz" lIns="91440" tIns="45720" rIns="91440" bIns="45720" rtlCol="0" anchor="b">
+            <a:normAutofit lnSpcReduction="10000"/>
+          </a:bodyPr>
+          <a:lstStyle>
+            <a:lvl1pPr algn="l" defTabSz="914400" rtl="0" eaLnBrk="1" latinLnBrk="0" hangingPunct="1">
+              <a:lnSpc>
+                <a:spcPct val="90000"/>
+              </a:lnSpc>
+              <a:spcBef>
+                <a:spcPct val="0"/>
+              </a:spcBef>
+              <a:buNone/>
+              <a:defRPr sz="5900" kern="1200" spc="-100" baseline="0">
+                <a:solidFill>
+                  <a:srgbClr val="FFFFFF"/>
+                </a:solidFill>
+                <a:latin typeface="+mj-lt"/>
+                <a:ea typeface="+mj-ea"/>
+                <a:cs typeface="+mj-cs"/>
+              </a:defRPr>
+            </a:lvl1pPr>
+          </a:lstStyle>
+          <a:p>
+            <a:pPr>
+              <a:spcAft>
+                <a:spcPts val="600"/>
+              </a:spcAft>
+              <a:buClr>
+                <a:schemeClr val="accent1"/>
+              </a:buClr>
+            </a:pPr>
+            <a:r>
+              <a:rPr lang="ru-RU" sz="3200" b="1" dirty="0"/>
+              <a:t>Компонент </a:t>
+            </a:r>
+            <a:r>
+              <a:rPr lang="en-US" sz="3200" b="1" dirty="0"/>
+              <a:t> View</a:t>
+            </a:r>
+            <a:endParaRPr lang="ru-RU" sz="3200" b="1" dirty="0"/>
+          </a:p>
+          <a:p>
+            <a:pPr>
+              <a:spcAft>
+                <a:spcPts val="600"/>
+              </a:spcAft>
+              <a:buClr>
+                <a:schemeClr val="accent1"/>
+              </a:buClr>
+            </a:pPr>
+            <a:endParaRPr lang="en-US" sz="3200" b="1" dirty="0"/>
+          </a:p>
+          <a:p>
+            <a:pPr>
+              <a:spcAft>
+                <a:spcPts val="600"/>
+              </a:spcAft>
+              <a:buClr>
+                <a:schemeClr val="accent1"/>
+              </a:buClr>
+            </a:pPr>
+            <a:r>
+              <a:rPr lang="ru-RU" sz="3200" b="1" dirty="0"/>
+              <a:t>Принцип анимации</a:t>
+            </a:r>
+            <a:endParaRPr lang="en-US" sz="3200" b="1" dirty="0"/>
+          </a:p>
+        </p:txBody>
+      </p:sp>
+      <p:sp>
+        <p:nvSpPr>
+          <p:cNvPr id="19" name="Прямоугольник 18">
+            <a:extLst>
+              <a:ext uri="{FF2B5EF4-FFF2-40B4-BE49-F238E27FC236}">
+                <a16:creationId xmlns:a16="http://schemas.microsoft.com/office/drawing/2014/main" id="{0B14D1CB-BBBC-4B99-B4A5-6712E9D47669}"/>
+              </a:ext>
+            </a:extLst>
+          </p:cNvPr>
+          <p:cNvSpPr/>
+          <p:nvPr/>
+        </p:nvSpPr>
+        <p:spPr>
+          <a:xfrm>
+            <a:off x="6973946" y="2412748"/>
+            <a:ext cx="2769705" cy="1193242"/>
+          </a:xfrm>
+          <a:prstGeom prst="rect">
+            <a:avLst/>
+          </a:prstGeom>
+        </p:spPr>
+        <p:style>
+          <a:lnRef idx="1">
+            <a:schemeClr val="accent5"/>
+          </a:lnRef>
+          <a:fillRef idx="2">
+            <a:schemeClr val="accent5"/>
+          </a:fillRef>
+          <a:effectRef idx="1">
+            <a:schemeClr val="accent5"/>
+          </a:effectRef>
+          <a:fontRef idx="minor">
+            <a:schemeClr val="dk1"/>
+          </a:fontRef>
+        </p:style>
+        <p:txBody>
+          <a:bodyPr rtlCol="0" anchor="ctr"/>
+          <a:lstStyle/>
+          <a:p>
+            <a:pPr algn="ctr"/>
+            <a:r>
+              <a:rPr lang="ru-RU" sz="3200" b="1" dirty="0">
+                <a:solidFill>
+                  <a:schemeClr val="tx1">
+                    <a:lumMod val="65000"/>
+                    <a:lumOff val="35000"/>
+                  </a:schemeClr>
+                </a:solidFill>
+              </a:rPr>
+              <a:t>Метод </a:t>
+            </a:r>
+            <a:endParaRPr lang="en-US" sz="3200" b="1" dirty="0">
+              <a:solidFill>
+                <a:schemeClr val="tx1">
+                  <a:lumMod val="65000"/>
+                  <a:lumOff val="35000"/>
+                </a:schemeClr>
+              </a:solidFill>
+            </a:endParaRPr>
+          </a:p>
+          <a:p>
+            <a:pPr algn="ctr"/>
+            <a:r>
+              <a:rPr lang="en-US" sz="3200" b="1" dirty="0">
+                <a:solidFill>
+                  <a:schemeClr val="tx1">
+                    <a:lumMod val="65000"/>
+                    <a:lumOff val="35000"/>
+                  </a:schemeClr>
+                </a:solidFill>
+              </a:rPr>
+              <a:t>invalidate()</a:t>
+            </a:r>
+            <a:endParaRPr lang="ru-RU" sz="3200" b="1" dirty="0">
+              <a:solidFill>
+                <a:schemeClr val="tx1">
+                  <a:lumMod val="65000"/>
+                  <a:lumOff val="35000"/>
+                </a:schemeClr>
+              </a:solidFill>
+            </a:endParaRPr>
+          </a:p>
+        </p:txBody>
+      </p:sp>
+      <p:sp>
+        <p:nvSpPr>
+          <p:cNvPr id="32" name="Прямоугольник 31">
+            <a:extLst>
+              <a:ext uri="{FF2B5EF4-FFF2-40B4-BE49-F238E27FC236}">
+                <a16:creationId xmlns:a16="http://schemas.microsoft.com/office/drawing/2014/main" id="{17424E5F-4C09-4282-947F-A69E763FEF8B}"/>
+              </a:ext>
+            </a:extLst>
+          </p:cNvPr>
+          <p:cNvSpPr/>
+          <p:nvPr/>
+        </p:nvSpPr>
+        <p:spPr>
+          <a:xfrm>
+            <a:off x="819514" y="2412748"/>
+            <a:ext cx="4590452" cy="1225753"/>
+          </a:xfrm>
+          <a:prstGeom prst="rect">
+            <a:avLst/>
+          </a:prstGeom>
+        </p:spPr>
+        <p:style>
+          <a:lnRef idx="1">
+            <a:schemeClr val="accent5"/>
+          </a:lnRef>
+          <a:fillRef idx="2">
+            <a:schemeClr val="accent5"/>
+          </a:fillRef>
+          <a:effectRef idx="1">
+            <a:schemeClr val="accent5"/>
+          </a:effectRef>
+          <a:fontRef idx="minor">
+            <a:schemeClr val="dk1"/>
+          </a:fontRef>
+        </p:style>
+        <p:txBody>
+          <a:bodyPr rtlCol="0" anchor="ctr"/>
+          <a:lstStyle/>
+          <a:p>
+            <a:pPr algn="ctr"/>
+            <a:r>
+              <a:rPr lang="ru-RU" sz="3200" b="1" dirty="0">
+                <a:solidFill>
+                  <a:schemeClr val="tx1">
+                    <a:lumMod val="65000"/>
+                    <a:lumOff val="35000"/>
+                  </a:schemeClr>
+                </a:solidFill>
+              </a:rPr>
+              <a:t>Метод </a:t>
+            </a:r>
+            <a:endParaRPr lang="en-US" sz="3200" b="1" dirty="0">
+              <a:solidFill>
+                <a:schemeClr val="tx1">
+                  <a:lumMod val="65000"/>
+                  <a:lumOff val="35000"/>
+                </a:schemeClr>
+              </a:solidFill>
+            </a:endParaRPr>
+          </a:p>
+          <a:p>
+            <a:pPr algn="ctr"/>
+            <a:r>
+              <a:rPr lang="en-US" sz="3200" b="1" dirty="0" err="1">
+                <a:solidFill>
+                  <a:schemeClr val="tx1">
+                    <a:lumMod val="65000"/>
+                    <a:lumOff val="35000"/>
+                  </a:schemeClr>
+                </a:solidFill>
+              </a:rPr>
+              <a:t>onDraw</a:t>
+            </a:r>
+            <a:r>
+              <a:rPr lang="en-US" sz="3200" b="1" dirty="0">
+                <a:solidFill>
+                  <a:schemeClr val="tx1">
+                    <a:lumMod val="65000"/>
+                    <a:lumOff val="35000"/>
+                  </a:schemeClr>
+                </a:solidFill>
+              </a:rPr>
+              <a:t>(Canvas canvas)</a:t>
+            </a:r>
+            <a:endParaRPr lang="ru-RU" sz="3200" b="1" dirty="0">
+              <a:solidFill>
+                <a:schemeClr val="tx1">
+                  <a:lumMod val="65000"/>
+                  <a:lumOff val="35000"/>
+                </a:schemeClr>
+              </a:solidFill>
+            </a:endParaRPr>
+          </a:p>
+        </p:txBody>
+      </p:sp>
+      <p:sp>
+        <p:nvSpPr>
+          <p:cNvPr id="4" name="Прямоугольник 3">
+            <a:extLst>
+              <a:ext uri="{FF2B5EF4-FFF2-40B4-BE49-F238E27FC236}">
+                <a16:creationId xmlns:a16="http://schemas.microsoft.com/office/drawing/2014/main" id="{576B2F4B-1FE9-4710-96B9-DAAB5D75AC87}"/>
+              </a:ext>
+            </a:extLst>
+          </p:cNvPr>
+          <p:cNvSpPr/>
+          <p:nvPr/>
+        </p:nvSpPr>
+        <p:spPr>
+          <a:xfrm>
+            <a:off x="4238342" y="409684"/>
+            <a:ext cx="3230681" cy="1182757"/>
+          </a:xfrm>
+          <a:prstGeom prst="rect">
+            <a:avLst/>
+          </a:prstGeom>
+        </p:spPr>
+        <p:style>
+          <a:lnRef idx="1">
+            <a:schemeClr val="accent1"/>
+          </a:lnRef>
+          <a:fillRef idx="2">
+            <a:schemeClr val="accent1"/>
+          </a:fillRef>
+          <a:effectRef idx="1">
+            <a:schemeClr val="accent1"/>
+          </a:effectRef>
+          <a:fontRef idx="minor">
+            <a:schemeClr val="dk1"/>
+          </a:fontRef>
+        </p:style>
+        <p:txBody>
+          <a:bodyPr rtlCol="0" anchor="ctr"/>
+          <a:lstStyle/>
+          <a:p>
+            <a:pPr algn="ctr"/>
+            <a:r>
+              <a:rPr lang="ru-RU" sz="3200" b="1" dirty="0">
+                <a:solidFill>
+                  <a:schemeClr val="tx1">
+                    <a:lumMod val="65000"/>
+                    <a:lumOff val="35000"/>
+                  </a:schemeClr>
+                </a:solidFill>
+              </a:rPr>
+              <a:t>Изменяется вид компонента</a:t>
+            </a:r>
+          </a:p>
+        </p:txBody>
+      </p:sp>
+      <p:cxnSp>
+        <p:nvCxnSpPr>
+          <p:cNvPr id="7" name="Прямая со стрелкой 6">
+            <a:extLst>
+              <a:ext uri="{FF2B5EF4-FFF2-40B4-BE49-F238E27FC236}">
+                <a16:creationId xmlns:a16="http://schemas.microsoft.com/office/drawing/2014/main" id="{8F1BDCB0-9B61-4479-AD50-71783D7E6402}"/>
+              </a:ext>
+            </a:extLst>
+          </p:cNvPr>
+          <p:cNvCxnSpPr/>
+          <p:nvPr/>
+        </p:nvCxnSpPr>
+        <p:spPr>
+          <a:xfrm>
+            <a:off x="5655733" y="3120631"/>
+            <a:ext cx="1174045" cy="0"/>
+          </a:xfrm>
+          <a:prstGeom prst="straightConnector1">
+            <a:avLst/>
+          </a:prstGeom>
+          <a:ln>
+            <a:tailEnd type="triangle"/>
+          </a:ln>
+        </p:spPr>
+        <p:style>
+          <a:lnRef idx="3">
+            <a:schemeClr val="dk1"/>
+          </a:lnRef>
+          <a:fillRef idx="0">
+            <a:schemeClr val="dk1"/>
+          </a:fillRef>
+          <a:effectRef idx="2">
+            <a:schemeClr val="dk1"/>
+          </a:effectRef>
+          <a:fontRef idx="minor">
+            <a:schemeClr val="tx1"/>
+          </a:fontRef>
+        </p:style>
+      </p:cxnSp>
+      <p:cxnSp>
+        <p:nvCxnSpPr>
+          <p:cNvPr id="17" name="Прямая со стрелкой 16">
+            <a:extLst>
+              <a:ext uri="{FF2B5EF4-FFF2-40B4-BE49-F238E27FC236}">
+                <a16:creationId xmlns:a16="http://schemas.microsoft.com/office/drawing/2014/main" id="{14B696D3-F980-4C62-998D-092D0DAE0836}"/>
+              </a:ext>
+            </a:extLst>
+          </p:cNvPr>
+          <p:cNvCxnSpPr>
+            <a:cxnSpLocks/>
+          </p:cNvCxnSpPr>
+          <p:nvPr/>
+        </p:nvCxnSpPr>
+        <p:spPr>
+          <a:xfrm flipH="1" flipV="1">
+            <a:off x="6973947" y="1761067"/>
+            <a:ext cx="296097" cy="504665"/>
+          </a:xfrm>
+          <a:prstGeom prst="straightConnector1">
+            <a:avLst/>
+          </a:prstGeom>
+          <a:ln>
+            <a:tailEnd type="triangle"/>
+          </a:ln>
+        </p:spPr>
+        <p:style>
+          <a:lnRef idx="3">
+            <a:schemeClr val="dk1"/>
+          </a:lnRef>
+          <a:fillRef idx="0">
+            <a:schemeClr val="dk1"/>
+          </a:fillRef>
+          <a:effectRef idx="2">
+            <a:schemeClr val="dk1"/>
+          </a:effectRef>
+          <a:fontRef idx="minor">
+            <a:schemeClr val="tx1"/>
+          </a:fontRef>
+        </p:style>
+      </p:cxnSp>
+      <p:cxnSp>
+        <p:nvCxnSpPr>
+          <p:cNvPr id="21" name="Прямая со стрелкой 20">
+            <a:extLst>
+              <a:ext uri="{FF2B5EF4-FFF2-40B4-BE49-F238E27FC236}">
+                <a16:creationId xmlns:a16="http://schemas.microsoft.com/office/drawing/2014/main" id="{17530E8D-B116-4CDB-BE28-4D33895F73F1}"/>
+              </a:ext>
+            </a:extLst>
+          </p:cNvPr>
+          <p:cNvCxnSpPr>
+            <a:cxnSpLocks/>
+          </p:cNvCxnSpPr>
+          <p:nvPr/>
+        </p:nvCxnSpPr>
+        <p:spPr>
+          <a:xfrm flipH="1">
+            <a:off x="4628444" y="1745527"/>
+            <a:ext cx="214489" cy="543388"/>
+          </a:xfrm>
+          <a:prstGeom prst="straightConnector1">
+            <a:avLst/>
+          </a:prstGeom>
+          <a:ln>
+            <a:tailEnd type="triangle"/>
+          </a:ln>
+        </p:spPr>
+        <p:style>
+          <a:lnRef idx="3">
+            <a:schemeClr val="dk1"/>
+          </a:lnRef>
+          <a:fillRef idx="0">
+            <a:schemeClr val="dk1"/>
+          </a:fillRef>
+          <a:effectRef idx="2">
+            <a:schemeClr val="dk1"/>
+          </a:effectRef>
+          <a:fontRef idx="minor">
+            <a:schemeClr val="tx1"/>
+          </a:fontRef>
+        </p:style>
+      </p:cxnSp>
+    </p:spTree>
+    <p:extLst>
+      <p:ext uri="{BB962C8B-B14F-4D97-AF65-F5344CB8AC3E}">
+        <p14:creationId xmlns:p14="http://schemas.microsoft.com/office/powerpoint/2010/main" val="3364843977"/>
+      </p:ext>
+    </p:extLst>
+  </p:cSld>
+  <p:clrMapOvr>
+    <a:masterClrMapping/>
+  </p:clrMapOvr>
+</p:sld>
+</file>
+
+<file path=ppt/slides/slide15.xml><?xml version="1.0" encoding="utf-8"?>
+<p:sld xmlns:a="http://schemas.openxmlformats.org/drawingml/2006/main" xmlns:r="http://schemas.openxmlformats.org/officeDocument/2006/relationships" xmlns:p="http://schemas.openxmlformats.org/presentationml/2006/main">
+  <p:cSld>
+    <p:bg>
+      <p:bgPr>
+        <a:solidFill>
+          <a:schemeClr val="bg1"/>
+        </a:solidFill>
+        <a:effectLst/>
+      </p:bgPr>
+    </p:bg>
+    <p:spTree>
+      <p:nvGrpSpPr>
+        <p:cNvPr id="1" name=""/>
+        <p:cNvGrpSpPr/>
+        <p:nvPr/>
+      </p:nvGrpSpPr>
+      <p:grpSpPr>
+        <a:xfrm>
+          <a:off x="0" y="0"/>
+          <a:ext cx="0" cy="0"/>
+          <a:chOff x="0" y="0"/>
+          <a:chExt cx="0" cy="0"/>
+        </a:xfrm>
+      </p:grpSpPr>
+      <p:sp useBgFill="1">
+        <p:nvSpPr>
+          <p:cNvPr id="2060" name="Rectangle 142">
+            <a:extLst>
+              <a:ext uri="{FF2B5EF4-FFF2-40B4-BE49-F238E27FC236}">
+                <a16:creationId xmlns:a16="http://schemas.microsoft.com/office/drawing/2014/main" id="{0F2F231C-9E36-40B0-A4AD-D3AD1E81F065}"/>
+              </a:ext>
+              <a:ext uri="{C183D7F6-B498-43B3-948B-1728B52AA6E4}">
+                <adec:decorative xmlns:adec="http://schemas.microsoft.com/office/drawing/2017/decorative" val="1"/>
+              </a:ext>
+            </a:extLst>
+          </p:cNvPr>
+          <p:cNvSpPr>
+            <a:spLocks noGrp="1" noRot="1" noChangeAspect="1" noMove="1" noResize="1" noEditPoints="1" noAdjustHandles="1" noChangeArrowheads="1" noChangeShapeType="1" noTextEdit="1"/>
+          </p:cNvSpPr>
+          <p:nvPr>
+            <p:extLst>
+              <p:ext uri="{386F3935-93C4-4BCD-93E2-E3B085C9AB24}">
+                <p16:designElem xmlns:p16="http://schemas.microsoft.com/office/powerpoint/2015/main" val="1"/>
+              </p:ext>
+            </p:extLst>
+          </p:nvPr>
+        </p:nvSpPr>
+        <p:spPr>
+          <a:xfrm>
+            <a:off x="0" y="0"/>
+            <a:ext cx="12191999" cy="6858000"/>
+          </a:xfrm>
+          <a:prstGeom prst="rect">
+            <a:avLst/>
+          </a:prstGeom>
+          <a:ln>
+            <a:noFill/>
+          </a:ln>
+        </p:spPr>
+        <p:style>
+          <a:lnRef idx="2">
+            <a:schemeClr val="accent1">
+              <a:shade val="50000"/>
+            </a:schemeClr>
+          </a:lnRef>
+          <a:fillRef idx="1">
+            <a:schemeClr val="accent1"/>
+          </a:fillRef>
+          <a:effectRef idx="0">
+            <a:schemeClr val="accent1"/>
+          </a:effectRef>
+          <a:fontRef idx="minor">
+            <a:schemeClr val="lt1"/>
+          </a:fontRef>
+        </p:style>
+        <p:txBody>
+          <a:bodyPr rtlCol="0" anchor="ctr"/>
+          <a:lstStyle/>
+          <a:p>
+            <a:pPr algn="ctr"/>
+            <a:endParaRPr lang="en-US"/>
+          </a:p>
+        </p:txBody>
+      </p:sp>
+      <p:sp>
+        <p:nvSpPr>
+          <p:cNvPr id="2061" name="Rectangle 144">
+            <a:extLst>
+              <a:ext uri="{FF2B5EF4-FFF2-40B4-BE49-F238E27FC236}">
+                <a16:creationId xmlns:a16="http://schemas.microsoft.com/office/drawing/2014/main" id="{AC80E3FC-06A2-4801-8281-7E4E063B73F9}"/>
+              </a:ext>
+              <a:ext uri="{C183D7F6-B498-43B3-948B-1728B52AA6E4}">
+                <adec:decorative xmlns:adec="http://schemas.microsoft.com/office/drawing/2017/decorative" val="1"/>
+              </a:ext>
+            </a:extLst>
+          </p:cNvPr>
+          <p:cNvSpPr>
+            <a:spLocks noGrp="1" noRot="1" noChangeAspect="1" noMove="1" noResize="1" noEditPoints="1" noAdjustHandles="1" noChangeArrowheads="1" noChangeShapeType="1" noTextEdit="1"/>
+          </p:cNvSpPr>
+          <p:nvPr>
+            <p:extLst>
+              <p:ext uri="{386F3935-93C4-4BCD-93E2-E3B085C9AB24}">
+                <p16:designElem xmlns:p16="http://schemas.microsoft.com/office/powerpoint/2015/main" val="1"/>
+              </p:ext>
+            </p:extLst>
+          </p:nvPr>
+        </p:nvSpPr>
+        <p:spPr>
+          <a:xfrm>
+            <a:off x="1" y="761999"/>
+            <a:ext cx="4642228" cy="5334001"/>
+          </a:xfrm>
+          <a:prstGeom prst="rect">
+            <a:avLst/>
+          </a:prstGeom>
+          <a:solidFill>
+            <a:schemeClr val="accent1"/>
+          </a:solidFill>
+          <a:ln>
+            <a:noFill/>
+          </a:ln>
+        </p:spPr>
+        <p:style>
+          <a:lnRef idx="2">
+            <a:schemeClr val="accent1">
+              <a:shade val="50000"/>
+            </a:schemeClr>
+          </a:lnRef>
+          <a:fillRef idx="1">
+            <a:schemeClr val="accent1"/>
+          </a:fillRef>
+          <a:effectRef idx="0">
+            <a:schemeClr val="accent1"/>
+          </a:effectRef>
+          <a:fontRef idx="minor">
+            <a:schemeClr val="lt1"/>
+          </a:fontRef>
+        </p:style>
+      </p:sp>
+      <p:sp>
+        <p:nvSpPr>
+          <p:cNvPr id="2062" name="Rectangle 146">
+            <a:extLst>
+              <a:ext uri="{FF2B5EF4-FFF2-40B4-BE49-F238E27FC236}">
+                <a16:creationId xmlns:a16="http://schemas.microsoft.com/office/drawing/2014/main" id="{6993D2C4-33A7-4A1E-B168-F4C7A6922AE9}"/>
+              </a:ext>
+              <a:ext uri="{C183D7F6-B498-43B3-948B-1728B52AA6E4}">
+                <adec:decorative xmlns:adec="http://schemas.microsoft.com/office/drawing/2017/decorative" val="1"/>
+              </a:ext>
+            </a:extLst>
+          </p:cNvPr>
+          <p:cNvSpPr>
+            <a:spLocks noGrp="1" noRot="1" noChangeAspect="1" noMove="1" noResize="1" noEditPoints="1" noAdjustHandles="1" noChangeArrowheads="1" noChangeShapeType="1" noTextEdit="1"/>
+          </p:cNvSpPr>
+          <p:nvPr>
+            <p:extLst>
+              <p:ext uri="{386F3935-93C4-4BCD-93E2-E3B085C9AB24}">
+                <p16:designElem xmlns:p16="http://schemas.microsoft.com/office/powerpoint/2015/main" val="1"/>
+              </p:ext>
+            </p:extLst>
+          </p:nvPr>
+        </p:nvSpPr>
+        <p:spPr>
+          <a:xfrm>
+            <a:off x="9408840" y="758952"/>
+            <a:ext cx="2079069" cy="2344272"/>
+          </a:xfrm>
+          <a:prstGeom prst="rect">
+            <a:avLst/>
+          </a:prstGeom>
+          <a:solidFill>
+            <a:schemeClr val="accent1"/>
+          </a:solidFill>
+          <a:ln>
+            <a:noFill/>
+          </a:ln>
+        </p:spPr>
+        <p:style>
+          <a:lnRef idx="2">
+            <a:schemeClr val="accent1">
+              <a:shade val="50000"/>
+            </a:schemeClr>
+          </a:lnRef>
+          <a:fillRef idx="1">
+            <a:schemeClr val="accent1"/>
+          </a:fillRef>
+          <a:effectRef idx="0">
+            <a:schemeClr val="accent1"/>
+          </a:effectRef>
+          <a:fontRef idx="minor">
+            <a:schemeClr val="lt1"/>
+          </a:fontRef>
+        </p:style>
+        <p:txBody>
+          <a:bodyPr rtlCol="0" anchor="ctr"/>
+          <a:lstStyle/>
+          <a:p>
+            <a:pPr algn="ctr"/>
+            <a:endParaRPr lang="en-US"/>
+          </a:p>
+        </p:txBody>
+      </p:sp>
+      <p:sp>
+        <p:nvSpPr>
+          <p:cNvPr id="149" name="Rectangle 148">
+            <a:extLst>
+              <a:ext uri="{FF2B5EF4-FFF2-40B4-BE49-F238E27FC236}">
+                <a16:creationId xmlns:a16="http://schemas.microsoft.com/office/drawing/2014/main" id="{4554E15C-DA50-4F0F-A416-E3B088C75711}"/>
               </a:ext>
               <a:ext uri="{C183D7F6-B498-43B3-948B-1728B52AA6E4}">
                 <adec:decorative xmlns:adec="http://schemas.microsoft.com/office/drawing/2017/decorative" val="1"/>
@@ -5935,409 +7264,12 @@
           </a:fontRef>
         </p:style>
       </p:sp>
-      <p:sp useBgFill="1">
-        <p:nvSpPr>
-          <p:cNvPr id="82" name="Rectangle 81">
+      <p:pic>
+        <p:nvPicPr>
+          <p:cNvPr id="5" name="Рисунок 4">
             <a:extLst>
               <a:ext uri="{FF2B5EF4-FFF2-40B4-BE49-F238E27FC236}">
-                <a16:creationId xmlns:a16="http://schemas.microsoft.com/office/drawing/2014/main" id="{EE9F5D7F-1BBC-4096-ADA7-AA9C9E4D2868}"/>
-              </a:ext>
-              <a:ext uri="{C183D7F6-B498-43B3-948B-1728B52AA6E4}">
-                <adec:decorative xmlns:adec="http://schemas.microsoft.com/office/drawing/2017/decorative" val="1"/>
-              </a:ext>
-            </a:extLst>
-          </p:cNvPr>
-          <p:cNvSpPr>
-            <a:spLocks noGrp="1" noRot="1" noChangeAspect="1" noMove="1" noResize="1" noEditPoints="1" noAdjustHandles="1" noChangeArrowheads="1" noChangeShapeType="1" noTextEdit="1"/>
-          </p:cNvSpPr>
-          <p:nvPr>
-            <p:extLst>
-              <p:ext uri="{386F3935-93C4-4BCD-93E2-E3B085C9AB24}">
-                <p16:designElem xmlns:p16="http://schemas.microsoft.com/office/powerpoint/2015/main" val="1"/>
-              </p:ext>
-            </p:extLst>
-          </p:nvPr>
-        </p:nvSpPr>
-        <p:spPr>
-          <a:xfrm>
-            <a:off x="0" y="0"/>
-            <a:ext cx="12192000" cy="6858000"/>
-          </a:xfrm>
-          <a:prstGeom prst="rect">
-            <a:avLst/>
-          </a:prstGeom>
-          <a:ln>
-            <a:noFill/>
-          </a:ln>
-        </p:spPr>
-        <p:style>
-          <a:lnRef idx="2">
-            <a:schemeClr val="accent1">
-              <a:shade val="50000"/>
-            </a:schemeClr>
-          </a:lnRef>
-          <a:fillRef idx="1">
-            <a:schemeClr val="accent1"/>
-          </a:fillRef>
-          <a:effectRef idx="0">
-            <a:schemeClr val="accent1"/>
-          </a:effectRef>
-          <a:fontRef idx="minor">
-            <a:schemeClr val="lt1"/>
-          </a:fontRef>
-        </p:style>
-        <p:txBody>
-          <a:bodyPr rtlCol="0" anchor="ctr"/>
-          <a:lstStyle/>
-          <a:p>
-            <a:pPr algn="ctr"/>
-            <a:endParaRPr lang="en-US"/>
-          </a:p>
-        </p:txBody>
-      </p:sp>
-      <p:sp>
-        <p:nvSpPr>
-          <p:cNvPr id="84" name="Rectangle 83">
-            <a:extLst>
-              <a:ext uri="{FF2B5EF4-FFF2-40B4-BE49-F238E27FC236}">
-                <a16:creationId xmlns:a16="http://schemas.microsoft.com/office/drawing/2014/main" id="{06D370DD-716B-4528-B475-331F84CEA5A1}"/>
-              </a:ext>
-              <a:ext uri="{C183D7F6-B498-43B3-948B-1728B52AA6E4}">
-                <adec:decorative xmlns:adec="http://schemas.microsoft.com/office/drawing/2017/decorative" val="1"/>
-              </a:ext>
-            </a:extLst>
-          </p:cNvPr>
-          <p:cNvSpPr>
-            <a:spLocks noGrp="1" noRot="1" noChangeAspect="1" noMove="1" noResize="1" noEditPoints="1" noAdjustHandles="1" noChangeArrowheads="1" noChangeShapeType="1" noTextEdit="1"/>
-          </p:cNvSpPr>
-          <p:nvPr>
-            <p:extLst>
-              <p:ext uri="{386F3935-93C4-4BCD-93E2-E3B085C9AB24}">
-                <p16:designElem xmlns:p16="http://schemas.microsoft.com/office/powerpoint/2015/main" val="1"/>
-              </p:ext>
-            </p:extLst>
-          </p:nvPr>
-        </p:nvSpPr>
-        <p:spPr>
-          <a:xfrm>
-            <a:off x="0" y="758953"/>
-            <a:ext cx="7052486" cy="5330952"/>
-          </a:xfrm>
-          <a:prstGeom prst="rect">
-            <a:avLst/>
-          </a:prstGeom>
-          <a:solidFill>
-            <a:schemeClr val="accent1"/>
-          </a:solidFill>
-          <a:ln>
-            <a:noFill/>
-          </a:ln>
-        </p:spPr>
-        <p:style>
-          <a:lnRef idx="2">
-            <a:schemeClr val="accent1">
-              <a:shade val="50000"/>
-            </a:schemeClr>
-          </a:lnRef>
-          <a:fillRef idx="1">
-            <a:schemeClr val="accent1"/>
-          </a:fillRef>
-          <a:effectRef idx="0">
-            <a:schemeClr val="accent1"/>
-          </a:effectRef>
-          <a:fontRef idx="minor">
-            <a:schemeClr val="lt1"/>
-          </a:fontRef>
-        </p:style>
-      </p:sp>
-      <p:sp>
-        <p:nvSpPr>
-          <p:cNvPr id="2" name="Прямоугольник 1">
-            <a:extLst>
-              <a:ext uri="{FF2B5EF4-FFF2-40B4-BE49-F238E27FC236}">
-                <a16:creationId xmlns:a16="http://schemas.microsoft.com/office/drawing/2014/main" id="{3B398E50-B389-4600-9630-2827F87B8FC9}"/>
-              </a:ext>
-            </a:extLst>
-          </p:cNvPr>
-          <p:cNvSpPr/>
-          <p:nvPr/>
-        </p:nvSpPr>
-        <p:spPr>
-          <a:xfrm>
-            <a:off x="382476" y="1786985"/>
-            <a:ext cx="6451109" cy="3274586"/>
-          </a:xfrm>
-          <a:prstGeom prst="rect">
-            <a:avLst/>
-          </a:prstGeom>
-        </p:spPr>
-        <p:txBody>
-          <a:bodyPr vert="horz" lIns="91440" tIns="45720" rIns="91440" bIns="45720" rtlCol="0" anchor="t">
-            <a:normAutofit fontScale="92500" lnSpcReduction="20000"/>
-          </a:bodyPr>
-          <a:lstStyle/>
-          <a:p>
-            <a:pPr indent="-182880" defTabSz="914400">
-              <a:lnSpc>
-                <a:spcPct val="130000"/>
-              </a:lnSpc>
-              <a:spcAft>
-                <a:spcPts val="600"/>
-              </a:spcAft>
-              <a:buClr>
-                <a:schemeClr val="accent1"/>
-              </a:buClr>
-              <a:buFont typeface="Wingdings 2" pitchFamily="18" charset="2"/>
-              <a:buChar char=""/>
-            </a:pPr>
-            <a:r>
-              <a:rPr lang="en-US" sz="2400" dirty="0">
-                <a:solidFill>
-                  <a:srgbClr val="FFFFFF"/>
-                </a:solidFill>
-              </a:rPr>
-              <a:t>@Override</a:t>
-            </a:r>
-          </a:p>
-          <a:p>
-            <a:pPr indent="-182880" defTabSz="914400">
-              <a:lnSpc>
-                <a:spcPct val="130000"/>
-              </a:lnSpc>
-              <a:spcAft>
-                <a:spcPts val="600"/>
-              </a:spcAft>
-              <a:buClr>
-                <a:schemeClr val="accent1"/>
-              </a:buClr>
-              <a:buFont typeface="Wingdings 2" pitchFamily="18" charset="2"/>
-              <a:buChar char=""/>
-            </a:pPr>
-            <a:r>
-              <a:rPr lang="en-US" sz="2400" dirty="0">
-                <a:solidFill>
-                  <a:srgbClr val="FFFFFF"/>
-                </a:solidFill>
-              </a:rPr>
-              <a:t>protected void </a:t>
-            </a:r>
-            <a:r>
-              <a:rPr lang="en-US" sz="2400" dirty="0" err="1">
-                <a:solidFill>
-                  <a:srgbClr val="FFFFFF"/>
-                </a:solidFill>
-              </a:rPr>
-              <a:t>onDraw</a:t>
-            </a:r>
-            <a:r>
-              <a:rPr lang="en-US" sz="2400" dirty="0">
-                <a:solidFill>
-                  <a:srgbClr val="FFFFFF"/>
-                </a:solidFill>
-              </a:rPr>
-              <a:t>(Canvas canvas) {</a:t>
-            </a:r>
-          </a:p>
-          <a:p>
-            <a:pPr indent="-182880" defTabSz="914400">
-              <a:lnSpc>
-                <a:spcPct val="130000"/>
-              </a:lnSpc>
-              <a:spcAft>
-                <a:spcPts val="600"/>
-              </a:spcAft>
-              <a:buClr>
-                <a:schemeClr val="accent1"/>
-              </a:buClr>
-              <a:buFont typeface="Wingdings 2" pitchFamily="18" charset="2"/>
-              <a:buChar char=""/>
-            </a:pPr>
-            <a:r>
-              <a:rPr lang="en-US" sz="2400" dirty="0">
-                <a:solidFill>
-                  <a:srgbClr val="FFFFFF"/>
-                </a:solidFill>
-              </a:rPr>
-              <a:t>	</a:t>
-            </a:r>
-            <a:r>
-              <a:rPr lang="en-US" sz="2400" dirty="0" err="1">
-                <a:solidFill>
-                  <a:srgbClr val="FFFFFF"/>
-                </a:solidFill>
-              </a:rPr>
-              <a:t>canvas.drawCircle</a:t>
-            </a:r>
-            <a:r>
-              <a:rPr lang="en-US" sz="2400" dirty="0">
-                <a:solidFill>
-                  <a:srgbClr val="FFFFFF"/>
-                </a:solidFill>
-              </a:rPr>
-              <a:t>(x, 300, 20, paint);</a:t>
-            </a:r>
-          </a:p>
-          <a:p>
-            <a:pPr indent="-182880" defTabSz="914400">
-              <a:lnSpc>
-                <a:spcPct val="130000"/>
-              </a:lnSpc>
-              <a:spcAft>
-                <a:spcPts val="600"/>
-              </a:spcAft>
-              <a:buClr>
-                <a:schemeClr val="accent1"/>
-              </a:buClr>
-              <a:buFont typeface="Wingdings 2" pitchFamily="18" charset="2"/>
-              <a:buChar char=""/>
-            </a:pPr>
-            <a:r>
-              <a:rPr lang="en-US" sz="2400" dirty="0">
-                <a:solidFill>
-                  <a:srgbClr val="FFFFFF"/>
-                </a:solidFill>
-              </a:rPr>
-              <a:t>	// </a:t>
-            </a:r>
-            <a:r>
-              <a:rPr lang="en-US" sz="2400" dirty="0" err="1">
-                <a:solidFill>
-                  <a:srgbClr val="FFFFFF"/>
-                </a:solidFill>
-              </a:rPr>
-              <a:t>готовим</a:t>
-            </a:r>
-            <a:r>
-              <a:rPr lang="en-US" sz="2400" dirty="0">
-                <a:solidFill>
-                  <a:srgbClr val="FFFFFF"/>
-                </a:solidFill>
-              </a:rPr>
-              <a:t> x </a:t>
-            </a:r>
-            <a:r>
-              <a:rPr lang="en-US" sz="2400" dirty="0" err="1">
-                <a:solidFill>
-                  <a:srgbClr val="FFFFFF"/>
-                </a:solidFill>
-              </a:rPr>
-              <a:t>для</a:t>
-            </a:r>
-            <a:r>
-              <a:rPr lang="en-US" sz="2400" dirty="0">
-                <a:solidFill>
-                  <a:srgbClr val="FFFFFF"/>
-                </a:solidFill>
-              </a:rPr>
-              <a:t> </a:t>
-            </a:r>
-            <a:r>
-              <a:rPr lang="en-US" sz="2400" dirty="0" err="1">
-                <a:solidFill>
-                  <a:srgbClr val="FFFFFF"/>
-                </a:solidFill>
-              </a:rPr>
-              <a:t>следующего</a:t>
-            </a:r>
-            <a:r>
-              <a:rPr lang="en-US" sz="2400" dirty="0">
-                <a:solidFill>
-                  <a:srgbClr val="FFFFFF"/>
-                </a:solidFill>
-              </a:rPr>
-              <a:t> </a:t>
-            </a:r>
-            <a:r>
-              <a:rPr lang="en-US" sz="2400" dirty="0" err="1">
-                <a:solidFill>
-                  <a:srgbClr val="FFFFFF"/>
-                </a:solidFill>
-              </a:rPr>
-              <a:t>кадра</a:t>
-            </a:r>
-            <a:endParaRPr lang="en-US" sz="2400" dirty="0">
-              <a:solidFill>
-                <a:srgbClr val="FFFFFF"/>
-              </a:solidFill>
-            </a:endParaRPr>
-          </a:p>
-          <a:p>
-            <a:pPr indent="-182880" defTabSz="914400">
-              <a:lnSpc>
-                <a:spcPct val="130000"/>
-              </a:lnSpc>
-              <a:spcAft>
-                <a:spcPts val="600"/>
-              </a:spcAft>
-              <a:buClr>
-                <a:schemeClr val="accent1"/>
-              </a:buClr>
-              <a:buFont typeface="Wingdings 2" pitchFamily="18" charset="2"/>
-              <a:buChar char=""/>
-            </a:pPr>
-            <a:r>
-              <a:rPr lang="en-US" sz="2400" dirty="0">
-                <a:solidFill>
-                  <a:srgbClr val="FFFFFF"/>
-                </a:solidFill>
-              </a:rPr>
-              <a:t> 	x += 0.5f;</a:t>
-            </a:r>
-          </a:p>
-          <a:p>
-            <a:pPr indent="-182880" defTabSz="914400">
-              <a:lnSpc>
-                <a:spcPct val="130000"/>
-              </a:lnSpc>
-              <a:spcAft>
-                <a:spcPts val="600"/>
-              </a:spcAft>
-              <a:buClr>
-                <a:schemeClr val="accent1"/>
-              </a:buClr>
-              <a:buFont typeface="Wingdings 2" pitchFamily="18" charset="2"/>
-              <a:buChar char=""/>
-            </a:pPr>
-            <a:r>
-              <a:rPr lang="en-US" sz="2400" dirty="0">
-                <a:solidFill>
-                  <a:srgbClr val="FFFFFF"/>
-                </a:solidFill>
-              </a:rPr>
-              <a:t>	invalidate();</a:t>
-            </a:r>
-          </a:p>
-          <a:p>
-            <a:pPr indent="-182880" defTabSz="914400">
-              <a:lnSpc>
-                <a:spcPct val="130000"/>
-              </a:lnSpc>
-              <a:spcAft>
-                <a:spcPts val="600"/>
-              </a:spcAft>
-              <a:buClr>
-                <a:schemeClr val="accent1"/>
-              </a:buClr>
-              <a:buFont typeface="Wingdings 2" pitchFamily="18" charset="2"/>
-              <a:buChar char=""/>
-            </a:pPr>
-            <a:r>
-              <a:rPr lang="en-US" sz="2400" dirty="0">
-                <a:solidFill>
-                  <a:srgbClr val="FFFFFF"/>
-                </a:solidFill>
-              </a:rPr>
-              <a:t>}</a:t>
-            </a:r>
-          </a:p>
-        </p:txBody>
-      </p:sp>
-      <p:pic>
-        <p:nvPicPr>
-          <p:cNvPr id="9" name="Рисунок 8">
-            <a:extLst>
-              <a:ext uri="{FF2B5EF4-FFF2-40B4-BE49-F238E27FC236}">
-                <a16:creationId xmlns:a16="http://schemas.microsoft.com/office/drawing/2014/main" id="{76CC0251-0268-44CE-9511-B00D6B5683B6}"/>
+                <a16:creationId xmlns:a16="http://schemas.microsoft.com/office/drawing/2014/main" id="{73081F4B-0452-4863-92C4-8AD523AF501D}"/>
               </a:ext>
             </a:extLst>
           </p:cNvPr>
@@ -6354,8 +7286,8 @@
         </p:blipFill>
         <p:spPr>
           <a:xfrm>
-            <a:off x="7942842" y="758953"/>
-            <a:ext cx="2998490" cy="5330650"/>
+            <a:off x="891072" y="942951"/>
+            <a:ext cx="2657262" cy="4724023"/>
           </a:xfrm>
           <a:prstGeom prst="rect">
             <a:avLst/>
@@ -6364,67 +7296,335 @@
       </p:pic>
       <p:sp>
         <p:nvSpPr>
-          <p:cNvPr id="86" name="Rectangle 85">
+          <p:cNvPr id="6" name="Прямоугольник 5">
             <a:extLst>
               <a:ext uri="{FF2B5EF4-FFF2-40B4-BE49-F238E27FC236}">
-                <a16:creationId xmlns:a16="http://schemas.microsoft.com/office/drawing/2014/main" id="{E79D076F-656A-4CD9-83AD-AF8F4B28CA49}"/>
-              </a:ext>
-              <a:ext uri="{C183D7F6-B498-43B3-948B-1728B52AA6E4}">
-                <adec:decorative xmlns:adec="http://schemas.microsoft.com/office/drawing/2017/decorative" val="1"/>
+                <a16:creationId xmlns:a16="http://schemas.microsoft.com/office/drawing/2014/main" id="{C9D015F3-4E7B-4873-A3E2-A452DF5977D6}"/>
               </a:ext>
             </a:extLst>
           </p:cNvPr>
-          <p:cNvSpPr>
-            <a:spLocks noGrp="1" noRot="1" noChangeAspect="1" noMove="1" noResize="1" noEditPoints="1" noAdjustHandles="1" noChangeArrowheads="1" noChangeShapeType="1" noTextEdit="1"/>
-          </p:cNvSpPr>
-          <p:nvPr>
-            <p:extLst>
-              <p:ext uri="{386F3935-93C4-4BCD-93E2-E3B085C9AB24}">
-                <p16:designElem xmlns:p16="http://schemas.microsoft.com/office/powerpoint/2015/main" val="1"/>
-              </p:ext>
-            </p:extLst>
-          </p:nvPr>
+          <p:cNvSpPr/>
+          <p:nvPr/>
         </p:nvSpPr>
         <p:spPr>
           <a:xfrm>
-            <a:off x="11815864" y="758952"/>
-            <a:ext cx="384048" cy="5330952"/>
+            <a:off x="5657701" y="1991664"/>
+            <a:ext cx="6451109" cy="3274586"/>
           </a:xfrm>
           <a:prstGeom prst="rect">
             <a:avLst/>
           </a:prstGeom>
-          <a:solidFill>
-            <a:srgbClr val="C8C8C8">
-              <a:alpha val="49804"/>
-            </a:srgbClr>
-          </a:solidFill>
-          <a:ln>
-            <a:noFill/>
-          </a:ln>
         </p:spPr>
-        <p:style>
-          <a:lnRef idx="2">
-            <a:schemeClr val="accent1">
-              <a:shade val="50000"/>
-            </a:schemeClr>
-          </a:lnRef>
-          <a:fillRef idx="1">
-            <a:schemeClr val="accent1"/>
-          </a:fillRef>
-          <a:effectRef idx="0">
-            <a:schemeClr val="accent1"/>
-          </a:effectRef>
-          <a:fontRef idx="minor">
-            <a:schemeClr val="lt1"/>
-          </a:fontRef>
-        </p:style>
+        <p:txBody>
+          <a:bodyPr vert="horz" lIns="91440" tIns="45720" rIns="91440" bIns="45720" rtlCol="0" anchor="t">
+            <a:normAutofit fontScale="92500" lnSpcReduction="20000"/>
+          </a:bodyPr>
+          <a:lstStyle/>
+          <a:p>
+            <a:pPr defTabSz="914400">
+              <a:lnSpc>
+                <a:spcPct val="130000"/>
+              </a:lnSpc>
+              <a:spcAft>
+                <a:spcPts val="600"/>
+              </a:spcAft>
+              <a:buClr>
+                <a:schemeClr val="accent1"/>
+              </a:buClr>
+            </a:pPr>
+            <a:r>
+              <a:rPr lang="en-US" sz="2400" dirty="0">
+                <a:solidFill>
+                  <a:schemeClr val="tx1">
+                    <a:lumMod val="95000"/>
+                    <a:lumOff val="5000"/>
+                  </a:schemeClr>
+                </a:solidFill>
+              </a:rPr>
+              <a:t>@Override</a:t>
+            </a:r>
+          </a:p>
+          <a:p>
+            <a:pPr defTabSz="914400">
+              <a:lnSpc>
+                <a:spcPct val="130000"/>
+              </a:lnSpc>
+              <a:spcAft>
+                <a:spcPts val="600"/>
+              </a:spcAft>
+              <a:buClr>
+                <a:schemeClr val="accent1"/>
+              </a:buClr>
+            </a:pPr>
+            <a:r>
+              <a:rPr lang="en-US" sz="2400" dirty="0">
+                <a:solidFill>
+                  <a:schemeClr val="tx1">
+                    <a:lumMod val="95000"/>
+                    <a:lumOff val="5000"/>
+                  </a:schemeClr>
+                </a:solidFill>
+              </a:rPr>
+              <a:t>protected void </a:t>
+            </a:r>
+            <a:r>
+              <a:rPr lang="en-US" sz="2400" dirty="0" err="1">
+                <a:solidFill>
+                  <a:schemeClr val="tx1">
+                    <a:lumMod val="95000"/>
+                    <a:lumOff val="5000"/>
+                  </a:schemeClr>
+                </a:solidFill>
+              </a:rPr>
+              <a:t>onDraw</a:t>
+            </a:r>
+            <a:r>
+              <a:rPr lang="en-US" sz="2400" dirty="0">
+                <a:solidFill>
+                  <a:schemeClr val="tx1">
+                    <a:lumMod val="95000"/>
+                    <a:lumOff val="5000"/>
+                  </a:schemeClr>
+                </a:solidFill>
+              </a:rPr>
+              <a:t>(Canvas canvas) {</a:t>
+            </a:r>
+          </a:p>
+          <a:p>
+            <a:pPr defTabSz="914400">
+              <a:lnSpc>
+                <a:spcPct val="130000"/>
+              </a:lnSpc>
+              <a:spcAft>
+                <a:spcPts val="600"/>
+              </a:spcAft>
+              <a:buClr>
+                <a:schemeClr val="accent1"/>
+              </a:buClr>
+            </a:pPr>
+            <a:r>
+              <a:rPr lang="en-US" sz="2400" dirty="0">
+                <a:solidFill>
+                  <a:schemeClr val="tx1">
+                    <a:lumMod val="95000"/>
+                    <a:lumOff val="5000"/>
+                  </a:schemeClr>
+                </a:solidFill>
+              </a:rPr>
+              <a:t>	</a:t>
+            </a:r>
+            <a:r>
+              <a:rPr lang="en-US" sz="2400" dirty="0" err="1">
+                <a:solidFill>
+                  <a:schemeClr val="tx1">
+                    <a:lumMod val="95000"/>
+                    <a:lumOff val="5000"/>
+                  </a:schemeClr>
+                </a:solidFill>
+              </a:rPr>
+              <a:t>canvas.drawCircle</a:t>
+            </a:r>
+            <a:r>
+              <a:rPr lang="en-US" sz="2400" dirty="0">
+                <a:solidFill>
+                  <a:schemeClr val="tx1">
+                    <a:lumMod val="95000"/>
+                    <a:lumOff val="5000"/>
+                  </a:schemeClr>
+                </a:solidFill>
+              </a:rPr>
+              <a:t>(x, 300, 20, paint);</a:t>
+            </a:r>
+          </a:p>
+          <a:p>
+            <a:pPr defTabSz="914400">
+              <a:lnSpc>
+                <a:spcPct val="130000"/>
+              </a:lnSpc>
+              <a:spcAft>
+                <a:spcPts val="600"/>
+              </a:spcAft>
+              <a:buClr>
+                <a:schemeClr val="accent1"/>
+              </a:buClr>
+            </a:pPr>
+            <a:r>
+              <a:rPr lang="en-US" sz="2400" dirty="0">
+                <a:solidFill>
+                  <a:schemeClr val="tx1">
+                    <a:lumMod val="95000"/>
+                    <a:lumOff val="5000"/>
+                  </a:schemeClr>
+                </a:solidFill>
+              </a:rPr>
+              <a:t>	// </a:t>
+            </a:r>
+            <a:r>
+              <a:rPr lang="en-US" sz="2400" dirty="0" err="1">
+                <a:solidFill>
+                  <a:schemeClr val="tx1">
+                    <a:lumMod val="95000"/>
+                    <a:lumOff val="5000"/>
+                  </a:schemeClr>
+                </a:solidFill>
+              </a:rPr>
+              <a:t>готовим</a:t>
+            </a:r>
+            <a:r>
+              <a:rPr lang="en-US" sz="2400" dirty="0">
+                <a:solidFill>
+                  <a:schemeClr val="tx1">
+                    <a:lumMod val="95000"/>
+                    <a:lumOff val="5000"/>
+                  </a:schemeClr>
+                </a:solidFill>
+              </a:rPr>
+              <a:t> x </a:t>
+            </a:r>
+            <a:r>
+              <a:rPr lang="en-US" sz="2400" dirty="0" err="1">
+                <a:solidFill>
+                  <a:schemeClr val="tx1">
+                    <a:lumMod val="95000"/>
+                    <a:lumOff val="5000"/>
+                  </a:schemeClr>
+                </a:solidFill>
+              </a:rPr>
+              <a:t>для</a:t>
+            </a:r>
+            <a:r>
+              <a:rPr lang="en-US" sz="2400" dirty="0">
+                <a:solidFill>
+                  <a:schemeClr val="tx1">
+                    <a:lumMod val="95000"/>
+                    <a:lumOff val="5000"/>
+                  </a:schemeClr>
+                </a:solidFill>
+              </a:rPr>
+              <a:t> </a:t>
+            </a:r>
+            <a:r>
+              <a:rPr lang="en-US" sz="2400" dirty="0" err="1">
+                <a:solidFill>
+                  <a:schemeClr val="tx1">
+                    <a:lumMod val="95000"/>
+                    <a:lumOff val="5000"/>
+                  </a:schemeClr>
+                </a:solidFill>
+              </a:rPr>
+              <a:t>следующего</a:t>
+            </a:r>
+            <a:r>
+              <a:rPr lang="en-US" sz="2400" dirty="0">
+                <a:solidFill>
+                  <a:schemeClr val="tx1">
+                    <a:lumMod val="95000"/>
+                    <a:lumOff val="5000"/>
+                  </a:schemeClr>
+                </a:solidFill>
+              </a:rPr>
+              <a:t> </a:t>
+            </a:r>
+            <a:r>
+              <a:rPr lang="en-US" sz="2400" dirty="0" err="1">
+                <a:solidFill>
+                  <a:schemeClr val="tx1">
+                    <a:lumMod val="95000"/>
+                    <a:lumOff val="5000"/>
+                  </a:schemeClr>
+                </a:solidFill>
+              </a:rPr>
+              <a:t>кадра</a:t>
+            </a:r>
+            <a:endParaRPr lang="en-US" sz="2400" dirty="0">
+              <a:solidFill>
+                <a:schemeClr val="tx1">
+                  <a:lumMod val="95000"/>
+                  <a:lumOff val="5000"/>
+                </a:schemeClr>
+              </a:solidFill>
+            </a:endParaRPr>
+          </a:p>
+          <a:p>
+            <a:pPr defTabSz="914400">
+              <a:lnSpc>
+                <a:spcPct val="130000"/>
+              </a:lnSpc>
+              <a:spcAft>
+                <a:spcPts val="600"/>
+              </a:spcAft>
+              <a:buClr>
+                <a:schemeClr val="accent1"/>
+              </a:buClr>
+            </a:pPr>
+            <a:r>
+              <a:rPr lang="en-US" sz="2400" dirty="0">
+                <a:solidFill>
+                  <a:schemeClr val="tx1">
+                    <a:lumMod val="95000"/>
+                    <a:lumOff val="5000"/>
+                  </a:schemeClr>
+                </a:solidFill>
+              </a:rPr>
+              <a:t> 	x += 0.5f;</a:t>
+            </a:r>
+          </a:p>
+          <a:p>
+            <a:pPr defTabSz="914400">
+              <a:lnSpc>
+                <a:spcPct val="130000"/>
+              </a:lnSpc>
+              <a:spcAft>
+                <a:spcPts val="600"/>
+              </a:spcAft>
+              <a:buClr>
+                <a:schemeClr val="accent1"/>
+              </a:buClr>
+            </a:pPr>
+            <a:r>
+              <a:rPr lang="en-US" sz="2400" dirty="0">
+                <a:solidFill>
+                  <a:schemeClr val="tx1">
+                    <a:lumMod val="95000"/>
+                    <a:lumOff val="5000"/>
+                  </a:schemeClr>
+                </a:solidFill>
+              </a:rPr>
+              <a:t>	invalidate();</a:t>
+            </a:r>
+          </a:p>
+          <a:p>
+            <a:pPr defTabSz="914400">
+              <a:lnSpc>
+                <a:spcPct val="130000"/>
+              </a:lnSpc>
+              <a:spcAft>
+                <a:spcPts val="600"/>
+              </a:spcAft>
+              <a:buClr>
+                <a:schemeClr val="accent1"/>
+              </a:buClr>
+            </a:pPr>
+            <a:r>
+              <a:rPr lang="en-US" sz="2400" dirty="0">
+                <a:solidFill>
+                  <a:schemeClr val="tx1">
+                    <a:lumMod val="95000"/>
+                    <a:lumOff val="5000"/>
+                  </a:schemeClr>
+                </a:solidFill>
+              </a:rPr>
+              <a:t>}</a:t>
+            </a:r>
+          </a:p>
+        </p:txBody>
       </p:sp>
       <p:sp>
         <p:nvSpPr>
-          <p:cNvPr id="11" name="Прямоугольник 10">
+          <p:cNvPr id="7" name="Прямоугольник 6">
             <a:extLst>
               <a:ext uri="{FF2B5EF4-FFF2-40B4-BE49-F238E27FC236}">
-                <a16:creationId xmlns:a16="http://schemas.microsoft.com/office/drawing/2014/main" id="{24195733-D2DC-4C95-A596-942B0689A47D}"/>
+                <a16:creationId xmlns:a16="http://schemas.microsoft.com/office/drawing/2014/main" id="{F90539CB-AAB0-4034-B883-31DCDB5BE786}"/>
               </a:ext>
             </a:extLst>
           </p:cNvPr>
@@ -6433,7 +7633,7 @@
         </p:nvSpPr>
         <p:spPr>
           <a:xfrm>
-            <a:off x="379947" y="1472116"/>
+            <a:off x="5251301" y="1611497"/>
             <a:ext cx="6127288" cy="3913768"/>
           </a:xfrm>
           <a:prstGeom prst="rect">
@@ -6479,7 +7679,7 @@
     </p:spTree>
     <p:extLst>
       <p:ext uri="{BB962C8B-B14F-4D97-AF65-F5344CB8AC3E}">
-        <p14:creationId xmlns:p14="http://schemas.microsoft.com/office/powerpoint/2010/main" val="1810026418"/>
+        <p14:creationId xmlns:p14="http://schemas.microsoft.com/office/powerpoint/2010/main" val="1725232086"/>
       </p:ext>
     </p:extLst>
   </p:cSld>
@@ -12816,103 +14016,6 @@
           </p:txBody>
         </p:sp>
       </p:grpSp>
-      <mc:AlternateContent xmlns:mc="http://schemas.openxmlformats.org/markup-compatibility/2006" xmlns:pslz="http://schemas.microsoft.com/office/powerpoint/2016/slidezoom">
-        <mc:Choice Requires="pslz">
-          <p:graphicFrame>
-            <p:nvGraphicFramePr>
-              <p:cNvPr id="11" name="Ссылка на слайд 10">
-                <a:extLst>
-                  <a:ext uri="{FF2B5EF4-FFF2-40B4-BE49-F238E27FC236}">
-                    <a16:creationId xmlns:a16="http://schemas.microsoft.com/office/drawing/2014/main" id="{B6CE65B7-5224-4CAC-9AF4-24E6E81C3CBC}"/>
-                  </a:ext>
-                </a:extLst>
-              </p:cNvPr>
-              <p:cNvGraphicFramePr>
-                <a:graphicFrameLocks noChangeAspect="1"/>
-              </p:cNvGraphicFramePr>
-              <p:nvPr>
-                <p:extLst>
-                  <p:ext uri="{D42A27DB-BD31-4B8C-83A1-F6EECF244321}">
-                    <p14:modId xmlns:p14="http://schemas.microsoft.com/office/powerpoint/2010/main" val="1226478259"/>
-                  </p:ext>
-                </p:extLst>
-              </p:nvPr>
-            </p:nvGraphicFramePr>
-            <p:xfrm>
-              <a:off x="2698983" y="2174185"/>
-              <a:ext cx="3048000" cy="1714500"/>
-            </p:xfrm>
-            <a:graphic>
-              <a:graphicData uri="http://schemas.microsoft.com/office/powerpoint/2016/slidezoom">
-                <pslz:sldZm>
-                  <pslz:sldZmObj sldId="267" cId="1964814708">
-                    <pslz:zmPr id="{9DA8F92F-D339-49C3-927A-004D2090DD06}" returnToParent="0" transitionDur="1000">
-                      <p166:blipFill xmlns:p166="http://schemas.microsoft.com/office/powerpoint/2016/6/main">
-                        <a:blip r:embed="rId2"/>
-                        <a:stretch>
-                          <a:fillRect/>
-                        </a:stretch>
-                      </p166:blipFill>
-                      <p166:spPr xmlns:p166="http://schemas.microsoft.com/office/powerpoint/2016/6/main">
-                        <a:xfrm>
-                          <a:off x="0" y="0"/>
-                          <a:ext cx="3048000" cy="1714500"/>
-                        </a:xfrm>
-                        <a:prstGeom prst="rect">
-                          <a:avLst/>
-                        </a:prstGeom>
-                        <a:ln w="3175">
-                          <a:solidFill>
-                            <a:prstClr val="ltGray"/>
-                          </a:solidFill>
-                        </a:ln>
-                      </p166:spPr>
-                    </pslz:zmPr>
-                  </pslz:sldZmObj>
-                </pslz:sldZm>
-              </a:graphicData>
-            </a:graphic>
-          </p:graphicFrame>
-        </mc:Choice>
-        <mc:Fallback xmlns="">
-          <p:pic>
-            <p:nvPicPr>
-              <p:cNvPr id="11" name="Ссылка на слайд 10">
-                <a:hlinkClick r:id="rId3" action="ppaction://hlinksldjump"/>
-                <a:extLst>
-                  <a:ext uri="{FF2B5EF4-FFF2-40B4-BE49-F238E27FC236}">
-                    <a16:creationId xmlns:a16="http://schemas.microsoft.com/office/drawing/2014/main" id="{B6CE65B7-5224-4CAC-9AF4-24E6E81C3CBC}"/>
-                  </a:ext>
-                </a:extLst>
-              </p:cNvPr>
-              <p:cNvPicPr>
-                <a:picLocks noGrp="1" noRot="1" noChangeAspect="1" noMove="1" noResize="1" noEditPoints="1" noAdjustHandles="1" noChangeArrowheads="1" noChangeShapeType="1"/>
-              </p:cNvPicPr>
-              <p:nvPr/>
-            </p:nvPicPr>
-            <p:blipFill>
-              <a:blip r:embed="rId4"/>
-              <a:stretch>
-                <a:fillRect/>
-              </a:stretch>
-            </p:blipFill>
-            <p:spPr>
-              <a:xfrm>
-                <a:off x="2698983" y="2174185"/>
-                <a:ext cx="3048000" cy="1714500"/>
-              </a:xfrm>
-              <a:prstGeom prst="rect">
-                <a:avLst/>
-              </a:prstGeom>
-              <a:ln w="3175">
-                <a:solidFill>
-                  <a:prstClr val="ltGray"/>
-                </a:solidFill>
-              </a:ln>
-            </p:spPr>
-          </p:pic>
-        </mc:Fallback>
-      </mc:AlternateContent>
     </p:spTree>
     <p:extLst>
       <p:ext uri="{BB962C8B-B14F-4D97-AF65-F5344CB8AC3E}">

--- a/Samsung/Lesson6/Циклы в Java.pptx
+++ b/Samsung/Lesson6/Циклы в Java.pptx
@@ -13,13 +13,16 @@
     <p:sldId id="265" r:id="rId7"/>
     <p:sldId id="264" r:id="rId8"/>
     <p:sldId id="263" r:id="rId9"/>
-    <p:sldId id="268" r:id="rId10"/>
-    <p:sldId id="266" r:id="rId11"/>
-    <p:sldId id="269" r:id="rId12"/>
-    <p:sldId id="274" r:id="rId13"/>
-    <p:sldId id="273" r:id="rId14"/>
-    <p:sldId id="275" r:id="rId15"/>
-    <p:sldId id="272" r:id="rId16"/>
+    <p:sldId id="280" r:id="rId10"/>
+    <p:sldId id="268" r:id="rId11"/>
+    <p:sldId id="266" r:id="rId12"/>
+    <p:sldId id="283" r:id="rId13"/>
+    <p:sldId id="269" r:id="rId14"/>
+    <p:sldId id="276" r:id="rId15"/>
+    <p:sldId id="277" r:id="rId16"/>
+    <p:sldId id="282" r:id="rId17"/>
+    <p:sldId id="275" r:id="rId18"/>
+    <p:sldId id="278" r:id="rId19"/>
   </p:sldIdLst>
   <p:sldSz cx="12192000" cy="6858000"/>
   <p:notesSz cx="6858000" cy="9144000"/>
@@ -351,7 +354,7 @@
             <a:fld id="{5586B75A-687E-405C-8A0B-8D00578BA2C3}" type="datetimeFigureOut">
               <a:rPr lang="en-US" dirty="0"/>
               <a:pPr/>
-              <a:t>10/7/2020</a:t>
+              <a:t>10/8/2020</a:t>
             </a:fld>
             <a:endParaRPr lang="en-US" dirty="0"/>
           </a:p>
@@ -518,7 +521,7 @@
             <a:fld id="{5586B75A-687E-405C-8A0B-8D00578BA2C3}" type="datetimeFigureOut">
               <a:rPr lang="en-US" dirty="0"/>
               <a:pPr/>
-              <a:t>10/7/2020</a:t>
+              <a:t>10/8/2020</a:t>
             </a:fld>
             <a:endParaRPr lang="en-US" dirty="0"/>
           </a:p>
@@ -695,7 +698,7 @@
             <a:fld id="{5586B75A-687E-405C-8A0B-8D00578BA2C3}" type="datetimeFigureOut">
               <a:rPr lang="en-US" dirty="0"/>
               <a:pPr/>
-              <a:t>10/7/2020</a:t>
+              <a:t>10/8/2020</a:t>
             </a:fld>
             <a:endParaRPr lang="en-US" dirty="0"/>
           </a:p>
@@ -862,7 +865,7 @@
             <a:fld id="{5586B75A-687E-405C-8A0B-8D00578BA2C3}" type="datetimeFigureOut">
               <a:rPr lang="en-US" dirty="0"/>
               <a:pPr/>
-              <a:t>10/7/2020</a:t>
+              <a:t>10/8/2020</a:t>
             </a:fld>
             <a:endParaRPr lang="en-US" dirty="0"/>
           </a:p>
@@ -1117,7 +1120,7 @@
             <a:fld id="{5586B75A-687E-405C-8A0B-8D00578BA2C3}" type="datetimeFigureOut">
               <a:rPr lang="en-US" dirty="0"/>
               <a:pPr/>
-              <a:t>10/7/2020</a:t>
+              <a:t>10/8/2020</a:t>
             </a:fld>
             <a:endParaRPr lang="en-US" dirty="0"/>
           </a:p>
@@ -1402,7 +1405,7 @@
             <a:fld id="{5586B75A-687E-405C-8A0B-8D00578BA2C3}" type="datetimeFigureOut">
               <a:rPr lang="en-US" dirty="0"/>
               <a:pPr/>
-              <a:t>10/7/2020</a:t>
+              <a:t>10/8/2020</a:t>
             </a:fld>
             <a:endParaRPr lang="en-US" dirty="0"/>
           </a:p>
@@ -1841,7 +1844,7 @@
             <a:fld id="{5586B75A-687E-405C-8A0B-8D00578BA2C3}" type="datetimeFigureOut">
               <a:rPr lang="en-US" dirty="0"/>
               <a:pPr/>
-              <a:t>10/7/2020</a:t>
+              <a:t>10/8/2020</a:t>
             </a:fld>
             <a:endParaRPr lang="en-US" dirty="0"/>
           </a:p>
@@ -1956,7 +1959,7 @@
             <a:fld id="{5586B75A-687E-405C-8A0B-8D00578BA2C3}" type="datetimeFigureOut">
               <a:rPr lang="en-US" dirty="0"/>
               <a:pPr/>
-              <a:t>10/7/2020</a:t>
+              <a:t>10/8/2020</a:t>
             </a:fld>
             <a:endParaRPr lang="en-US" dirty="0"/>
           </a:p>
@@ -2048,7 +2051,7 @@
             <a:fld id="{5586B75A-687E-405C-8A0B-8D00578BA2C3}" type="datetimeFigureOut">
               <a:rPr lang="en-US" dirty="0"/>
               <a:pPr/>
-              <a:t>10/7/2020</a:t>
+              <a:t>10/8/2020</a:t>
             </a:fld>
             <a:endParaRPr lang="en-US" dirty="0"/>
           </a:p>
@@ -2333,7 +2336,7 @@
             <a:fld id="{5586B75A-687E-405C-8A0B-8D00578BA2C3}" type="datetimeFigureOut">
               <a:rPr lang="en-US" dirty="0"/>
               <a:pPr/>
-              <a:t>10/7/2020</a:t>
+              <a:t>10/8/2020</a:t>
             </a:fld>
             <a:endParaRPr lang="en-US" dirty="0"/>
           </a:p>
@@ -2603,7 +2606,7 @@
             <a:fld id="{5586B75A-687E-405C-8A0B-8D00578BA2C3}" type="datetimeFigureOut">
               <a:rPr lang="en-US" dirty="0"/>
               <a:pPr/>
-              <a:t>10/7/2020</a:t>
+              <a:t>10/8/2020</a:t>
             </a:fld>
             <a:endParaRPr lang="en-US" dirty="0"/>
           </a:p>
@@ -2897,7 +2900,7 @@
             <a:fld id="{5586B75A-687E-405C-8A0B-8D00578BA2C3}" type="datetimeFigureOut">
               <a:rPr lang="en-US" dirty="0"/>
               <a:pPr/>
-              <a:t>10/7/2020</a:t>
+              <a:t>10/8/2020</a:t>
             </a:fld>
             <a:endParaRPr lang="en-US" dirty="0"/>
           </a:p>
@@ -3859,6 +3862,268 @@
           <a:chExt cx="0" cy="0"/>
         </a:xfrm>
       </p:grpSpPr>
+      <p:sp>
+        <p:nvSpPr>
+          <p:cNvPr id="71" name="Rectangle 70">
+            <a:extLst>
+              <a:ext uri="{FF2B5EF4-FFF2-40B4-BE49-F238E27FC236}">
+                <a16:creationId xmlns:a16="http://schemas.microsoft.com/office/drawing/2014/main" id="{2ABBB681-F4D2-40F2-ACC3-DE0B4B4880EF}"/>
+              </a:ext>
+              <a:ext uri="{C183D7F6-B498-43B3-948B-1728B52AA6E4}">
+                <adec:decorative xmlns:adec="http://schemas.microsoft.com/office/drawing/2017/decorative" val="1"/>
+              </a:ext>
+            </a:extLst>
+          </p:cNvPr>
+          <p:cNvSpPr>
+            <a:spLocks noGrp="1" noRot="1" noChangeAspect="1" noMove="1" noResize="1" noEditPoints="1" noAdjustHandles="1" noChangeArrowheads="1" noChangeShapeType="1" noTextEdit="1"/>
+          </p:cNvSpPr>
+          <p:nvPr>
+            <p:extLst>
+              <p:ext uri="{386F3935-93C4-4BCD-93E2-E3B085C9AB24}">
+                <p16:designElem xmlns:p16="http://schemas.microsoft.com/office/powerpoint/2015/main" val="1"/>
+              </p:ext>
+            </p:extLst>
+          </p:nvPr>
+        </p:nvSpPr>
+        <p:spPr>
+          <a:xfrm>
+            <a:off x="0" y="0"/>
+            <a:ext cx="12192000" cy="6858000"/>
+          </a:xfrm>
+          <a:prstGeom prst="rect">
+            <a:avLst/>
+          </a:prstGeom>
+          <a:solidFill>
+            <a:srgbClr val="5D5548"/>
+          </a:solidFill>
+          <a:ln>
+            <a:noFill/>
+          </a:ln>
+        </p:spPr>
+        <p:style>
+          <a:lnRef idx="2">
+            <a:schemeClr val="accent1">
+              <a:shade val="50000"/>
+            </a:schemeClr>
+          </a:lnRef>
+          <a:fillRef idx="1">
+            <a:schemeClr val="accent1"/>
+          </a:fillRef>
+          <a:effectRef idx="0">
+            <a:schemeClr val="accent1"/>
+          </a:effectRef>
+          <a:fontRef idx="minor">
+            <a:schemeClr val="lt1"/>
+          </a:fontRef>
+        </p:style>
+        <p:txBody>
+          <a:bodyPr rtlCol="0" anchor="ctr"/>
+          <a:lstStyle/>
+          <a:p>
+            <a:pPr algn="ctr"/>
+            <a:endParaRPr lang="en-US"/>
+          </a:p>
+        </p:txBody>
+      </p:sp>
+      <p:sp>
+        <p:nvSpPr>
+          <p:cNvPr id="73" name="Rectangle 72">
+            <a:extLst>
+              <a:ext uri="{FF2B5EF4-FFF2-40B4-BE49-F238E27FC236}">
+                <a16:creationId xmlns:a16="http://schemas.microsoft.com/office/drawing/2014/main" id="{09388ED0-1FEF-4E11-B488-BD661D1AC1A6}"/>
+              </a:ext>
+              <a:ext uri="{C183D7F6-B498-43B3-948B-1728B52AA6E4}">
+                <adec:decorative xmlns:adec="http://schemas.microsoft.com/office/drawing/2017/decorative" val="1"/>
+              </a:ext>
+            </a:extLst>
+          </p:cNvPr>
+          <p:cNvSpPr>
+            <a:spLocks noGrp="1" noRot="1" noChangeAspect="1" noMove="1" noResize="1" noEditPoints="1" noAdjustHandles="1" noChangeArrowheads="1" noChangeShapeType="1" noTextEdit="1"/>
+          </p:cNvSpPr>
+          <p:nvPr>
+            <p:extLst>
+              <p:ext uri="{386F3935-93C4-4BCD-93E2-E3B085C9AB24}">
+                <p16:designElem xmlns:p16="http://schemas.microsoft.com/office/powerpoint/2015/main" val="1"/>
+              </p:ext>
+            </p:extLst>
+          </p:nvPr>
+        </p:nvSpPr>
+        <p:spPr>
+          <a:xfrm>
+            <a:off x="477012" y="458470"/>
+            <a:ext cx="11237976" cy="5897880"/>
+          </a:xfrm>
+          <a:prstGeom prst="rect">
+            <a:avLst/>
+          </a:prstGeom>
+          <a:solidFill>
+            <a:srgbClr val="FFFFFF"/>
+          </a:solidFill>
+          <a:ln>
+            <a:solidFill>
+              <a:srgbClr val="FFFFFF"/>
+            </a:solidFill>
+          </a:ln>
+        </p:spPr>
+        <p:style>
+          <a:lnRef idx="2">
+            <a:schemeClr val="accent1">
+              <a:shade val="50000"/>
+            </a:schemeClr>
+          </a:lnRef>
+          <a:fillRef idx="1">
+            <a:schemeClr val="accent1"/>
+          </a:fillRef>
+          <a:effectRef idx="0">
+            <a:schemeClr val="accent1"/>
+          </a:effectRef>
+          <a:fontRef idx="minor">
+            <a:schemeClr val="lt1"/>
+          </a:fontRef>
+        </p:style>
+        <p:txBody>
+          <a:bodyPr rtlCol="0" anchor="ctr"/>
+          <a:lstStyle/>
+          <a:p>
+            <a:pPr algn="ctr"/>
+            <a:endParaRPr lang="en-US"/>
+          </a:p>
+        </p:txBody>
+      </p:sp>
+      <p:pic>
+        <p:nvPicPr>
+          <p:cNvPr id="15" name="Picture 4" descr="Руководство Android UI Layouts">
+            <a:extLst>
+              <a:ext uri="{FF2B5EF4-FFF2-40B4-BE49-F238E27FC236}">
+                <a16:creationId xmlns:a16="http://schemas.microsoft.com/office/drawing/2014/main" id="{41B6A995-4C4A-4A3D-82F7-07F48156FE32}"/>
+              </a:ext>
+            </a:extLst>
+          </p:cNvPr>
+          <p:cNvPicPr>
+            <a:picLocks noChangeAspect="1" noChangeArrowheads="1"/>
+          </p:cNvPicPr>
+          <p:nvPr/>
+        </p:nvPicPr>
+        <p:blipFill rotWithShape="1">
+          <a:blip r:embed="rId2">
+            <a:extLst>
+              <a:ext uri="{28A0092B-C50C-407E-A947-70E740481C1C}">
+                <a14:useLocalDpi xmlns:a14="http://schemas.microsoft.com/office/drawing/2010/main" val="0"/>
+              </a:ext>
+            </a:extLst>
+          </a:blip>
+          <a:srcRect t="10380"/>
+          <a:stretch/>
+        </p:blipFill>
+        <p:spPr bwMode="auto">
+          <a:xfrm>
+            <a:off x="2242744" y="1290169"/>
+            <a:ext cx="8113832" cy="4871984"/>
+          </a:xfrm>
+          <a:prstGeom prst="rect">
+            <a:avLst/>
+          </a:prstGeom>
+          <a:noFill/>
+          <a:extLst>
+            <a:ext uri="{909E8E84-426E-40DD-AFC4-6F175D3DCCD1}">
+              <a14:hiddenFill xmlns:a14="http://schemas.microsoft.com/office/drawing/2010/main">
+                <a:solidFill>
+                  <a:srgbClr val="FFFFFF"/>
+                </a:solidFill>
+              </a14:hiddenFill>
+            </a:ext>
+          </a:extLst>
+        </p:spPr>
+      </p:pic>
+      <p:sp>
+        <p:nvSpPr>
+          <p:cNvPr id="18" name="Заголовок 1">
+            <a:extLst>
+              <a:ext uri="{FF2B5EF4-FFF2-40B4-BE49-F238E27FC236}">
+                <a16:creationId xmlns:a16="http://schemas.microsoft.com/office/drawing/2014/main" id="{FD08B607-8650-4E35-930A-FD62D538BA9E}"/>
+              </a:ext>
+            </a:extLst>
+          </p:cNvPr>
+          <p:cNvSpPr>
+            <a:spLocks noGrp="1"/>
+          </p:cNvSpPr>
+          <p:nvPr>
+            <p:ph type="ctrTitle"/>
+          </p:nvPr>
+        </p:nvSpPr>
+        <p:spPr>
+          <a:xfrm>
+            <a:off x="3760520" y="581143"/>
+            <a:ext cx="7848384" cy="514829"/>
+          </a:xfrm>
+        </p:spPr>
+        <p:txBody>
+          <a:bodyPr vert="horz" lIns="91440" tIns="45720" rIns="91440" bIns="45720" rtlCol="0" anchor="b">
+            <a:noAutofit/>
+          </a:bodyPr>
+          <a:lstStyle/>
+          <a:p>
+            <a:r>
+              <a:rPr lang="ru-RU" sz="3200" b="1" dirty="0">
+                <a:solidFill>
+                  <a:schemeClr val="accent5">
+                    <a:lumMod val="75000"/>
+                  </a:schemeClr>
+                </a:solidFill>
+              </a:rPr>
+              <a:t>Иерархия класса </a:t>
+            </a:r>
+            <a:r>
+              <a:rPr lang="en-US" sz="3200" b="1" dirty="0">
+                <a:solidFill>
+                  <a:schemeClr val="accent5">
+                    <a:lumMod val="75000"/>
+                  </a:schemeClr>
+                </a:solidFill>
+              </a:rPr>
+              <a:t>View</a:t>
+            </a:r>
+          </a:p>
+        </p:txBody>
+      </p:sp>
+    </p:spTree>
+    <p:extLst>
+      <p:ext uri="{BB962C8B-B14F-4D97-AF65-F5344CB8AC3E}">
+        <p14:creationId xmlns:p14="http://schemas.microsoft.com/office/powerpoint/2010/main" val="942160310"/>
+      </p:ext>
+    </p:extLst>
+  </p:cSld>
+  <p:clrMapOvr>
+    <a:masterClrMapping/>
+  </p:clrMapOvr>
+</p:sld>
+</file>
+
+<file path=ppt/slides/slide11.xml><?xml version="1.0" encoding="utf-8"?>
+<p:sld xmlns:a="http://schemas.openxmlformats.org/drawingml/2006/main" xmlns:r="http://schemas.openxmlformats.org/officeDocument/2006/relationships" xmlns:p="http://schemas.openxmlformats.org/presentationml/2006/main">
+  <p:cSld>
+    <p:bg>
+      <p:bgPr>
+        <a:solidFill>
+          <a:schemeClr val="bg1"/>
+        </a:solidFill>
+        <a:effectLst/>
+      </p:bgPr>
+    </p:bg>
+    <p:spTree>
+      <p:nvGrpSpPr>
+        <p:cNvPr id="1" name=""/>
+        <p:cNvGrpSpPr/>
+        <p:nvPr/>
+      </p:nvGrpSpPr>
+      <p:grpSpPr>
+        <a:xfrm>
+          <a:off x="0" y="0"/>
+          <a:ext cx="0" cy="0"/>
+          <a:chOff x="0" y="0"/>
+          <a:chExt cx="0" cy="0"/>
+        </a:xfrm>
+      </p:grpSpPr>
       <p:sp useBgFill="1">
         <p:nvSpPr>
           <p:cNvPr id="135" name="Rectangle 134">
@@ -4382,7 +4647,425 @@
 </p:sld>
 </file>
 
-<file path=ppt/slides/slide11.xml><?xml version="1.0" encoding="utf-8"?>
+<file path=ppt/slides/slide12.xml><?xml version="1.0" encoding="utf-8"?>
+<p:sld xmlns:a="http://schemas.openxmlformats.org/drawingml/2006/main" xmlns:r="http://schemas.openxmlformats.org/officeDocument/2006/relationships" xmlns:p="http://schemas.openxmlformats.org/presentationml/2006/main">
+  <p:cSld>
+    <p:spTree>
+      <p:nvGrpSpPr>
+        <p:cNvPr id="1" name=""/>
+        <p:cNvGrpSpPr/>
+        <p:nvPr/>
+      </p:nvGrpSpPr>
+      <p:grpSpPr>
+        <a:xfrm>
+          <a:off x="0" y="0"/>
+          <a:ext cx="0" cy="0"/>
+          <a:chOff x="0" y="0"/>
+          <a:chExt cx="0" cy="0"/>
+        </a:xfrm>
+      </p:grpSpPr>
+      <p:sp>
+        <p:nvSpPr>
+          <p:cNvPr id="4" name="Прямоугольник 3">
+            <a:extLst>
+              <a:ext uri="{FF2B5EF4-FFF2-40B4-BE49-F238E27FC236}">
+                <a16:creationId xmlns:a16="http://schemas.microsoft.com/office/drawing/2014/main" id="{00DBA314-6199-4509-8B05-57FD5568AF10}"/>
+              </a:ext>
+            </a:extLst>
+          </p:cNvPr>
+          <p:cNvSpPr/>
+          <p:nvPr/>
+        </p:nvSpPr>
+        <p:spPr>
+          <a:xfrm>
+            <a:off x="1264150" y="1496501"/>
+            <a:ext cx="6461231" cy="3864998"/>
+          </a:xfrm>
+          <a:prstGeom prst="rect">
+            <a:avLst/>
+          </a:prstGeom>
+        </p:spPr>
+        <p:txBody>
+          <a:bodyPr vert="horz" lIns="91440" tIns="45720" rIns="91440" bIns="45720" rtlCol="0" anchor="ctr">
+            <a:normAutofit/>
+          </a:bodyPr>
+          <a:lstStyle/>
+          <a:p>
+            <a:pPr defTabSz="914400">
+              <a:lnSpc>
+                <a:spcPct val="90000"/>
+              </a:lnSpc>
+              <a:spcAft>
+                <a:spcPts val="600"/>
+              </a:spcAft>
+              <a:buClr>
+                <a:schemeClr val="accent1"/>
+              </a:buClr>
+            </a:pPr>
+            <a:r>
+              <a:rPr lang="en-US" sz="2400" dirty="0">
+                <a:solidFill>
+                  <a:schemeClr val="accent5">
+                    <a:lumMod val="50000"/>
+                  </a:schemeClr>
+                </a:solidFill>
+              </a:rPr>
+              <a:t>import </a:t>
+            </a:r>
+            <a:r>
+              <a:rPr lang="en-US" sz="2400" dirty="0" err="1">
+                <a:solidFill>
+                  <a:schemeClr val="accent5">
+                    <a:lumMod val="50000"/>
+                  </a:schemeClr>
+                </a:solidFill>
+              </a:rPr>
+              <a:t>android.content.Context</a:t>
+            </a:r>
+            <a:r>
+              <a:rPr lang="en-US" sz="2400" dirty="0">
+                <a:solidFill>
+                  <a:schemeClr val="accent5">
+                    <a:lumMod val="50000"/>
+                  </a:schemeClr>
+                </a:solidFill>
+              </a:rPr>
+              <a:t>;</a:t>
+            </a:r>
+          </a:p>
+          <a:p>
+            <a:pPr defTabSz="914400">
+              <a:lnSpc>
+                <a:spcPct val="90000"/>
+              </a:lnSpc>
+              <a:spcAft>
+                <a:spcPts val="600"/>
+              </a:spcAft>
+              <a:buClr>
+                <a:schemeClr val="accent1"/>
+              </a:buClr>
+            </a:pPr>
+            <a:r>
+              <a:rPr lang="en-US" sz="2400" dirty="0">
+                <a:solidFill>
+                  <a:schemeClr val="accent5">
+                    <a:lumMod val="50000"/>
+                  </a:schemeClr>
+                </a:solidFill>
+              </a:rPr>
+              <a:t>import </a:t>
+            </a:r>
+            <a:r>
+              <a:rPr lang="en-US" sz="2400" dirty="0" err="1">
+                <a:solidFill>
+                  <a:schemeClr val="accent5">
+                    <a:lumMod val="50000"/>
+                  </a:schemeClr>
+                </a:solidFill>
+              </a:rPr>
+              <a:t>android.view.View</a:t>
+            </a:r>
+            <a:r>
+              <a:rPr lang="en-US" sz="2400" dirty="0">
+                <a:solidFill>
+                  <a:schemeClr val="accent5">
+                    <a:lumMod val="50000"/>
+                  </a:schemeClr>
+                </a:solidFill>
+              </a:rPr>
+              <a:t>;</a:t>
+            </a:r>
+          </a:p>
+          <a:p>
+            <a:pPr defTabSz="914400">
+              <a:lnSpc>
+                <a:spcPct val="90000"/>
+              </a:lnSpc>
+              <a:spcAft>
+                <a:spcPts val="600"/>
+              </a:spcAft>
+              <a:buClr>
+                <a:schemeClr val="accent1"/>
+              </a:buClr>
+            </a:pPr>
+            <a:endParaRPr lang="en-US" sz="2400" dirty="0">
+              <a:solidFill>
+                <a:schemeClr val="tx1">
+                  <a:lumMod val="65000"/>
+                  <a:lumOff val="35000"/>
+                </a:schemeClr>
+              </a:solidFill>
+            </a:endParaRPr>
+          </a:p>
+          <a:p>
+            <a:pPr defTabSz="914400">
+              <a:lnSpc>
+                <a:spcPct val="90000"/>
+              </a:lnSpc>
+              <a:spcAft>
+                <a:spcPts val="600"/>
+              </a:spcAft>
+              <a:buClr>
+                <a:schemeClr val="accent1"/>
+              </a:buClr>
+            </a:pPr>
+            <a:r>
+              <a:rPr lang="en-US" sz="2400" dirty="0">
+                <a:solidFill>
+                  <a:schemeClr val="tx1">
+                    <a:lumMod val="65000"/>
+                    <a:lumOff val="35000"/>
+                  </a:schemeClr>
+                </a:solidFill>
+              </a:rPr>
+              <a:t>public class </a:t>
+            </a:r>
+            <a:r>
+              <a:rPr lang="en-US" sz="2400" dirty="0" err="1">
+                <a:solidFill>
+                  <a:srgbClr val="C00000"/>
+                </a:solidFill>
+              </a:rPr>
+              <a:t>MyDraw</a:t>
+            </a:r>
+            <a:r>
+              <a:rPr lang="en-US" sz="2400" dirty="0">
+                <a:solidFill>
+                  <a:schemeClr val="tx1">
+                    <a:lumMod val="65000"/>
+                    <a:lumOff val="35000"/>
+                  </a:schemeClr>
+                </a:solidFill>
+              </a:rPr>
+              <a:t> extends View {</a:t>
+            </a:r>
+          </a:p>
+          <a:p>
+            <a:pPr defTabSz="914400">
+              <a:lnSpc>
+                <a:spcPct val="90000"/>
+              </a:lnSpc>
+              <a:spcAft>
+                <a:spcPts val="600"/>
+              </a:spcAft>
+              <a:buClr>
+                <a:schemeClr val="accent1"/>
+              </a:buClr>
+            </a:pPr>
+            <a:r>
+              <a:rPr lang="en-US" sz="2400" dirty="0">
+                <a:solidFill>
+                  <a:schemeClr val="tx1">
+                    <a:lumMod val="65000"/>
+                    <a:lumOff val="35000"/>
+                  </a:schemeClr>
+                </a:solidFill>
+              </a:rPr>
+              <a:t>    public </a:t>
+            </a:r>
+            <a:r>
+              <a:rPr lang="en-US" sz="2400" dirty="0" err="1">
+                <a:solidFill>
+                  <a:srgbClr val="C00000"/>
+                </a:solidFill>
+              </a:rPr>
+              <a:t>MyDraw</a:t>
+            </a:r>
+            <a:r>
+              <a:rPr lang="en-US" sz="2400" dirty="0">
+                <a:solidFill>
+                  <a:schemeClr val="tx1">
+                    <a:lumMod val="65000"/>
+                    <a:lumOff val="35000"/>
+                  </a:schemeClr>
+                </a:solidFill>
+              </a:rPr>
+              <a:t>(Context context) {</a:t>
+            </a:r>
+          </a:p>
+          <a:p>
+            <a:pPr defTabSz="914400">
+              <a:lnSpc>
+                <a:spcPct val="90000"/>
+              </a:lnSpc>
+              <a:spcAft>
+                <a:spcPts val="600"/>
+              </a:spcAft>
+              <a:buClr>
+                <a:schemeClr val="accent1"/>
+              </a:buClr>
+            </a:pPr>
+            <a:r>
+              <a:rPr lang="en-US" sz="2400" dirty="0">
+                <a:solidFill>
+                  <a:schemeClr val="tx1">
+                    <a:lumMod val="65000"/>
+                    <a:lumOff val="35000"/>
+                  </a:schemeClr>
+                </a:solidFill>
+              </a:rPr>
+              <a:t>        super(context);</a:t>
+            </a:r>
+          </a:p>
+          <a:p>
+            <a:pPr defTabSz="914400">
+              <a:lnSpc>
+                <a:spcPct val="90000"/>
+              </a:lnSpc>
+              <a:spcAft>
+                <a:spcPts val="600"/>
+              </a:spcAft>
+              <a:buClr>
+                <a:schemeClr val="accent1"/>
+              </a:buClr>
+            </a:pPr>
+            <a:r>
+              <a:rPr lang="en-US" sz="2400" dirty="0">
+                <a:solidFill>
+                  <a:schemeClr val="tx1">
+                    <a:lumMod val="65000"/>
+                    <a:lumOff val="35000"/>
+                  </a:schemeClr>
+                </a:solidFill>
+              </a:rPr>
+              <a:t>    }</a:t>
+            </a:r>
+          </a:p>
+          <a:p>
+            <a:pPr defTabSz="914400">
+              <a:lnSpc>
+                <a:spcPct val="90000"/>
+              </a:lnSpc>
+              <a:spcAft>
+                <a:spcPts val="600"/>
+              </a:spcAft>
+              <a:buClr>
+                <a:schemeClr val="accent1"/>
+              </a:buClr>
+            </a:pPr>
+            <a:r>
+              <a:rPr lang="en-US" sz="2400" dirty="0">
+                <a:solidFill>
+                  <a:schemeClr val="tx1">
+                    <a:lumMod val="65000"/>
+                    <a:lumOff val="35000"/>
+                  </a:schemeClr>
+                </a:solidFill>
+              </a:rPr>
+              <a:t>}</a:t>
+            </a:r>
+          </a:p>
+        </p:txBody>
+      </p:sp>
+      <p:sp>
+        <p:nvSpPr>
+          <p:cNvPr id="28" name="Заголовок 1">
+            <a:extLst>
+              <a:ext uri="{FF2B5EF4-FFF2-40B4-BE49-F238E27FC236}">
+                <a16:creationId xmlns:a16="http://schemas.microsoft.com/office/drawing/2014/main" id="{A1800B60-BA5D-4BD9-AAE0-43620F882506}"/>
+              </a:ext>
+            </a:extLst>
+          </p:cNvPr>
+          <p:cNvSpPr txBox="1">
+            <a:spLocks/>
+          </p:cNvSpPr>
+          <p:nvPr/>
+        </p:nvSpPr>
+        <p:spPr>
+          <a:xfrm>
+            <a:off x="9454109" y="1794718"/>
+            <a:ext cx="2947482" cy="3126520"/>
+          </a:xfrm>
+          <a:prstGeom prst="rect">
+            <a:avLst/>
+          </a:prstGeom>
+        </p:spPr>
+        <p:txBody>
+          <a:bodyPr vert="horz" lIns="91440" tIns="45720" rIns="91440" bIns="45720" rtlCol="0" anchor="ctr">
+            <a:normAutofit/>
+          </a:bodyPr>
+          <a:lstStyle>
+            <a:lvl1pPr algn="l" defTabSz="914400" rtl="0" eaLnBrk="1" latinLnBrk="0" hangingPunct="1">
+              <a:lnSpc>
+                <a:spcPct val="90000"/>
+              </a:lnSpc>
+              <a:spcBef>
+                <a:spcPct val="0"/>
+              </a:spcBef>
+              <a:buNone/>
+              <a:defRPr sz="5900" kern="1200" spc="-100" baseline="0">
+                <a:solidFill>
+                  <a:srgbClr val="FFFFFF"/>
+                </a:solidFill>
+                <a:latin typeface="+mj-lt"/>
+                <a:ea typeface="+mj-ea"/>
+                <a:cs typeface="+mj-cs"/>
+              </a:defRPr>
+            </a:lvl1pPr>
+          </a:lstStyle>
+          <a:p>
+            <a:pPr>
+              <a:spcAft>
+                <a:spcPts val="600"/>
+              </a:spcAft>
+              <a:buClr>
+                <a:schemeClr val="accent1"/>
+              </a:buClr>
+            </a:pPr>
+            <a:r>
+              <a:rPr lang="en-US" sz="3600" b="1" spc="-60" dirty="0" err="1"/>
+              <a:t>Собственный</a:t>
+            </a:r>
+            <a:r>
+              <a:rPr lang="en-US" sz="3600" b="1" spc="-60" dirty="0"/>
+              <a:t> </a:t>
+            </a:r>
+            <a:r>
+              <a:rPr lang="en-US" sz="3600" b="1" spc="-60" dirty="0" err="1"/>
+              <a:t>компонент</a:t>
+            </a:r>
+            <a:r>
+              <a:rPr lang="en-US" sz="3600" b="1" spc="-60" dirty="0"/>
+              <a:t> </a:t>
+            </a:r>
+            <a:r>
+              <a:rPr lang="en-US" sz="3600" b="1" spc="-60" dirty="0" err="1"/>
+              <a:t>или</a:t>
+            </a:r>
+            <a:r>
+              <a:rPr lang="en-US" sz="3600" b="1" spc="-60" dirty="0"/>
+              <a:t> </a:t>
+            </a:r>
+            <a:r>
+              <a:rPr lang="en-US" sz="3600" b="1" spc="-60" dirty="0" err="1"/>
+              <a:t>класс</a:t>
+            </a:r>
+            <a:r>
+              <a:rPr lang="en-US" sz="3600" b="1" spc="-60" dirty="0"/>
+              <a:t> </a:t>
+            </a:r>
+            <a:r>
+              <a:rPr lang="en-US" sz="3600" b="1" spc="-60" dirty="0" err="1"/>
+              <a:t>MyDraw</a:t>
+            </a:r>
+            <a:endParaRPr lang="en-US" sz="3600" b="1" spc="-60" dirty="0"/>
+          </a:p>
+        </p:txBody>
+      </p:sp>
+    </p:spTree>
+    <p:extLst>
+      <p:ext uri="{BB962C8B-B14F-4D97-AF65-F5344CB8AC3E}">
+        <p14:creationId xmlns:p14="http://schemas.microsoft.com/office/powerpoint/2010/main" val="1175634470"/>
+      </p:ext>
+    </p:extLst>
+  </p:cSld>
+  <p:clrMapOvr>
+    <a:masterClrMapping/>
+  </p:clrMapOvr>
+</p:sld>
+</file>
+
+<file path=ppt/slides/slide13.xml><?xml version="1.0" encoding="utf-8"?>
 <p:sld xmlns:a="http://schemas.openxmlformats.org/drawingml/2006/main" xmlns:r="http://schemas.openxmlformats.org/officeDocument/2006/relationships" xmlns:p="http://schemas.openxmlformats.org/presentationml/2006/main">
   <p:cSld>
     <p:bg>
@@ -5029,7 +5712,1036 @@
 </p:sld>
 </file>
 
-<file path=ppt/slides/slide12.xml><?xml version="1.0" encoding="utf-8"?>
+<file path=ppt/slides/slide14.xml><?xml version="1.0" encoding="utf-8"?>
+<p:sld xmlns:a="http://schemas.openxmlformats.org/drawingml/2006/main" xmlns:r="http://schemas.openxmlformats.org/officeDocument/2006/relationships" xmlns:p="http://schemas.openxmlformats.org/presentationml/2006/main">
+  <p:cSld>
+    <p:spTree>
+      <p:nvGrpSpPr>
+        <p:cNvPr id="1" name=""/>
+        <p:cNvGrpSpPr/>
+        <p:nvPr/>
+      </p:nvGrpSpPr>
+      <p:grpSpPr>
+        <a:xfrm>
+          <a:off x="0" y="0"/>
+          <a:ext cx="0" cy="0"/>
+          <a:chOff x="0" y="0"/>
+          <a:chExt cx="0" cy="0"/>
+        </a:xfrm>
+      </p:grpSpPr>
+      <p:sp>
+        <p:nvSpPr>
+          <p:cNvPr id="28" name="Заголовок 1">
+            <a:extLst>
+              <a:ext uri="{FF2B5EF4-FFF2-40B4-BE49-F238E27FC236}">
+                <a16:creationId xmlns:a16="http://schemas.microsoft.com/office/drawing/2014/main" id="{A1800B60-BA5D-4BD9-AAE0-43620F882506}"/>
+              </a:ext>
+            </a:extLst>
+          </p:cNvPr>
+          <p:cNvSpPr txBox="1">
+            <a:spLocks/>
+          </p:cNvSpPr>
+          <p:nvPr/>
+        </p:nvSpPr>
+        <p:spPr>
+          <a:xfrm>
+            <a:off x="9244518" y="1128408"/>
+            <a:ext cx="2947482" cy="4601183"/>
+          </a:xfrm>
+          <a:prstGeom prst="rect">
+            <a:avLst/>
+          </a:prstGeom>
+        </p:spPr>
+        <p:txBody>
+          <a:bodyPr vert="horz" lIns="91440" tIns="45720" rIns="91440" bIns="45720" rtlCol="0" anchor="ctr">
+            <a:normAutofit/>
+          </a:bodyPr>
+          <a:lstStyle>
+            <a:lvl1pPr algn="l" defTabSz="914400" rtl="0" eaLnBrk="1" latinLnBrk="0" hangingPunct="1">
+              <a:lnSpc>
+                <a:spcPct val="90000"/>
+              </a:lnSpc>
+              <a:spcBef>
+                <a:spcPct val="0"/>
+              </a:spcBef>
+              <a:buNone/>
+              <a:defRPr sz="5900" kern="1200" spc="-100" baseline="0">
+                <a:solidFill>
+                  <a:srgbClr val="FFFFFF"/>
+                </a:solidFill>
+                <a:latin typeface="+mj-lt"/>
+                <a:ea typeface="+mj-ea"/>
+                <a:cs typeface="+mj-cs"/>
+              </a:defRPr>
+            </a:lvl1pPr>
+          </a:lstStyle>
+          <a:p>
+            <a:pPr>
+              <a:spcAft>
+                <a:spcPts val="600"/>
+              </a:spcAft>
+              <a:buClr>
+                <a:schemeClr val="accent1"/>
+              </a:buClr>
+            </a:pPr>
+            <a:r>
+              <a:rPr lang="en-US" sz="3600" b="1" spc="-60" dirty="0" err="1">
+                <a:solidFill>
+                  <a:schemeClr val="accent1">
+                    <a:lumMod val="50000"/>
+                  </a:schemeClr>
+                </a:solidFill>
+              </a:rPr>
+              <a:t>Возможности</a:t>
+            </a:r>
+            <a:r>
+              <a:rPr lang="en-US" sz="3600" b="1" spc="-60" dirty="0">
+                <a:solidFill>
+                  <a:schemeClr val="accent1">
+                    <a:lumMod val="50000"/>
+                  </a:schemeClr>
+                </a:solidFill>
+              </a:rPr>
+              <a:t> </a:t>
+            </a:r>
+            <a:r>
+              <a:rPr lang="en-US" sz="3600" b="1" spc="-60" dirty="0" err="1">
+                <a:solidFill>
+                  <a:schemeClr val="accent1">
+                    <a:lumMod val="50000"/>
+                  </a:schemeClr>
+                </a:solidFill>
+              </a:rPr>
+              <a:t>класса</a:t>
+            </a:r>
+            <a:r>
+              <a:rPr lang="en-US" sz="3600" b="1" spc="-60" dirty="0">
+                <a:solidFill>
+                  <a:schemeClr val="accent1">
+                    <a:lumMod val="50000"/>
+                  </a:schemeClr>
+                </a:solidFill>
+              </a:rPr>
+              <a:t> Canvas</a:t>
+            </a:r>
+            <a:br>
+              <a:rPr lang="en-US" sz="3600" b="1" spc="-60" dirty="0"/>
+            </a:br>
+            <a:br>
+              <a:rPr lang="en-US" sz="3600" b="1" spc="-60" dirty="0"/>
+            </a:br>
+            <a:endParaRPr lang="en-US" sz="3600" b="1" spc="-60" dirty="0"/>
+          </a:p>
+        </p:txBody>
+      </p:sp>
+      <p:sp>
+        <p:nvSpPr>
+          <p:cNvPr id="2" name="Прямоугольник 1">
+            <a:extLst>
+              <a:ext uri="{FF2B5EF4-FFF2-40B4-BE49-F238E27FC236}">
+                <a16:creationId xmlns:a16="http://schemas.microsoft.com/office/drawing/2014/main" id="{3B398E50-B389-4600-9630-2827F87B8FC9}"/>
+              </a:ext>
+            </a:extLst>
+          </p:cNvPr>
+          <p:cNvSpPr/>
+          <p:nvPr/>
+        </p:nvSpPr>
+        <p:spPr>
+          <a:xfrm>
+            <a:off x="0" y="615164"/>
+            <a:ext cx="9410330" cy="5927217"/>
+          </a:xfrm>
+          <a:prstGeom prst="rect">
+            <a:avLst/>
+          </a:prstGeom>
+        </p:spPr>
+        <p:txBody>
+          <a:bodyPr vert="horz" lIns="91440" tIns="45720" rIns="91440" bIns="45720" rtlCol="0" anchor="ctr">
+            <a:normAutofit/>
+          </a:bodyPr>
+          <a:lstStyle/>
+          <a:p>
+            <a:pPr indent="-182880" defTabSz="914400">
+              <a:lnSpc>
+                <a:spcPct val="130000"/>
+              </a:lnSpc>
+              <a:spcAft>
+                <a:spcPts val="600"/>
+              </a:spcAft>
+              <a:buClr>
+                <a:schemeClr val="accent1"/>
+              </a:buClr>
+              <a:buFont typeface="Wingdings 2" pitchFamily="18" charset="2"/>
+              <a:buChar char=""/>
+            </a:pPr>
+            <a:r>
+              <a:rPr lang="en-US" sz="2000" dirty="0" err="1">
+                <a:solidFill>
+                  <a:srgbClr val="C00000"/>
+                </a:solidFill>
+              </a:rPr>
+              <a:t>drawBitmap</a:t>
+            </a:r>
+            <a:r>
+              <a:rPr lang="en-US" sz="2000" dirty="0">
+                <a:solidFill>
+                  <a:srgbClr val="C00000"/>
+                </a:solidFill>
+              </a:rPr>
+              <a:t>() </a:t>
+            </a:r>
+            <a:r>
+              <a:rPr lang="en-US" sz="2000" dirty="0"/>
+              <a:t>-</a:t>
+            </a:r>
+            <a:r>
+              <a:rPr lang="en-US" sz="2000" b="0" i="0" dirty="0">
+                <a:effectLst/>
+              </a:rPr>
+              <a:t> </a:t>
+            </a:r>
+            <a:r>
+              <a:rPr lang="en-US" sz="2000" b="0" i="0" dirty="0" err="1">
+                <a:effectLst/>
+              </a:rPr>
+              <a:t>рисует</a:t>
+            </a:r>
+            <a:r>
+              <a:rPr lang="en-US" sz="2000" b="0" i="0" dirty="0">
+                <a:effectLst/>
+              </a:rPr>
+              <a:t> </a:t>
+            </a:r>
+            <a:r>
+              <a:rPr lang="en-US" sz="2000" b="0" i="0" dirty="0" err="1">
+                <a:effectLst/>
+              </a:rPr>
+              <a:t>растровое</a:t>
+            </a:r>
+            <a:r>
+              <a:rPr lang="en-US" sz="2000" b="0" i="0" dirty="0">
+                <a:effectLst/>
+              </a:rPr>
+              <a:t> </a:t>
+            </a:r>
+            <a:r>
+              <a:rPr lang="en-US" sz="2000" b="0" i="0" dirty="0" err="1">
+                <a:effectLst/>
+              </a:rPr>
+              <a:t>изображение</a:t>
+            </a:r>
+            <a:r>
+              <a:rPr lang="en-US" sz="2000" b="0" i="0" dirty="0">
+                <a:effectLst/>
+              </a:rPr>
+              <a:t> </a:t>
+            </a:r>
+            <a:r>
+              <a:rPr lang="en-US" sz="2000" b="0" i="0" dirty="0" err="1">
+                <a:effectLst/>
+              </a:rPr>
+              <a:t>на</a:t>
+            </a:r>
+            <a:r>
+              <a:rPr lang="en-US" sz="2000" b="0" i="0" dirty="0">
+                <a:effectLst/>
+              </a:rPr>
+              <a:t> </a:t>
+            </a:r>
+            <a:r>
+              <a:rPr lang="en-US" sz="2000" b="0" i="0" dirty="0" err="1">
+                <a:effectLst/>
+              </a:rPr>
+              <a:t>холсте</a:t>
+            </a:r>
+            <a:r>
+              <a:rPr lang="en-US" sz="2000" b="0" i="0" dirty="0">
+                <a:effectLst/>
+              </a:rPr>
+              <a:t>. </a:t>
+            </a:r>
+          </a:p>
+          <a:p>
+            <a:pPr indent="-182880" defTabSz="914400">
+              <a:lnSpc>
+                <a:spcPct val="130000"/>
+              </a:lnSpc>
+              <a:spcAft>
+                <a:spcPts val="600"/>
+              </a:spcAft>
+              <a:buClr>
+                <a:schemeClr val="accent1"/>
+              </a:buClr>
+              <a:buFont typeface="Wingdings 2" pitchFamily="18" charset="2"/>
+              <a:buChar char=""/>
+            </a:pPr>
+            <a:r>
+              <a:rPr lang="en-US" sz="2000" dirty="0" err="1">
+                <a:solidFill>
+                  <a:srgbClr val="C00000"/>
+                </a:solidFill>
+              </a:rPr>
+              <a:t>drawCircle</a:t>
+            </a:r>
+            <a:r>
+              <a:rPr lang="en-US" sz="2000" dirty="0">
+                <a:solidFill>
+                  <a:srgbClr val="C00000"/>
+                </a:solidFill>
+              </a:rPr>
+              <a:t>() </a:t>
+            </a:r>
+            <a:r>
+              <a:rPr lang="en-US" sz="2000" dirty="0"/>
+              <a:t>- </a:t>
+            </a:r>
+            <a:r>
+              <a:rPr lang="en-US" sz="2000" dirty="0" err="1"/>
+              <a:t>р</a:t>
+            </a:r>
+            <a:r>
+              <a:rPr lang="en-US" sz="2000" b="0" i="0" dirty="0" err="1">
+                <a:effectLst/>
+              </a:rPr>
+              <a:t>исует</a:t>
+            </a:r>
+            <a:r>
+              <a:rPr lang="en-US" sz="2000" b="0" i="0" dirty="0">
+                <a:effectLst/>
+              </a:rPr>
+              <a:t> </a:t>
+            </a:r>
+            <a:r>
+              <a:rPr lang="en-US" sz="2000" b="0" i="0" dirty="0" err="1">
+                <a:effectLst/>
+              </a:rPr>
+              <a:t>окружность</a:t>
+            </a:r>
+            <a:r>
+              <a:rPr lang="en-US" sz="2000" b="0" i="0" dirty="0">
+                <a:effectLst/>
+              </a:rPr>
+              <a:t> с </a:t>
+            </a:r>
+            <a:r>
+              <a:rPr lang="en-US" sz="2000" b="0" i="0" dirty="0" err="1">
+                <a:effectLst/>
+              </a:rPr>
+              <a:t>определенным</a:t>
+            </a:r>
+            <a:r>
+              <a:rPr lang="en-US" sz="2000" b="0" i="0" dirty="0">
+                <a:effectLst/>
+              </a:rPr>
+              <a:t> </a:t>
+            </a:r>
+            <a:r>
+              <a:rPr lang="en-US" sz="2000" b="0" i="0" dirty="0" err="1">
+                <a:effectLst/>
+              </a:rPr>
+              <a:t>радиусом</a:t>
+            </a:r>
+            <a:r>
+              <a:rPr lang="en-US" sz="2000" b="0" i="0" dirty="0">
+                <a:effectLst/>
+              </a:rPr>
+              <a:t> </a:t>
+            </a:r>
+            <a:r>
+              <a:rPr lang="en-US" sz="2000" b="0" i="0" dirty="0" err="1">
+                <a:effectLst/>
+              </a:rPr>
+              <a:t>вокруг</a:t>
+            </a:r>
+            <a:r>
+              <a:rPr lang="en-US" sz="2000" b="0" i="0" dirty="0">
+                <a:effectLst/>
+              </a:rPr>
+              <a:t> </a:t>
+            </a:r>
+            <a:r>
+              <a:rPr lang="en-US" sz="2000" b="0" i="0" dirty="0" err="1">
+                <a:effectLst/>
+              </a:rPr>
+              <a:t>заданной</a:t>
+            </a:r>
+            <a:r>
+              <a:rPr lang="en-US" sz="2000" b="0" i="0" dirty="0">
+                <a:effectLst/>
+              </a:rPr>
+              <a:t> </a:t>
+            </a:r>
+            <a:r>
+              <a:rPr lang="en-US" sz="2000" b="0" i="0" dirty="0" err="1">
+                <a:effectLst/>
+              </a:rPr>
+              <a:t>точки</a:t>
+            </a:r>
+            <a:r>
+              <a:rPr lang="en-US" sz="2000" b="0" i="0" dirty="0">
+                <a:effectLst/>
+              </a:rPr>
+              <a:t>.</a:t>
+            </a:r>
+          </a:p>
+          <a:p>
+            <a:pPr indent="-182880" defTabSz="914400">
+              <a:lnSpc>
+                <a:spcPct val="130000"/>
+              </a:lnSpc>
+              <a:spcAft>
+                <a:spcPts val="600"/>
+              </a:spcAft>
+              <a:buClr>
+                <a:schemeClr val="accent1"/>
+              </a:buClr>
+              <a:buFont typeface="Wingdings 2" pitchFamily="18" charset="2"/>
+              <a:buChar char=""/>
+            </a:pPr>
+            <a:r>
+              <a:rPr lang="en-US" sz="2000" dirty="0" err="1">
+                <a:solidFill>
+                  <a:srgbClr val="C00000"/>
+                </a:solidFill>
+              </a:rPr>
+              <a:t>drawLine</a:t>
+            </a:r>
+            <a:r>
+              <a:rPr lang="en-US" sz="2000" dirty="0">
+                <a:solidFill>
+                  <a:srgbClr val="C00000"/>
+                </a:solidFill>
+              </a:rPr>
+              <a:t>(s)() </a:t>
+            </a:r>
+            <a:r>
+              <a:rPr lang="en-US" sz="2000" dirty="0"/>
+              <a:t>- </a:t>
+            </a:r>
+            <a:r>
+              <a:rPr lang="en-US" sz="2000" dirty="0" err="1"/>
+              <a:t>р</a:t>
+            </a:r>
+            <a:r>
+              <a:rPr lang="en-US" sz="2000" b="0" i="0" dirty="0" err="1">
+                <a:effectLst/>
+              </a:rPr>
+              <a:t>исует</a:t>
+            </a:r>
+            <a:r>
+              <a:rPr lang="en-US" sz="2000" b="0" i="0" dirty="0">
+                <a:effectLst/>
+              </a:rPr>
+              <a:t> </a:t>
+            </a:r>
+            <a:r>
+              <a:rPr lang="en-US" sz="2000" b="0" i="0" dirty="0" err="1">
+                <a:effectLst/>
+              </a:rPr>
+              <a:t>линию</a:t>
+            </a:r>
+            <a:r>
+              <a:rPr lang="en-US" sz="2000" b="0" i="0" dirty="0">
+                <a:effectLst/>
+              </a:rPr>
+              <a:t> (</a:t>
+            </a:r>
+            <a:r>
+              <a:rPr lang="en-US" sz="2000" b="0" i="0" dirty="0" err="1">
+                <a:effectLst/>
+              </a:rPr>
+              <a:t>или</a:t>
+            </a:r>
+            <a:r>
+              <a:rPr lang="en-US" sz="2000" b="0" i="0" dirty="0">
+                <a:effectLst/>
+              </a:rPr>
+              <a:t> </a:t>
+            </a:r>
+            <a:r>
+              <a:rPr lang="en-US" sz="2000" b="0" i="0" dirty="0" err="1">
+                <a:effectLst/>
+              </a:rPr>
+              <a:t>последовательность</a:t>
+            </a:r>
+            <a:r>
+              <a:rPr lang="en-US" sz="2000" b="0" i="0" dirty="0">
+                <a:effectLst/>
+              </a:rPr>
+              <a:t> </a:t>
+            </a:r>
+            <a:r>
+              <a:rPr lang="en-US" sz="2000" b="0" i="0" dirty="0" err="1">
+                <a:effectLst/>
+              </a:rPr>
+              <a:t>линий</a:t>
+            </a:r>
+            <a:r>
+              <a:rPr lang="en-US" sz="2000" b="0" i="0" dirty="0">
+                <a:effectLst/>
+              </a:rPr>
+              <a:t>) </a:t>
+            </a:r>
+            <a:r>
+              <a:rPr lang="en-US" sz="2000" b="0" i="0" dirty="0" err="1">
+                <a:effectLst/>
+              </a:rPr>
+              <a:t>между</a:t>
+            </a:r>
+            <a:r>
+              <a:rPr lang="en-US" sz="2000" b="0" i="0" dirty="0">
+                <a:effectLst/>
+              </a:rPr>
+              <a:t> </a:t>
+            </a:r>
+            <a:r>
+              <a:rPr lang="en-US" sz="2000" b="0" i="0" dirty="0" err="1">
+                <a:effectLst/>
+              </a:rPr>
+              <a:t>двумя</a:t>
+            </a:r>
+            <a:r>
+              <a:rPr lang="en-US" sz="2000" b="0" i="0" dirty="0">
+                <a:effectLst/>
+              </a:rPr>
+              <a:t> </a:t>
+            </a:r>
+            <a:r>
+              <a:rPr lang="en-US" sz="2000" b="0" i="0" dirty="0" err="1">
+                <a:effectLst/>
+              </a:rPr>
+              <a:t>точками</a:t>
+            </a:r>
+            <a:r>
+              <a:rPr lang="en-US" sz="2000" b="0" i="0" dirty="0">
+                <a:effectLst/>
+              </a:rPr>
+              <a:t>.</a:t>
+            </a:r>
+          </a:p>
+          <a:p>
+            <a:pPr indent="-182880" defTabSz="914400">
+              <a:lnSpc>
+                <a:spcPct val="130000"/>
+              </a:lnSpc>
+              <a:spcAft>
+                <a:spcPts val="600"/>
+              </a:spcAft>
+              <a:buClr>
+                <a:schemeClr val="accent1"/>
+              </a:buClr>
+              <a:buFont typeface="Wingdings 2" pitchFamily="18" charset="2"/>
+              <a:buChar char=""/>
+            </a:pPr>
+            <a:r>
+              <a:rPr lang="en-US" sz="2000" dirty="0" err="1">
+                <a:solidFill>
+                  <a:srgbClr val="C00000"/>
+                </a:solidFill>
+              </a:rPr>
+              <a:t>drawPath</a:t>
+            </a:r>
+            <a:r>
+              <a:rPr lang="en-US" sz="2000" dirty="0">
+                <a:solidFill>
+                  <a:srgbClr val="C00000"/>
+                </a:solidFill>
+              </a:rPr>
+              <a:t>() </a:t>
+            </a:r>
+            <a:r>
+              <a:rPr lang="en-US" sz="2000" dirty="0"/>
+              <a:t>- </a:t>
+            </a:r>
+            <a:r>
+              <a:rPr lang="en-US" sz="2000" dirty="0" err="1"/>
+              <a:t>р</a:t>
+            </a:r>
+            <a:r>
+              <a:rPr lang="en-US" sz="2000" b="0" i="0" dirty="0" err="1">
+                <a:effectLst/>
+              </a:rPr>
+              <a:t>исует</a:t>
+            </a:r>
+            <a:r>
+              <a:rPr lang="en-US" sz="2000" b="0" i="0" dirty="0">
+                <a:effectLst/>
+              </a:rPr>
+              <a:t> </a:t>
+            </a:r>
+            <a:r>
+              <a:rPr lang="en-US" sz="2000" b="0" i="0" dirty="0" err="1">
+                <a:effectLst/>
+              </a:rPr>
+              <a:t>контур</a:t>
+            </a:r>
+            <a:r>
+              <a:rPr lang="ru-RU" sz="2000" b="0" i="0" dirty="0">
+                <a:effectLst/>
+              </a:rPr>
+              <a:t>, заданный в виде </a:t>
+            </a:r>
+            <a:r>
+              <a:rPr lang="en-US" sz="2000" b="0" i="0" dirty="0" err="1">
+                <a:effectLst/>
+              </a:rPr>
+              <a:t>набора</a:t>
+            </a:r>
+            <a:r>
+              <a:rPr lang="en-US" sz="2000" b="0" i="0" dirty="0">
+                <a:effectLst/>
+              </a:rPr>
+              <a:t> </a:t>
+            </a:r>
+            <a:r>
+              <a:rPr lang="en-US" sz="2000" b="0" i="0" dirty="0" err="1">
+                <a:effectLst/>
+              </a:rPr>
+              <a:t>графических</a:t>
+            </a:r>
+            <a:r>
+              <a:rPr lang="en-US" sz="2000" b="0" i="0" dirty="0">
+                <a:effectLst/>
+              </a:rPr>
+              <a:t> </a:t>
+            </a:r>
+            <a:r>
+              <a:rPr lang="en-US" sz="2000" b="0" i="0" dirty="0" err="1">
+                <a:effectLst/>
+              </a:rPr>
+              <a:t>примитивов</a:t>
+            </a:r>
+            <a:r>
+              <a:rPr lang="en-US" sz="2000" b="0" i="0" dirty="0">
+                <a:effectLst/>
+              </a:rPr>
+              <a:t>.</a:t>
+            </a:r>
+          </a:p>
+          <a:p>
+            <a:pPr indent="-182880" defTabSz="914400">
+              <a:lnSpc>
+                <a:spcPct val="130000"/>
+              </a:lnSpc>
+              <a:spcAft>
+                <a:spcPts val="600"/>
+              </a:spcAft>
+              <a:buClr>
+                <a:schemeClr val="accent1"/>
+              </a:buClr>
+              <a:buFont typeface="Wingdings 2" pitchFamily="18" charset="2"/>
+              <a:buChar char=""/>
+            </a:pPr>
+            <a:r>
+              <a:rPr lang="en-US" sz="2000" dirty="0" err="1">
+                <a:solidFill>
+                  <a:srgbClr val="C00000"/>
+                </a:solidFill>
+              </a:rPr>
+              <a:t>drawPoint</a:t>
+            </a:r>
+            <a:r>
+              <a:rPr lang="en-US" sz="2000" dirty="0">
+                <a:solidFill>
+                  <a:srgbClr val="C00000"/>
+                </a:solidFill>
+              </a:rPr>
+              <a:t>() </a:t>
+            </a:r>
+            <a:r>
+              <a:rPr lang="en-US" sz="2000" dirty="0"/>
+              <a:t>- </a:t>
+            </a:r>
+            <a:r>
+              <a:rPr lang="en-US" sz="2000" dirty="0" err="1"/>
+              <a:t>р</a:t>
+            </a:r>
+            <a:r>
+              <a:rPr lang="en-US" sz="2000" b="0" i="0" dirty="0" err="1">
+                <a:effectLst/>
+              </a:rPr>
+              <a:t>исует</a:t>
+            </a:r>
+            <a:r>
+              <a:rPr lang="en-US" sz="2000" b="0" i="0" dirty="0">
+                <a:effectLst/>
+              </a:rPr>
+              <a:t> </a:t>
+            </a:r>
+            <a:r>
+              <a:rPr lang="en-US" sz="2000" b="0" i="0" dirty="0" err="1">
+                <a:effectLst/>
+              </a:rPr>
+              <a:t>точку</a:t>
+            </a:r>
+            <a:r>
+              <a:rPr lang="en-US" sz="2000" b="0" i="0" dirty="0">
+                <a:effectLst/>
+              </a:rPr>
+              <a:t> в </a:t>
+            </a:r>
+            <a:r>
+              <a:rPr lang="en-US" sz="2000" b="0" i="0" dirty="0" err="1">
+                <a:effectLst/>
+              </a:rPr>
+              <a:t>заданном</a:t>
+            </a:r>
+            <a:r>
+              <a:rPr lang="en-US" sz="2000" b="0" i="0" dirty="0">
+                <a:effectLst/>
+              </a:rPr>
+              <a:t> </a:t>
+            </a:r>
+            <a:r>
+              <a:rPr lang="en-US" sz="2000" b="0" i="0" dirty="0" err="1">
+                <a:effectLst/>
+              </a:rPr>
+              <a:t>месте</a:t>
+            </a:r>
+            <a:r>
+              <a:rPr lang="en-US" sz="2000" b="0" i="0" dirty="0">
+                <a:effectLst/>
+              </a:rPr>
+              <a:t>.</a:t>
+            </a:r>
+          </a:p>
+          <a:p>
+            <a:pPr indent="-182880" defTabSz="914400">
+              <a:lnSpc>
+                <a:spcPct val="130000"/>
+              </a:lnSpc>
+              <a:spcAft>
+                <a:spcPts val="600"/>
+              </a:spcAft>
+              <a:buClr>
+                <a:schemeClr val="accent1"/>
+              </a:buClr>
+              <a:buFont typeface="Wingdings 2" pitchFamily="18" charset="2"/>
+              <a:buChar char=""/>
+            </a:pPr>
+            <a:r>
+              <a:rPr lang="en-US" sz="2000" dirty="0" err="1">
+                <a:solidFill>
+                  <a:srgbClr val="C00000"/>
+                </a:solidFill>
+              </a:rPr>
+              <a:t>drawRect</a:t>
+            </a:r>
+            <a:r>
+              <a:rPr lang="en-US" sz="2000" dirty="0">
+                <a:solidFill>
+                  <a:srgbClr val="C00000"/>
+                </a:solidFill>
+              </a:rPr>
+              <a:t>() </a:t>
+            </a:r>
+            <a:r>
+              <a:rPr lang="en-US" sz="2000" dirty="0"/>
+              <a:t>- </a:t>
+            </a:r>
+            <a:r>
+              <a:rPr lang="en-US" sz="2000" dirty="0" err="1"/>
+              <a:t>р</a:t>
+            </a:r>
+            <a:r>
+              <a:rPr lang="en-US" sz="2000" b="0" i="0" dirty="0" err="1">
+                <a:effectLst/>
+              </a:rPr>
+              <a:t>исует</a:t>
+            </a:r>
+            <a:r>
+              <a:rPr lang="en-US" sz="2000" b="0" i="0" dirty="0">
+                <a:effectLst/>
+              </a:rPr>
+              <a:t> </a:t>
+            </a:r>
+            <a:r>
+              <a:rPr lang="en-US" sz="2000" b="0" i="0" dirty="0" err="1">
+                <a:effectLst/>
+              </a:rPr>
+              <a:t>прямоугольник</a:t>
+            </a:r>
+            <a:r>
+              <a:rPr lang="en-US" sz="2000" b="0" i="0" dirty="0">
+                <a:effectLst/>
+              </a:rPr>
+              <a:t>.</a:t>
+            </a:r>
+          </a:p>
+          <a:p>
+            <a:pPr indent="-182880" defTabSz="914400">
+              <a:lnSpc>
+                <a:spcPct val="130000"/>
+              </a:lnSpc>
+              <a:spcAft>
+                <a:spcPts val="600"/>
+              </a:spcAft>
+              <a:buClr>
+                <a:schemeClr val="accent1"/>
+              </a:buClr>
+              <a:buFont typeface="Wingdings 2" pitchFamily="18" charset="2"/>
+              <a:buChar char=""/>
+            </a:pPr>
+            <a:r>
+              <a:rPr lang="en-US" sz="2000" dirty="0" err="1">
+                <a:solidFill>
+                  <a:srgbClr val="C00000"/>
+                </a:solidFill>
+              </a:rPr>
+              <a:t>drawText</a:t>
+            </a:r>
+            <a:r>
+              <a:rPr lang="en-US" sz="2000" dirty="0">
+                <a:solidFill>
+                  <a:srgbClr val="C00000"/>
+                </a:solidFill>
+              </a:rPr>
+              <a:t>() </a:t>
+            </a:r>
+            <a:r>
+              <a:rPr lang="en-US" sz="2000" dirty="0"/>
+              <a:t>- </a:t>
+            </a:r>
+            <a:r>
+              <a:rPr lang="en-US" sz="2000" dirty="0" err="1"/>
+              <a:t>р</a:t>
+            </a:r>
+            <a:r>
+              <a:rPr lang="en-US" sz="2000" b="0" i="0" dirty="0" err="1">
+                <a:effectLst/>
+              </a:rPr>
+              <a:t>исует</a:t>
+            </a:r>
+            <a:r>
+              <a:rPr lang="en-US" sz="2000" b="0" i="0" dirty="0">
+                <a:effectLst/>
+              </a:rPr>
+              <a:t> </a:t>
+            </a:r>
+            <a:r>
+              <a:rPr lang="en-US" sz="2000" b="0" i="0" dirty="0" err="1">
+                <a:effectLst/>
+              </a:rPr>
+              <a:t>текстовую</a:t>
+            </a:r>
+            <a:r>
+              <a:rPr lang="en-US" sz="2000" b="0" i="0" dirty="0">
+                <a:effectLst/>
+              </a:rPr>
+              <a:t> </a:t>
+            </a:r>
+            <a:r>
+              <a:rPr lang="en-US" sz="2000" b="0" i="0" dirty="0" err="1">
+                <a:effectLst/>
+              </a:rPr>
+              <a:t>строку</a:t>
+            </a:r>
+            <a:r>
+              <a:rPr lang="en-US" sz="2000" b="0" i="0" dirty="0">
+                <a:effectLst/>
+              </a:rPr>
+              <a:t> </a:t>
+            </a:r>
+            <a:r>
+              <a:rPr lang="en-US" sz="2000" b="0" i="0" dirty="0" err="1">
+                <a:effectLst/>
+              </a:rPr>
+              <a:t>на</a:t>
+            </a:r>
+            <a:r>
+              <a:rPr lang="en-US" sz="2000" b="0" i="0" dirty="0">
+                <a:effectLst/>
+              </a:rPr>
+              <a:t> </a:t>
+            </a:r>
+            <a:r>
+              <a:rPr lang="en-US" sz="2000" b="0" i="0" dirty="0" err="1">
+                <a:effectLst/>
+              </a:rPr>
+              <a:t>холсте</a:t>
+            </a:r>
+            <a:endParaRPr lang="ru-RU" sz="2000" b="0" i="0" dirty="0">
+              <a:effectLst/>
+            </a:endParaRPr>
+          </a:p>
+          <a:p>
+            <a:pPr indent="-182880" defTabSz="914400">
+              <a:lnSpc>
+                <a:spcPct val="130000"/>
+              </a:lnSpc>
+              <a:spcAft>
+                <a:spcPts val="600"/>
+              </a:spcAft>
+              <a:buClr>
+                <a:schemeClr val="accent1"/>
+              </a:buClr>
+              <a:buFont typeface="Wingdings 2" pitchFamily="18" charset="2"/>
+              <a:buChar char=""/>
+            </a:pPr>
+            <a:r>
+              <a:rPr lang="en-US" sz="2000" dirty="0">
+                <a:solidFill>
+                  <a:srgbClr val="C00000"/>
+                </a:solidFill>
+              </a:rPr>
+              <a:t>rotate() и restore()</a:t>
+            </a:r>
+            <a:r>
+              <a:rPr lang="ru-RU" sz="2000" dirty="0">
+                <a:solidFill>
+                  <a:srgbClr val="C00000"/>
+                </a:solidFill>
+              </a:rPr>
+              <a:t> </a:t>
+            </a:r>
+            <a:r>
+              <a:rPr lang="ru-RU" sz="2000" dirty="0"/>
+              <a:t>– задает</a:t>
+            </a:r>
+            <a:r>
+              <a:rPr lang="en-US" sz="2000" dirty="0"/>
+              <a:t> </a:t>
+            </a:r>
+            <a:r>
+              <a:rPr lang="ru-RU" sz="2000" dirty="0"/>
+              <a:t>в</a:t>
+            </a:r>
+            <a:r>
+              <a:rPr lang="en-US" sz="2000" b="0" i="0" dirty="0" err="1">
+                <a:effectLst/>
+              </a:rPr>
+              <a:t>ращение</a:t>
+            </a:r>
+            <a:r>
+              <a:rPr lang="en-US" sz="2000" b="0" i="0" dirty="0">
+                <a:effectLst/>
+              </a:rPr>
+              <a:t> </a:t>
+            </a:r>
+            <a:r>
+              <a:rPr lang="en-US" sz="2000" b="0" i="0" dirty="0" err="1">
+                <a:effectLst/>
+              </a:rPr>
+              <a:t>холста</a:t>
+            </a:r>
+            <a:endParaRPr lang="en-US" sz="2000" b="0" i="0" dirty="0">
+              <a:effectLst/>
+            </a:endParaRPr>
+          </a:p>
+          <a:p>
+            <a:pPr indent="-182880" defTabSz="914400">
+              <a:lnSpc>
+                <a:spcPct val="130000"/>
+              </a:lnSpc>
+              <a:spcAft>
+                <a:spcPts val="600"/>
+              </a:spcAft>
+              <a:buClr>
+                <a:schemeClr val="accent1"/>
+              </a:buClr>
+              <a:buFont typeface="Wingdings 2" pitchFamily="18" charset="2"/>
+              <a:buChar char=""/>
+            </a:pPr>
+            <a:r>
+              <a:rPr lang="en-US" sz="2000" dirty="0">
+                <a:solidFill>
+                  <a:srgbClr val="C00000"/>
+                </a:solidFill>
+              </a:rPr>
+              <a:t>scale() и translate()</a:t>
+            </a:r>
+            <a:r>
+              <a:rPr lang="ru-RU" sz="2000" dirty="0">
+                <a:solidFill>
+                  <a:srgbClr val="C00000"/>
+                </a:solidFill>
+              </a:rPr>
+              <a:t> </a:t>
+            </a:r>
+            <a:r>
+              <a:rPr lang="ru-RU" sz="2000" dirty="0"/>
+              <a:t>- задает</a:t>
+            </a:r>
+            <a:r>
+              <a:rPr lang="en-US" sz="2000" dirty="0"/>
+              <a:t> </a:t>
+            </a:r>
+            <a:r>
+              <a:rPr lang="ru-RU" sz="2000" dirty="0"/>
+              <a:t>масштаб </a:t>
+            </a:r>
+            <a:r>
+              <a:rPr lang="en-US" sz="2000" b="0" i="0" dirty="0">
+                <a:effectLst/>
+              </a:rPr>
+              <a:t>и </a:t>
+            </a:r>
+            <a:r>
+              <a:rPr lang="en-US" sz="2000" b="0" i="0" dirty="0" err="1">
+                <a:effectLst/>
+              </a:rPr>
+              <a:t>перемещение</a:t>
+            </a:r>
+            <a:r>
+              <a:rPr lang="en-US" sz="2000" b="0" i="0" dirty="0">
+                <a:effectLst/>
+              </a:rPr>
+              <a:t> </a:t>
+            </a:r>
+            <a:r>
+              <a:rPr lang="en-US" sz="2000" b="0" i="0" dirty="0" err="1">
+                <a:effectLst/>
+              </a:rPr>
+              <a:t>координатной</a:t>
+            </a:r>
+            <a:r>
+              <a:rPr lang="en-US" sz="2000" b="0" i="0" dirty="0">
+                <a:effectLst/>
+              </a:rPr>
+              <a:t> </a:t>
+            </a:r>
+            <a:r>
+              <a:rPr lang="en-US" sz="2000" b="0" i="0" dirty="0" err="1">
+                <a:effectLst/>
+              </a:rPr>
+              <a:t>системы</a:t>
+            </a:r>
+            <a:endParaRPr lang="en-US" sz="2000" b="0" i="0" dirty="0">
+              <a:effectLst/>
+            </a:endParaRPr>
+          </a:p>
+          <a:p>
+            <a:pPr indent="-182880" defTabSz="914400">
+              <a:lnSpc>
+                <a:spcPct val="130000"/>
+              </a:lnSpc>
+              <a:spcAft>
+                <a:spcPts val="600"/>
+              </a:spcAft>
+              <a:buClr>
+                <a:schemeClr val="accent1"/>
+              </a:buClr>
+              <a:buFont typeface="Wingdings 2" pitchFamily="18" charset="2"/>
+              <a:buChar char=""/>
+            </a:pPr>
+            <a:endParaRPr lang="en-US" sz="2000" dirty="0"/>
+          </a:p>
+        </p:txBody>
+      </p:sp>
+    </p:spTree>
+    <p:extLst>
+      <p:ext uri="{BB962C8B-B14F-4D97-AF65-F5344CB8AC3E}">
+        <p14:creationId xmlns:p14="http://schemas.microsoft.com/office/powerpoint/2010/main" val="243223209"/>
+      </p:ext>
+    </p:extLst>
+  </p:cSld>
+  <p:clrMapOvr>
+    <a:masterClrMapping/>
+  </p:clrMapOvr>
+</p:sld>
+</file>
+
+<file path=ppt/slides/slide15.xml><?xml version="1.0" encoding="utf-8"?>
 <p:sld xmlns:a="http://schemas.openxmlformats.org/drawingml/2006/main" xmlns:r="http://schemas.openxmlformats.org/officeDocument/2006/relationships" xmlns:p="http://schemas.openxmlformats.org/presentationml/2006/main">
   <p:cSld>
     <p:bg>
@@ -5054,12 +6766,12 @@
           <a:chExt cx="0" cy="0"/>
         </a:xfrm>
       </p:grpSpPr>
-      <p:sp useBgFill="1">
-        <p:nvSpPr>
-          <p:cNvPr id="135" name="Rectangle 134">
+      <p:sp>
+        <p:nvSpPr>
+          <p:cNvPr id="33" name="Rectangle 32">
             <a:extLst>
               <a:ext uri="{FF2B5EF4-FFF2-40B4-BE49-F238E27FC236}">
-                <a16:creationId xmlns:a16="http://schemas.microsoft.com/office/drawing/2014/main" id="{9203ABB4-7E2A-4248-9FE7-4A419AFF2F17}"/>
+                <a16:creationId xmlns:a16="http://schemas.microsoft.com/office/drawing/2014/main" id="{43162304-DA60-4C31-9E2B-E22F8DA75FF5}"/>
               </a:ext>
               <a:ext uri="{C183D7F6-B498-43B3-948B-1728B52AA6E4}">
                 <adec:decorative xmlns:adec="http://schemas.microsoft.com/office/drawing/2017/decorative" val="1"/>
@@ -5079,8 +6791,120 @@
         </p:nvSpPr>
         <p:spPr>
           <a:xfrm>
+            <a:off x="1" y="758952"/>
+            <a:ext cx="3443590" cy="5330952"/>
+          </a:xfrm>
+          <a:prstGeom prst="rect">
+            <a:avLst/>
+          </a:prstGeom>
+          <a:solidFill>
+            <a:schemeClr val="accent1"/>
+          </a:solidFill>
+          <a:ln>
+            <a:noFill/>
+          </a:ln>
+        </p:spPr>
+        <p:style>
+          <a:lnRef idx="2">
+            <a:schemeClr val="accent1">
+              <a:shade val="50000"/>
+            </a:schemeClr>
+          </a:lnRef>
+          <a:fillRef idx="1">
+            <a:schemeClr val="accent1"/>
+          </a:fillRef>
+          <a:effectRef idx="0">
+            <a:schemeClr val="accent1"/>
+          </a:effectRef>
+          <a:fontRef idx="minor">
+            <a:schemeClr val="lt1"/>
+          </a:fontRef>
+        </p:style>
+      </p:sp>
+      <p:sp>
+        <p:nvSpPr>
+          <p:cNvPr id="35" name="Rectangle 34">
+            <a:extLst>
+              <a:ext uri="{FF2B5EF4-FFF2-40B4-BE49-F238E27FC236}">
+                <a16:creationId xmlns:a16="http://schemas.microsoft.com/office/drawing/2014/main" id="{C4AE1EFF-264A-4A42-BEA1-0E875F40D74F}"/>
+              </a:ext>
+              <a:ext uri="{C183D7F6-B498-43B3-948B-1728B52AA6E4}">
+                <adec:decorative xmlns:adec="http://schemas.microsoft.com/office/drawing/2017/decorative" val="1"/>
+              </a:ext>
+            </a:extLst>
+          </p:cNvPr>
+          <p:cNvSpPr>
+            <a:spLocks noGrp="1" noRot="1" noChangeAspect="1" noMove="1" noResize="1" noEditPoints="1" noAdjustHandles="1" noChangeArrowheads="1" noChangeShapeType="1" noTextEdit="1"/>
+          </p:cNvSpPr>
+          <p:nvPr>
+            <p:extLst>
+              <p:ext uri="{386F3935-93C4-4BCD-93E2-E3B085C9AB24}">
+                <p16:designElem xmlns:p16="http://schemas.microsoft.com/office/powerpoint/2015/main" val="1"/>
+              </p:ext>
+            </p:extLst>
+          </p:nvPr>
+        </p:nvSpPr>
+        <p:spPr>
+          <a:xfrm>
+            <a:off x="11815864" y="758952"/>
+            <a:ext cx="384048" cy="5330952"/>
+          </a:xfrm>
+          <a:prstGeom prst="rect">
+            <a:avLst/>
+          </a:prstGeom>
+          <a:solidFill>
+            <a:srgbClr val="C8C8C8">
+              <a:alpha val="49804"/>
+            </a:srgbClr>
+          </a:solidFill>
+          <a:ln>
+            <a:noFill/>
+          </a:ln>
+        </p:spPr>
+        <p:style>
+          <a:lnRef idx="2">
+            <a:schemeClr val="accent1">
+              <a:shade val="50000"/>
+            </a:schemeClr>
+          </a:lnRef>
+          <a:fillRef idx="1">
+            <a:schemeClr val="accent1"/>
+          </a:fillRef>
+          <a:effectRef idx="0">
+            <a:schemeClr val="accent1"/>
+          </a:effectRef>
+          <a:fontRef idx="minor">
+            <a:schemeClr val="lt1"/>
+          </a:fontRef>
+        </p:style>
+      </p:sp>
+      <p:sp useBgFill="1">
+        <p:nvSpPr>
+          <p:cNvPr id="37" name="Rectangle 36">
+            <a:extLst>
+              <a:ext uri="{FF2B5EF4-FFF2-40B4-BE49-F238E27FC236}">
+                <a16:creationId xmlns:a16="http://schemas.microsoft.com/office/drawing/2014/main" id="{64D545DB-8A58-4FDC-8FF8-F99D917C37C2}"/>
+              </a:ext>
+              <a:ext uri="{C183D7F6-B498-43B3-948B-1728B52AA6E4}">
+                <adec:decorative xmlns:adec="http://schemas.microsoft.com/office/drawing/2017/decorative" val="1"/>
+              </a:ext>
+            </a:extLst>
+          </p:cNvPr>
+          <p:cNvSpPr>
+            <a:spLocks noGrp="1" noRot="1" noChangeAspect="1" noMove="1" noResize="1" noEditPoints="1" noAdjustHandles="1" noChangeArrowheads="1" noChangeShapeType="1" noTextEdit="1"/>
+          </p:cNvSpPr>
+          <p:nvPr>
+            <p:extLst>
+              <p:ext uri="{386F3935-93C4-4BCD-93E2-E3B085C9AB24}">
+                <p16:designElem xmlns:p16="http://schemas.microsoft.com/office/powerpoint/2015/main" val="1"/>
+              </p:ext>
+            </p:extLst>
+          </p:nvPr>
+        </p:nvSpPr>
+        <p:spPr>
+          <a:xfrm>
             <a:off x="0" y="0"/>
-            <a:ext cx="12191999" cy="6858000"/>
+            <a:ext cx="12192000" cy="6858000"/>
           </a:xfrm>
           <a:prstGeom prst="rect">
             <a:avLst/>
@@ -5116,10 +6940,10 @@
       </p:sp>
       <p:sp>
         <p:nvSpPr>
-          <p:cNvPr id="137" name="Rectangle 136">
+          <p:cNvPr id="39" name="Rectangle 38">
             <a:extLst>
               <a:ext uri="{FF2B5EF4-FFF2-40B4-BE49-F238E27FC236}">
-                <a16:creationId xmlns:a16="http://schemas.microsoft.com/office/drawing/2014/main" id="{3126970D-C1E5-4FB1-84E8-86CB9CED1C80}"/>
+                <a16:creationId xmlns:a16="http://schemas.microsoft.com/office/drawing/2014/main" id="{53F02532-0429-47BE-B7D5-89B31C0C803A}"/>
               </a:ext>
               <a:ext uri="{C183D7F6-B498-43B3-948B-1728B52AA6E4}">
                 <adec:decorative xmlns:adec="http://schemas.microsoft.com/office/drawing/2017/decorative" val="1"/>
@@ -5139,8 +6963,8 @@
         </p:nvSpPr>
         <p:spPr>
           <a:xfrm>
-            <a:off x="0" y="4367639"/>
-            <a:ext cx="11707367" cy="1852186"/>
+            <a:off x="8136729" y="757325"/>
+            <a:ext cx="3549144" cy="5329325"/>
           </a:xfrm>
           <a:prstGeom prst="rect">
             <a:avLst/>
@@ -5168,6 +6992,14 @@
             <a:schemeClr val="lt1"/>
           </a:fontRef>
         </p:style>
+        <p:txBody>
+          <a:bodyPr rtlCol="0" anchor="ctr"/>
+          <a:lstStyle/>
+          <a:p>
+            <a:pPr algn="ctr"/>
+            <a:endParaRPr lang="en-US"/>
+          </a:p>
+        </p:txBody>
       </p:sp>
       <p:sp>
         <p:nvSpPr>
@@ -5185,16 +7017,16 @@
         </p:nvSpPr>
         <p:spPr>
           <a:xfrm>
-            <a:off x="274718" y="4690051"/>
-            <a:ext cx="10210862" cy="1293305"/>
+            <a:off x="8389648" y="1123837"/>
+            <a:ext cx="2947482" cy="4601183"/>
           </a:xfrm>
           <a:prstGeom prst="rect">
             <a:avLst/>
           </a:prstGeom>
         </p:spPr>
         <p:txBody>
-          <a:bodyPr vert="horz" lIns="91440" tIns="45720" rIns="91440" bIns="45720" rtlCol="0" anchor="b">
-            <a:normAutofit fontScale="92500" lnSpcReduction="10000"/>
+          <a:bodyPr vert="horz" lIns="91440" tIns="45720" rIns="91440" bIns="45720" rtlCol="0" anchor="ctr">
+            <a:normAutofit/>
           </a:bodyPr>
           <a:lstStyle>
             <a:lvl1pPr algn="l" defTabSz="914400" rtl="0" eaLnBrk="1" latinLnBrk="0" hangingPunct="1">
@@ -5225,20 +7057,16 @@
               </a:buClr>
             </a:pPr>
             <a:r>
-              <a:rPr lang="ru-RU" sz="3200" b="1" dirty="0"/>
-              <a:t>Возможности класса </a:t>
-            </a:r>
-            <a:r>
-              <a:rPr lang="en-US" sz="3200" b="1" dirty="0"/>
-              <a:t>Canvas</a:t>
+              <a:rPr lang="en-US" sz="3600" b="1" spc="-60"/>
+              <a:t>Возможности класса Paint</a:t>
             </a:r>
             <a:br>
-              <a:rPr lang="en-US" sz="3200" b="1" dirty="0"/>
+              <a:rPr lang="en-US" sz="3600" b="1" spc="-60"/>
             </a:br>
             <a:br>
-              <a:rPr lang="en-US" sz="3200" b="1" dirty="0"/>
+              <a:rPr lang="en-US" sz="3600" b="1" spc="-60"/>
             </a:br>
-            <a:endParaRPr lang="en-US" sz="3200" b="1" dirty="0"/>
+            <a:endParaRPr lang="en-US" sz="3600" b="1" spc="-60"/>
           </a:p>
         </p:txBody>
       </p:sp>
@@ -5256,553 +7084,402 @@
         </p:nvSpPr>
         <p:spPr>
           <a:xfrm>
-            <a:off x="423804" y="638175"/>
-            <a:ext cx="11478470" cy="6370975"/>
+            <a:off x="643466" y="864108"/>
+            <a:ext cx="6987135" cy="5120640"/>
           </a:xfrm>
           <a:prstGeom prst="rect">
             <a:avLst/>
           </a:prstGeom>
         </p:spPr>
         <p:txBody>
-          <a:bodyPr wrap="square">
-            <a:spAutoFit/>
+          <a:bodyPr vert="horz" lIns="91440" tIns="45720" rIns="91440" bIns="45720" rtlCol="0" anchor="ctr">
+            <a:normAutofit/>
           </a:bodyPr>
           <a:lstStyle/>
           <a:p>
-            <a:pPr algn="l">
-              <a:buFont typeface="Arial" panose="020B0604020202020204" pitchFamily="34" charset="0"/>
-              <a:buChar char="•"/>
+            <a:pPr indent="-182880" defTabSz="914400">
+              <a:lnSpc>
+                <a:spcPct val="150000"/>
+              </a:lnSpc>
+              <a:spcAft>
+                <a:spcPts val="600"/>
+              </a:spcAft>
+              <a:buClr>
+                <a:schemeClr val="accent1"/>
+              </a:buClr>
+              <a:buFont typeface="Wingdings 2" pitchFamily="18" charset="2"/>
+              <a:buChar char=""/>
             </a:pPr>
             <a:r>
-              <a:rPr lang="ru-RU" sz="2400" b="0" i="0" u="none" strike="noStrike" dirty="0" err="1">
-                <a:solidFill>
-                  <a:srgbClr val="007BFF"/>
-                </a:solidFill>
+              <a:rPr lang="en-US" sz="2400" b="1" dirty="0" err="1">
+                <a:solidFill>
+                  <a:schemeClr val="accent1">
+                    <a:lumMod val="50000"/>
+                  </a:schemeClr>
+                </a:solidFill>
+              </a:rPr>
+              <a:t>setColor</a:t>
+            </a:r>
+            <a:r>
+              <a:rPr lang="en-US" sz="2400" b="0" i="0" dirty="0">
                 <a:effectLst/>
-                <a:latin typeface="-apple-system"/>
-                <a:hlinkClick r:id="rId2"/>
-              </a:rPr>
-              <a:t>drawArc</a:t>
-            </a:r>
-            <a:r>
-              <a:rPr lang="ru-RU" sz="2400" b="0" i="0" u="none" strike="noStrike" dirty="0">
-                <a:solidFill>
-                  <a:srgbClr val="007BFF"/>
-                </a:solidFill>
+              </a:rPr>
+              <a:t> – </a:t>
+            </a:r>
+            <a:r>
+              <a:rPr lang="en-US" sz="2400" b="0" i="0" dirty="0" err="1">
                 <a:effectLst/>
-                <a:latin typeface="-apple-system"/>
-                <a:hlinkClick r:id="rId2"/>
-              </a:rPr>
-              <a:t>()</a:t>
-            </a:r>
-            <a:r>
-              <a:rPr lang="ru-RU" sz="2400" b="0" i="0" dirty="0">
-                <a:solidFill>
-                  <a:srgbClr val="212529"/>
-                </a:solidFill>
+              </a:rPr>
+              <a:t>задать</a:t>
+            </a:r>
+            <a:r>
+              <a:rPr lang="en-US" sz="2400" b="0" i="0" dirty="0">
                 <a:effectLst/>
-                <a:latin typeface="-apple-system"/>
-              </a:rPr>
-              <a:t>. Рисует дугу между двумя углами внутри заданной прямоугольной области.</a:t>
-            </a:r>
-          </a:p>
-          <a:p>
-            <a:pPr algn="l">
-              <a:buFont typeface="Arial" panose="020B0604020202020204" pitchFamily="34" charset="0"/>
-              <a:buChar char="•"/>
+              </a:rPr>
+              <a:t> </a:t>
+            </a:r>
+            <a:r>
+              <a:rPr lang="en-US" sz="2400" b="0" i="0" dirty="0" err="1">
+                <a:effectLst/>
+              </a:rPr>
+              <a:t>цвет</a:t>
+            </a:r>
+            <a:r>
+              <a:rPr lang="en-US" sz="2400" b="0" i="0" dirty="0">
+                <a:effectLst/>
+              </a:rPr>
+              <a:t> </a:t>
+            </a:r>
+            <a:r>
+              <a:rPr lang="en-US" sz="2400" b="0" i="0" dirty="0" err="1">
+                <a:effectLst/>
+              </a:rPr>
+              <a:t>для</a:t>
+            </a:r>
+            <a:r>
+              <a:rPr lang="en-US" sz="2400" b="0" i="0" dirty="0">
+                <a:effectLst/>
+              </a:rPr>
+              <a:t> </a:t>
+            </a:r>
+            <a:r>
+              <a:rPr lang="en-US" sz="2400" b="0" i="0" dirty="0" err="1">
+                <a:effectLst/>
+              </a:rPr>
+              <a:t>рисования</a:t>
+            </a:r>
+            <a:endParaRPr lang="en-US" sz="2400" b="0" i="0" dirty="0">
+              <a:effectLst/>
+            </a:endParaRPr>
+          </a:p>
+          <a:p>
+            <a:pPr indent="-182880" defTabSz="914400">
+              <a:lnSpc>
+                <a:spcPct val="150000"/>
+              </a:lnSpc>
+              <a:spcAft>
+                <a:spcPts val="600"/>
+              </a:spcAft>
+              <a:buClr>
+                <a:schemeClr val="accent1"/>
+              </a:buClr>
+              <a:buFont typeface="Wingdings 2" pitchFamily="18" charset="2"/>
+              <a:buChar char=""/>
             </a:pPr>
             <a:r>
-              <a:rPr lang="ru-RU" sz="2400" b="0" i="0" u="none" strike="noStrike" dirty="0" err="1">
-                <a:solidFill>
-                  <a:srgbClr val="007BFF"/>
-                </a:solidFill>
+              <a:rPr lang="en-US" sz="2400" b="1" dirty="0" err="1">
+                <a:solidFill>
+                  <a:schemeClr val="accent1">
+                    <a:lumMod val="50000"/>
+                  </a:schemeClr>
+                </a:solidFill>
+              </a:rPr>
+              <a:t>setTextSize</a:t>
+            </a:r>
+            <a:r>
+              <a:rPr lang="en-US" sz="2400" b="0" i="0" dirty="0">
                 <a:effectLst/>
-                <a:latin typeface="-apple-system"/>
-                <a:hlinkClick r:id="rId3"/>
-              </a:rPr>
-              <a:t>drawBitmap</a:t>
-            </a:r>
-            <a:r>
-              <a:rPr lang="ru-RU" sz="2400" b="0" i="0" u="none" strike="noStrike" dirty="0">
-                <a:solidFill>
-                  <a:srgbClr val="007BFF"/>
-                </a:solidFill>
+              </a:rPr>
+              <a:t> – </a:t>
+            </a:r>
+            <a:r>
+              <a:rPr lang="en-US" sz="2400" b="0" i="0" dirty="0" err="1">
                 <a:effectLst/>
-                <a:latin typeface="-apple-system"/>
-                <a:hlinkClick r:id="rId3"/>
-              </a:rPr>
-              <a:t>()</a:t>
-            </a:r>
-            <a:r>
-              <a:rPr lang="ru-RU" sz="2400" b="0" i="0" dirty="0">
-                <a:solidFill>
-                  <a:srgbClr val="212529"/>
-                </a:solidFill>
+              </a:rPr>
+              <a:t>задать</a:t>
+            </a:r>
+            <a:r>
+              <a:rPr lang="en-US" sz="2400" b="0" i="0" dirty="0">
                 <a:effectLst/>
-                <a:latin typeface="-apple-system"/>
-              </a:rPr>
-              <a:t>. Рисует растровое изображение на холсте. Вы можете изменять внешний вид целевой картинки, указывая итоговый размер или используя матрицу для преобразования.</a:t>
-            </a:r>
-          </a:p>
-          <a:p>
-            <a:pPr algn="l">
-              <a:buFont typeface="Arial" panose="020B0604020202020204" pitchFamily="34" charset="0"/>
-              <a:buChar char="•"/>
+              </a:rPr>
+              <a:t> </a:t>
+            </a:r>
+            <a:r>
+              <a:rPr lang="en-US" sz="2400" b="0" i="0" dirty="0" err="1">
+                <a:effectLst/>
+              </a:rPr>
+              <a:t>размер</a:t>
+            </a:r>
+            <a:r>
+              <a:rPr lang="en-US" sz="2400" b="0" i="0" dirty="0">
+                <a:effectLst/>
+              </a:rPr>
+              <a:t> </a:t>
+            </a:r>
+            <a:r>
+              <a:rPr lang="en-US" sz="2400" b="0" i="0" dirty="0" err="1">
+                <a:effectLst/>
+              </a:rPr>
+              <a:t>текста</a:t>
+            </a:r>
+            <a:endParaRPr lang="en-US" sz="2400" b="0" i="0" dirty="0">
+              <a:effectLst/>
+            </a:endParaRPr>
+          </a:p>
+          <a:p>
+            <a:pPr indent="-182880" defTabSz="914400">
+              <a:lnSpc>
+                <a:spcPct val="150000"/>
+              </a:lnSpc>
+              <a:spcAft>
+                <a:spcPts val="600"/>
+              </a:spcAft>
+              <a:buClr>
+                <a:schemeClr val="accent1"/>
+              </a:buClr>
+              <a:buFont typeface="Wingdings 2" pitchFamily="18" charset="2"/>
+              <a:buChar char=""/>
             </a:pPr>
             <a:r>
-              <a:rPr lang="ru-RU" sz="2400" b="0" i="0" u="none" strike="noStrike" dirty="0" err="1">
-                <a:solidFill>
-                  <a:srgbClr val="007BFF"/>
-                </a:solidFill>
+              <a:rPr lang="en-US" sz="2400" b="1" dirty="0" err="1">
+                <a:solidFill>
+                  <a:schemeClr val="accent1">
+                    <a:lumMod val="50000"/>
+                  </a:schemeClr>
+                </a:solidFill>
+              </a:rPr>
+              <a:t>setStrokeWidth</a:t>
+            </a:r>
+            <a:r>
+              <a:rPr lang="en-US" sz="2400" dirty="0">
                 <a:effectLst/>
-                <a:latin typeface="-apple-system"/>
-                <a:hlinkClick r:id="rId4"/>
-              </a:rPr>
-              <a:t>drawCircle</a:t>
-            </a:r>
-            <a:r>
-              <a:rPr lang="ru-RU" sz="2400" b="0" i="0" u="none" strike="noStrike" dirty="0">
-                <a:solidFill>
-                  <a:srgbClr val="007BFF"/>
-                </a:solidFill>
+              </a:rPr>
+              <a:t> </a:t>
+            </a:r>
+            <a:r>
+              <a:rPr lang="en-US" sz="2400" b="0" i="0" dirty="0">
                 <a:effectLst/>
-                <a:latin typeface="-apple-system"/>
-                <a:hlinkClick r:id="rId4"/>
-              </a:rPr>
-              <a:t>()</a:t>
-            </a:r>
-            <a:r>
-              <a:rPr lang="ru-RU" sz="2400" b="0" i="0" dirty="0">
-                <a:solidFill>
-                  <a:srgbClr val="212529"/>
-                </a:solidFill>
+              </a:rPr>
+              <a:t> – </a:t>
+            </a:r>
+            <a:r>
+              <a:rPr lang="en-US" sz="2400" b="0" i="0" dirty="0" err="1">
                 <a:effectLst/>
-                <a:latin typeface="-apple-system"/>
-              </a:rPr>
-              <a:t>. Рисует окружность с определенным радиусом вокруг заданной точки.</a:t>
-            </a:r>
-          </a:p>
-          <a:p>
-            <a:pPr algn="l">
-              <a:buFont typeface="Arial" panose="020B0604020202020204" pitchFamily="34" charset="0"/>
-              <a:buChar char="•"/>
+              </a:rPr>
+              <a:t>задать</a:t>
+            </a:r>
+            <a:r>
+              <a:rPr lang="en-US" sz="2400" b="0" i="0" dirty="0">
+                <a:effectLst/>
+              </a:rPr>
+              <a:t> </a:t>
+            </a:r>
+            <a:r>
+              <a:rPr lang="en-US" sz="2400" b="0" i="0" dirty="0" err="1">
+                <a:effectLst/>
+              </a:rPr>
+              <a:t>толщину</a:t>
+            </a:r>
+            <a:r>
+              <a:rPr lang="en-US" sz="2400" b="0" i="0" dirty="0">
+                <a:effectLst/>
+              </a:rPr>
+              <a:t> </a:t>
+            </a:r>
+            <a:r>
+              <a:rPr lang="en-US" sz="2400" b="0" i="0" dirty="0" err="1">
+                <a:effectLst/>
+              </a:rPr>
+              <a:t>контура</a:t>
+            </a:r>
+            <a:endParaRPr lang="en-US" sz="2400" b="0" i="0" dirty="0">
+              <a:effectLst/>
+            </a:endParaRPr>
+          </a:p>
+          <a:p>
+            <a:pPr indent="-182880" defTabSz="914400">
+              <a:lnSpc>
+                <a:spcPct val="150000"/>
+              </a:lnSpc>
+              <a:spcAft>
+                <a:spcPts val="600"/>
+              </a:spcAft>
+              <a:buClr>
+                <a:schemeClr val="accent1"/>
+              </a:buClr>
+              <a:buFont typeface="Wingdings 2" pitchFamily="18" charset="2"/>
+              <a:buChar char=""/>
             </a:pPr>
             <a:r>
-              <a:rPr lang="ru-RU" sz="2400" b="0" i="0" u="none" strike="noStrike" dirty="0" err="1">
-                <a:solidFill>
-                  <a:srgbClr val="007BFF"/>
-                </a:solidFill>
+              <a:rPr lang="en-US" sz="2400" b="1" dirty="0" err="1">
+                <a:solidFill>
+                  <a:schemeClr val="accent1">
+                    <a:lumMod val="50000"/>
+                  </a:schemeClr>
+                </a:solidFill>
+              </a:rPr>
+              <a:t>setStyle</a:t>
+            </a:r>
+            <a:r>
+              <a:rPr lang="en-US" sz="2400" dirty="0">
                 <a:effectLst/>
-                <a:latin typeface="-apple-system"/>
-                <a:hlinkClick r:id="rId5"/>
-              </a:rPr>
-              <a:t>drawLine</a:t>
-            </a:r>
-            <a:r>
-              <a:rPr lang="ru-RU" sz="2400" b="0" i="0" u="none" strike="noStrike" dirty="0">
-                <a:solidFill>
-                  <a:srgbClr val="007BFF"/>
-                </a:solidFill>
+              </a:rPr>
+              <a:t> </a:t>
+            </a:r>
+            <a:r>
+              <a:rPr lang="en-US" sz="2400" b="0" i="0" dirty="0">
                 <a:effectLst/>
-                <a:latin typeface="-apple-system"/>
-                <a:hlinkClick r:id="rId5"/>
-              </a:rPr>
-              <a:t>(s)()</a:t>
-            </a:r>
-            <a:r>
-              <a:rPr lang="ru-RU" sz="2400" b="0" i="0" dirty="0">
-                <a:solidFill>
-                  <a:srgbClr val="212529"/>
-                </a:solidFill>
+              </a:rPr>
+              <a:t> – </a:t>
+            </a:r>
+            <a:r>
+              <a:rPr lang="en-US" sz="2400" b="0" i="0" dirty="0" err="1">
                 <a:effectLst/>
-                <a:latin typeface="-apple-system"/>
-              </a:rPr>
-              <a:t>. Рисует линию (или последовательность линий) между двумя точками.</a:t>
-            </a:r>
-          </a:p>
-          <a:p>
-            <a:pPr algn="l">
-              <a:buFont typeface="Arial" panose="020B0604020202020204" pitchFamily="34" charset="0"/>
-              <a:buChar char="•"/>
+              </a:rPr>
+              <a:t>задать</a:t>
+            </a:r>
+            <a:r>
+              <a:rPr lang="en-US" sz="2400" b="0" i="0" dirty="0">
+                <a:effectLst/>
+              </a:rPr>
+              <a:t> </a:t>
+            </a:r>
+            <a:r>
+              <a:rPr lang="en-US" sz="2400" b="0" i="0" dirty="0" err="1">
+                <a:effectLst/>
+              </a:rPr>
+              <a:t>стиль</a:t>
+            </a:r>
+            <a:r>
+              <a:rPr lang="en-US" sz="2400" b="0" i="0" dirty="0">
+                <a:effectLst/>
+              </a:rPr>
+              <a:t> </a:t>
+            </a:r>
+            <a:r>
+              <a:rPr lang="en-US" sz="2400" b="0" i="0" dirty="0" err="1">
+                <a:effectLst/>
+              </a:rPr>
+              <a:t>заливки</a:t>
+            </a:r>
+            <a:r>
+              <a:rPr lang="en-US" sz="2400" b="0" i="0" dirty="0">
+                <a:effectLst/>
+              </a:rPr>
+              <a:t> </a:t>
+            </a:r>
+            <a:r>
+              <a:rPr lang="en-US" sz="2400" b="0" i="0" dirty="0" err="1">
+                <a:effectLst/>
+              </a:rPr>
+              <a:t>фигуры</a:t>
+            </a:r>
+            <a:endParaRPr lang="en-US" sz="2400" b="0" i="0" dirty="0">
+              <a:effectLst/>
+            </a:endParaRPr>
+          </a:p>
+          <a:p>
+            <a:pPr indent="-182880" defTabSz="914400">
+              <a:lnSpc>
+                <a:spcPct val="90000"/>
+              </a:lnSpc>
+              <a:spcAft>
+                <a:spcPts val="600"/>
+              </a:spcAft>
+              <a:buClr>
+                <a:schemeClr val="accent1"/>
+              </a:buClr>
+              <a:buFont typeface="Wingdings 2" pitchFamily="18" charset="2"/>
+              <a:buChar char=""/>
             </a:pPr>
-            <a:r>
-              <a:rPr lang="ru-RU" sz="2400" b="0" i="0" u="none" strike="noStrike" dirty="0" err="1">
-                <a:solidFill>
-                  <a:srgbClr val="007BFF"/>
-                </a:solidFill>
-                <a:effectLst/>
-                <a:latin typeface="-apple-system"/>
-                <a:hlinkClick r:id="rId6"/>
-              </a:rPr>
-              <a:t>drawOval</a:t>
-            </a:r>
-            <a:r>
-              <a:rPr lang="ru-RU" sz="2400" b="0" i="0" u="none" strike="noStrike" dirty="0">
-                <a:solidFill>
-                  <a:srgbClr val="007BFF"/>
-                </a:solidFill>
-                <a:effectLst/>
-                <a:latin typeface="-apple-system"/>
-                <a:hlinkClick r:id="rId6"/>
-              </a:rPr>
-              <a:t>()</a:t>
-            </a:r>
-            <a:r>
-              <a:rPr lang="ru-RU" sz="2400" b="0" i="0" dirty="0">
-                <a:solidFill>
-                  <a:srgbClr val="212529"/>
-                </a:solidFill>
-                <a:effectLst/>
-                <a:latin typeface="-apple-system"/>
-              </a:rPr>
-              <a:t>. Рисует овал на основе прямоугольной области.</a:t>
-            </a:r>
-          </a:p>
-          <a:p>
-            <a:pPr algn="l">
-              <a:buFont typeface="Arial" panose="020B0604020202020204" pitchFamily="34" charset="0"/>
-              <a:buChar char="•"/>
+            <a:endParaRPr lang="en-US" sz="2400" b="0" i="0" dirty="0">
+              <a:effectLst/>
+            </a:endParaRPr>
+          </a:p>
+          <a:p>
+            <a:pPr indent="-182880" defTabSz="914400">
+              <a:lnSpc>
+                <a:spcPct val="90000"/>
+              </a:lnSpc>
+              <a:spcAft>
+                <a:spcPts val="600"/>
+              </a:spcAft>
+              <a:buClr>
+                <a:schemeClr val="accent1"/>
+              </a:buClr>
+              <a:buFont typeface="Wingdings 2" pitchFamily="18" charset="2"/>
+              <a:buChar char=""/>
             </a:pPr>
-            <a:r>
-              <a:rPr lang="ru-RU" sz="2400" b="0" i="0" u="none" strike="noStrike" dirty="0" err="1">
-                <a:solidFill>
-                  <a:srgbClr val="007BFF"/>
-                </a:solidFill>
-                <a:effectLst/>
-                <a:latin typeface="-apple-system"/>
-                <a:hlinkClick r:id="rId7"/>
-              </a:rPr>
-              <a:t>drawPath</a:t>
-            </a:r>
-            <a:r>
-              <a:rPr lang="ru-RU" sz="2400" b="0" i="0" u="none" strike="noStrike" dirty="0">
-                <a:solidFill>
-                  <a:srgbClr val="007BFF"/>
-                </a:solidFill>
-                <a:effectLst/>
-                <a:latin typeface="-apple-system"/>
-                <a:hlinkClick r:id="rId7"/>
-              </a:rPr>
-              <a:t>()</a:t>
-            </a:r>
-            <a:r>
-              <a:rPr lang="ru-RU" sz="2400" b="0" i="0" dirty="0">
-                <a:solidFill>
-                  <a:srgbClr val="212529"/>
-                </a:solidFill>
-                <a:effectLst/>
-                <a:latin typeface="-apple-system"/>
-              </a:rPr>
-              <a:t>. Рисует указанный контур, используется для хранения набора графических примитивов в виде единого объекта.</a:t>
-            </a:r>
-          </a:p>
-          <a:p>
-            <a:pPr algn="l">
-              <a:buFont typeface="Arial" panose="020B0604020202020204" pitchFamily="34" charset="0"/>
-              <a:buChar char="•"/>
-            </a:pPr>
-            <a:r>
-              <a:rPr lang="ru-RU" sz="2400" b="0" i="0" u="none" strike="noStrike" dirty="0" err="1">
-                <a:solidFill>
-                  <a:srgbClr val="007BFF"/>
-                </a:solidFill>
-                <a:effectLst/>
-                <a:latin typeface="-apple-system"/>
-                <a:hlinkClick r:id="rId8"/>
-              </a:rPr>
-              <a:t>drawPoint</a:t>
-            </a:r>
-            <a:r>
-              <a:rPr lang="ru-RU" sz="2400" b="0" i="0" u="none" strike="noStrike" dirty="0">
-                <a:solidFill>
-                  <a:srgbClr val="007BFF"/>
-                </a:solidFill>
-                <a:effectLst/>
-                <a:latin typeface="-apple-system"/>
-                <a:hlinkClick r:id="rId8"/>
-              </a:rPr>
-              <a:t>()</a:t>
-            </a:r>
-            <a:r>
-              <a:rPr lang="ru-RU" sz="2400" b="0" i="0" dirty="0">
-                <a:solidFill>
-                  <a:srgbClr val="212529"/>
-                </a:solidFill>
-                <a:effectLst/>
-                <a:latin typeface="-apple-system"/>
-              </a:rPr>
-              <a:t>. Рисует точку в заданном месте.</a:t>
-            </a:r>
-          </a:p>
-          <a:p>
-            <a:pPr algn="l">
-              <a:buFont typeface="Arial" panose="020B0604020202020204" pitchFamily="34" charset="0"/>
-              <a:buChar char="•"/>
-            </a:pPr>
-            <a:r>
-              <a:rPr lang="ru-RU" sz="2400" b="0" i="0" u="none" strike="noStrike" dirty="0" err="1">
-                <a:solidFill>
-                  <a:srgbClr val="007BFF"/>
-                </a:solidFill>
-                <a:effectLst/>
-                <a:latin typeface="-apple-system"/>
-                <a:hlinkClick r:id="rId9"/>
-              </a:rPr>
-              <a:t>drawRect</a:t>
-            </a:r>
-            <a:r>
-              <a:rPr lang="ru-RU" sz="2400" b="0" i="0" u="none" strike="noStrike" dirty="0">
-                <a:solidFill>
-                  <a:srgbClr val="007BFF"/>
-                </a:solidFill>
-                <a:effectLst/>
-                <a:latin typeface="-apple-system"/>
-                <a:hlinkClick r:id="rId9"/>
-              </a:rPr>
-              <a:t>()</a:t>
-            </a:r>
-            <a:r>
-              <a:rPr lang="ru-RU" sz="2400" b="0" i="0" dirty="0">
-                <a:solidFill>
-                  <a:srgbClr val="212529"/>
-                </a:solidFill>
-                <a:effectLst/>
-                <a:latin typeface="-apple-system"/>
-              </a:rPr>
-              <a:t>. Рисует прямоугольник.</a:t>
-            </a:r>
-          </a:p>
-          <a:p>
-            <a:pPr algn="l">
-              <a:buFont typeface="Arial" panose="020B0604020202020204" pitchFamily="34" charset="0"/>
-              <a:buChar char="•"/>
-            </a:pPr>
-            <a:r>
-              <a:rPr lang="ru-RU" sz="2400" b="0" i="0" u="none" strike="noStrike" dirty="0" err="1">
-                <a:solidFill>
-                  <a:srgbClr val="007BFF"/>
-                </a:solidFill>
-                <a:effectLst/>
-                <a:latin typeface="-apple-system"/>
-                <a:hlinkClick r:id="rId10"/>
-              </a:rPr>
-              <a:t>drawRoundRect</a:t>
-            </a:r>
-            <a:r>
-              <a:rPr lang="ru-RU" sz="2400" b="0" i="0" u="none" strike="noStrike" dirty="0">
-                <a:solidFill>
-                  <a:srgbClr val="007BFF"/>
-                </a:solidFill>
-                <a:effectLst/>
-                <a:latin typeface="-apple-system"/>
-                <a:hlinkClick r:id="rId10"/>
-              </a:rPr>
-              <a:t>()</a:t>
-            </a:r>
-            <a:r>
-              <a:rPr lang="ru-RU" sz="2400" b="0" i="0" dirty="0">
-                <a:solidFill>
-                  <a:srgbClr val="212529"/>
-                </a:solidFill>
-                <a:effectLst/>
-                <a:latin typeface="-apple-system"/>
-              </a:rPr>
-              <a:t>. Рисует прямоугольник с закругленными углами.</a:t>
-            </a:r>
-          </a:p>
-          <a:p>
-            <a:pPr algn="l">
-              <a:buFont typeface="Arial" panose="020B0604020202020204" pitchFamily="34" charset="0"/>
-              <a:buChar char="•"/>
-            </a:pPr>
-            <a:r>
-              <a:rPr lang="ru-RU" sz="2400" b="0" i="0" u="none" strike="noStrike" dirty="0" err="1">
-                <a:solidFill>
-                  <a:srgbClr val="007BFF"/>
-                </a:solidFill>
-                <a:effectLst/>
-                <a:latin typeface="-apple-system"/>
-                <a:hlinkClick r:id="rId11"/>
-              </a:rPr>
-              <a:t>drawText</a:t>
-            </a:r>
-            <a:r>
-              <a:rPr lang="ru-RU" sz="2400" b="0" i="0" u="none" strike="noStrike" dirty="0">
-                <a:solidFill>
-                  <a:srgbClr val="007BFF"/>
-                </a:solidFill>
-                <a:effectLst/>
-                <a:latin typeface="-apple-system"/>
-                <a:hlinkClick r:id="rId11"/>
-              </a:rPr>
-              <a:t>()</a:t>
-            </a:r>
-            <a:r>
-              <a:rPr lang="ru-RU" sz="2400" b="0" i="0" dirty="0">
-                <a:solidFill>
-                  <a:srgbClr val="212529"/>
-                </a:solidFill>
-                <a:effectLst/>
-                <a:latin typeface="-apple-system"/>
-              </a:rPr>
-              <a:t>. Рисует текстовую строку на холсте. Шрифт, размер, цвет и свойства отображения текста задаются в соответствующем объекте </a:t>
-            </a:r>
-            <a:r>
-              <a:rPr lang="ru-RU" sz="2400" b="1" i="0" dirty="0" err="1">
-                <a:solidFill>
-                  <a:srgbClr val="212529"/>
-                </a:solidFill>
-                <a:effectLst/>
-                <a:latin typeface="-apple-system"/>
-              </a:rPr>
-              <a:t>Paint</a:t>
-            </a:r>
-            <a:r>
-              <a:rPr lang="ru-RU" sz="2400" b="0" i="0" dirty="0">
-                <a:solidFill>
-                  <a:srgbClr val="212529"/>
-                </a:solidFill>
-                <a:effectLst/>
-                <a:latin typeface="-apple-system"/>
-              </a:rPr>
-              <a:t>.</a:t>
-            </a:r>
-          </a:p>
-          <a:p>
-            <a:pPr algn="l">
-              <a:buFont typeface="Arial" panose="020B0604020202020204" pitchFamily="34" charset="0"/>
-              <a:buChar char="•"/>
-            </a:pPr>
-            <a:r>
-              <a:rPr lang="ru-RU" sz="2400" b="0" i="0" u="none" strike="noStrike" dirty="0" err="1">
-                <a:solidFill>
-                  <a:srgbClr val="007BFF"/>
-                </a:solidFill>
-                <a:effectLst/>
-                <a:latin typeface="-apple-system"/>
-                <a:hlinkClick r:id="rId12"/>
-              </a:rPr>
-              <a:t>rotate</a:t>
-            </a:r>
-            <a:r>
-              <a:rPr lang="ru-RU" sz="2400" b="0" i="0" u="none" strike="noStrike" dirty="0">
-                <a:solidFill>
-                  <a:srgbClr val="007BFF"/>
-                </a:solidFill>
-                <a:effectLst/>
-                <a:latin typeface="-apple-system"/>
-                <a:hlinkClick r:id="rId12"/>
-              </a:rPr>
-              <a:t>() и </a:t>
-            </a:r>
-            <a:r>
-              <a:rPr lang="ru-RU" sz="2400" b="0" i="0" u="none" strike="noStrike" dirty="0" err="1">
-                <a:solidFill>
-                  <a:srgbClr val="007BFF"/>
-                </a:solidFill>
-                <a:effectLst/>
-                <a:latin typeface="-apple-system"/>
-                <a:hlinkClick r:id="rId12"/>
-              </a:rPr>
-              <a:t>restore</a:t>
-            </a:r>
-            <a:r>
-              <a:rPr lang="ru-RU" sz="2400" b="0" i="0" u="none" strike="noStrike" dirty="0">
-                <a:solidFill>
-                  <a:srgbClr val="007BFF"/>
-                </a:solidFill>
-                <a:effectLst/>
-                <a:latin typeface="-apple-system"/>
-                <a:hlinkClick r:id="rId12"/>
-              </a:rPr>
-              <a:t>()</a:t>
-            </a:r>
-            <a:r>
-              <a:rPr lang="ru-RU" sz="2400" b="0" i="0" dirty="0">
-                <a:solidFill>
-                  <a:srgbClr val="212529"/>
-                </a:solidFill>
-                <a:effectLst/>
-                <a:latin typeface="-apple-system"/>
-              </a:rPr>
-              <a:t>. Вращение холста</a:t>
-            </a:r>
-          </a:p>
-          <a:p>
-            <a:pPr algn="l">
-              <a:buFont typeface="Arial" panose="020B0604020202020204" pitchFamily="34" charset="0"/>
-              <a:buChar char="•"/>
-            </a:pPr>
-            <a:r>
-              <a:rPr lang="ru-RU" sz="2400" b="0" i="0" u="none" strike="noStrike" dirty="0">
-                <a:solidFill>
-                  <a:srgbClr val="007BFF"/>
-                </a:solidFill>
-                <a:effectLst/>
-                <a:latin typeface="-apple-system"/>
-                <a:hlinkClick r:id="rId13"/>
-              </a:rPr>
-              <a:t>Методы </a:t>
-            </a:r>
-            <a:r>
-              <a:rPr lang="ru-RU" sz="2400" b="0" i="0" u="none" strike="noStrike" dirty="0" err="1">
-                <a:solidFill>
-                  <a:srgbClr val="007BFF"/>
-                </a:solidFill>
-                <a:effectLst/>
-                <a:latin typeface="-apple-system"/>
-                <a:hlinkClick r:id="rId13"/>
-              </a:rPr>
-              <a:t>scale</a:t>
-            </a:r>
-            <a:r>
-              <a:rPr lang="ru-RU" sz="2400" b="0" i="0" u="none" strike="noStrike" dirty="0">
-                <a:solidFill>
-                  <a:srgbClr val="007BFF"/>
-                </a:solidFill>
-                <a:effectLst/>
-                <a:latin typeface="-apple-system"/>
-                <a:hlinkClick r:id="rId13"/>
-              </a:rPr>
-              <a:t>() и </a:t>
-            </a:r>
-            <a:r>
-              <a:rPr lang="ru-RU" sz="2400" b="0" i="0" u="none" strike="noStrike" dirty="0" err="1">
-                <a:solidFill>
-                  <a:srgbClr val="007BFF"/>
-                </a:solidFill>
-                <a:effectLst/>
-                <a:latin typeface="-apple-system"/>
-                <a:hlinkClick r:id="rId13"/>
-              </a:rPr>
-              <a:t>translate</a:t>
-            </a:r>
-            <a:r>
-              <a:rPr lang="ru-RU" sz="2400" b="0" i="0" u="none" strike="noStrike" dirty="0">
-                <a:solidFill>
-                  <a:srgbClr val="007BFF"/>
-                </a:solidFill>
-                <a:effectLst/>
-                <a:latin typeface="-apple-system"/>
-                <a:hlinkClick r:id="rId13"/>
-              </a:rPr>
-              <a:t>()</a:t>
-            </a:r>
-            <a:r>
-              <a:rPr lang="ru-RU" sz="2400" b="0" i="0" dirty="0">
-                <a:solidFill>
-                  <a:srgbClr val="212529"/>
-                </a:solidFill>
-                <a:effectLst/>
-                <a:latin typeface="-apple-system"/>
-              </a:rPr>
-              <a:t>. Изменение и перемещение координатной системы</a:t>
-            </a:r>
-          </a:p>
-          <a:p>
-            <a:endParaRPr lang="ru-RU" sz="2400" dirty="0"/>
+            <a:endParaRPr lang="en-US" dirty="0"/>
           </a:p>
         </p:txBody>
+      </p:sp>
+      <p:sp>
+        <p:nvSpPr>
+          <p:cNvPr id="41" name="Rectangle 40">
+            <a:extLst>
+              <a:ext uri="{FF2B5EF4-FFF2-40B4-BE49-F238E27FC236}">
+                <a16:creationId xmlns:a16="http://schemas.microsoft.com/office/drawing/2014/main" id="{E3401C9A-B20D-42B0-B7C0-0E4D1CE5857D}"/>
+              </a:ext>
+              <a:ext uri="{C183D7F6-B498-43B3-948B-1728B52AA6E4}">
+                <adec:decorative xmlns:adec="http://schemas.microsoft.com/office/drawing/2017/decorative" val="1"/>
+              </a:ext>
+            </a:extLst>
+          </p:cNvPr>
+          <p:cNvSpPr>
+            <a:spLocks noGrp="1" noRot="1" noChangeAspect="1" noMove="1" noResize="1" noEditPoints="1" noAdjustHandles="1" noChangeArrowheads="1" noChangeShapeType="1" noTextEdit="1"/>
+          </p:cNvSpPr>
+          <p:nvPr>
+            <p:extLst>
+              <p:ext uri="{386F3935-93C4-4BCD-93E2-E3B085C9AB24}">
+                <p16:designElem xmlns:p16="http://schemas.microsoft.com/office/powerpoint/2015/main" val="1"/>
+              </p:ext>
+            </p:extLst>
+          </p:nvPr>
+        </p:nvSpPr>
+        <p:spPr>
+          <a:xfrm>
+            <a:off x="11814060" y="758952"/>
+            <a:ext cx="384048" cy="5330952"/>
+          </a:xfrm>
+          <a:prstGeom prst="rect">
+            <a:avLst/>
+          </a:prstGeom>
+          <a:solidFill>
+            <a:srgbClr val="C8C8C8">
+              <a:alpha val="49804"/>
+            </a:srgbClr>
+          </a:solidFill>
+          <a:ln>
+            <a:noFill/>
+          </a:ln>
+        </p:spPr>
+        <p:style>
+          <a:lnRef idx="2">
+            <a:schemeClr val="accent1">
+              <a:shade val="50000"/>
+            </a:schemeClr>
+          </a:lnRef>
+          <a:fillRef idx="1">
+            <a:schemeClr val="accent1"/>
+          </a:fillRef>
+          <a:effectRef idx="0">
+            <a:schemeClr val="accent1"/>
+          </a:effectRef>
+          <a:fontRef idx="minor">
+            <a:schemeClr val="lt1"/>
+          </a:fontRef>
+        </p:style>
       </p:sp>
       <p:sp>
         <p:nvSpPr>
@@ -5818,8 +7495,8 @@
         </p:nvSpPr>
         <p:spPr>
           <a:xfrm>
-            <a:off x="274718" y="323271"/>
-            <a:ext cx="11352838" cy="3703130"/>
+            <a:off x="274718" y="768096"/>
+            <a:ext cx="7513268" cy="5329325"/>
           </a:xfrm>
           <a:prstGeom prst="rect">
             <a:avLst/>
@@ -5864,7 +7541,7 @@
     </p:spTree>
     <p:extLst>
       <p:ext uri="{BB962C8B-B14F-4D97-AF65-F5344CB8AC3E}">
-        <p14:creationId xmlns:p14="http://schemas.microsoft.com/office/powerpoint/2010/main" val="1168865725"/>
+        <p14:creationId xmlns:p14="http://schemas.microsoft.com/office/powerpoint/2010/main" val="2487048170"/>
       </p:ext>
     </p:extLst>
   </p:cSld>
@@ -5874,7 +7551,7 @@
 </p:sld>
 </file>
 
-<file path=ppt/slides/slide13.xml><?xml version="1.0" encoding="utf-8"?>
+<file path=ppt/slides/slide16.xml><?xml version="1.0" encoding="utf-8"?>
 <p:sld xmlns:a="http://schemas.openxmlformats.org/drawingml/2006/main" xmlns:r="http://schemas.openxmlformats.org/officeDocument/2006/relationships" xmlns:p="http://schemas.openxmlformats.org/presentationml/2006/main">
   <p:cSld>
     <p:bg>
@@ -5899,12 +7576,12 @@
           <a:chExt cx="0" cy="0"/>
         </a:xfrm>
       </p:grpSpPr>
-      <p:sp useBgFill="1">
-        <p:nvSpPr>
-          <p:cNvPr id="135" name="Rectangle 134">
+      <p:sp>
+        <p:nvSpPr>
+          <p:cNvPr id="33" name="Rectangle 32">
             <a:extLst>
               <a:ext uri="{FF2B5EF4-FFF2-40B4-BE49-F238E27FC236}">
-                <a16:creationId xmlns:a16="http://schemas.microsoft.com/office/drawing/2014/main" id="{9203ABB4-7E2A-4248-9FE7-4A419AFF2F17}"/>
+                <a16:creationId xmlns:a16="http://schemas.microsoft.com/office/drawing/2014/main" id="{43162304-DA60-4C31-9E2B-E22F8DA75FF5}"/>
               </a:ext>
               <a:ext uri="{C183D7F6-B498-43B3-948B-1728B52AA6E4}">
                 <adec:decorative xmlns:adec="http://schemas.microsoft.com/office/drawing/2017/decorative" val="1"/>
@@ -5924,8 +7601,120 @@
         </p:nvSpPr>
         <p:spPr>
           <a:xfrm>
+            <a:off x="1" y="758952"/>
+            <a:ext cx="3443590" cy="5330952"/>
+          </a:xfrm>
+          <a:prstGeom prst="rect">
+            <a:avLst/>
+          </a:prstGeom>
+          <a:solidFill>
+            <a:schemeClr val="accent1"/>
+          </a:solidFill>
+          <a:ln>
+            <a:noFill/>
+          </a:ln>
+        </p:spPr>
+        <p:style>
+          <a:lnRef idx="2">
+            <a:schemeClr val="accent1">
+              <a:shade val="50000"/>
+            </a:schemeClr>
+          </a:lnRef>
+          <a:fillRef idx="1">
+            <a:schemeClr val="accent1"/>
+          </a:fillRef>
+          <a:effectRef idx="0">
+            <a:schemeClr val="accent1"/>
+          </a:effectRef>
+          <a:fontRef idx="minor">
+            <a:schemeClr val="lt1"/>
+          </a:fontRef>
+        </p:style>
+      </p:sp>
+      <p:sp>
+        <p:nvSpPr>
+          <p:cNvPr id="35" name="Rectangle 34">
+            <a:extLst>
+              <a:ext uri="{FF2B5EF4-FFF2-40B4-BE49-F238E27FC236}">
+                <a16:creationId xmlns:a16="http://schemas.microsoft.com/office/drawing/2014/main" id="{C4AE1EFF-264A-4A42-BEA1-0E875F40D74F}"/>
+              </a:ext>
+              <a:ext uri="{C183D7F6-B498-43B3-948B-1728B52AA6E4}">
+                <adec:decorative xmlns:adec="http://schemas.microsoft.com/office/drawing/2017/decorative" val="1"/>
+              </a:ext>
+            </a:extLst>
+          </p:cNvPr>
+          <p:cNvSpPr>
+            <a:spLocks noGrp="1" noRot="1" noChangeAspect="1" noMove="1" noResize="1" noEditPoints="1" noAdjustHandles="1" noChangeArrowheads="1" noChangeShapeType="1" noTextEdit="1"/>
+          </p:cNvSpPr>
+          <p:nvPr>
+            <p:extLst>
+              <p:ext uri="{386F3935-93C4-4BCD-93E2-E3B085C9AB24}">
+                <p16:designElem xmlns:p16="http://schemas.microsoft.com/office/powerpoint/2015/main" val="1"/>
+              </p:ext>
+            </p:extLst>
+          </p:nvPr>
+        </p:nvSpPr>
+        <p:spPr>
+          <a:xfrm>
+            <a:off x="11815864" y="758952"/>
+            <a:ext cx="384048" cy="5330952"/>
+          </a:xfrm>
+          <a:prstGeom prst="rect">
+            <a:avLst/>
+          </a:prstGeom>
+          <a:solidFill>
+            <a:srgbClr val="C8C8C8">
+              <a:alpha val="49804"/>
+            </a:srgbClr>
+          </a:solidFill>
+          <a:ln>
+            <a:noFill/>
+          </a:ln>
+        </p:spPr>
+        <p:style>
+          <a:lnRef idx="2">
+            <a:schemeClr val="accent1">
+              <a:shade val="50000"/>
+            </a:schemeClr>
+          </a:lnRef>
+          <a:fillRef idx="1">
+            <a:schemeClr val="accent1"/>
+          </a:fillRef>
+          <a:effectRef idx="0">
+            <a:schemeClr val="accent1"/>
+          </a:effectRef>
+          <a:fontRef idx="minor">
+            <a:schemeClr val="lt1"/>
+          </a:fontRef>
+        </p:style>
+      </p:sp>
+      <p:sp useBgFill="1">
+        <p:nvSpPr>
+          <p:cNvPr id="37" name="Rectangle 36">
+            <a:extLst>
+              <a:ext uri="{FF2B5EF4-FFF2-40B4-BE49-F238E27FC236}">
+                <a16:creationId xmlns:a16="http://schemas.microsoft.com/office/drawing/2014/main" id="{4102E8E4-3982-4884-AA0F-68EC37047387}"/>
+              </a:ext>
+              <a:ext uri="{C183D7F6-B498-43B3-948B-1728B52AA6E4}">
+                <adec:decorative xmlns:adec="http://schemas.microsoft.com/office/drawing/2017/decorative" val="1"/>
+              </a:ext>
+            </a:extLst>
+          </p:cNvPr>
+          <p:cNvSpPr>
+            <a:spLocks noGrp="1" noRot="1" noChangeAspect="1" noMove="1" noResize="1" noEditPoints="1" noAdjustHandles="1" noChangeArrowheads="1" noChangeShapeType="1" noTextEdit="1"/>
+          </p:cNvSpPr>
+          <p:nvPr>
+            <p:extLst>
+              <p:ext uri="{386F3935-93C4-4BCD-93E2-E3B085C9AB24}">
+                <p16:designElem xmlns:p16="http://schemas.microsoft.com/office/powerpoint/2015/main" val="1"/>
+              </p:ext>
+            </p:extLst>
+          </p:nvPr>
+        </p:nvSpPr>
+        <p:spPr>
+          <a:xfrm>
             <a:off x="0" y="0"/>
-            <a:ext cx="12191999" cy="6858000"/>
+            <a:ext cx="12192000" cy="6858000"/>
           </a:xfrm>
           <a:prstGeom prst="rect">
             <a:avLst/>
@@ -5961,10 +7750,111 @@
       </p:sp>
       <p:sp>
         <p:nvSpPr>
-          <p:cNvPr id="137" name="Rectangle 136">
+          <p:cNvPr id="28" name="Заголовок 1">
             <a:extLst>
               <a:ext uri="{FF2B5EF4-FFF2-40B4-BE49-F238E27FC236}">
-                <a16:creationId xmlns:a16="http://schemas.microsoft.com/office/drawing/2014/main" id="{3126970D-C1E5-4FB1-84E8-86CB9CED1C80}"/>
+                <a16:creationId xmlns:a16="http://schemas.microsoft.com/office/drawing/2014/main" id="{A1800B60-BA5D-4BD9-AAE0-43620F882506}"/>
+              </a:ext>
+            </a:extLst>
+          </p:cNvPr>
+          <p:cNvSpPr txBox="1">
+            <a:spLocks/>
+          </p:cNvSpPr>
+          <p:nvPr/>
+        </p:nvSpPr>
+        <p:spPr>
+          <a:xfrm>
+            <a:off x="8360585" y="5342194"/>
+            <a:ext cx="3141182" cy="1495420"/>
+          </a:xfrm>
+          <a:prstGeom prst="rect">
+            <a:avLst/>
+          </a:prstGeom>
+        </p:spPr>
+        <p:txBody>
+          <a:bodyPr vert="horz" lIns="91440" tIns="45720" rIns="91440" bIns="45720" rtlCol="0" anchor="b">
+            <a:normAutofit fontScale="85000" lnSpcReduction="20000"/>
+          </a:bodyPr>
+          <a:lstStyle>
+            <a:lvl1pPr algn="l" defTabSz="914400" rtl="0" eaLnBrk="1" latinLnBrk="0" hangingPunct="1">
+              <a:lnSpc>
+                <a:spcPct val="90000"/>
+              </a:lnSpc>
+              <a:spcBef>
+                <a:spcPct val="0"/>
+              </a:spcBef>
+              <a:buNone/>
+              <a:defRPr sz="5900" kern="1200" spc="-100" baseline="0">
+                <a:solidFill>
+                  <a:srgbClr val="FFFFFF"/>
+                </a:solidFill>
+                <a:latin typeface="+mj-lt"/>
+                <a:ea typeface="+mj-ea"/>
+                <a:cs typeface="+mj-cs"/>
+              </a:defRPr>
+            </a:lvl1pPr>
+          </a:lstStyle>
+          <a:p>
+            <a:pPr algn="r">
+              <a:spcAft>
+                <a:spcPts val="600"/>
+              </a:spcAft>
+              <a:buClr>
+                <a:schemeClr val="accent1"/>
+              </a:buClr>
+            </a:pPr>
+            <a:r>
+              <a:rPr lang="en-US" sz="3600" b="1" spc="-60" dirty="0" err="1">
+                <a:solidFill>
+                  <a:schemeClr val="accent1"/>
+                </a:solidFill>
+              </a:rPr>
+              <a:t>Рисование</a:t>
+            </a:r>
+            <a:r>
+              <a:rPr lang="en-US" sz="3600" b="1" spc="-60" dirty="0">
+                <a:solidFill>
+                  <a:schemeClr val="accent1"/>
+                </a:solidFill>
+              </a:rPr>
+              <a:t> </a:t>
+            </a:r>
+            <a:r>
+              <a:rPr lang="en-US" sz="3600" b="1" spc="-60" dirty="0" err="1">
+                <a:solidFill>
+                  <a:schemeClr val="accent1"/>
+                </a:solidFill>
+              </a:rPr>
+              <a:t>изображения</a:t>
+            </a:r>
+            <a:br>
+              <a:rPr lang="en-US" sz="3600" b="1" spc="-60" dirty="0">
+                <a:solidFill>
+                  <a:schemeClr val="accent1"/>
+                </a:solidFill>
+              </a:rPr>
+            </a:br>
+            <a:br>
+              <a:rPr lang="en-US" sz="3600" b="1" spc="-60" dirty="0">
+                <a:solidFill>
+                  <a:schemeClr val="accent1"/>
+                </a:solidFill>
+              </a:rPr>
+            </a:br>
+            <a:endParaRPr lang="en-US" sz="3600" b="1" spc="-60" dirty="0">
+              <a:solidFill>
+                <a:schemeClr val="accent1"/>
+              </a:solidFill>
+            </a:endParaRPr>
+          </a:p>
+        </p:txBody>
+      </p:sp>
+      <p:sp>
+        <p:nvSpPr>
+          <p:cNvPr id="39" name="Rectangle 38">
+            <a:extLst>
+              <a:ext uri="{FF2B5EF4-FFF2-40B4-BE49-F238E27FC236}">
+                <a16:creationId xmlns:a16="http://schemas.microsoft.com/office/drawing/2014/main" id="{51EB3F61-F91A-45E6-81DA-F22A4CBAC4CD}"/>
               </a:ext>
               <a:ext uri="{C183D7F6-B498-43B3-948B-1728B52AA6E4}">
                 <adec:decorative xmlns:adec="http://schemas.microsoft.com/office/drawing/2017/decorative" val="1"/>
@@ -5984,8 +7874,422 @@
         </p:nvSpPr>
         <p:spPr>
           <a:xfrm>
-            <a:off x="0" y="4367639"/>
-            <a:ext cx="11707367" cy="1852186"/>
+            <a:off x="1" y="761998"/>
+            <a:ext cx="1286934" cy="5333999"/>
+          </a:xfrm>
+          <a:prstGeom prst="rect">
+            <a:avLst/>
+          </a:prstGeom>
+          <a:solidFill>
+            <a:srgbClr val="C8C8C8">
+              <a:alpha val="49804"/>
+            </a:srgbClr>
+          </a:solidFill>
+          <a:ln>
+            <a:noFill/>
+          </a:ln>
+        </p:spPr>
+        <p:style>
+          <a:lnRef idx="2">
+            <a:schemeClr val="accent1">
+              <a:shade val="50000"/>
+            </a:schemeClr>
+          </a:lnRef>
+          <a:fillRef idx="1">
+            <a:schemeClr val="accent1"/>
+          </a:fillRef>
+          <a:effectRef idx="0">
+            <a:schemeClr val="accent1"/>
+          </a:effectRef>
+          <a:fontRef idx="minor">
+            <a:schemeClr val="lt1"/>
+          </a:fontRef>
+        </p:style>
+        <p:txBody>
+          <a:bodyPr/>
+          <a:lstStyle/>
+          <a:p>
+            <a:endParaRPr lang="en-US" dirty="0"/>
+          </a:p>
+        </p:txBody>
+      </p:sp>
+      <p:sp>
+        <p:nvSpPr>
+          <p:cNvPr id="4" name="Прямоугольник 3">
+            <a:extLst>
+              <a:ext uri="{FF2B5EF4-FFF2-40B4-BE49-F238E27FC236}">
+                <a16:creationId xmlns:a16="http://schemas.microsoft.com/office/drawing/2014/main" id="{2016124D-69E7-4D58-B956-2AADA2D017A5}"/>
+              </a:ext>
+            </a:extLst>
+          </p:cNvPr>
+          <p:cNvSpPr/>
+          <p:nvPr/>
+        </p:nvSpPr>
+        <p:spPr>
+          <a:xfrm>
+            <a:off x="1447802" y="1405464"/>
+            <a:ext cx="10228274" cy="4690532"/>
+          </a:xfrm>
+          <a:prstGeom prst="rect">
+            <a:avLst/>
+          </a:prstGeom>
+        </p:spPr>
+        <p:txBody>
+          <a:bodyPr vert="horz" lIns="91440" tIns="45720" rIns="91440" bIns="45720" rtlCol="0" anchor="t">
+            <a:normAutofit/>
+          </a:bodyPr>
+          <a:lstStyle/>
+          <a:p>
+            <a:pPr defTabSz="914400">
+              <a:lnSpc>
+                <a:spcPct val="90000"/>
+              </a:lnSpc>
+              <a:spcAft>
+                <a:spcPts val="600"/>
+              </a:spcAft>
+              <a:buClr>
+                <a:schemeClr val="accent1"/>
+              </a:buClr>
+            </a:pPr>
+            <a:r>
+              <a:rPr lang="en-US" sz="2000" dirty="0">
+                <a:solidFill>
+                  <a:schemeClr val="tx1">
+                    <a:lumMod val="95000"/>
+                    <a:lumOff val="5000"/>
+                  </a:schemeClr>
+                </a:solidFill>
+                <a:latin typeface="Arial" panose="020B0604020202020204" pitchFamily="34" charset="0"/>
+                <a:cs typeface="Arial" panose="020B0604020202020204" pitchFamily="34" charset="0"/>
+              </a:rPr>
+              <a:t>Bitmap </a:t>
+            </a:r>
+            <a:r>
+              <a:rPr lang="en-US" sz="2000" dirty="0" err="1">
+                <a:solidFill>
+                  <a:schemeClr val="tx1">
+                    <a:lumMod val="95000"/>
+                    <a:lumOff val="5000"/>
+                  </a:schemeClr>
+                </a:solidFill>
+                <a:latin typeface="Arial" panose="020B0604020202020204" pitchFamily="34" charset="0"/>
+                <a:cs typeface="Arial" panose="020B0604020202020204" pitchFamily="34" charset="0"/>
+              </a:rPr>
+              <a:t>bitmap</a:t>
+            </a:r>
+            <a:r>
+              <a:rPr lang="en-US" sz="2000" dirty="0">
+                <a:solidFill>
+                  <a:schemeClr val="tx1">
+                    <a:lumMod val="95000"/>
+                    <a:lumOff val="5000"/>
+                  </a:schemeClr>
+                </a:solidFill>
+                <a:latin typeface="Arial" panose="020B0604020202020204" pitchFamily="34" charset="0"/>
+                <a:cs typeface="Arial" panose="020B0604020202020204" pitchFamily="34" charset="0"/>
+              </a:rPr>
+              <a:t> = </a:t>
+            </a:r>
+            <a:r>
+              <a:rPr lang="en-US" sz="2000" dirty="0" err="1">
+                <a:solidFill>
+                  <a:schemeClr val="tx1">
+                    <a:lumMod val="95000"/>
+                    <a:lumOff val="5000"/>
+                  </a:schemeClr>
+                </a:solidFill>
+                <a:latin typeface="Arial" panose="020B0604020202020204" pitchFamily="34" charset="0"/>
+                <a:cs typeface="Arial" panose="020B0604020202020204" pitchFamily="34" charset="0"/>
+              </a:rPr>
+              <a:t>BitmapFactory.decodeResource</a:t>
+            </a:r>
+            <a:r>
+              <a:rPr lang="en-US" sz="2000" dirty="0">
+                <a:solidFill>
+                  <a:schemeClr val="tx1">
+                    <a:lumMod val="95000"/>
+                    <a:lumOff val="5000"/>
+                  </a:schemeClr>
+                </a:solidFill>
+                <a:latin typeface="Arial" panose="020B0604020202020204" pitchFamily="34" charset="0"/>
+                <a:cs typeface="Arial" panose="020B0604020202020204" pitchFamily="34" charset="0"/>
+              </a:rPr>
+              <a:t>(</a:t>
+            </a:r>
+            <a:r>
+              <a:rPr lang="en-US" sz="2000" dirty="0" err="1">
+                <a:solidFill>
+                  <a:schemeClr val="tx1">
+                    <a:lumMod val="95000"/>
+                    <a:lumOff val="5000"/>
+                  </a:schemeClr>
+                </a:solidFill>
+                <a:latin typeface="Arial" panose="020B0604020202020204" pitchFamily="34" charset="0"/>
+                <a:cs typeface="Arial" panose="020B0604020202020204" pitchFamily="34" charset="0"/>
+              </a:rPr>
+              <a:t>getResources</a:t>
+            </a:r>
+            <a:r>
+              <a:rPr lang="en-US" sz="2000" dirty="0">
+                <a:solidFill>
+                  <a:schemeClr val="tx1">
+                    <a:lumMod val="95000"/>
+                    <a:lumOff val="5000"/>
+                  </a:schemeClr>
+                </a:solidFill>
+                <a:latin typeface="Arial" panose="020B0604020202020204" pitchFamily="34" charset="0"/>
+                <a:cs typeface="Arial" panose="020B0604020202020204" pitchFamily="34" charset="0"/>
+              </a:rPr>
+              <a:t>(), </a:t>
+            </a:r>
+            <a:r>
+              <a:rPr lang="en-US" sz="2000" dirty="0" err="1">
+                <a:solidFill>
+                  <a:schemeClr val="tx1">
+                    <a:lumMod val="95000"/>
+                    <a:lumOff val="5000"/>
+                  </a:schemeClr>
+                </a:solidFill>
+                <a:latin typeface="Arial" panose="020B0604020202020204" pitchFamily="34" charset="0"/>
+                <a:cs typeface="Arial" panose="020B0604020202020204" pitchFamily="34" charset="0"/>
+              </a:rPr>
+              <a:t>R.drawable.cactus</a:t>
+            </a:r>
+            <a:r>
+              <a:rPr lang="en-US" sz="2000" dirty="0">
+                <a:solidFill>
+                  <a:schemeClr val="tx1">
+                    <a:lumMod val="95000"/>
+                    <a:lumOff val="5000"/>
+                  </a:schemeClr>
+                </a:solidFill>
+                <a:latin typeface="Arial" panose="020B0604020202020204" pitchFamily="34" charset="0"/>
+                <a:cs typeface="Arial" panose="020B0604020202020204" pitchFamily="34" charset="0"/>
+              </a:rPr>
+              <a:t>);</a:t>
+            </a:r>
+          </a:p>
+          <a:p>
+            <a:pPr defTabSz="914400">
+              <a:lnSpc>
+                <a:spcPct val="90000"/>
+              </a:lnSpc>
+              <a:spcAft>
+                <a:spcPts val="600"/>
+              </a:spcAft>
+              <a:buClr>
+                <a:schemeClr val="accent1"/>
+              </a:buClr>
+            </a:pPr>
+            <a:r>
+              <a:rPr lang="en-US" sz="2000" dirty="0">
+                <a:solidFill>
+                  <a:schemeClr val="tx1">
+                    <a:lumMod val="95000"/>
+                    <a:lumOff val="5000"/>
+                  </a:schemeClr>
+                </a:solidFill>
+                <a:latin typeface="Arial" panose="020B0604020202020204" pitchFamily="34" charset="0"/>
+                <a:cs typeface="Arial" panose="020B0604020202020204" pitchFamily="34" charset="0"/>
+              </a:rPr>
+              <a:t>  </a:t>
+            </a:r>
+          </a:p>
+          <a:p>
+            <a:pPr defTabSz="914400">
+              <a:lnSpc>
+                <a:spcPct val="90000"/>
+              </a:lnSpc>
+              <a:spcAft>
+                <a:spcPts val="600"/>
+              </a:spcAft>
+              <a:buClr>
+                <a:schemeClr val="accent1"/>
+              </a:buClr>
+            </a:pPr>
+            <a:r>
+              <a:rPr lang="en-US" sz="2000" dirty="0">
+                <a:solidFill>
+                  <a:schemeClr val="tx1">
+                    <a:lumMod val="95000"/>
+                    <a:lumOff val="5000"/>
+                  </a:schemeClr>
+                </a:solidFill>
+                <a:latin typeface="Arial" panose="020B0604020202020204" pitchFamily="34" charset="0"/>
+                <a:cs typeface="Arial" panose="020B0604020202020204" pitchFamily="34" charset="0"/>
+              </a:rPr>
+              <a:t>Paint </a:t>
+            </a:r>
+            <a:r>
+              <a:rPr lang="en-US" sz="2000" dirty="0" err="1">
+                <a:solidFill>
+                  <a:schemeClr val="tx1">
+                    <a:lumMod val="95000"/>
+                    <a:lumOff val="5000"/>
+                  </a:schemeClr>
+                </a:solidFill>
+                <a:latin typeface="Arial" panose="020B0604020202020204" pitchFamily="34" charset="0"/>
+                <a:cs typeface="Arial" panose="020B0604020202020204" pitchFamily="34" charset="0"/>
+              </a:rPr>
+              <a:t>paint</a:t>
+            </a:r>
+            <a:r>
+              <a:rPr lang="en-US" sz="2000" dirty="0">
+                <a:solidFill>
+                  <a:schemeClr val="tx1">
+                    <a:lumMod val="95000"/>
+                    <a:lumOff val="5000"/>
+                  </a:schemeClr>
+                </a:solidFill>
+                <a:latin typeface="Arial" panose="020B0604020202020204" pitchFamily="34" charset="0"/>
+                <a:cs typeface="Arial" panose="020B0604020202020204" pitchFamily="34" charset="0"/>
+              </a:rPr>
+              <a:t>;</a:t>
+            </a:r>
+          </a:p>
+          <a:p>
+            <a:pPr defTabSz="914400">
+              <a:lnSpc>
+                <a:spcPct val="90000"/>
+              </a:lnSpc>
+              <a:spcAft>
+                <a:spcPts val="600"/>
+              </a:spcAft>
+              <a:buClr>
+                <a:schemeClr val="accent1"/>
+              </a:buClr>
+            </a:pPr>
+            <a:r>
+              <a:rPr lang="en-US" sz="2000" dirty="0">
+                <a:solidFill>
+                  <a:schemeClr val="tx1">
+                    <a:lumMod val="95000"/>
+                    <a:lumOff val="5000"/>
+                  </a:schemeClr>
+                </a:solidFill>
+                <a:latin typeface="Arial" panose="020B0604020202020204" pitchFamily="34" charset="0"/>
+                <a:cs typeface="Arial" panose="020B0604020202020204" pitchFamily="34" charset="0"/>
+              </a:rPr>
+              <a:t>paint = new Paint(</a:t>
+            </a:r>
+            <a:r>
+              <a:rPr lang="en-US" sz="2000" dirty="0" err="1">
+                <a:solidFill>
+                  <a:schemeClr val="tx1">
+                    <a:lumMod val="95000"/>
+                    <a:lumOff val="5000"/>
+                  </a:schemeClr>
+                </a:solidFill>
+                <a:latin typeface="Arial" panose="020B0604020202020204" pitchFamily="34" charset="0"/>
+                <a:cs typeface="Arial" panose="020B0604020202020204" pitchFamily="34" charset="0"/>
+              </a:rPr>
+              <a:t>Paint.ANTI_ALIAS_FLAG</a:t>
+            </a:r>
+            <a:r>
+              <a:rPr lang="en-US" sz="2000" dirty="0">
+                <a:solidFill>
+                  <a:schemeClr val="tx1">
+                    <a:lumMod val="95000"/>
+                    <a:lumOff val="5000"/>
+                  </a:schemeClr>
+                </a:solidFill>
+                <a:latin typeface="Arial" panose="020B0604020202020204" pitchFamily="34" charset="0"/>
+                <a:cs typeface="Arial" panose="020B0604020202020204" pitchFamily="34" charset="0"/>
+              </a:rPr>
+              <a:t>);</a:t>
+            </a:r>
+          </a:p>
+          <a:p>
+            <a:pPr defTabSz="914400">
+              <a:lnSpc>
+                <a:spcPct val="90000"/>
+              </a:lnSpc>
+              <a:spcAft>
+                <a:spcPts val="600"/>
+              </a:spcAft>
+              <a:buClr>
+                <a:schemeClr val="accent1"/>
+              </a:buClr>
+            </a:pPr>
+            <a:endParaRPr lang="en-US" sz="2000" dirty="0">
+              <a:solidFill>
+                <a:schemeClr val="tx1">
+                  <a:lumMod val="95000"/>
+                  <a:lumOff val="5000"/>
+                </a:schemeClr>
+              </a:solidFill>
+              <a:latin typeface="Arial" panose="020B0604020202020204" pitchFamily="34" charset="0"/>
+              <a:cs typeface="Arial" panose="020B0604020202020204" pitchFamily="34" charset="0"/>
+            </a:endParaRPr>
+          </a:p>
+          <a:p>
+            <a:pPr defTabSz="914400">
+              <a:lnSpc>
+                <a:spcPct val="90000"/>
+              </a:lnSpc>
+              <a:spcAft>
+                <a:spcPts val="600"/>
+              </a:spcAft>
+              <a:buClr>
+                <a:schemeClr val="accent1"/>
+              </a:buClr>
+            </a:pPr>
+            <a:r>
+              <a:rPr lang="en-US" sz="2000" dirty="0" err="1">
+                <a:solidFill>
+                  <a:schemeClr val="tx1">
+                    <a:lumMod val="95000"/>
+                    <a:lumOff val="5000"/>
+                  </a:schemeClr>
+                </a:solidFill>
+                <a:latin typeface="Arial" panose="020B0604020202020204" pitchFamily="34" charset="0"/>
+                <a:cs typeface="Arial" panose="020B0604020202020204" pitchFamily="34" charset="0"/>
+              </a:rPr>
+              <a:t>canvas.drawBitmap</a:t>
+            </a:r>
+            <a:r>
+              <a:rPr lang="en-US" dirty="0">
+                <a:solidFill>
+                  <a:schemeClr val="tx1">
+                    <a:lumMod val="95000"/>
+                    <a:lumOff val="5000"/>
+                  </a:schemeClr>
+                </a:solidFill>
+                <a:latin typeface="Arial" panose="020B0604020202020204" pitchFamily="34" charset="0"/>
+                <a:cs typeface="Arial" panose="020B0604020202020204" pitchFamily="34" charset="0"/>
+              </a:rPr>
+              <a:t>(bitmap, 0, 0, paint);</a:t>
+            </a:r>
+          </a:p>
+        </p:txBody>
+      </p:sp>
+      <p:sp>
+        <p:nvSpPr>
+          <p:cNvPr id="41" name="Rectangle 40">
+            <a:extLst>
+              <a:ext uri="{FF2B5EF4-FFF2-40B4-BE49-F238E27FC236}">
+                <a16:creationId xmlns:a16="http://schemas.microsoft.com/office/drawing/2014/main" id="{C0D1CB9A-4C6B-4843-B8E9-CD0071D37B0D}"/>
+              </a:ext>
+              <a:ext uri="{C183D7F6-B498-43B3-948B-1728B52AA6E4}">
+                <adec:decorative xmlns:adec="http://schemas.microsoft.com/office/drawing/2017/decorative" val="1"/>
+              </a:ext>
+            </a:extLst>
+          </p:cNvPr>
+          <p:cNvSpPr>
+            <a:spLocks noGrp="1" noRot="1" noChangeAspect="1" noMove="1" noResize="1" noEditPoints="1" noAdjustHandles="1" noChangeArrowheads="1" noChangeShapeType="1" noTextEdit="1"/>
+          </p:cNvSpPr>
+          <p:nvPr>
+            <p:extLst>
+              <p:ext uri="{386F3935-93C4-4BCD-93E2-E3B085C9AB24}">
+                <p16:designElem xmlns:p16="http://schemas.microsoft.com/office/powerpoint/2015/main" val="1"/>
+              </p:ext>
+            </p:extLst>
+          </p:nvPr>
+        </p:nvSpPr>
+        <p:spPr>
+          <a:xfrm>
+            <a:off x="11683988" y="767825"/>
+            <a:ext cx="508012" cy="5328173"/>
           </a:xfrm>
           <a:prstGeom prst="rect">
             <a:avLst/>
@@ -6013,55 +8317,46 @@
             <a:schemeClr val="lt1"/>
           </a:fontRef>
         </p:style>
+        <p:txBody>
+          <a:bodyPr rtlCol="0" anchor="ctr"/>
+          <a:lstStyle/>
+          <a:p>
+            <a:pPr algn="ctr"/>
+            <a:endParaRPr lang="en-US"/>
+          </a:p>
+        </p:txBody>
       </p:sp>
       <p:sp>
         <p:nvSpPr>
-          <p:cNvPr id="28" name="Заголовок 1">
+          <p:cNvPr id="2" name="Прямоугольник 1">
             <a:extLst>
               <a:ext uri="{FF2B5EF4-FFF2-40B4-BE49-F238E27FC236}">
-                <a16:creationId xmlns:a16="http://schemas.microsoft.com/office/drawing/2014/main" id="{A1800B60-BA5D-4BD9-AAE0-43620F882506}"/>
+                <a16:creationId xmlns:a16="http://schemas.microsoft.com/office/drawing/2014/main" id="{3B398E50-B389-4600-9630-2827F87B8FC9}"/>
               </a:ext>
             </a:extLst>
           </p:cNvPr>
-          <p:cNvSpPr txBox="1">
-            <a:spLocks/>
-          </p:cNvSpPr>
+          <p:cNvSpPr/>
           <p:nvPr/>
         </p:nvSpPr>
         <p:spPr>
           <a:xfrm>
-            <a:off x="274718" y="4690051"/>
-            <a:ext cx="10210862" cy="1293305"/>
+            <a:off x="643466" y="864108"/>
+            <a:ext cx="6987135" cy="5120640"/>
           </a:xfrm>
           <a:prstGeom prst="rect">
             <a:avLst/>
           </a:prstGeom>
         </p:spPr>
         <p:txBody>
-          <a:bodyPr vert="horz" lIns="91440" tIns="45720" rIns="91440" bIns="45720" rtlCol="0" anchor="b">
-            <a:normAutofit fontScale="92500" lnSpcReduction="10000"/>
+          <a:bodyPr vert="horz" lIns="91440" tIns="45720" rIns="91440" bIns="45720" rtlCol="0" anchor="ctr">
+            <a:normAutofit/>
           </a:bodyPr>
-          <a:lstStyle>
-            <a:lvl1pPr algn="l" defTabSz="914400" rtl="0" eaLnBrk="1" latinLnBrk="0" hangingPunct="1">
+          <a:lstStyle/>
+          <a:p>
+            <a:pPr defTabSz="914400">
               <a:lnSpc>
                 <a:spcPct val="90000"/>
               </a:lnSpc>
-              <a:spcBef>
-                <a:spcPct val="0"/>
-              </a:spcBef>
-              <a:buNone/>
-              <a:defRPr sz="5900" kern="1200" spc="-100" baseline="0">
-                <a:solidFill>
-                  <a:srgbClr val="FFFFFF"/>
-                </a:solidFill>
-                <a:latin typeface="+mj-lt"/>
-                <a:ea typeface="+mj-ea"/>
-                <a:cs typeface="+mj-cs"/>
-              </a:defRPr>
-            </a:lvl1pPr>
-          </a:lstStyle>
-          <a:p>
-            <a:pPr>
               <a:spcAft>
                 <a:spcPts val="600"/>
               </a:spcAft>
@@ -6069,332 +8364,32 @@
                 <a:schemeClr val="accent1"/>
               </a:buClr>
             </a:pPr>
-            <a:r>
-              <a:rPr lang="ru-RU" sz="3200" b="1" dirty="0"/>
-              <a:t>Возможности класса </a:t>
-            </a:r>
-            <a:r>
-              <a:rPr lang="en-US" sz="3200" b="1" dirty="0"/>
-              <a:t>Paint</a:t>
-            </a:r>
-            <a:br>
-              <a:rPr lang="en-US" sz="3200" b="1" dirty="0"/>
-            </a:br>
-            <a:br>
-              <a:rPr lang="en-US" sz="3200" b="1" dirty="0"/>
-            </a:br>
-            <a:endParaRPr lang="en-US" sz="3200" b="1" dirty="0"/>
-          </a:p>
-        </p:txBody>
-      </p:sp>
-      <p:sp>
-        <p:nvSpPr>
-          <p:cNvPr id="2" name="Прямоугольник 1">
-            <a:extLst>
-              <a:ext uri="{FF2B5EF4-FFF2-40B4-BE49-F238E27FC236}">
-                <a16:creationId xmlns:a16="http://schemas.microsoft.com/office/drawing/2014/main" id="{3B398E50-B389-4600-9630-2827F87B8FC9}"/>
-              </a:ext>
-            </a:extLst>
-          </p:cNvPr>
-          <p:cNvSpPr/>
-          <p:nvPr/>
-        </p:nvSpPr>
-        <p:spPr>
-          <a:xfrm>
-            <a:off x="564444" y="1421140"/>
-            <a:ext cx="11478470" cy="2308324"/>
-          </a:xfrm>
-          <a:prstGeom prst="rect">
-            <a:avLst/>
-          </a:prstGeom>
-        </p:spPr>
-        <p:txBody>
-          <a:bodyPr wrap="square">
-            <a:spAutoFit/>
-          </a:bodyPr>
-          <a:lstStyle/>
-          <a:p>
-            <a:pPr algn="l">
-              <a:buFont typeface="Arial" panose="020B0604020202020204" pitchFamily="34" charset="0"/>
-              <a:buChar char="•"/>
+            <a:endParaRPr lang="en-US" sz="2400" b="0" i="0" dirty="0">
+              <a:effectLst/>
+            </a:endParaRPr>
+          </a:p>
+          <a:p>
+            <a:pPr indent="-182880" defTabSz="914400">
+              <a:lnSpc>
+                <a:spcPct val="90000"/>
+              </a:lnSpc>
+              <a:spcAft>
+                <a:spcPts val="600"/>
+              </a:spcAft>
+              <a:buClr>
+                <a:schemeClr val="accent1"/>
+              </a:buClr>
+              <a:buFont typeface="Wingdings 2" pitchFamily="18" charset="2"/>
+              <a:buChar char=""/>
             </a:pPr>
-            <a:r>
-              <a:rPr lang="en-US" sz="2400" dirty="0" err="1">
-                <a:solidFill>
-                  <a:srgbClr val="007BFF"/>
-                </a:solidFill>
-                <a:latin typeface="-apple-system"/>
-              </a:rPr>
-              <a:t>setColor</a:t>
-            </a:r>
-            <a:r>
-              <a:rPr lang="en-US" sz="2400" b="0" i="0" dirty="0">
-                <a:solidFill>
-                  <a:srgbClr val="000000"/>
-                </a:solidFill>
-                <a:effectLst/>
-                <a:latin typeface="Consolas" panose="020B0609020204030204" pitchFamily="49" charset="0"/>
-              </a:rPr>
-              <a:t> – </a:t>
-            </a:r>
-            <a:r>
-              <a:rPr lang="ru-RU" sz="2400" b="0" i="0" dirty="0">
-                <a:solidFill>
-                  <a:srgbClr val="000000"/>
-                </a:solidFill>
-                <a:effectLst/>
-                <a:latin typeface="Consolas" panose="020B0609020204030204" pitchFamily="49" charset="0"/>
-              </a:rPr>
-              <a:t>задать цвет для рисования</a:t>
-            </a:r>
-            <a:endParaRPr lang="ru-RU" sz="2400" b="0" i="0" dirty="0">
-              <a:solidFill>
-                <a:srgbClr val="212529"/>
-              </a:solidFill>
-              <a:effectLst/>
-              <a:latin typeface="-apple-system"/>
-            </a:endParaRPr>
-          </a:p>
-          <a:p>
-            <a:pPr algn="l">
-              <a:buFont typeface="Arial" panose="020B0604020202020204" pitchFamily="34" charset="0"/>
-              <a:buChar char="•"/>
-            </a:pPr>
-            <a:r>
-              <a:rPr lang="en-US" sz="2400" b="0" i="0" u="none" strike="noStrike" dirty="0" err="1">
-                <a:solidFill>
-                  <a:srgbClr val="007BFF"/>
-                </a:solidFill>
-                <a:effectLst/>
-                <a:latin typeface="-apple-system"/>
-              </a:rPr>
-              <a:t>setTextSize</a:t>
-            </a:r>
-            <a:r>
-              <a:rPr lang="ru-RU" sz="2400" b="0" i="0" dirty="0">
-                <a:solidFill>
-                  <a:srgbClr val="212529"/>
-                </a:solidFill>
-                <a:effectLst/>
-                <a:latin typeface="-apple-system"/>
-              </a:rPr>
-              <a:t> </a:t>
-            </a:r>
-            <a:r>
-              <a:rPr lang="en-US" sz="2400" b="0" i="0" dirty="0">
-                <a:solidFill>
-                  <a:srgbClr val="000000"/>
-                </a:solidFill>
-                <a:effectLst/>
-                <a:latin typeface="Consolas" panose="020B0609020204030204" pitchFamily="49" charset="0"/>
-              </a:rPr>
-              <a:t>– </a:t>
-            </a:r>
-            <a:r>
-              <a:rPr lang="ru-RU" sz="2400" b="0" i="0" dirty="0">
-                <a:solidFill>
-                  <a:srgbClr val="000000"/>
-                </a:solidFill>
-                <a:effectLst/>
-                <a:latin typeface="Consolas" panose="020B0609020204030204" pitchFamily="49" charset="0"/>
-              </a:rPr>
-              <a:t>задать размер текста</a:t>
-            </a:r>
-          </a:p>
-          <a:p>
-            <a:pPr>
-              <a:buFont typeface="Arial" panose="020B0604020202020204" pitchFamily="34" charset="0"/>
-              <a:buChar char="•"/>
-            </a:pPr>
-            <a:r>
-              <a:rPr lang="en-US" sz="2400" dirty="0" err="1">
-                <a:solidFill>
-                  <a:srgbClr val="007BFF"/>
-                </a:solidFill>
-                <a:latin typeface="-apple-system"/>
-              </a:rPr>
-              <a:t>setStrokeWidth</a:t>
-            </a:r>
-            <a:r>
-              <a:rPr lang="en-US" sz="1800" dirty="0">
-                <a:solidFill>
-                  <a:srgbClr val="000000"/>
-                </a:solidFill>
-                <a:effectLst/>
-                <a:latin typeface="Times New Roman" panose="02020603050405020304" pitchFamily="18" charset="0"/>
-                <a:ea typeface="Arial Unicode MS"/>
-                <a:cs typeface="Arial Unicode MS"/>
-              </a:rPr>
-              <a:t> </a:t>
-            </a:r>
-            <a:r>
-              <a:rPr lang="ru-RU" sz="2400" b="0" i="0" dirty="0">
-                <a:solidFill>
-                  <a:srgbClr val="212529"/>
-                </a:solidFill>
-                <a:effectLst/>
-                <a:latin typeface="-apple-system"/>
-              </a:rPr>
-              <a:t> </a:t>
-            </a:r>
-            <a:r>
-              <a:rPr lang="en-US" sz="2400" b="0" i="0" dirty="0">
-                <a:solidFill>
-                  <a:srgbClr val="000000"/>
-                </a:solidFill>
-                <a:effectLst/>
-                <a:latin typeface="Consolas" panose="020B0609020204030204" pitchFamily="49" charset="0"/>
-              </a:rPr>
-              <a:t>– </a:t>
-            </a:r>
-            <a:r>
-              <a:rPr lang="ru-RU" sz="2400" b="0" i="0" dirty="0">
-                <a:solidFill>
-                  <a:srgbClr val="000000"/>
-                </a:solidFill>
-                <a:effectLst/>
-                <a:latin typeface="Consolas" panose="020B0609020204030204" pitchFamily="49" charset="0"/>
-              </a:rPr>
-              <a:t>задать толщину контура</a:t>
-            </a:r>
-          </a:p>
-          <a:p>
-            <a:pPr>
-              <a:buFont typeface="Arial" panose="020B0604020202020204" pitchFamily="34" charset="0"/>
-              <a:buChar char="•"/>
-            </a:pPr>
-            <a:r>
-              <a:rPr lang="en-US" sz="2400" dirty="0" err="1">
-                <a:solidFill>
-                  <a:srgbClr val="007BFF"/>
-                </a:solidFill>
-                <a:latin typeface="-apple-system"/>
-              </a:rPr>
-              <a:t>setStyle</a:t>
-            </a:r>
-            <a:r>
-              <a:rPr lang="en-US" sz="1800" dirty="0">
-                <a:solidFill>
-                  <a:srgbClr val="000000"/>
-                </a:solidFill>
-                <a:effectLst/>
-                <a:latin typeface="Times New Roman" panose="02020603050405020304" pitchFamily="18" charset="0"/>
-                <a:ea typeface="Arial Unicode MS"/>
-                <a:cs typeface="Arial Unicode MS"/>
-              </a:rPr>
-              <a:t> </a:t>
-            </a:r>
-            <a:r>
-              <a:rPr lang="ru-RU" sz="2400" b="0" i="0" dirty="0">
-                <a:solidFill>
-                  <a:srgbClr val="212529"/>
-                </a:solidFill>
-                <a:effectLst/>
-                <a:latin typeface="-apple-system"/>
-              </a:rPr>
-              <a:t> </a:t>
-            </a:r>
-            <a:r>
-              <a:rPr lang="en-US" sz="2400" b="0" i="0" dirty="0">
-                <a:solidFill>
-                  <a:srgbClr val="000000"/>
-                </a:solidFill>
-                <a:effectLst/>
-                <a:latin typeface="Consolas" panose="020B0609020204030204" pitchFamily="49" charset="0"/>
-              </a:rPr>
-              <a:t>– </a:t>
-            </a:r>
-            <a:r>
-              <a:rPr lang="ru-RU" sz="2400" b="0" i="0" dirty="0">
-                <a:solidFill>
-                  <a:srgbClr val="000000"/>
-                </a:solidFill>
-                <a:effectLst/>
-                <a:latin typeface="Consolas" panose="020B0609020204030204" pitchFamily="49" charset="0"/>
-              </a:rPr>
-              <a:t>задать стиль заливки фигуры</a:t>
-            </a:r>
-          </a:p>
-          <a:p>
-            <a:pPr algn="l"/>
-            <a:endParaRPr lang="ru-RU" sz="2400" b="0" i="0" dirty="0">
-              <a:solidFill>
-                <a:srgbClr val="000000"/>
-              </a:solidFill>
-              <a:effectLst/>
-              <a:latin typeface="Consolas" panose="020B0609020204030204" pitchFamily="49" charset="0"/>
-            </a:endParaRPr>
-          </a:p>
-          <a:p>
-            <a:pPr algn="l">
-              <a:buFont typeface="Arial" panose="020B0604020202020204" pitchFamily="34" charset="0"/>
-              <a:buChar char="•"/>
-            </a:pPr>
-            <a:endParaRPr lang="ru-RU" sz="2400" dirty="0"/>
-          </a:p>
-        </p:txBody>
-      </p:sp>
-      <p:sp>
-        <p:nvSpPr>
-          <p:cNvPr id="11" name="Прямоугольник 10">
-            <a:extLst>
-              <a:ext uri="{FF2B5EF4-FFF2-40B4-BE49-F238E27FC236}">
-                <a16:creationId xmlns:a16="http://schemas.microsoft.com/office/drawing/2014/main" id="{24195733-D2DC-4C95-A596-942B0689A47D}"/>
-              </a:ext>
-            </a:extLst>
-          </p:cNvPr>
-          <p:cNvSpPr/>
-          <p:nvPr/>
-        </p:nvSpPr>
-        <p:spPr>
-          <a:xfrm>
-            <a:off x="274718" y="323271"/>
-            <a:ext cx="11352838" cy="3703130"/>
-          </a:xfrm>
-          <a:prstGeom prst="rect">
-            <a:avLst/>
-          </a:prstGeom>
-          <a:noFill/>
-          <a:ln w="38100">
-            <a:solidFill>
-              <a:schemeClr val="tx1">
-                <a:lumMod val="50000"/>
-                <a:lumOff val="50000"/>
-              </a:schemeClr>
-            </a:solidFill>
-          </a:ln>
-        </p:spPr>
-        <p:style>
-          <a:lnRef idx="2">
-            <a:schemeClr val="accent1">
-              <a:shade val="50000"/>
-            </a:schemeClr>
-          </a:lnRef>
-          <a:fillRef idx="1">
-            <a:schemeClr val="accent1"/>
-          </a:fillRef>
-          <a:effectRef idx="0">
-            <a:schemeClr val="accent1"/>
-          </a:effectRef>
-          <a:fontRef idx="minor">
-            <a:schemeClr val="lt1"/>
-          </a:fontRef>
-        </p:style>
-        <p:txBody>
-          <a:bodyPr rtlCol="0" anchor="ctr"/>
-          <a:lstStyle/>
-          <a:p>
-            <a:pPr algn="ctr"/>
-            <a:endParaRPr lang="ru-RU">
-              <a:noFill/>
-            </a:endParaRPr>
+            <a:endParaRPr lang="en-US" dirty="0"/>
           </a:p>
         </p:txBody>
       </p:sp>
     </p:spTree>
     <p:extLst>
       <p:ext uri="{BB962C8B-B14F-4D97-AF65-F5344CB8AC3E}">
-        <p14:creationId xmlns:p14="http://schemas.microsoft.com/office/powerpoint/2010/main" val="1888261642"/>
+        <p14:creationId xmlns:p14="http://schemas.microsoft.com/office/powerpoint/2010/main" val="2161471488"/>
       </p:ext>
     </p:extLst>
   </p:cSld>
@@ -6404,7 +8399,7 @@
 </p:sld>
 </file>
 
-<file path=ppt/slides/slide14.xml><?xml version="1.0" encoding="utf-8"?>
+<file path=ppt/slides/slide17.xml><?xml version="1.0" encoding="utf-8"?>
 <p:sld xmlns:a="http://schemas.openxmlformats.org/drawingml/2006/main" xmlns:r="http://schemas.openxmlformats.org/officeDocument/2006/relationships" xmlns:p="http://schemas.openxmlformats.org/presentationml/2006/main">
   <p:cSld>
     <p:bg>
@@ -7004,7 +8999,7 @@
 </p:sld>
 </file>
 
-<file path=ppt/slides/slide15.xml><?xml version="1.0" encoding="utf-8"?>
+<file path=ppt/slides/slide18.xml><?xml version="1.0" encoding="utf-8"?>
 <p:sld xmlns:a="http://schemas.openxmlformats.org/drawingml/2006/main" xmlns:r="http://schemas.openxmlformats.org/officeDocument/2006/relationships" xmlns:p="http://schemas.openxmlformats.org/presentationml/2006/main">
   <p:cSld>
     <p:bg>
@@ -7029,12 +9024,12 @@
           <a:chExt cx="0" cy="0"/>
         </a:xfrm>
       </p:grpSpPr>
-      <p:sp useBgFill="1">
-        <p:nvSpPr>
-          <p:cNvPr id="2060" name="Rectangle 142">
+      <p:sp>
+        <p:nvSpPr>
+          <p:cNvPr id="33" name="Rectangle 32">
             <a:extLst>
               <a:ext uri="{FF2B5EF4-FFF2-40B4-BE49-F238E27FC236}">
-                <a16:creationId xmlns:a16="http://schemas.microsoft.com/office/drawing/2014/main" id="{0F2F231C-9E36-40B0-A4AD-D3AD1E81F065}"/>
+                <a16:creationId xmlns:a16="http://schemas.microsoft.com/office/drawing/2014/main" id="{43162304-DA60-4C31-9E2B-E22F8DA75FF5}"/>
               </a:ext>
               <a:ext uri="{C183D7F6-B498-43B3-948B-1728B52AA6E4}">
                 <adec:decorative xmlns:adec="http://schemas.microsoft.com/office/drawing/2017/decorative" val="1"/>
@@ -7054,68 +9049,8 @@
         </p:nvSpPr>
         <p:spPr>
           <a:xfrm>
-            <a:off x="0" y="0"/>
-            <a:ext cx="12191999" cy="6858000"/>
-          </a:xfrm>
-          <a:prstGeom prst="rect">
-            <a:avLst/>
-          </a:prstGeom>
-          <a:ln>
-            <a:noFill/>
-          </a:ln>
-        </p:spPr>
-        <p:style>
-          <a:lnRef idx="2">
-            <a:schemeClr val="accent1">
-              <a:shade val="50000"/>
-            </a:schemeClr>
-          </a:lnRef>
-          <a:fillRef idx="1">
-            <a:schemeClr val="accent1"/>
-          </a:fillRef>
-          <a:effectRef idx="0">
-            <a:schemeClr val="accent1"/>
-          </a:effectRef>
-          <a:fontRef idx="minor">
-            <a:schemeClr val="lt1"/>
-          </a:fontRef>
-        </p:style>
-        <p:txBody>
-          <a:bodyPr rtlCol="0" anchor="ctr"/>
-          <a:lstStyle/>
-          <a:p>
-            <a:pPr algn="ctr"/>
-            <a:endParaRPr lang="en-US"/>
-          </a:p>
-        </p:txBody>
-      </p:sp>
-      <p:sp>
-        <p:nvSpPr>
-          <p:cNvPr id="2061" name="Rectangle 144">
-            <a:extLst>
-              <a:ext uri="{FF2B5EF4-FFF2-40B4-BE49-F238E27FC236}">
-                <a16:creationId xmlns:a16="http://schemas.microsoft.com/office/drawing/2014/main" id="{AC80E3FC-06A2-4801-8281-7E4E063B73F9}"/>
-              </a:ext>
-              <a:ext uri="{C183D7F6-B498-43B3-948B-1728B52AA6E4}">
-                <adec:decorative xmlns:adec="http://schemas.microsoft.com/office/drawing/2017/decorative" val="1"/>
-              </a:ext>
-            </a:extLst>
-          </p:cNvPr>
-          <p:cNvSpPr>
-            <a:spLocks noGrp="1" noRot="1" noChangeAspect="1" noMove="1" noResize="1" noEditPoints="1" noAdjustHandles="1" noChangeArrowheads="1" noChangeShapeType="1" noTextEdit="1"/>
-          </p:cNvSpPr>
-          <p:nvPr>
-            <p:extLst>
-              <p:ext uri="{386F3935-93C4-4BCD-93E2-E3B085C9AB24}">
-                <p16:designElem xmlns:p16="http://schemas.microsoft.com/office/powerpoint/2015/main" val="1"/>
-              </p:ext>
-            </p:extLst>
-          </p:nvPr>
-        </p:nvSpPr>
-        <p:spPr>
-          <a:xfrm>
-            <a:off x="1" y="761999"/>
-            <a:ext cx="4642228" cy="5334001"/>
+            <a:off x="1" y="758952"/>
+            <a:ext cx="3443590" cy="5330952"/>
           </a:xfrm>
           <a:prstGeom prst="rect">
             <a:avLst/>
@@ -7146,73 +9081,10 @@
       </p:sp>
       <p:sp>
         <p:nvSpPr>
-          <p:cNvPr id="2062" name="Rectangle 146">
+          <p:cNvPr id="35" name="Rectangle 34">
             <a:extLst>
               <a:ext uri="{FF2B5EF4-FFF2-40B4-BE49-F238E27FC236}">
-                <a16:creationId xmlns:a16="http://schemas.microsoft.com/office/drawing/2014/main" id="{6993D2C4-33A7-4A1E-B168-F4C7A6922AE9}"/>
-              </a:ext>
-              <a:ext uri="{C183D7F6-B498-43B3-948B-1728B52AA6E4}">
-                <adec:decorative xmlns:adec="http://schemas.microsoft.com/office/drawing/2017/decorative" val="1"/>
-              </a:ext>
-            </a:extLst>
-          </p:cNvPr>
-          <p:cNvSpPr>
-            <a:spLocks noGrp="1" noRot="1" noChangeAspect="1" noMove="1" noResize="1" noEditPoints="1" noAdjustHandles="1" noChangeArrowheads="1" noChangeShapeType="1" noTextEdit="1"/>
-          </p:cNvSpPr>
-          <p:nvPr>
-            <p:extLst>
-              <p:ext uri="{386F3935-93C4-4BCD-93E2-E3B085C9AB24}">
-                <p16:designElem xmlns:p16="http://schemas.microsoft.com/office/powerpoint/2015/main" val="1"/>
-              </p:ext>
-            </p:extLst>
-          </p:nvPr>
-        </p:nvSpPr>
-        <p:spPr>
-          <a:xfrm>
-            <a:off x="9408840" y="758952"/>
-            <a:ext cx="2079069" cy="2344272"/>
-          </a:xfrm>
-          <a:prstGeom prst="rect">
-            <a:avLst/>
-          </a:prstGeom>
-          <a:solidFill>
-            <a:schemeClr val="accent1"/>
-          </a:solidFill>
-          <a:ln>
-            <a:noFill/>
-          </a:ln>
-        </p:spPr>
-        <p:style>
-          <a:lnRef idx="2">
-            <a:schemeClr val="accent1">
-              <a:shade val="50000"/>
-            </a:schemeClr>
-          </a:lnRef>
-          <a:fillRef idx="1">
-            <a:schemeClr val="accent1"/>
-          </a:fillRef>
-          <a:effectRef idx="0">
-            <a:schemeClr val="accent1"/>
-          </a:effectRef>
-          <a:fontRef idx="minor">
-            <a:schemeClr val="lt1"/>
-          </a:fontRef>
-        </p:style>
-        <p:txBody>
-          <a:bodyPr rtlCol="0" anchor="ctr"/>
-          <a:lstStyle/>
-          <a:p>
-            <a:pPr algn="ctr"/>
-            <a:endParaRPr lang="en-US"/>
-          </a:p>
-        </p:txBody>
-      </p:sp>
-      <p:sp>
-        <p:nvSpPr>
-          <p:cNvPr id="149" name="Rectangle 148">
-            <a:extLst>
-              <a:ext uri="{FF2B5EF4-FFF2-40B4-BE49-F238E27FC236}">
-                <a16:creationId xmlns:a16="http://schemas.microsoft.com/office/drawing/2014/main" id="{4554E15C-DA50-4F0F-A416-E3B088C75711}"/>
+                <a16:creationId xmlns:a16="http://schemas.microsoft.com/office/drawing/2014/main" id="{C4AE1EFF-264A-4A42-BEA1-0E875F40D74F}"/>
               </a:ext>
               <a:ext uri="{C183D7F6-B498-43B3-948B-1728B52AA6E4}">
                 <adec:decorative xmlns:adec="http://schemas.microsoft.com/office/drawing/2017/decorative" val="1"/>
@@ -7264,42 +9136,192 @@
           </a:fontRef>
         </p:style>
       </p:sp>
-      <p:pic>
-        <p:nvPicPr>
-          <p:cNvPr id="5" name="Рисунок 4">
+      <p:sp useBgFill="1">
+        <p:nvSpPr>
+          <p:cNvPr id="37" name="Rectangle 36">
             <a:extLst>
               <a:ext uri="{FF2B5EF4-FFF2-40B4-BE49-F238E27FC236}">
-                <a16:creationId xmlns:a16="http://schemas.microsoft.com/office/drawing/2014/main" id="{73081F4B-0452-4863-92C4-8AD523AF501D}"/>
+                <a16:creationId xmlns:a16="http://schemas.microsoft.com/office/drawing/2014/main" id="{64D545DB-8A58-4FDC-8FF8-F99D917C37C2}"/>
+              </a:ext>
+              <a:ext uri="{C183D7F6-B498-43B3-948B-1728B52AA6E4}">
+                <adec:decorative xmlns:adec="http://schemas.microsoft.com/office/drawing/2017/decorative" val="1"/>
               </a:ext>
             </a:extLst>
           </p:cNvPr>
-          <p:cNvPicPr>
-            <a:picLocks noChangeAspect="1"/>
-          </p:cNvPicPr>
-          <p:nvPr/>
-        </p:nvPicPr>
-        <p:blipFill>
-          <a:blip r:embed="rId2"/>
-          <a:stretch>
-            <a:fillRect/>
-          </a:stretch>
-        </p:blipFill>
+          <p:cNvSpPr>
+            <a:spLocks noGrp="1" noRot="1" noChangeAspect="1" noMove="1" noResize="1" noEditPoints="1" noAdjustHandles="1" noChangeArrowheads="1" noChangeShapeType="1" noTextEdit="1"/>
+          </p:cNvSpPr>
+          <p:nvPr>
+            <p:extLst>
+              <p:ext uri="{386F3935-93C4-4BCD-93E2-E3B085C9AB24}">
+                <p16:designElem xmlns:p16="http://schemas.microsoft.com/office/powerpoint/2015/main" val="1"/>
+              </p:ext>
+            </p:extLst>
+          </p:nvPr>
+        </p:nvSpPr>
         <p:spPr>
           <a:xfrm>
-            <a:off x="891072" y="942951"/>
-            <a:ext cx="2657262" cy="4724023"/>
+            <a:off x="0" y="0"/>
+            <a:ext cx="12192000" cy="6858000"/>
           </a:xfrm>
           <a:prstGeom prst="rect">
             <a:avLst/>
           </a:prstGeom>
+          <a:ln>
+            <a:noFill/>
+          </a:ln>
         </p:spPr>
-      </p:pic>
+        <p:style>
+          <a:lnRef idx="2">
+            <a:schemeClr val="accent1">
+              <a:shade val="50000"/>
+            </a:schemeClr>
+          </a:lnRef>
+          <a:fillRef idx="1">
+            <a:schemeClr val="accent1"/>
+          </a:fillRef>
+          <a:effectRef idx="0">
+            <a:schemeClr val="accent1"/>
+          </a:effectRef>
+          <a:fontRef idx="minor">
+            <a:schemeClr val="lt1"/>
+          </a:fontRef>
+        </p:style>
+        <p:txBody>
+          <a:bodyPr rtlCol="0" anchor="ctr"/>
+          <a:lstStyle/>
+          <a:p>
+            <a:pPr algn="ctr"/>
+            <a:endParaRPr lang="en-US"/>
+          </a:p>
+        </p:txBody>
+      </p:sp>
       <p:sp>
         <p:nvSpPr>
-          <p:cNvPr id="6" name="Прямоугольник 5">
+          <p:cNvPr id="39" name="Rectangle 38">
             <a:extLst>
               <a:ext uri="{FF2B5EF4-FFF2-40B4-BE49-F238E27FC236}">
-                <a16:creationId xmlns:a16="http://schemas.microsoft.com/office/drawing/2014/main" id="{C9D015F3-4E7B-4873-A3E2-A452DF5977D6}"/>
+                <a16:creationId xmlns:a16="http://schemas.microsoft.com/office/drawing/2014/main" id="{53F02532-0429-47BE-B7D5-89B31C0C803A}"/>
+              </a:ext>
+              <a:ext uri="{C183D7F6-B498-43B3-948B-1728B52AA6E4}">
+                <adec:decorative xmlns:adec="http://schemas.microsoft.com/office/drawing/2017/decorative" val="1"/>
+              </a:ext>
+            </a:extLst>
+          </p:cNvPr>
+          <p:cNvSpPr>
+            <a:spLocks noGrp="1" noRot="1" noChangeAspect="1" noMove="1" noResize="1" noEditPoints="1" noAdjustHandles="1" noChangeArrowheads="1" noChangeShapeType="1" noTextEdit="1"/>
+          </p:cNvSpPr>
+          <p:nvPr>
+            <p:extLst>
+              <p:ext uri="{386F3935-93C4-4BCD-93E2-E3B085C9AB24}">
+                <p16:designElem xmlns:p16="http://schemas.microsoft.com/office/powerpoint/2015/main" val="1"/>
+              </p:ext>
+            </p:extLst>
+          </p:nvPr>
+        </p:nvSpPr>
+        <p:spPr>
+          <a:xfrm>
+            <a:off x="8136729" y="757325"/>
+            <a:ext cx="3549144" cy="5329325"/>
+          </a:xfrm>
+          <a:prstGeom prst="rect">
+            <a:avLst/>
+          </a:prstGeom>
+          <a:solidFill>
+            <a:schemeClr val="accent1"/>
+          </a:solidFill>
+          <a:ln>
+            <a:noFill/>
+          </a:ln>
+        </p:spPr>
+        <p:style>
+          <a:lnRef idx="2">
+            <a:schemeClr val="accent1">
+              <a:shade val="50000"/>
+            </a:schemeClr>
+          </a:lnRef>
+          <a:fillRef idx="1">
+            <a:schemeClr val="accent1"/>
+          </a:fillRef>
+          <a:effectRef idx="0">
+            <a:schemeClr val="accent1"/>
+          </a:effectRef>
+          <a:fontRef idx="minor">
+            <a:schemeClr val="lt1"/>
+          </a:fontRef>
+        </p:style>
+        <p:txBody>
+          <a:bodyPr rtlCol="0" anchor="ctr"/>
+          <a:lstStyle/>
+          <a:p>
+            <a:pPr algn="ctr"/>
+            <a:endParaRPr lang="en-US"/>
+          </a:p>
+        </p:txBody>
+      </p:sp>
+      <p:sp>
+        <p:nvSpPr>
+          <p:cNvPr id="41" name="Rectangle 40">
+            <a:extLst>
+              <a:ext uri="{FF2B5EF4-FFF2-40B4-BE49-F238E27FC236}">
+                <a16:creationId xmlns:a16="http://schemas.microsoft.com/office/drawing/2014/main" id="{E3401C9A-B20D-42B0-B7C0-0E4D1CE5857D}"/>
+              </a:ext>
+              <a:ext uri="{C183D7F6-B498-43B3-948B-1728B52AA6E4}">
+                <adec:decorative xmlns:adec="http://schemas.microsoft.com/office/drawing/2017/decorative" val="1"/>
+              </a:ext>
+            </a:extLst>
+          </p:cNvPr>
+          <p:cNvSpPr>
+            <a:spLocks noGrp="1" noRot="1" noChangeAspect="1" noMove="1" noResize="1" noEditPoints="1" noAdjustHandles="1" noChangeArrowheads="1" noChangeShapeType="1" noTextEdit="1"/>
+          </p:cNvSpPr>
+          <p:nvPr>
+            <p:extLst>
+              <p:ext uri="{386F3935-93C4-4BCD-93E2-E3B085C9AB24}">
+                <p16:designElem xmlns:p16="http://schemas.microsoft.com/office/powerpoint/2015/main" val="1"/>
+              </p:ext>
+            </p:extLst>
+          </p:nvPr>
+        </p:nvSpPr>
+        <p:spPr>
+          <a:xfrm>
+            <a:off x="11814060" y="758952"/>
+            <a:ext cx="384048" cy="5330952"/>
+          </a:xfrm>
+          <a:prstGeom prst="rect">
+            <a:avLst/>
+          </a:prstGeom>
+          <a:solidFill>
+            <a:srgbClr val="C8C8C8">
+              <a:alpha val="49804"/>
+            </a:srgbClr>
+          </a:solidFill>
+          <a:ln>
+            <a:noFill/>
+          </a:ln>
+        </p:spPr>
+        <p:style>
+          <a:lnRef idx="2">
+            <a:schemeClr val="accent1">
+              <a:shade val="50000"/>
+            </a:schemeClr>
+          </a:lnRef>
+          <a:fillRef idx="1">
+            <a:schemeClr val="accent1"/>
+          </a:fillRef>
+          <a:effectRef idx="0">
+            <a:schemeClr val="accent1"/>
+          </a:effectRef>
+          <a:fontRef idx="minor">
+            <a:schemeClr val="lt1"/>
+          </a:fontRef>
+        </p:style>
+      </p:sp>
+      <p:sp>
+        <p:nvSpPr>
+          <p:cNvPr id="11" name="Прямоугольник 10">
+            <a:extLst>
+              <a:ext uri="{FF2B5EF4-FFF2-40B4-BE49-F238E27FC236}">
+                <a16:creationId xmlns:a16="http://schemas.microsoft.com/office/drawing/2014/main" id="{24195733-D2DC-4C95-A596-942B0689A47D}"/>
               </a:ext>
             </a:extLst>
           </p:cNvPr>
@@ -7308,333 +9330,8 @@
         </p:nvSpPr>
         <p:spPr>
           <a:xfrm>
-            <a:off x="5657701" y="1991664"/>
-            <a:ext cx="6451109" cy="3274586"/>
-          </a:xfrm>
-          <a:prstGeom prst="rect">
-            <a:avLst/>
-          </a:prstGeom>
-        </p:spPr>
-        <p:txBody>
-          <a:bodyPr vert="horz" lIns="91440" tIns="45720" rIns="91440" bIns="45720" rtlCol="0" anchor="t">
-            <a:normAutofit fontScale="92500" lnSpcReduction="20000"/>
-          </a:bodyPr>
-          <a:lstStyle/>
-          <a:p>
-            <a:pPr defTabSz="914400">
-              <a:lnSpc>
-                <a:spcPct val="130000"/>
-              </a:lnSpc>
-              <a:spcAft>
-                <a:spcPts val="600"/>
-              </a:spcAft>
-              <a:buClr>
-                <a:schemeClr val="accent1"/>
-              </a:buClr>
-            </a:pPr>
-            <a:r>
-              <a:rPr lang="en-US" sz="2400" dirty="0">
-                <a:solidFill>
-                  <a:schemeClr val="tx1">
-                    <a:lumMod val="95000"/>
-                    <a:lumOff val="5000"/>
-                  </a:schemeClr>
-                </a:solidFill>
-              </a:rPr>
-              <a:t>@Override</a:t>
-            </a:r>
-          </a:p>
-          <a:p>
-            <a:pPr defTabSz="914400">
-              <a:lnSpc>
-                <a:spcPct val="130000"/>
-              </a:lnSpc>
-              <a:spcAft>
-                <a:spcPts val="600"/>
-              </a:spcAft>
-              <a:buClr>
-                <a:schemeClr val="accent1"/>
-              </a:buClr>
-            </a:pPr>
-            <a:r>
-              <a:rPr lang="en-US" sz="2400" dirty="0">
-                <a:solidFill>
-                  <a:schemeClr val="tx1">
-                    <a:lumMod val="95000"/>
-                    <a:lumOff val="5000"/>
-                  </a:schemeClr>
-                </a:solidFill>
-              </a:rPr>
-              <a:t>protected void </a:t>
-            </a:r>
-            <a:r>
-              <a:rPr lang="en-US" sz="2400" dirty="0" err="1">
-                <a:solidFill>
-                  <a:schemeClr val="tx1">
-                    <a:lumMod val="95000"/>
-                    <a:lumOff val="5000"/>
-                  </a:schemeClr>
-                </a:solidFill>
-              </a:rPr>
-              <a:t>onDraw</a:t>
-            </a:r>
-            <a:r>
-              <a:rPr lang="en-US" sz="2400" dirty="0">
-                <a:solidFill>
-                  <a:schemeClr val="tx1">
-                    <a:lumMod val="95000"/>
-                    <a:lumOff val="5000"/>
-                  </a:schemeClr>
-                </a:solidFill>
-              </a:rPr>
-              <a:t>(Canvas canvas) {</a:t>
-            </a:r>
-          </a:p>
-          <a:p>
-            <a:pPr defTabSz="914400">
-              <a:lnSpc>
-                <a:spcPct val="130000"/>
-              </a:lnSpc>
-              <a:spcAft>
-                <a:spcPts val="600"/>
-              </a:spcAft>
-              <a:buClr>
-                <a:schemeClr val="accent1"/>
-              </a:buClr>
-            </a:pPr>
-            <a:r>
-              <a:rPr lang="en-US" sz="2400" dirty="0">
-                <a:solidFill>
-                  <a:schemeClr val="tx1">
-                    <a:lumMod val="95000"/>
-                    <a:lumOff val="5000"/>
-                  </a:schemeClr>
-                </a:solidFill>
-              </a:rPr>
-              <a:t>	</a:t>
-            </a:r>
-            <a:r>
-              <a:rPr lang="en-US" sz="2400" dirty="0" err="1">
-                <a:solidFill>
-                  <a:schemeClr val="tx1">
-                    <a:lumMod val="95000"/>
-                    <a:lumOff val="5000"/>
-                  </a:schemeClr>
-                </a:solidFill>
-              </a:rPr>
-              <a:t>canvas.drawCircle</a:t>
-            </a:r>
-            <a:r>
-              <a:rPr lang="en-US" sz="2400" dirty="0">
-                <a:solidFill>
-                  <a:schemeClr val="tx1">
-                    <a:lumMod val="95000"/>
-                    <a:lumOff val="5000"/>
-                  </a:schemeClr>
-                </a:solidFill>
-              </a:rPr>
-              <a:t>(x, 300, 20, paint);</a:t>
-            </a:r>
-          </a:p>
-          <a:p>
-            <a:pPr defTabSz="914400">
-              <a:lnSpc>
-                <a:spcPct val="130000"/>
-              </a:lnSpc>
-              <a:spcAft>
-                <a:spcPts val="600"/>
-              </a:spcAft>
-              <a:buClr>
-                <a:schemeClr val="accent1"/>
-              </a:buClr>
-            </a:pPr>
-            <a:r>
-              <a:rPr lang="en-US" sz="2400" dirty="0">
-                <a:solidFill>
-                  <a:schemeClr val="tx1">
-                    <a:lumMod val="95000"/>
-                    <a:lumOff val="5000"/>
-                  </a:schemeClr>
-                </a:solidFill>
-              </a:rPr>
-              <a:t>	// </a:t>
-            </a:r>
-            <a:r>
-              <a:rPr lang="en-US" sz="2400" dirty="0" err="1">
-                <a:solidFill>
-                  <a:schemeClr val="tx1">
-                    <a:lumMod val="95000"/>
-                    <a:lumOff val="5000"/>
-                  </a:schemeClr>
-                </a:solidFill>
-              </a:rPr>
-              <a:t>готовим</a:t>
-            </a:r>
-            <a:r>
-              <a:rPr lang="en-US" sz="2400" dirty="0">
-                <a:solidFill>
-                  <a:schemeClr val="tx1">
-                    <a:lumMod val="95000"/>
-                    <a:lumOff val="5000"/>
-                  </a:schemeClr>
-                </a:solidFill>
-              </a:rPr>
-              <a:t> x </a:t>
-            </a:r>
-            <a:r>
-              <a:rPr lang="en-US" sz="2400" dirty="0" err="1">
-                <a:solidFill>
-                  <a:schemeClr val="tx1">
-                    <a:lumMod val="95000"/>
-                    <a:lumOff val="5000"/>
-                  </a:schemeClr>
-                </a:solidFill>
-              </a:rPr>
-              <a:t>для</a:t>
-            </a:r>
-            <a:r>
-              <a:rPr lang="en-US" sz="2400" dirty="0">
-                <a:solidFill>
-                  <a:schemeClr val="tx1">
-                    <a:lumMod val="95000"/>
-                    <a:lumOff val="5000"/>
-                  </a:schemeClr>
-                </a:solidFill>
-              </a:rPr>
-              <a:t> </a:t>
-            </a:r>
-            <a:r>
-              <a:rPr lang="en-US" sz="2400" dirty="0" err="1">
-                <a:solidFill>
-                  <a:schemeClr val="tx1">
-                    <a:lumMod val="95000"/>
-                    <a:lumOff val="5000"/>
-                  </a:schemeClr>
-                </a:solidFill>
-              </a:rPr>
-              <a:t>следующего</a:t>
-            </a:r>
-            <a:r>
-              <a:rPr lang="en-US" sz="2400" dirty="0">
-                <a:solidFill>
-                  <a:schemeClr val="tx1">
-                    <a:lumMod val="95000"/>
-                    <a:lumOff val="5000"/>
-                  </a:schemeClr>
-                </a:solidFill>
-              </a:rPr>
-              <a:t> </a:t>
-            </a:r>
-            <a:r>
-              <a:rPr lang="en-US" sz="2400" dirty="0" err="1">
-                <a:solidFill>
-                  <a:schemeClr val="tx1">
-                    <a:lumMod val="95000"/>
-                    <a:lumOff val="5000"/>
-                  </a:schemeClr>
-                </a:solidFill>
-              </a:rPr>
-              <a:t>кадра</a:t>
-            </a:r>
-            <a:endParaRPr lang="en-US" sz="2400" dirty="0">
-              <a:solidFill>
-                <a:schemeClr val="tx1">
-                  <a:lumMod val="95000"/>
-                  <a:lumOff val="5000"/>
-                </a:schemeClr>
-              </a:solidFill>
-            </a:endParaRPr>
-          </a:p>
-          <a:p>
-            <a:pPr defTabSz="914400">
-              <a:lnSpc>
-                <a:spcPct val="130000"/>
-              </a:lnSpc>
-              <a:spcAft>
-                <a:spcPts val="600"/>
-              </a:spcAft>
-              <a:buClr>
-                <a:schemeClr val="accent1"/>
-              </a:buClr>
-            </a:pPr>
-            <a:r>
-              <a:rPr lang="en-US" sz="2400" dirty="0">
-                <a:solidFill>
-                  <a:schemeClr val="tx1">
-                    <a:lumMod val="95000"/>
-                    <a:lumOff val="5000"/>
-                  </a:schemeClr>
-                </a:solidFill>
-              </a:rPr>
-              <a:t> 	x += 0.5f;</a:t>
-            </a:r>
-          </a:p>
-          <a:p>
-            <a:pPr defTabSz="914400">
-              <a:lnSpc>
-                <a:spcPct val="130000"/>
-              </a:lnSpc>
-              <a:spcAft>
-                <a:spcPts val="600"/>
-              </a:spcAft>
-              <a:buClr>
-                <a:schemeClr val="accent1"/>
-              </a:buClr>
-            </a:pPr>
-            <a:r>
-              <a:rPr lang="en-US" sz="2400" dirty="0">
-                <a:solidFill>
-                  <a:schemeClr val="tx1">
-                    <a:lumMod val="95000"/>
-                    <a:lumOff val="5000"/>
-                  </a:schemeClr>
-                </a:solidFill>
-              </a:rPr>
-              <a:t>	invalidate();</a:t>
-            </a:r>
-          </a:p>
-          <a:p>
-            <a:pPr defTabSz="914400">
-              <a:lnSpc>
-                <a:spcPct val="130000"/>
-              </a:lnSpc>
-              <a:spcAft>
-                <a:spcPts val="600"/>
-              </a:spcAft>
-              <a:buClr>
-                <a:schemeClr val="accent1"/>
-              </a:buClr>
-            </a:pPr>
-            <a:r>
-              <a:rPr lang="en-US" sz="2400" dirty="0">
-                <a:solidFill>
-                  <a:schemeClr val="tx1">
-                    <a:lumMod val="95000"/>
-                    <a:lumOff val="5000"/>
-                  </a:schemeClr>
-                </a:solidFill>
-              </a:rPr>
-              <a:t>}</a:t>
-            </a:r>
-          </a:p>
-        </p:txBody>
-      </p:sp>
-      <p:sp>
-        <p:nvSpPr>
-          <p:cNvPr id="7" name="Прямоугольник 6">
-            <a:extLst>
-              <a:ext uri="{FF2B5EF4-FFF2-40B4-BE49-F238E27FC236}">
-                <a16:creationId xmlns:a16="http://schemas.microsoft.com/office/drawing/2014/main" id="{F90539CB-AAB0-4034-B883-31DCDB5BE786}"/>
-              </a:ext>
-            </a:extLst>
-          </p:cNvPr>
-          <p:cNvSpPr/>
-          <p:nvPr/>
-        </p:nvSpPr>
-        <p:spPr>
-          <a:xfrm>
-            <a:off x="5251301" y="1611497"/>
-            <a:ext cx="6127288" cy="3913768"/>
+            <a:off x="274718" y="768096"/>
+            <a:ext cx="7513268" cy="5329325"/>
           </a:xfrm>
           <a:prstGeom prst="rect">
             <a:avLst/>
@@ -7676,10 +9373,372 @@
           </a:p>
         </p:txBody>
       </p:sp>
+      <p:pic>
+        <p:nvPicPr>
+          <p:cNvPr id="10" name="Рисунок 9">
+            <a:extLst>
+              <a:ext uri="{FF2B5EF4-FFF2-40B4-BE49-F238E27FC236}">
+                <a16:creationId xmlns:a16="http://schemas.microsoft.com/office/drawing/2014/main" id="{886CB502-C9E4-4813-BB3F-3C31A6F25129}"/>
+              </a:ext>
+            </a:extLst>
+          </p:cNvPr>
+          <p:cNvPicPr>
+            <a:picLocks noChangeAspect="1"/>
+          </p:cNvPicPr>
+          <p:nvPr/>
+        </p:nvPicPr>
+        <p:blipFill>
+          <a:blip r:embed="rId2"/>
+          <a:stretch>
+            <a:fillRect/>
+          </a:stretch>
+        </p:blipFill>
+        <p:spPr>
+          <a:xfrm>
+            <a:off x="8582670" y="1059975"/>
+            <a:ext cx="2657262" cy="4724023"/>
+          </a:xfrm>
+          <a:prstGeom prst="rect">
+            <a:avLst/>
+          </a:prstGeom>
+        </p:spPr>
+      </p:pic>
+      <p:sp>
+        <p:nvSpPr>
+          <p:cNvPr id="12" name="Прямоугольник 11">
+            <a:extLst>
+              <a:ext uri="{FF2B5EF4-FFF2-40B4-BE49-F238E27FC236}">
+                <a16:creationId xmlns:a16="http://schemas.microsoft.com/office/drawing/2014/main" id="{772D6B16-F30A-4692-97ED-F89382998692}"/>
+              </a:ext>
+            </a:extLst>
+          </p:cNvPr>
+          <p:cNvSpPr/>
+          <p:nvPr/>
+        </p:nvSpPr>
+        <p:spPr>
+          <a:xfrm>
+            <a:off x="805797" y="1791707"/>
+            <a:ext cx="6451109" cy="3274586"/>
+          </a:xfrm>
+          <a:prstGeom prst="rect">
+            <a:avLst/>
+          </a:prstGeom>
+        </p:spPr>
+        <p:txBody>
+          <a:bodyPr vert="horz" lIns="91440" tIns="45720" rIns="91440" bIns="45720" rtlCol="0" anchor="t">
+            <a:normAutofit fontScale="92500" lnSpcReduction="20000"/>
+          </a:bodyPr>
+          <a:lstStyle/>
+          <a:p>
+            <a:pPr defTabSz="914400">
+              <a:lnSpc>
+                <a:spcPct val="130000"/>
+              </a:lnSpc>
+              <a:spcAft>
+                <a:spcPts val="600"/>
+              </a:spcAft>
+              <a:buClr>
+                <a:schemeClr val="accent1"/>
+              </a:buClr>
+            </a:pPr>
+            <a:r>
+              <a:rPr lang="en-US" sz="2400" dirty="0">
+                <a:solidFill>
+                  <a:srgbClr val="FFC000"/>
+                </a:solidFill>
+              </a:rPr>
+              <a:t>@Override</a:t>
+            </a:r>
+          </a:p>
+          <a:p>
+            <a:pPr defTabSz="914400">
+              <a:lnSpc>
+                <a:spcPct val="130000"/>
+              </a:lnSpc>
+              <a:spcAft>
+                <a:spcPts val="600"/>
+              </a:spcAft>
+              <a:buClr>
+                <a:schemeClr val="accent1"/>
+              </a:buClr>
+            </a:pPr>
+            <a:r>
+              <a:rPr lang="en-US" sz="2400" dirty="0">
+                <a:solidFill>
+                  <a:srgbClr val="7030A0"/>
+                </a:solidFill>
+              </a:rPr>
+              <a:t>protected</a:t>
+            </a:r>
+            <a:r>
+              <a:rPr lang="en-US" sz="2400" dirty="0">
+                <a:solidFill>
+                  <a:schemeClr val="tx1">
+                    <a:lumMod val="95000"/>
+                    <a:lumOff val="5000"/>
+                  </a:schemeClr>
+                </a:solidFill>
+              </a:rPr>
+              <a:t> void </a:t>
+            </a:r>
+            <a:r>
+              <a:rPr lang="en-US" sz="2400" dirty="0" err="1">
+                <a:solidFill>
+                  <a:schemeClr val="tx1">
+                    <a:lumMod val="95000"/>
+                    <a:lumOff val="5000"/>
+                  </a:schemeClr>
+                </a:solidFill>
+              </a:rPr>
+              <a:t>onDraw</a:t>
+            </a:r>
+            <a:r>
+              <a:rPr lang="en-US" sz="2400" dirty="0">
+                <a:solidFill>
+                  <a:schemeClr val="tx1">
+                    <a:lumMod val="95000"/>
+                    <a:lumOff val="5000"/>
+                  </a:schemeClr>
+                </a:solidFill>
+              </a:rPr>
+              <a:t>(Canvas canvas) {</a:t>
+            </a:r>
+          </a:p>
+          <a:p>
+            <a:pPr defTabSz="914400">
+              <a:lnSpc>
+                <a:spcPct val="130000"/>
+              </a:lnSpc>
+              <a:spcAft>
+                <a:spcPts val="600"/>
+              </a:spcAft>
+              <a:buClr>
+                <a:schemeClr val="accent1"/>
+              </a:buClr>
+            </a:pPr>
+            <a:r>
+              <a:rPr lang="en-US" sz="2400" dirty="0">
+                <a:solidFill>
+                  <a:schemeClr val="tx1">
+                    <a:lumMod val="95000"/>
+                    <a:lumOff val="5000"/>
+                  </a:schemeClr>
+                </a:solidFill>
+              </a:rPr>
+              <a:t>	</a:t>
+            </a:r>
+            <a:r>
+              <a:rPr lang="en-US" sz="2400" dirty="0" err="1">
+                <a:solidFill>
+                  <a:schemeClr val="tx1">
+                    <a:lumMod val="95000"/>
+                    <a:lumOff val="5000"/>
+                  </a:schemeClr>
+                </a:solidFill>
+              </a:rPr>
+              <a:t>canvas.drawCircle</a:t>
+            </a:r>
+            <a:r>
+              <a:rPr lang="en-US" sz="2400" dirty="0">
+                <a:solidFill>
+                  <a:schemeClr val="tx1">
+                    <a:lumMod val="95000"/>
+                    <a:lumOff val="5000"/>
+                  </a:schemeClr>
+                </a:solidFill>
+              </a:rPr>
+              <a:t>(x, 300, 20, paint);</a:t>
+            </a:r>
+          </a:p>
+          <a:p>
+            <a:pPr defTabSz="914400">
+              <a:lnSpc>
+                <a:spcPct val="130000"/>
+              </a:lnSpc>
+              <a:spcAft>
+                <a:spcPts val="600"/>
+              </a:spcAft>
+              <a:buClr>
+                <a:schemeClr val="accent1"/>
+              </a:buClr>
+            </a:pPr>
+            <a:r>
+              <a:rPr lang="en-US" sz="2400" dirty="0">
+                <a:solidFill>
+                  <a:schemeClr val="tx1">
+                    <a:lumMod val="95000"/>
+                    <a:lumOff val="5000"/>
+                  </a:schemeClr>
+                </a:solidFill>
+              </a:rPr>
+              <a:t>	</a:t>
+            </a:r>
+            <a:r>
+              <a:rPr lang="en-US" sz="2400" dirty="0">
+                <a:solidFill>
+                  <a:schemeClr val="accent3">
+                    <a:lumMod val="75000"/>
+                  </a:schemeClr>
+                </a:solidFill>
+              </a:rPr>
+              <a:t>// </a:t>
+            </a:r>
+            <a:r>
+              <a:rPr lang="en-US" sz="2400" dirty="0" err="1">
+                <a:solidFill>
+                  <a:schemeClr val="accent3">
+                    <a:lumMod val="75000"/>
+                  </a:schemeClr>
+                </a:solidFill>
+              </a:rPr>
+              <a:t>готовим</a:t>
+            </a:r>
+            <a:r>
+              <a:rPr lang="en-US" sz="2400" dirty="0">
+                <a:solidFill>
+                  <a:schemeClr val="accent3">
+                    <a:lumMod val="75000"/>
+                  </a:schemeClr>
+                </a:solidFill>
+              </a:rPr>
+              <a:t> x </a:t>
+            </a:r>
+            <a:r>
+              <a:rPr lang="en-US" sz="2400" dirty="0" err="1">
+                <a:solidFill>
+                  <a:schemeClr val="accent3">
+                    <a:lumMod val="75000"/>
+                  </a:schemeClr>
+                </a:solidFill>
+              </a:rPr>
+              <a:t>для</a:t>
+            </a:r>
+            <a:r>
+              <a:rPr lang="en-US" sz="2400" dirty="0">
+                <a:solidFill>
+                  <a:schemeClr val="accent3">
+                    <a:lumMod val="75000"/>
+                  </a:schemeClr>
+                </a:solidFill>
+              </a:rPr>
+              <a:t> </a:t>
+            </a:r>
+            <a:r>
+              <a:rPr lang="en-US" sz="2400" dirty="0" err="1">
+                <a:solidFill>
+                  <a:schemeClr val="accent3">
+                    <a:lumMod val="75000"/>
+                  </a:schemeClr>
+                </a:solidFill>
+              </a:rPr>
+              <a:t>следующего</a:t>
+            </a:r>
+            <a:r>
+              <a:rPr lang="en-US" sz="2400" dirty="0">
+                <a:solidFill>
+                  <a:schemeClr val="accent3">
+                    <a:lumMod val="75000"/>
+                  </a:schemeClr>
+                </a:solidFill>
+              </a:rPr>
+              <a:t> </a:t>
+            </a:r>
+            <a:r>
+              <a:rPr lang="en-US" sz="2400" dirty="0" err="1">
+                <a:solidFill>
+                  <a:schemeClr val="accent3">
+                    <a:lumMod val="75000"/>
+                  </a:schemeClr>
+                </a:solidFill>
+              </a:rPr>
+              <a:t>кадра</a:t>
+            </a:r>
+            <a:endParaRPr lang="en-US" sz="2400" dirty="0">
+              <a:solidFill>
+                <a:schemeClr val="accent3">
+                  <a:lumMod val="75000"/>
+                </a:schemeClr>
+              </a:solidFill>
+            </a:endParaRPr>
+          </a:p>
+          <a:p>
+            <a:pPr defTabSz="914400">
+              <a:lnSpc>
+                <a:spcPct val="130000"/>
+              </a:lnSpc>
+              <a:spcAft>
+                <a:spcPts val="600"/>
+              </a:spcAft>
+              <a:buClr>
+                <a:schemeClr val="accent1"/>
+              </a:buClr>
+            </a:pPr>
+            <a:r>
+              <a:rPr lang="en-US" sz="2400" dirty="0">
+                <a:solidFill>
+                  <a:schemeClr val="tx1">
+                    <a:lumMod val="95000"/>
+                    <a:lumOff val="5000"/>
+                  </a:schemeClr>
+                </a:solidFill>
+              </a:rPr>
+              <a:t> 	x += 0.5f;</a:t>
+            </a:r>
+          </a:p>
+          <a:p>
+            <a:pPr defTabSz="914400">
+              <a:lnSpc>
+                <a:spcPct val="130000"/>
+              </a:lnSpc>
+              <a:spcAft>
+                <a:spcPts val="600"/>
+              </a:spcAft>
+              <a:buClr>
+                <a:schemeClr val="accent1"/>
+              </a:buClr>
+            </a:pPr>
+            <a:r>
+              <a:rPr lang="en-US" sz="2400" dirty="0">
+                <a:solidFill>
+                  <a:schemeClr val="tx1">
+                    <a:lumMod val="95000"/>
+                    <a:lumOff val="5000"/>
+                  </a:schemeClr>
+                </a:solidFill>
+              </a:rPr>
+              <a:t>	invalidate();</a:t>
+            </a:r>
+          </a:p>
+          <a:p>
+            <a:pPr defTabSz="914400">
+              <a:lnSpc>
+                <a:spcPct val="130000"/>
+              </a:lnSpc>
+              <a:spcAft>
+                <a:spcPts val="600"/>
+              </a:spcAft>
+              <a:buClr>
+                <a:schemeClr val="accent1"/>
+              </a:buClr>
+            </a:pPr>
+            <a:r>
+              <a:rPr lang="en-US" sz="2400" dirty="0">
+                <a:solidFill>
+                  <a:schemeClr val="tx1">
+                    <a:lumMod val="95000"/>
+                    <a:lumOff val="5000"/>
+                  </a:schemeClr>
+                </a:solidFill>
+              </a:rPr>
+              <a:t>}</a:t>
+            </a:r>
+          </a:p>
+        </p:txBody>
+      </p:sp>
     </p:spTree>
     <p:extLst>
       <p:ext uri="{BB962C8B-B14F-4D97-AF65-F5344CB8AC3E}">
-        <p14:creationId xmlns:p14="http://schemas.microsoft.com/office/powerpoint/2010/main" val="1725232086"/>
+        <p14:creationId xmlns:p14="http://schemas.microsoft.com/office/powerpoint/2010/main" val="3546762801"/>
       </p:ext>
     </p:extLst>
   </p:cSld>
@@ -14035,7 +16094,10 @@
     <p:bg>
       <p:bgPr>
         <a:solidFill>
-          <a:schemeClr val="bg1"/>
+          <a:schemeClr val="bg1">
+            <a:tint val="95000"/>
+            <a:satMod val="170000"/>
+          </a:schemeClr>
         </a:solidFill>
         <a:effectLst/>
       </p:bgPr>
@@ -14056,10 +16118,10 @@
       </p:grpSpPr>
       <p:sp>
         <p:nvSpPr>
-          <p:cNvPr id="71" name="Rectangle 70">
+          <p:cNvPr id="104" name="Rectangle 103">
             <a:extLst>
               <a:ext uri="{FF2B5EF4-FFF2-40B4-BE49-F238E27FC236}">
-                <a16:creationId xmlns:a16="http://schemas.microsoft.com/office/drawing/2014/main" id="{2ABBB681-F4D2-40F2-ACC3-DE0B4B4880EF}"/>
+                <a16:creationId xmlns:a16="http://schemas.microsoft.com/office/drawing/2014/main" id="{2F4AD318-2FB6-4C6E-931E-58E404FA18CD}"/>
               </a:ext>
               <a:ext uri="{C183D7F6-B498-43B3-948B-1728B52AA6E4}">
                 <adec:decorative xmlns:adec="http://schemas.microsoft.com/office/drawing/2017/decorative" val="1"/>
@@ -14086,7 +16148,7 @@
             <a:avLst/>
           </a:prstGeom>
           <a:solidFill>
-            <a:srgbClr val="5D5548"/>
+            <a:schemeClr val="accent1"/>
           </a:solidFill>
           <a:ln>
             <a:noFill/>
@@ -14113,16 +16175,16 @@
           <a:lstStyle/>
           <a:p>
             <a:pPr algn="ctr"/>
-            <a:endParaRPr lang="en-US"/>
+            <a:endParaRPr lang="en-US" dirty="0"/>
           </a:p>
         </p:txBody>
       </p:sp>
       <p:sp>
         <p:nvSpPr>
-          <p:cNvPr id="73" name="Rectangle 72">
+          <p:cNvPr id="106" name="Freeform: Shape 105">
             <a:extLst>
               <a:ext uri="{FF2B5EF4-FFF2-40B4-BE49-F238E27FC236}">
-                <a16:creationId xmlns:a16="http://schemas.microsoft.com/office/drawing/2014/main" id="{09388ED0-1FEF-4E11-B488-BD661D1AC1A6}"/>
+                <a16:creationId xmlns:a16="http://schemas.microsoft.com/office/drawing/2014/main" id="{1A118E35-1CBF-4863-8497-F4DF1A166D2D}"/>
               </a:ext>
               <a:ext uri="{C183D7F6-B498-43B3-948B-1728B52AA6E4}">
                 <adec:decorative xmlns:adec="http://schemas.microsoft.com/office/drawing/2017/decorative" val="1"/>
@@ -14142,19 +16204,52 @@
         </p:nvSpPr>
         <p:spPr>
           <a:xfrm>
-            <a:off x="477012" y="458470"/>
-            <a:ext cx="11237976" cy="5897880"/>
+            <a:off x="-3582" y="752748"/>
+            <a:ext cx="1001483" cy="4744251"/>
           </a:xfrm>
-          <a:prstGeom prst="rect">
+          <a:custGeom>
             <a:avLst/>
-          </a:prstGeom>
+            <a:gdLst>
+              <a:gd name="connsiteX0" fmla="*/ 0 w 1001483"/>
+              <a:gd name="connsiteY0" fmla="*/ 0 h 4744251"/>
+              <a:gd name="connsiteX1" fmla="*/ 1001483 w 1001483"/>
+              <a:gd name="connsiteY1" fmla="*/ 0 h 4744251"/>
+              <a:gd name="connsiteX2" fmla="*/ 0 w 1001483"/>
+              <a:gd name="connsiteY2" fmla="*/ 4744251 h 4744251"/>
+            </a:gdLst>
+            <a:ahLst/>
+            <a:cxnLst>
+              <a:cxn ang="0">
+                <a:pos x="connsiteX0" y="connsiteY0"/>
+              </a:cxn>
+              <a:cxn ang="0">
+                <a:pos x="connsiteX1" y="connsiteY1"/>
+              </a:cxn>
+              <a:cxn ang="0">
+                <a:pos x="connsiteX2" y="connsiteY2"/>
+              </a:cxn>
+            </a:cxnLst>
+            <a:rect l="l" t="t" r="r" b="b"/>
+            <a:pathLst>
+              <a:path w="1001483" h="4744251">
+                <a:moveTo>
+                  <a:pt x="0" y="0"/>
+                </a:moveTo>
+                <a:lnTo>
+                  <a:pt x="1001483" y="0"/>
+                </a:lnTo>
+                <a:lnTo>
+                  <a:pt x="0" y="4744251"/>
+                </a:lnTo>
+                <a:close/>
+              </a:path>
+            </a:pathLst>
+          </a:custGeom>
           <a:solidFill>
-            <a:srgbClr val="FFFFFF"/>
+            <a:schemeClr val="bg2"/>
           </a:solidFill>
           <a:ln>
-            <a:solidFill>
-              <a:srgbClr val="FFFFFF"/>
-            </a:solidFill>
+            <a:noFill/>
           </a:ln>
         </p:spPr>
         <p:style>
@@ -14173,107 +16268,193 @@
             <a:schemeClr val="lt1"/>
           </a:fontRef>
         </p:style>
-        <p:txBody>
-          <a:bodyPr rtlCol="0" anchor="ctr"/>
-          <a:lstStyle/>
-          <a:p>
-            <a:pPr algn="ctr"/>
-            <a:endParaRPr lang="en-US"/>
-          </a:p>
-        </p:txBody>
-      </p:sp>
-      <p:pic>
-        <p:nvPicPr>
-          <p:cNvPr id="15" name="Picture 4" descr="Руководство Android UI Layouts">
+      </p:sp>
+      <p:sp>
+        <p:nvSpPr>
+          <p:cNvPr id="108" name="Freeform: Shape 107">
             <a:extLst>
               <a:ext uri="{FF2B5EF4-FFF2-40B4-BE49-F238E27FC236}">
-                <a16:creationId xmlns:a16="http://schemas.microsoft.com/office/drawing/2014/main" id="{41B6A995-4C4A-4A3D-82F7-07F48156FE32}"/>
+                <a16:creationId xmlns:a16="http://schemas.microsoft.com/office/drawing/2014/main" id="{6E187274-5DC2-4BE0-AF99-925D6D973550}"/>
+              </a:ext>
+              <a:ext uri="{C183D7F6-B498-43B3-948B-1728B52AA6E4}">
+                <adec:decorative xmlns:adec="http://schemas.microsoft.com/office/drawing/2017/decorative" val="1"/>
               </a:ext>
             </a:extLst>
           </p:cNvPr>
-          <p:cNvPicPr>
-            <a:picLocks noChangeAspect="1" noChangeArrowheads="1"/>
-          </p:cNvPicPr>
+          <p:cNvSpPr>
+            <a:spLocks noGrp="1" noRot="1" noChangeAspect="1" noMove="1" noResize="1" noEditPoints="1" noAdjustHandles="1" noChangeArrowheads="1" noChangeShapeType="1" noTextEdit="1"/>
+          </p:cNvSpPr>
+          <p:nvPr>
+            <p:extLst>
+              <p:ext uri="{386F3935-93C4-4BCD-93E2-E3B085C9AB24}">
+                <p16:designElem xmlns:p16="http://schemas.microsoft.com/office/powerpoint/2015/main" val="1"/>
+              </p:ext>
+            </p:extLst>
+          </p:nvPr>
+        </p:nvSpPr>
+        <p:spPr>
+          <a:xfrm>
+            <a:off x="7987094" y="761999"/>
+            <a:ext cx="4208489" cy="5334001"/>
+          </a:xfrm>
+          <a:custGeom>
+            <a:avLst/>
+            <a:gdLst>
+              <a:gd name="connsiteX0" fmla="*/ 1015642 w 4208489"/>
+              <a:gd name="connsiteY0" fmla="*/ 0 h 5334001"/>
+              <a:gd name="connsiteX1" fmla="*/ 4208489 w 4208489"/>
+              <a:gd name="connsiteY1" fmla="*/ 0 h 5334001"/>
+              <a:gd name="connsiteX2" fmla="*/ 4208489 w 4208489"/>
+              <a:gd name="connsiteY2" fmla="*/ 5334001 h 5334001"/>
+              <a:gd name="connsiteX3" fmla="*/ 0 w 4208489"/>
+              <a:gd name="connsiteY3" fmla="*/ 5334001 h 5334001"/>
+            </a:gdLst>
+            <a:ahLst/>
+            <a:cxnLst>
+              <a:cxn ang="0">
+                <a:pos x="connsiteX0" y="connsiteY0"/>
+              </a:cxn>
+              <a:cxn ang="0">
+                <a:pos x="connsiteX1" y="connsiteY1"/>
+              </a:cxn>
+              <a:cxn ang="0">
+                <a:pos x="connsiteX2" y="connsiteY2"/>
+              </a:cxn>
+              <a:cxn ang="0">
+                <a:pos x="connsiteX3" y="connsiteY3"/>
+              </a:cxn>
+            </a:cxnLst>
+            <a:rect l="l" t="t" r="r" b="b"/>
+            <a:pathLst>
+              <a:path w="4208489" h="5334001">
+                <a:moveTo>
+                  <a:pt x="1015642" y="0"/>
+                </a:moveTo>
+                <a:lnTo>
+                  <a:pt x="4208489" y="0"/>
+                </a:lnTo>
+                <a:lnTo>
+                  <a:pt x="4208489" y="5334001"/>
+                </a:lnTo>
+                <a:lnTo>
+                  <a:pt x="0" y="5334001"/>
+                </a:lnTo>
+                <a:close/>
+              </a:path>
+            </a:pathLst>
+          </a:custGeom>
+          <a:solidFill>
+            <a:schemeClr val="bg2"/>
+          </a:solidFill>
+          <a:ln>
+            <a:noFill/>
+          </a:ln>
+        </p:spPr>
+        <p:style>
+          <a:lnRef idx="2">
+            <a:schemeClr val="accent1">
+              <a:shade val="50000"/>
+            </a:schemeClr>
+          </a:lnRef>
+          <a:fillRef idx="1">
+            <a:schemeClr val="accent1"/>
+          </a:fillRef>
+          <a:effectRef idx="0">
+            <a:schemeClr val="accent1"/>
+          </a:effectRef>
+          <a:fontRef idx="minor">
+            <a:schemeClr val="lt1"/>
+          </a:fontRef>
+        </p:style>
+      </p:sp>
+      <p:sp>
+        <p:nvSpPr>
+          <p:cNvPr id="17" name="Заголовок 1">
+            <a:extLst>
+              <a:ext uri="{FF2B5EF4-FFF2-40B4-BE49-F238E27FC236}">
+                <a16:creationId xmlns:a16="http://schemas.microsoft.com/office/drawing/2014/main" id="{69DC4097-399C-4D75-823F-140093B2791C}"/>
+              </a:ext>
+            </a:extLst>
+          </p:cNvPr>
+          <p:cNvSpPr txBox="1">
+            <a:spLocks/>
+          </p:cNvSpPr>
           <p:nvPr/>
-        </p:nvPicPr>
-        <p:blipFill rotWithShape="1">
-          <a:blip r:embed="rId2">
-            <a:extLst>
-              <a:ext uri="{28A0092B-C50C-407E-A947-70E740481C1C}">
-                <a14:useLocalDpi xmlns:a14="http://schemas.microsoft.com/office/drawing/2010/main" val="0"/>
-              </a:ext>
-            </a:extLst>
-          </a:blip>
-          <a:srcRect t="10380"/>
-          <a:stretch/>
-        </p:blipFill>
-        <p:spPr bwMode="auto">
+        </p:nvSpPr>
+        <p:spPr>
           <a:xfrm>
-            <a:off x="2242744" y="1290169"/>
-            <a:ext cx="8113832" cy="4871984"/>
+            <a:off x="1069849" y="1298448"/>
+            <a:ext cx="6917245" cy="3255264"/>
           </a:xfrm>
           <a:prstGeom prst="rect">
             <a:avLst/>
           </a:prstGeom>
-          <a:noFill/>
-          <a:extLst>
-            <a:ext uri="{909E8E84-426E-40DD-AFC4-6F175D3DCCD1}">
-              <a14:hiddenFill xmlns:a14="http://schemas.microsoft.com/office/drawing/2010/main">
-                <a:solidFill>
-                  <a:srgbClr val="FFFFFF"/>
-                </a:solidFill>
-              </a14:hiddenFill>
-            </a:ext>
-          </a:extLst>
-        </p:spPr>
-      </p:pic>
-      <p:sp>
-        <p:nvSpPr>
-          <p:cNvPr id="18" name="Заголовок 1">
-            <a:extLst>
-              <a:ext uri="{FF2B5EF4-FFF2-40B4-BE49-F238E27FC236}">
-                <a16:creationId xmlns:a16="http://schemas.microsoft.com/office/drawing/2014/main" id="{FD08B607-8650-4E35-930A-FD62D538BA9E}"/>
-              </a:ext>
-            </a:extLst>
-          </p:cNvPr>
-          <p:cNvSpPr>
-            <a:spLocks noGrp="1"/>
-          </p:cNvSpPr>
-          <p:nvPr>
-            <p:ph type="ctrTitle"/>
-          </p:nvPr>
-        </p:nvSpPr>
-        <p:spPr>
-          <a:xfrm>
-            <a:off x="3760520" y="581143"/>
-            <a:ext cx="7848384" cy="514829"/>
-          </a:xfrm>
         </p:spPr>
         <p:txBody>
-          <a:bodyPr vert="horz" lIns="91440" tIns="45720" rIns="91440" bIns="45720" rtlCol="0" anchor="b">
-            <a:noAutofit/>
+          <a:bodyPr vert="horz" lIns="91440" tIns="45720" rIns="91440" bIns="45720" rtlCol="0" anchor="ctr">
+            <a:normAutofit/>
           </a:bodyPr>
-          <a:lstStyle/>
-          <a:p>
-            <a:r>
-              <a:rPr lang="ru-RU" sz="3200" b="1" dirty="0">
-                <a:solidFill>
-                  <a:schemeClr val="accent5">
-                    <a:lumMod val="75000"/>
-                  </a:schemeClr>
-                </a:solidFill>
-              </a:rPr>
-              <a:t>Иерархия класса </a:t>
-            </a:r>
-            <a:r>
-              <a:rPr lang="en-US" sz="3200" b="1" dirty="0">
-                <a:solidFill>
-                  <a:schemeClr val="accent5">
-                    <a:lumMod val="75000"/>
-                  </a:schemeClr>
-                </a:solidFill>
-              </a:rPr>
-              <a:t>View</a:t>
+          <a:lstStyle>
+            <a:lvl1pPr algn="l" defTabSz="914400" rtl="0" eaLnBrk="1" latinLnBrk="0" hangingPunct="1">
+              <a:lnSpc>
+                <a:spcPct val="90000"/>
+              </a:lnSpc>
+              <a:spcBef>
+                <a:spcPct val="0"/>
+              </a:spcBef>
+              <a:buNone/>
+              <a:defRPr sz="5900" kern="1200" spc="-100" baseline="0">
+                <a:solidFill>
+                  <a:srgbClr val="FFFFFF"/>
+                </a:solidFill>
+                <a:latin typeface="+mj-lt"/>
+                <a:ea typeface="+mj-ea"/>
+                <a:cs typeface="+mj-cs"/>
+              </a:defRPr>
+            </a:lvl1pPr>
+          </a:lstStyle>
+          <a:p>
+            <a:pPr algn="r">
+              <a:spcAft>
+                <a:spcPts val="600"/>
+              </a:spcAft>
+              <a:buClr>
+                <a:schemeClr val="accent1"/>
+              </a:buClr>
+            </a:pPr>
+            <a:r>
+              <a:rPr lang="en-US" sz="6000" b="1" dirty="0" err="1"/>
+              <a:t>Простейшая</a:t>
+            </a:r>
+            <a:r>
+              <a:rPr lang="en-US" sz="6000" b="1" dirty="0"/>
+              <a:t> </a:t>
+            </a:r>
+            <a:r>
+              <a:rPr lang="en-US" sz="6000" b="1" dirty="0" err="1"/>
+              <a:t>анимация</a:t>
+            </a:r>
+            <a:r>
+              <a:rPr lang="en-US" sz="6000" b="1" dirty="0"/>
+              <a:t>.</a:t>
+            </a:r>
+          </a:p>
+          <a:p>
+            <a:pPr algn="r">
+              <a:spcAft>
+                <a:spcPts val="600"/>
+              </a:spcAft>
+              <a:buClr>
+                <a:schemeClr val="accent1"/>
+              </a:buClr>
+            </a:pPr>
+            <a:r>
+              <a:rPr lang="en-US" sz="6000" b="1" dirty="0" err="1"/>
+              <a:t>Класс</a:t>
+            </a:r>
+            <a:r>
+              <a:rPr lang="en-US" sz="6000" b="1" dirty="0"/>
+              <a:t> Canvas</a:t>
             </a:r>
           </a:p>
         </p:txBody>
@@ -14281,12 +16462,12 @@
     </p:spTree>
     <p:extLst>
       <p:ext uri="{BB962C8B-B14F-4D97-AF65-F5344CB8AC3E}">
-        <p14:creationId xmlns:p14="http://schemas.microsoft.com/office/powerpoint/2010/main" val="942160310"/>
+        <p14:creationId xmlns:p14="http://schemas.microsoft.com/office/powerpoint/2010/main" val="3849075532"/>
       </p:ext>
     </p:extLst>
   </p:cSld>
   <p:clrMapOvr>
-    <a:masterClrMapping/>
+    <a:overrideClrMapping bg1="dk1" tx1="lt1" bg2="dk2" tx2="lt2" accent1="accent1" accent2="accent2" accent3="accent3" accent4="accent4" accent5="accent5" accent6="accent6" hlink="hlink" folHlink="folHlink"/>
   </p:clrMapOvr>
 </p:sld>
 </file>
